--- a/meeting_docs/PRDC/ppt.pptx
+++ b/meeting_docs/PRDC/ppt.pptx
@@ -16,10 +16,10 @@
     <p:sldId id="2245" r:id="rId7"/>
     <p:sldId id="2246" r:id="rId8"/>
     <p:sldId id="2247" r:id="rId9"/>
-    <p:sldId id="2248" r:id="rId10"/>
-    <p:sldId id="2249" r:id="rId11"/>
-    <p:sldId id="2250" r:id="rId12"/>
-    <p:sldId id="2251" r:id="rId13"/>
+    <p:sldId id="2260" r:id="rId10"/>
+    <p:sldId id="2261" r:id="rId11"/>
+    <p:sldId id="2249" r:id="rId12"/>
+    <p:sldId id="2250" r:id="rId13"/>
     <p:sldId id="2252" r:id="rId14"/>
     <p:sldId id="2253" r:id="rId15"/>
     <p:sldId id="1459" r:id="rId16"/>
@@ -125,6 +125,11 @@
       </a:defRPr>
     </a:lvl9pPr>
   </p:defaultTextStyle>
+  <p:extLst>
+    <p:ext uri="{EFAFB233-063F-42B5-8137-9DF3F51BA10A}">
+      <p15:sldGuideLst xmlns:p15="http://schemas.microsoft.com/office/powerpoint/2012/main"/>
+    </p:ext>
+  </p:extLst>
 </p:presentation>
 </file>
 
@@ -210,7 +215,7 @@
           <a:p>
             <a:fld id="{24B8176E-6605-4323-B383-CD5FAEE5FE97}" type="datetimeFigureOut">
               <a:rPr lang="zh-CN" altLang="en-US" smtClean="0"/>
-              <a:t>2023/10/8</a:t>
+              <a:t>2023/10/9</a:t>
             </a:fld>
             <a:endParaRPr lang="zh-CN" altLang="en-US"/>
           </a:p>
@@ -700,7 +705,7 @@
     </p:spTree>
     <p:extLst>
       <p:ext uri="{BB962C8B-B14F-4D97-AF65-F5344CB8AC3E}">
-        <p14:creationId xmlns:p14="http://schemas.microsoft.com/office/powerpoint/2010/main" val="3781725392"/>
+        <p14:creationId xmlns:p14="http://schemas.microsoft.com/office/powerpoint/2010/main" val="4143005386"/>
       </p:ext>
     </p:extLst>
   </p:cSld>
@@ -1540,7 +1545,7 @@
     </p:spTree>
     <p:extLst>
       <p:ext uri="{BB962C8B-B14F-4D97-AF65-F5344CB8AC3E}">
-        <p14:creationId xmlns:p14="http://schemas.microsoft.com/office/powerpoint/2010/main" val="3289415958"/>
+        <p14:creationId xmlns:p14="http://schemas.microsoft.com/office/powerpoint/2010/main" val="723221032"/>
       </p:ext>
     </p:extLst>
   </p:cSld>
@@ -1624,7 +1629,7 @@
     </p:spTree>
     <p:extLst>
       <p:ext uri="{BB962C8B-B14F-4D97-AF65-F5344CB8AC3E}">
-        <p14:creationId xmlns:p14="http://schemas.microsoft.com/office/powerpoint/2010/main" val="2618229616"/>
+        <p14:creationId xmlns:p14="http://schemas.microsoft.com/office/powerpoint/2010/main" val="3437344258"/>
       </p:ext>
     </p:extLst>
   </p:cSld>
@@ -1708,7 +1713,7 @@
     </p:spTree>
     <p:extLst>
       <p:ext uri="{BB962C8B-B14F-4D97-AF65-F5344CB8AC3E}">
-        <p14:creationId xmlns:p14="http://schemas.microsoft.com/office/powerpoint/2010/main" val="4143005386"/>
+        <p14:creationId xmlns:p14="http://schemas.microsoft.com/office/powerpoint/2010/main" val="2618229616"/>
       </p:ext>
     </p:extLst>
   </p:cSld>
@@ -3391,7 +3396,7 @@
           <a:noFill/>
           <a:extLst>
             <a:ext uri="{909E8E84-426E-40dd-AFC4-6F175D3DCCD1}">
-              <a14:hiddenFill xmlns="" xmlns:a14="http://schemas.microsoft.com/office/drawing/2010/main">
+              <a14:hiddenFill xmlns:a14="http://schemas.microsoft.com/office/drawing/2010/main" xmlns="">
                 <a:solidFill>
                   <a:srgbClr val="FFFFFF"/>
                 </a:solidFill>
@@ -3456,6 +3461,191 @@
         </p:nvSpPr>
         <p:spPr>
           <a:xfrm>
+            <a:off x="729615" y="274639"/>
+            <a:ext cx="10122336" cy="1080530"/>
+          </a:xfrm>
+        </p:spPr>
+        <p:txBody>
+          <a:bodyPr>
+            <a:normAutofit/>
+          </a:bodyPr>
+          <a:lstStyle/>
+          <a:p>
+            <a:r>
+              <a:rPr kumimoji="1" lang="en-US" altLang="zh-CN" sz="3600" dirty="0">
+                <a:latin typeface="Times New Roman" panose="02020603050405020304" pitchFamily="18" charset="0"/>
+                <a:cs typeface="Times New Roman" panose="02020603050405020304" pitchFamily="18" charset="0"/>
+              </a:rPr>
+              <a:t>Algorithm Design: Tile Selection</a:t>
+            </a:r>
+            <a:endParaRPr kumimoji="1" lang="zh-CN" altLang="en-US" sz="3600" dirty="0">
+              <a:latin typeface="Times New Roman" panose="02020603050405020304" pitchFamily="18" charset="0"/>
+              <a:cs typeface="Times New Roman" panose="02020603050405020304" pitchFamily="18" charset="0"/>
+            </a:endParaRPr>
+          </a:p>
+        </p:txBody>
+      </p:sp>
+      <p:sp>
+        <p:nvSpPr>
+          <p:cNvPr id="3" name="内容占位符 2">
+            <a:extLst>
+              <a:ext uri="{FF2B5EF4-FFF2-40B4-BE49-F238E27FC236}">
+                <a16:creationId xmlns:a16="http://schemas.microsoft.com/office/drawing/2014/main" id="{F70074B0-7D54-CB43-A2C4-E8723E631238}"/>
+              </a:ext>
+            </a:extLst>
+          </p:cNvPr>
+          <p:cNvSpPr>
+            <a:spLocks noGrp="1"/>
+          </p:cNvSpPr>
+          <p:nvPr>
+            <p:ph idx="1"/>
+          </p:nvPr>
+        </p:nvSpPr>
+        <p:spPr>
+          <a:xfrm>
+            <a:off x="639156" y="1635624"/>
+            <a:ext cx="10913687" cy="4486879"/>
+          </a:xfrm>
+        </p:spPr>
+        <p:txBody>
+          <a:bodyPr>
+            <a:normAutofit/>
+          </a:bodyPr>
+          <a:lstStyle/>
+          <a:p>
+            <a:r>
+              <a:rPr kumimoji="1" lang="en-US" altLang="zh-CN" sz="2880" dirty="0">
+                <a:latin typeface="Times New Roman" panose="02020603050405020304" pitchFamily="18" charset="0"/>
+                <a:cs typeface="Times New Roman" panose="02020603050405020304" pitchFamily="18" charset="0"/>
+              </a:rPr>
+              <a:t>The procedure of tile selection:</a:t>
+            </a:r>
+            <a:endParaRPr kumimoji="1" lang="en-US" altLang="zh-CN" sz="2640" dirty="0">
+              <a:latin typeface="Times New Roman" panose="02020603050405020304" pitchFamily="18" charset="0"/>
+              <a:cs typeface="Times New Roman" panose="02020603050405020304" pitchFamily="18" charset="0"/>
+            </a:endParaRPr>
+          </a:p>
+          <a:p>
+            <a:endParaRPr kumimoji="1" lang="en-US" altLang="zh-CN" sz="2880" dirty="0">
+              <a:latin typeface="Times New Roman" panose="02020603050405020304" pitchFamily="18" charset="0"/>
+              <a:cs typeface="Times New Roman" panose="02020603050405020304" pitchFamily="18" charset="0"/>
+            </a:endParaRPr>
+          </a:p>
+        </p:txBody>
+      </p:sp>
+      <p:sp>
+        <p:nvSpPr>
+          <p:cNvPr id="4" name="灯片编号占位符 3">
+            <a:extLst>
+              <a:ext uri="{FF2B5EF4-FFF2-40B4-BE49-F238E27FC236}">
+                <a16:creationId xmlns:a16="http://schemas.microsoft.com/office/drawing/2014/main" id="{B268D50E-8107-3C4D-94F0-BEB8FEB2CD0A}"/>
+              </a:ext>
+            </a:extLst>
+          </p:cNvPr>
+          <p:cNvSpPr>
+            <a:spLocks noGrp="1"/>
+          </p:cNvSpPr>
+          <p:nvPr>
+            <p:ph type="sldNum" sz="quarter" idx="12"/>
+          </p:nvPr>
+        </p:nvSpPr>
+        <p:spPr/>
+        <p:txBody>
+          <a:bodyPr/>
+          <a:lstStyle/>
+          <a:p>
+            <a:fld id="{ADE361C3-C043-4A6E-BDCE-8DA1E7D90A3B}" type="slidenum">
+              <a:rPr lang="zh-CN" altLang="en-US" smtClean="0"/>
+              <a:t>10</a:t>
+            </a:fld>
+            <a:endParaRPr lang="zh-CN" altLang="en-US"/>
+          </a:p>
+        </p:txBody>
+      </p:sp>
+      <p:pic>
+        <p:nvPicPr>
+          <p:cNvPr id="7" name="图片 6">
+            <a:extLst>
+              <a:ext uri="{FF2B5EF4-FFF2-40B4-BE49-F238E27FC236}">
+                <a16:creationId xmlns:a16="http://schemas.microsoft.com/office/drawing/2014/main" id="{F82B558E-6770-16E1-531F-01076F433723}"/>
+              </a:ext>
+            </a:extLst>
+          </p:cNvPr>
+          <p:cNvPicPr>
+            <a:picLocks noChangeAspect="1"/>
+          </p:cNvPicPr>
+          <p:nvPr/>
+        </p:nvPicPr>
+        <p:blipFill>
+          <a:blip r:embed="rId3">
+            <a:extLst>
+              <a:ext uri="{28A0092B-C50C-407E-A947-70E740481C1C}">
+                <a14:useLocalDpi xmlns:a14="http://schemas.microsoft.com/office/drawing/2010/main" val="0"/>
+              </a:ext>
+            </a:extLst>
+          </a:blip>
+          <a:stretch>
+            <a:fillRect/>
+          </a:stretch>
+        </p:blipFill>
+        <p:spPr>
+          <a:xfrm>
+            <a:off x="1584178" y="2287333"/>
+            <a:ext cx="8413209" cy="3635055"/>
+          </a:xfrm>
+          <a:prstGeom prst="rect">
+            <a:avLst/>
+          </a:prstGeom>
+        </p:spPr>
+      </p:pic>
+    </p:spTree>
+    <p:extLst>
+      <p:ext uri="{BB962C8B-B14F-4D97-AF65-F5344CB8AC3E}">
+        <p14:creationId xmlns:p14="http://schemas.microsoft.com/office/powerpoint/2010/main" val="98431161"/>
+      </p:ext>
+    </p:extLst>
+  </p:cSld>
+  <p:clrMapOvr>
+    <a:masterClrMapping/>
+  </p:clrMapOvr>
+</p:sld>
+</file>
+
+<file path=ppt/slides/slide11.xml><?xml version="1.0" encoding="utf-8"?>
+<p:sld xmlns:a="http://schemas.openxmlformats.org/drawingml/2006/main" xmlns:r="http://schemas.openxmlformats.org/officeDocument/2006/relationships" xmlns:p="http://schemas.openxmlformats.org/presentationml/2006/main">
+  <p:cSld>
+    <p:spTree>
+      <p:nvGrpSpPr>
+        <p:cNvPr id="1" name=""/>
+        <p:cNvGrpSpPr/>
+        <p:nvPr/>
+      </p:nvGrpSpPr>
+      <p:grpSpPr>
+        <a:xfrm>
+          <a:off x="0" y="0"/>
+          <a:ext cx="0" cy="0"/>
+          <a:chOff x="0" y="0"/>
+          <a:chExt cx="0" cy="0"/>
+        </a:xfrm>
+      </p:grpSpPr>
+      <p:sp>
+        <p:nvSpPr>
+          <p:cNvPr id="2" name="标题 1">
+            <a:extLst>
+              <a:ext uri="{FF2B5EF4-FFF2-40B4-BE49-F238E27FC236}">
+                <a16:creationId xmlns:a16="http://schemas.microsoft.com/office/drawing/2014/main" id="{8A4E491A-F27D-6643-80E0-06F48660FA21}"/>
+              </a:ext>
+            </a:extLst>
+          </p:cNvPr>
+          <p:cNvSpPr>
+            <a:spLocks noGrp="1"/>
+          </p:cNvSpPr>
+          <p:nvPr>
+            <p:ph type="title"/>
+          </p:nvPr>
+        </p:nvSpPr>
+        <p:spPr>
+          <a:xfrm>
             <a:off x="730800" y="274639"/>
             <a:ext cx="10122336" cy="1080530"/>
           </a:xfrm>
@@ -3472,6 +3662,508 @@
                 <a:cs typeface="Times New Roman" panose="02020603050405020304" pitchFamily="18" charset="0"/>
               </a:rPr>
               <a:t>Algorithm Design: RNode Graph Abstraction</a:t>
+            </a:r>
+            <a:endParaRPr kumimoji="1" lang="zh-CN" altLang="en-US" sz="3600" dirty="0">
+              <a:latin typeface="Times New Roman" panose="02020603050405020304" pitchFamily="18" charset="0"/>
+              <a:cs typeface="Times New Roman" panose="02020603050405020304" pitchFamily="18" charset="0"/>
+            </a:endParaRPr>
+          </a:p>
+        </p:txBody>
+      </p:sp>
+      <p:sp>
+        <p:nvSpPr>
+          <p:cNvPr id="3" name="内容占位符 2">
+            <a:extLst>
+              <a:ext uri="{FF2B5EF4-FFF2-40B4-BE49-F238E27FC236}">
+                <a16:creationId xmlns:a16="http://schemas.microsoft.com/office/drawing/2014/main" id="{F70074B0-7D54-CB43-A2C4-E8723E631238}"/>
+              </a:ext>
+            </a:extLst>
+          </p:cNvPr>
+          <p:cNvSpPr>
+            <a:spLocks noGrp="1"/>
+          </p:cNvSpPr>
+          <p:nvPr>
+            <p:ph idx="1"/>
+          </p:nvPr>
+        </p:nvSpPr>
+        <p:spPr>
+          <a:xfrm>
+            <a:off x="639156" y="1635624"/>
+            <a:ext cx="10913687" cy="4756153"/>
+          </a:xfrm>
+        </p:spPr>
+        <p:txBody>
+          <a:bodyPr>
+            <a:normAutofit fontScale="85000" lnSpcReduction="20000"/>
+          </a:bodyPr>
+          <a:lstStyle/>
+          <a:p>
+            <a:r>
+              <a:rPr kumimoji="1" lang="en-US" altLang="zh-CN" sz="2880" dirty="0">
+                <a:latin typeface="Times New Roman" panose="02020603050405020304" pitchFamily="18" charset="0"/>
+                <a:cs typeface="Times New Roman" panose="02020603050405020304" pitchFamily="18" charset="0"/>
+              </a:rPr>
+              <a:t>Main Steps: </a:t>
+            </a:r>
+            <a:r>
+              <a:rPr lang="en-US" altLang="zh-CN" sz="1700" i="1" dirty="0">
+                <a:solidFill>
+                  <a:schemeClr val="tx1">
+                    <a:lumMod val="65000"/>
+                    <a:lumOff val="35000"/>
+                  </a:schemeClr>
+                </a:solidFill>
+                <a:latin typeface="Times New Roman" panose="02020603050405020304" pitchFamily="18" charset="0"/>
+                <a:ea typeface="+mn-ea"/>
+                <a:cs typeface="Times New Roman" panose="02020603050405020304" pitchFamily="18" charset="0"/>
+              </a:rPr>
+              <a:t>Abstracting linear tiles as a single large node and reconfiguring the associated edges.</a:t>
+            </a:r>
+          </a:p>
+          <a:p>
+            <a:endParaRPr lang="en-US" altLang="zh-CN" sz="1700" i="1" dirty="0">
+              <a:solidFill>
+                <a:schemeClr val="tx1">
+                  <a:lumMod val="65000"/>
+                  <a:lumOff val="35000"/>
+                </a:schemeClr>
+              </a:solidFill>
+              <a:latin typeface="Times New Roman" panose="02020603050405020304" pitchFamily="18" charset="0"/>
+              <a:ea typeface="+mn-ea"/>
+              <a:cs typeface="Times New Roman" panose="02020603050405020304" pitchFamily="18" charset="0"/>
+            </a:endParaRPr>
+          </a:p>
+          <a:p>
+            <a:endParaRPr lang="en-US" altLang="zh-CN" sz="1700" i="1" dirty="0">
+              <a:solidFill>
+                <a:schemeClr val="tx1">
+                  <a:lumMod val="65000"/>
+                  <a:lumOff val="35000"/>
+                </a:schemeClr>
+              </a:solidFill>
+              <a:latin typeface="Times New Roman" panose="02020603050405020304" pitchFamily="18" charset="0"/>
+              <a:ea typeface="+mn-ea"/>
+              <a:cs typeface="Times New Roman" panose="02020603050405020304" pitchFamily="18" charset="0"/>
+            </a:endParaRPr>
+          </a:p>
+          <a:p>
+            <a:endParaRPr lang="en-US" altLang="zh-CN" sz="1700" i="1" dirty="0">
+              <a:solidFill>
+                <a:schemeClr val="tx1">
+                  <a:lumMod val="65000"/>
+                  <a:lumOff val="35000"/>
+                </a:schemeClr>
+              </a:solidFill>
+              <a:latin typeface="Times New Roman" panose="02020603050405020304" pitchFamily="18" charset="0"/>
+              <a:ea typeface="+mn-ea"/>
+              <a:cs typeface="Times New Roman" panose="02020603050405020304" pitchFamily="18" charset="0"/>
+            </a:endParaRPr>
+          </a:p>
+          <a:p>
+            <a:endParaRPr lang="en-US" altLang="zh-CN" sz="1700" i="1" dirty="0">
+              <a:solidFill>
+                <a:schemeClr val="tx1">
+                  <a:lumMod val="65000"/>
+                  <a:lumOff val="35000"/>
+                </a:schemeClr>
+              </a:solidFill>
+              <a:latin typeface="Times New Roman" panose="02020603050405020304" pitchFamily="18" charset="0"/>
+              <a:ea typeface="+mn-ea"/>
+              <a:cs typeface="Times New Roman" panose="02020603050405020304" pitchFamily="18" charset="0"/>
+            </a:endParaRPr>
+          </a:p>
+          <a:p>
+            <a:endParaRPr lang="en-US" altLang="zh-CN" sz="1700" i="1" dirty="0">
+              <a:solidFill>
+                <a:schemeClr val="tx1">
+                  <a:lumMod val="65000"/>
+                  <a:lumOff val="35000"/>
+                </a:schemeClr>
+              </a:solidFill>
+              <a:latin typeface="Times New Roman" panose="02020603050405020304" pitchFamily="18" charset="0"/>
+              <a:ea typeface="+mn-ea"/>
+              <a:cs typeface="Times New Roman" panose="02020603050405020304" pitchFamily="18" charset="0"/>
+            </a:endParaRPr>
+          </a:p>
+          <a:p>
+            <a:endParaRPr lang="en-US" altLang="zh-CN" sz="1700" i="1" dirty="0">
+              <a:solidFill>
+                <a:schemeClr val="tx1">
+                  <a:lumMod val="65000"/>
+                  <a:lumOff val="35000"/>
+                </a:schemeClr>
+              </a:solidFill>
+              <a:latin typeface="Times New Roman" panose="02020603050405020304" pitchFamily="18" charset="0"/>
+              <a:ea typeface="+mn-ea"/>
+              <a:cs typeface="Times New Roman" panose="02020603050405020304" pitchFamily="18" charset="0"/>
+            </a:endParaRPr>
+          </a:p>
+          <a:p>
+            <a:r>
+              <a:rPr kumimoji="1" lang="en-US" altLang="zh-CN" sz="2880" dirty="0">
+                <a:latin typeface="Times New Roman" panose="02020603050405020304" pitchFamily="18" charset="0"/>
+                <a:cs typeface="Times New Roman" panose="02020603050405020304" pitchFamily="18" charset="0"/>
+              </a:rPr>
+              <a:t>The type of edges after abstraction:</a:t>
+            </a:r>
+          </a:p>
+          <a:p>
+            <a:pPr lvl="1"/>
+            <a:r>
+              <a:rPr kumimoji="1" lang="en-US" altLang="zh-CN" sz="2640" dirty="0">
+                <a:latin typeface="Times New Roman" panose="02020603050405020304" pitchFamily="18" charset="0"/>
+                <a:cs typeface="Times New Roman" panose="02020603050405020304" pitchFamily="18" charset="0"/>
+              </a:rPr>
+              <a:t>Abstract Node to Abstract Node: </a:t>
+            </a:r>
+            <a:r>
+              <a:rPr lang="en-US" altLang="zh-CN" sz="1600" b="1" i="1" dirty="0">
+                <a:solidFill>
+                  <a:schemeClr val="tx1">
+                    <a:lumMod val="65000"/>
+                    <a:lumOff val="35000"/>
+                  </a:schemeClr>
+                </a:solidFill>
+                <a:latin typeface="Times New Roman" panose="02020603050405020304" pitchFamily="18" charset="0"/>
+                <a:ea typeface="+mn-ea"/>
+                <a:cs typeface="Times New Roman" panose="02020603050405020304" pitchFamily="18" charset="0"/>
+              </a:rPr>
+              <a:t>Both abstracted nodes represent linear tiles that have common </a:t>
+            </a:r>
+            <a:r>
+              <a:rPr lang="en-US" altLang="zh-CN" sz="1600" b="1" i="1" dirty="0" err="1">
+                <a:solidFill>
+                  <a:schemeClr val="tx1">
+                    <a:lumMod val="65000"/>
+                    <a:lumOff val="35000"/>
+                  </a:schemeClr>
+                </a:solidFill>
+                <a:latin typeface="Times New Roman" panose="02020603050405020304" pitchFamily="18" charset="0"/>
+                <a:ea typeface="+mn-ea"/>
+                <a:cs typeface="Times New Roman" panose="02020603050405020304" pitchFamily="18" charset="0"/>
+              </a:rPr>
+              <a:t>RNode</a:t>
+            </a:r>
+            <a:r>
+              <a:rPr lang="en-US" altLang="zh-CN" sz="1600" b="1" i="1" dirty="0">
+                <a:solidFill>
+                  <a:schemeClr val="tx1">
+                    <a:lumMod val="65000"/>
+                    <a:lumOff val="35000"/>
+                  </a:schemeClr>
+                </a:solidFill>
+                <a:latin typeface="Times New Roman" panose="02020603050405020304" pitchFamily="18" charset="0"/>
+                <a:ea typeface="+mn-ea"/>
+                <a:cs typeface="Times New Roman" panose="02020603050405020304" pitchFamily="18" charset="0"/>
+              </a:rPr>
+              <a:t>.</a:t>
+            </a:r>
+          </a:p>
+          <a:p>
+            <a:pPr lvl="1"/>
+            <a:r>
+              <a:rPr kumimoji="1" lang="en-US" altLang="zh-CN" sz="2640" dirty="0">
+                <a:latin typeface="Times New Roman" panose="02020603050405020304" pitchFamily="18" charset="0"/>
+                <a:cs typeface="Times New Roman" panose="02020603050405020304" pitchFamily="18" charset="0"/>
+              </a:rPr>
+              <a:t>Abstract Node to </a:t>
+            </a:r>
+            <a:r>
+              <a:rPr kumimoji="1" lang="en-US" altLang="zh-CN" sz="2640" dirty="0" err="1">
+                <a:latin typeface="Times New Roman" panose="02020603050405020304" pitchFamily="18" charset="0"/>
+                <a:cs typeface="Times New Roman" panose="02020603050405020304" pitchFamily="18" charset="0"/>
+              </a:rPr>
+              <a:t>RNode</a:t>
+            </a:r>
+            <a:r>
+              <a:rPr kumimoji="1" lang="en-US" altLang="zh-CN" sz="2640" dirty="0">
+                <a:latin typeface="Times New Roman" panose="02020603050405020304" pitchFamily="18" charset="0"/>
+                <a:cs typeface="Times New Roman" panose="02020603050405020304" pitchFamily="18" charset="0"/>
+              </a:rPr>
+              <a:t>:  </a:t>
+            </a:r>
+            <a:r>
+              <a:rPr lang="en-US" altLang="zh-CN" sz="1600" b="1" i="1" dirty="0" err="1">
+                <a:solidFill>
+                  <a:schemeClr val="tx1">
+                    <a:lumMod val="65000"/>
+                    <a:lumOff val="35000"/>
+                  </a:schemeClr>
+                </a:solidFill>
+                <a:latin typeface="Times New Roman" panose="02020603050405020304" pitchFamily="18" charset="0"/>
+                <a:ea typeface="+mn-ea"/>
+                <a:cs typeface="Times New Roman" panose="02020603050405020304" pitchFamily="18" charset="0"/>
+              </a:rPr>
+              <a:t>RNode</a:t>
+            </a:r>
+            <a:r>
+              <a:rPr lang="en-US" altLang="zh-CN" sz="1600" b="1" i="1" dirty="0">
+                <a:solidFill>
+                  <a:schemeClr val="tx1">
+                    <a:lumMod val="65000"/>
+                    <a:lumOff val="35000"/>
+                  </a:schemeClr>
+                </a:solidFill>
+                <a:latin typeface="Times New Roman" panose="02020603050405020304" pitchFamily="18" charset="0"/>
+                <a:ea typeface="+mn-ea"/>
+                <a:cs typeface="Times New Roman" panose="02020603050405020304" pitchFamily="18" charset="0"/>
+              </a:rPr>
+              <a:t> is present in the linear tile represented by the abstracted node.</a:t>
+            </a:r>
+          </a:p>
+          <a:p>
+            <a:pPr marL="891540" marR="0" lvl="1" indent="-342900" algn="l" defTabSz="1097280" rtl="0" eaLnBrk="1" fontAlgn="auto" latinLnBrk="0" hangingPunct="1">
+              <a:lnSpc>
+                <a:spcPct val="120000"/>
+              </a:lnSpc>
+              <a:spcBef>
+                <a:spcPct val="20000"/>
+              </a:spcBef>
+              <a:spcAft>
+                <a:spcPts val="0"/>
+              </a:spcAft>
+              <a:buClrTx/>
+              <a:buSzTx/>
+              <a:buFont typeface="Arial" pitchFamily="34" charset="0"/>
+              <a:buChar char="–"/>
+              <a:tabLst/>
+              <a:defRPr/>
+            </a:pPr>
+            <a:r>
+              <a:rPr kumimoji="1" lang="en-US" altLang="zh-CN" sz="2640" dirty="0" err="1">
+                <a:latin typeface="Times New Roman" panose="02020603050405020304" pitchFamily="18" charset="0"/>
+                <a:cs typeface="Times New Roman" panose="02020603050405020304" pitchFamily="18" charset="0"/>
+              </a:rPr>
+              <a:t>RNode</a:t>
+            </a:r>
+            <a:r>
+              <a:rPr kumimoji="1" lang="en-US" altLang="zh-CN" sz="2640" dirty="0">
+                <a:latin typeface="Times New Roman" panose="02020603050405020304" pitchFamily="18" charset="0"/>
+                <a:cs typeface="Times New Roman" panose="02020603050405020304" pitchFamily="18" charset="0"/>
+              </a:rPr>
+              <a:t> to </a:t>
+            </a:r>
+            <a:r>
+              <a:rPr kumimoji="1" lang="en-US" altLang="zh-CN" sz="2640" dirty="0" err="1">
+                <a:latin typeface="Times New Roman" panose="02020603050405020304" pitchFamily="18" charset="0"/>
+                <a:cs typeface="Times New Roman" panose="02020603050405020304" pitchFamily="18" charset="0"/>
+              </a:rPr>
+              <a:t>RNode</a:t>
+            </a:r>
+            <a:r>
+              <a:rPr kumimoji="1" lang="en-US" altLang="zh-CN" sz="2640" dirty="0">
+                <a:latin typeface="Times New Roman" panose="02020603050405020304" pitchFamily="18" charset="0"/>
+                <a:cs typeface="Times New Roman" panose="02020603050405020304" pitchFamily="18" charset="0"/>
+              </a:rPr>
+              <a:t>: </a:t>
+            </a:r>
+            <a:r>
+              <a:rPr kumimoji="0" lang="en-US" altLang="zh-CN" sz="1600" b="1" i="1" u="none" strike="noStrike" kern="1200" cap="none" spc="0" normalizeH="0" baseline="0" noProof="0" dirty="0">
+                <a:ln>
+                  <a:noFill/>
+                </a:ln>
+                <a:solidFill>
+                  <a:srgbClr val="000000">
+                    <a:lumMod val="65000"/>
+                    <a:lumOff val="35000"/>
+                  </a:srgbClr>
+                </a:solidFill>
+                <a:effectLst/>
+                <a:uLnTx/>
+                <a:uFillTx/>
+                <a:latin typeface="Times New Roman" panose="02020603050405020304" pitchFamily="18" charset="0"/>
+                <a:ea typeface="微软雅黑"/>
+                <a:cs typeface="Times New Roman" panose="02020603050405020304" pitchFamily="18" charset="0"/>
+              </a:rPr>
+              <a:t>Maintaining consistency with the original data flow graph before abstraction.</a:t>
+            </a:r>
+            <a:endParaRPr lang="en-US" altLang="zh-CN" sz="1700" i="1" dirty="0">
+              <a:solidFill>
+                <a:schemeClr val="tx1">
+                  <a:lumMod val="65000"/>
+                  <a:lumOff val="35000"/>
+                </a:schemeClr>
+              </a:solidFill>
+              <a:latin typeface="Times New Roman" panose="02020603050405020304" pitchFamily="18" charset="0"/>
+              <a:ea typeface="+mn-ea"/>
+              <a:cs typeface="Times New Roman" panose="02020603050405020304" pitchFamily="18" charset="0"/>
+            </a:endParaRPr>
+          </a:p>
+          <a:p>
+            <a:endParaRPr lang="en-US" altLang="zh-CN" sz="1460" i="1" dirty="0">
+              <a:solidFill>
+                <a:schemeClr val="tx1">
+                  <a:lumMod val="65000"/>
+                  <a:lumOff val="35000"/>
+                </a:schemeClr>
+              </a:solidFill>
+              <a:latin typeface="Times New Roman" panose="02020603050405020304" pitchFamily="18" charset="0"/>
+              <a:ea typeface="+mn-ea"/>
+              <a:cs typeface="Times New Roman" panose="02020603050405020304" pitchFamily="18" charset="0"/>
+            </a:endParaRPr>
+          </a:p>
+          <a:p>
+            <a:pPr marL="0" indent="0">
+              <a:buNone/>
+            </a:pPr>
+            <a:endParaRPr lang="en-US" altLang="zh-CN" sz="1700" i="1" dirty="0">
+              <a:solidFill>
+                <a:schemeClr val="tx1">
+                  <a:lumMod val="65000"/>
+                  <a:lumOff val="35000"/>
+                </a:schemeClr>
+              </a:solidFill>
+              <a:latin typeface="Times New Roman" panose="02020603050405020304" pitchFamily="18" charset="0"/>
+              <a:ea typeface="+mn-ea"/>
+              <a:cs typeface="Times New Roman" panose="02020603050405020304" pitchFamily="18" charset="0"/>
+            </a:endParaRPr>
+          </a:p>
+          <a:p>
+            <a:pPr marL="0" indent="0">
+              <a:buNone/>
+            </a:pPr>
+            <a:endParaRPr kumimoji="1" lang="en-US" altLang="zh-CN" sz="2640" dirty="0">
+              <a:solidFill>
+                <a:srgbClr val="000000">
+                  <a:lumMod val="75000"/>
+                  <a:lumOff val="25000"/>
+                </a:srgbClr>
+              </a:solidFill>
+              <a:latin typeface="Times New Roman" panose="02020603050405020304" pitchFamily="18" charset="0"/>
+              <a:cs typeface="Times New Roman" panose="02020603050405020304" pitchFamily="18" charset="0"/>
+            </a:endParaRPr>
+          </a:p>
+        </p:txBody>
+      </p:sp>
+      <p:sp>
+        <p:nvSpPr>
+          <p:cNvPr id="4" name="灯片编号占位符 3">
+            <a:extLst>
+              <a:ext uri="{FF2B5EF4-FFF2-40B4-BE49-F238E27FC236}">
+                <a16:creationId xmlns:a16="http://schemas.microsoft.com/office/drawing/2014/main" id="{B268D50E-8107-3C4D-94F0-BEB8FEB2CD0A}"/>
+              </a:ext>
+            </a:extLst>
+          </p:cNvPr>
+          <p:cNvSpPr>
+            <a:spLocks noGrp="1"/>
+          </p:cNvSpPr>
+          <p:nvPr>
+            <p:ph type="sldNum" sz="quarter" idx="12"/>
+          </p:nvPr>
+        </p:nvSpPr>
+        <p:spPr/>
+        <p:txBody>
+          <a:bodyPr/>
+          <a:lstStyle/>
+          <a:p>
+            <a:fld id="{ADE361C3-C043-4A6E-BDCE-8DA1E7D90A3B}" type="slidenum">
+              <a:rPr lang="zh-CN" altLang="en-US" smtClean="0"/>
+              <a:t>11</a:t>
+            </a:fld>
+            <a:endParaRPr lang="zh-CN" altLang="en-US"/>
+          </a:p>
+        </p:txBody>
+      </p:sp>
+      <p:pic>
+        <p:nvPicPr>
+          <p:cNvPr id="10" name="图片 9">
+            <a:extLst>
+              <a:ext uri="{FF2B5EF4-FFF2-40B4-BE49-F238E27FC236}">
+                <a16:creationId xmlns:a16="http://schemas.microsoft.com/office/drawing/2014/main" id="{0A0E50AC-DA3D-5DDD-0808-F6418BF3F0BF}"/>
+              </a:ext>
+            </a:extLst>
+          </p:cNvPr>
+          <p:cNvPicPr>
+            <a:picLocks noChangeAspect="1"/>
+          </p:cNvPicPr>
+          <p:nvPr/>
+        </p:nvPicPr>
+        <p:blipFill>
+          <a:blip r:embed="rId3">
+            <a:extLst>
+              <a:ext uri="{28A0092B-C50C-407E-A947-70E740481C1C}">
+                <a14:useLocalDpi xmlns:a14="http://schemas.microsoft.com/office/drawing/2010/main" val="0"/>
+              </a:ext>
+            </a:extLst>
+          </a:blip>
+          <a:stretch>
+            <a:fillRect/>
+          </a:stretch>
+        </p:blipFill>
+        <p:spPr>
+          <a:xfrm>
+            <a:off x="1610052" y="2190341"/>
+            <a:ext cx="7127548" cy="2291400"/>
+          </a:xfrm>
+          <a:prstGeom prst="rect">
+            <a:avLst/>
+          </a:prstGeom>
+        </p:spPr>
+      </p:pic>
+    </p:spTree>
+    <p:extLst>
+      <p:ext uri="{BB962C8B-B14F-4D97-AF65-F5344CB8AC3E}">
+        <p14:creationId xmlns:p14="http://schemas.microsoft.com/office/powerpoint/2010/main" val="3251065303"/>
+      </p:ext>
+    </p:extLst>
+  </p:cSld>
+  <p:clrMapOvr>
+    <a:masterClrMapping/>
+  </p:clrMapOvr>
+</p:sld>
+</file>
+
+<file path=ppt/slides/slide12.xml><?xml version="1.0" encoding="utf-8"?>
+<p:sld xmlns:a="http://schemas.openxmlformats.org/drawingml/2006/main" xmlns:r="http://schemas.openxmlformats.org/officeDocument/2006/relationships" xmlns:p="http://schemas.openxmlformats.org/presentationml/2006/main">
+  <p:cSld>
+    <p:spTree>
+      <p:nvGrpSpPr>
+        <p:cNvPr id="1" name=""/>
+        <p:cNvGrpSpPr/>
+        <p:nvPr/>
+      </p:nvGrpSpPr>
+      <p:grpSpPr>
+        <a:xfrm>
+          <a:off x="0" y="0"/>
+          <a:ext cx="0" cy="0"/>
+          <a:chOff x="0" y="0"/>
+          <a:chExt cx="0" cy="0"/>
+        </a:xfrm>
+      </p:grpSpPr>
+      <p:sp>
+        <p:nvSpPr>
+          <p:cNvPr id="2" name="标题 1">
+            <a:extLst>
+              <a:ext uri="{FF2B5EF4-FFF2-40B4-BE49-F238E27FC236}">
+                <a16:creationId xmlns:a16="http://schemas.microsoft.com/office/drawing/2014/main" id="{8A4E491A-F27D-6643-80E0-06F48660FA21}"/>
+              </a:ext>
+            </a:extLst>
+          </p:cNvPr>
+          <p:cNvSpPr>
+            <a:spLocks noGrp="1"/>
+          </p:cNvSpPr>
+          <p:nvPr>
+            <p:ph type="title"/>
+          </p:nvPr>
+        </p:nvSpPr>
+        <p:spPr>
+          <a:xfrm>
+            <a:off x="730800" y="274639"/>
+            <a:ext cx="10122336" cy="1080530"/>
+          </a:xfrm>
+        </p:spPr>
+        <p:txBody>
+          <a:bodyPr>
+            <a:normAutofit/>
+          </a:bodyPr>
+          <a:lstStyle/>
+          <a:p>
+            <a:r>
+              <a:rPr kumimoji="1" lang="en-US" altLang="zh-CN" sz="3600" dirty="0">
+                <a:latin typeface="Times New Roman" panose="02020603050405020304" pitchFamily="18" charset="0"/>
+                <a:cs typeface="Times New Roman" panose="02020603050405020304" pitchFamily="18" charset="0"/>
+              </a:rPr>
+              <a:t>Algorithm Design: Tile Weight Calculation</a:t>
             </a:r>
             <a:endParaRPr kumimoji="1" lang="zh-CN" altLang="en-US" sz="3600" dirty="0">
               <a:latin typeface="Times New Roman" panose="02020603050405020304" pitchFamily="18" charset="0"/>
@@ -3506,7 +4198,7 @@
             </p:spPr>
             <p:txBody>
               <a:bodyPr>
-                <a:normAutofit/>
+                <a:normAutofit fontScale="85000" lnSpcReduction="20000"/>
               </a:bodyPr>
               <a:lstStyle/>
               <a:p>
@@ -3515,7 +4207,16 @@
                     <a:latin typeface="Times New Roman" panose="02020603050405020304" pitchFamily="18" charset="0"/>
                     <a:cs typeface="Times New Roman" panose="02020603050405020304" pitchFamily="18" charset="0"/>
                   </a:rPr>
-                  <a:t>Example R1CS</a:t>
+                  <a:t>Using Weighted PageRank Algorithm</a:t>
+                </a:r>
+              </a:p>
+              <a:p>
+                <a:r>
+                  <a:rPr kumimoji="1" lang="en-US" altLang="zh-CN" sz="2880" dirty="0">
+                    <a:latin typeface="Times New Roman" panose="02020603050405020304" pitchFamily="18" charset="0"/>
+                    <a:cs typeface="Times New Roman" panose="02020603050405020304" pitchFamily="18" charset="0"/>
+                  </a:rPr>
+                  <a:t>Formula for calculating weights:</a:t>
                 </a:r>
               </a:p>
               <a:p>
@@ -3523,855 +4224,828 @@
                 <a14:m>
                   <m:oMath xmlns:m="http://schemas.openxmlformats.org/officeDocument/2006/math">
                     <m:r>
-                      <a:rPr kumimoji="1" lang="en-US" altLang="zh-CN" sz="1800" i="1" smtClean="0">
+                      <a:rPr lang="en-US" altLang="zh-CN" sz="2800" i="1" smtClean="0">
                         <a:latin typeface="Cambria Math" panose="02040503050406030204" pitchFamily="18" charset="0"/>
-                        <a:cs typeface="Times New Roman" panose="02020603050405020304" pitchFamily="18" charset="0"/>
+                        <a:ea typeface="Cambria Math" panose="02040503050406030204" pitchFamily="18" charset="0"/>
+                        <a:cs typeface="Cambria Math" panose="02040503050406030204" pitchFamily="18" charset="0"/>
                       </a:rPr>
-                      <m:t>𝐴</m:t>
+                      <m:t>𝑃𝑅</m:t>
                     </m:r>
                     <m:r>
-                      <a:rPr kumimoji="1" lang="en-US" altLang="zh-CN" sz="1800" i="1" smtClean="0">
+                      <a:rPr lang="en-US" altLang="zh-CN" sz="2800" i="1" smtClean="0">
                         <a:latin typeface="Cambria Math" panose="02040503050406030204" pitchFamily="18" charset="0"/>
-                        <a:cs typeface="Times New Roman" panose="02020603050405020304" pitchFamily="18" charset="0"/>
+                        <a:ea typeface="Cambria Math" panose="02040503050406030204" pitchFamily="18" charset="0"/>
+                        <a:cs typeface="Cambria Math" panose="02040503050406030204" pitchFamily="18" charset="0"/>
                       </a:rPr>
-                      <m:t>=</m:t>
+                      <m:t>(</m:t>
                     </m:r>
-                    <m:d>
-                      <m:dPr>
+                    <m:r>
+                      <a:rPr lang="en-US" altLang="zh-CN" sz="2800" i="1" smtClean="0">
+                        <a:latin typeface="Cambria Math" panose="02040503050406030204" pitchFamily="18" charset="0"/>
+                        <a:ea typeface="Cambria Math" panose="02040503050406030204" pitchFamily="18" charset="0"/>
+                        <a:cs typeface="Cambria Math" panose="02040503050406030204" pitchFamily="18" charset="0"/>
+                      </a:rPr>
+                      <m:t>𝑢</m:t>
+                    </m:r>
+                    <m:r>
+                      <a:rPr lang="en-US" altLang="zh-CN" sz="2800" i="1" smtClean="0">
+                        <a:latin typeface="Cambria Math" panose="02040503050406030204" pitchFamily="18" charset="0"/>
+                        <a:ea typeface="Cambria Math" panose="02040503050406030204" pitchFamily="18" charset="0"/>
+                        <a:cs typeface="Cambria Math" panose="02040503050406030204" pitchFamily="18" charset="0"/>
+                      </a:rPr>
+                      <m:t>)=(1−</m:t>
+                    </m:r>
+                    <m:r>
+                      <a:rPr lang="en-US" altLang="zh-CN" sz="2800" i="1" smtClean="0">
+                        <a:latin typeface="Cambria Math" panose="02040503050406030204" pitchFamily="18" charset="0"/>
+                        <a:ea typeface="Cambria Math" panose="02040503050406030204" pitchFamily="18" charset="0"/>
+                        <a:cs typeface="Cambria Math" panose="02040503050406030204" pitchFamily="18" charset="0"/>
+                      </a:rPr>
+                      <m:t>𝑑</m:t>
+                    </m:r>
+                    <m:r>
+                      <a:rPr lang="en-US" altLang="zh-CN" sz="2800" i="1" smtClean="0">
+                        <a:latin typeface="Cambria Math" panose="02040503050406030204" pitchFamily="18" charset="0"/>
+                        <a:ea typeface="Cambria Math" panose="02040503050406030204" pitchFamily="18" charset="0"/>
+                        <a:cs typeface="Cambria Math" panose="02040503050406030204" pitchFamily="18" charset="0"/>
+                      </a:rPr>
+                      <m:t>)+</m:t>
+                    </m:r>
+                    <m:r>
+                      <a:rPr lang="en-US" altLang="zh-CN" sz="2800" i="1" smtClean="0">
+                        <a:latin typeface="Cambria Math" panose="02040503050406030204" pitchFamily="18" charset="0"/>
+                        <a:ea typeface="Cambria Math" panose="02040503050406030204" pitchFamily="18" charset="0"/>
+                        <a:cs typeface="Cambria Math" panose="02040503050406030204" pitchFamily="18" charset="0"/>
+                      </a:rPr>
+                      <m:t>𝑑</m:t>
+                    </m:r>
+                    <m:limLow>
+                      <m:limLowPr>
                         <m:ctrlPr>
-                          <a:rPr kumimoji="1" lang="en-US" altLang="zh-CN" sz="1800" i="1" smtClean="0">
+                          <a:rPr lang="zh-CN" altLang="zh-CN" sz="2800" i="1">
                             <a:latin typeface="Cambria Math" panose="02040503050406030204" pitchFamily="18" charset="0"/>
-                            <a:cs typeface="Times New Roman" panose="02020603050405020304" pitchFamily="18" charset="0"/>
+                            <a:ea typeface="Cambria Math" panose="02040503050406030204" pitchFamily="18" charset="0"/>
                           </a:rPr>
                         </m:ctrlPr>
-                      </m:dPr>
+                      </m:limLowPr>
                       <m:e>
-                        <m:m>
-                          <m:mPr>
-                            <m:mcs>
-                              <m:mc>
-                                <m:mcPr>
-                                  <m:count m:val="6"/>
-                                  <m:mcJc m:val="center"/>
-                                </m:mcPr>
-                              </m:mc>
-                            </m:mcs>
-                            <m:ctrlPr>
-                              <a:rPr kumimoji="1" lang="en-US" altLang="zh-CN" sz="1800" i="1" smtClean="0">
-                                <a:latin typeface="Cambria Math" panose="02040503050406030204" pitchFamily="18" charset="0"/>
-                                <a:cs typeface="Times New Roman" panose="02020603050405020304" pitchFamily="18" charset="0"/>
-                              </a:rPr>
-                            </m:ctrlPr>
-                          </m:mPr>
-                          <m:mr>
-                            <m:e>
-                              <m:r>
-                                <m:rPr>
-                                  <m:brk m:alnAt="7"/>
-                                </m:rPr>
-                                <a:rPr kumimoji="1" lang="en-US" altLang="zh-CN" sz="1800" b="0" i="1" smtClean="0">
-                                  <a:latin typeface="Cambria Math" panose="02040503050406030204" pitchFamily="18" charset="0"/>
-                                  <a:cs typeface="Times New Roman" panose="02020603050405020304" pitchFamily="18" charset="0"/>
-                                </a:rPr>
-                                <m:t>0</m:t>
-                              </m:r>
-                            </m:e>
-                            <m:e>
-                              <m:r>
-                                <a:rPr kumimoji="1" lang="en-US" altLang="zh-CN" sz="1800" b="0" i="1" smtClean="0">
-                                  <a:latin typeface="Cambria Math" panose="02040503050406030204" pitchFamily="18" charset="0"/>
-                                  <a:cs typeface="Times New Roman" panose="02020603050405020304" pitchFamily="18" charset="0"/>
-                                </a:rPr>
-                                <m:t>1</m:t>
-                              </m:r>
-                            </m:e>
-                            <m:e>
-                              <m:r>
-                                <a:rPr kumimoji="1" lang="en-US" altLang="zh-CN" sz="1800" b="0" i="1" smtClean="0">
-                                  <a:latin typeface="Cambria Math" panose="02040503050406030204" pitchFamily="18" charset="0"/>
-                                  <a:cs typeface="Times New Roman" panose="02020603050405020304" pitchFamily="18" charset="0"/>
-                                </a:rPr>
-                                <m:t>0</m:t>
-                              </m:r>
-                            </m:e>
-                            <m:e>
-                              <m:r>
-                                <a:rPr kumimoji="1" lang="en-US" altLang="zh-CN" sz="1800" b="0" i="1" smtClean="0">
-                                  <a:latin typeface="Cambria Math" panose="02040503050406030204" pitchFamily="18" charset="0"/>
-                                  <a:cs typeface="Times New Roman" panose="02020603050405020304" pitchFamily="18" charset="0"/>
-                                </a:rPr>
-                                <m:t>0</m:t>
-                              </m:r>
-                            </m:e>
-                            <m:e>
-                              <m:r>
-                                <a:rPr kumimoji="1" lang="en-US" altLang="zh-CN" sz="1800" b="0" i="1" smtClean="0">
-                                  <a:latin typeface="Cambria Math" panose="02040503050406030204" pitchFamily="18" charset="0"/>
-                                  <a:cs typeface="Times New Roman" panose="02020603050405020304" pitchFamily="18" charset="0"/>
-                                </a:rPr>
-                                <m:t>0</m:t>
-                              </m:r>
-                            </m:e>
-                            <m:e>
-                              <m:r>
-                                <a:rPr kumimoji="1" lang="en-US" altLang="zh-CN" sz="1800" b="0" i="1" smtClean="0">
-                                  <a:latin typeface="Cambria Math" panose="02040503050406030204" pitchFamily="18" charset="0"/>
-                                  <a:cs typeface="Times New Roman" panose="02020603050405020304" pitchFamily="18" charset="0"/>
-                                </a:rPr>
-                                <m:t>0</m:t>
-                              </m:r>
-                            </m:e>
-                          </m:mr>
-                          <m:mr>
-                            <m:e>
-                              <m:r>
-                                <a:rPr kumimoji="1" lang="en-US" altLang="zh-CN" sz="1800" b="0" i="1" smtClean="0">
-                                  <a:latin typeface="Cambria Math" panose="02040503050406030204" pitchFamily="18" charset="0"/>
-                                  <a:cs typeface="Times New Roman" panose="02020603050405020304" pitchFamily="18" charset="0"/>
-                                </a:rPr>
-                                <m:t>0</m:t>
-                              </m:r>
-                            </m:e>
-                            <m:e>
-                              <m:r>
-                                <a:rPr kumimoji="1" lang="en-US" altLang="zh-CN" sz="1800" b="0" i="1" smtClean="0">
-                                  <a:latin typeface="Cambria Math" panose="02040503050406030204" pitchFamily="18" charset="0"/>
-                                  <a:cs typeface="Times New Roman" panose="02020603050405020304" pitchFamily="18" charset="0"/>
-                                </a:rPr>
-                                <m:t>0</m:t>
-                              </m:r>
-                            </m:e>
-                            <m:e>
-                              <m:r>
-                                <a:rPr kumimoji="1" lang="en-US" altLang="zh-CN" sz="1800" b="0" i="1" smtClean="0">
-                                  <a:latin typeface="Cambria Math" panose="02040503050406030204" pitchFamily="18" charset="0"/>
-                                  <a:cs typeface="Times New Roman" panose="02020603050405020304" pitchFamily="18" charset="0"/>
-                                </a:rPr>
-                                <m:t>0</m:t>
-                              </m:r>
-                            </m:e>
-                            <m:e>
-                              <m:r>
-                                <a:rPr kumimoji="1" lang="en-US" altLang="zh-CN" sz="1800" b="0" i="1" smtClean="0">
-                                  <a:latin typeface="Cambria Math" panose="02040503050406030204" pitchFamily="18" charset="0"/>
-                                  <a:cs typeface="Times New Roman" panose="02020603050405020304" pitchFamily="18" charset="0"/>
-                                </a:rPr>
-                                <m:t>1</m:t>
-                              </m:r>
-                            </m:e>
-                            <m:e>
-                              <m:r>
-                                <a:rPr kumimoji="1" lang="en-US" altLang="zh-CN" sz="1800" b="0" i="1" smtClean="0">
-                                  <a:latin typeface="Cambria Math" panose="02040503050406030204" pitchFamily="18" charset="0"/>
-                                  <a:cs typeface="Times New Roman" panose="02020603050405020304" pitchFamily="18" charset="0"/>
-                                </a:rPr>
-                                <m:t>0</m:t>
-                              </m:r>
-                            </m:e>
-                            <m:e>
-                              <m:r>
-                                <a:rPr kumimoji="1" lang="en-US" altLang="zh-CN" sz="1800" b="0" i="1" smtClean="0">
-                                  <a:latin typeface="Cambria Math" panose="02040503050406030204" pitchFamily="18" charset="0"/>
-                                  <a:cs typeface="Times New Roman" panose="02020603050405020304" pitchFamily="18" charset="0"/>
-                                </a:rPr>
-                                <m:t>0</m:t>
-                              </m:r>
-                            </m:e>
-                          </m:mr>
-                          <m:mr>
-                            <m:e>
-                              <m:r>
-                                <a:rPr kumimoji="1" lang="en-US" altLang="zh-CN" sz="1800" b="0" i="1" smtClean="0">
-                                  <a:latin typeface="Cambria Math" panose="02040503050406030204" pitchFamily="18" charset="0"/>
-                                  <a:cs typeface="Times New Roman" panose="02020603050405020304" pitchFamily="18" charset="0"/>
-                                </a:rPr>
-                                <m:t>0</m:t>
-                              </m:r>
-                            </m:e>
-                            <m:e>
-                              <m:r>
-                                <a:rPr kumimoji="1" lang="en-US" altLang="zh-CN" sz="1800" b="0" i="1" smtClean="0">
-                                  <a:latin typeface="Cambria Math" panose="02040503050406030204" pitchFamily="18" charset="0"/>
-                                  <a:cs typeface="Times New Roman" panose="02020603050405020304" pitchFamily="18" charset="0"/>
-                                </a:rPr>
-                                <m:t>1</m:t>
-                              </m:r>
-                            </m:e>
-                            <m:e>
-                              <m:r>
-                                <a:rPr kumimoji="1" lang="en-US" altLang="zh-CN" sz="1800" b="0" i="1" smtClean="0">
-                                  <a:latin typeface="Cambria Math" panose="02040503050406030204" pitchFamily="18" charset="0"/>
-                                  <a:cs typeface="Times New Roman" panose="02020603050405020304" pitchFamily="18" charset="0"/>
-                                </a:rPr>
-                                <m:t>0</m:t>
-                              </m:r>
-                            </m:e>
-                            <m:e>
-                              <m:r>
-                                <a:rPr kumimoji="1" lang="en-US" altLang="zh-CN" sz="1800" b="0" i="1" smtClean="0">
-                                  <a:latin typeface="Cambria Math" panose="02040503050406030204" pitchFamily="18" charset="0"/>
-                                  <a:cs typeface="Times New Roman" panose="02020603050405020304" pitchFamily="18" charset="0"/>
-                                </a:rPr>
-                                <m:t>0</m:t>
-                              </m:r>
-                            </m:e>
-                            <m:e>
-                              <m:r>
-                                <a:rPr kumimoji="1" lang="en-US" altLang="zh-CN" sz="1800" b="0" i="1" smtClean="0">
-                                  <a:latin typeface="Cambria Math" panose="02040503050406030204" pitchFamily="18" charset="0"/>
-                                  <a:cs typeface="Times New Roman" panose="02020603050405020304" pitchFamily="18" charset="0"/>
-                                </a:rPr>
-                                <m:t>1</m:t>
-                              </m:r>
-                            </m:e>
-                            <m:e>
-                              <m:r>
-                                <a:rPr kumimoji="1" lang="en-US" altLang="zh-CN" sz="1800" b="0" i="1" smtClean="0">
-                                  <a:latin typeface="Cambria Math" panose="02040503050406030204" pitchFamily="18" charset="0"/>
-                                  <a:cs typeface="Times New Roman" panose="02020603050405020304" pitchFamily="18" charset="0"/>
-                                </a:rPr>
-                                <m:t>0</m:t>
-                              </m:r>
-                            </m:e>
-                          </m:mr>
-                          <m:mr>
-                            <m:e>
-                              <m:r>
-                                <a:rPr kumimoji="1" lang="en-US" altLang="zh-CN" sz="1800" b="0" i="1" smtClean="0">
-                                  <a:latin typeface="Cambria Math" panose="02040503050406030204" pitchFamily="18" charset="0"/>
-                                  <a:cs typeface="Times New Roman" panose="02020603050405020304" pitchFamily="18" charset="0"/>
-                                </a:rPr>
-                                <m:t>5</m:t>
-                              </m:r>
-                            </m:e>
-                            <m:e>
-                              <m:r>
-                                <a:rPr kumimoji="1" lang="en-US" altLang="zh-CN" sz="1800" b="0" i="1" smtClean="0">
-                                  <a:latin typeface="Cambria Math" panose="02040503050406030204" pitchFamily="18" charset="0"/>
-                                  <a:cs typeface="Times New Roman" panose="02020603050405020304" pitchFamily="18" charset="0"/>
-                                </a:rPr>
-                                <m:t>0</m:t>
-                              </m:r>
-                            </m:e>
-                            <m:e>
-                              <m:r>
-                                <a:rPr kumimoji="1" lang="en-US" altLang="zh-CN" sz="1800" b="0" i="1" smtClean="0">
-                                  <a:latin typeface="Cambria Math" panose="02040503050406030204" pitchFamily="18" charset="0"/>
-                                  <a:cs typeface="Times New Roman" panose="02020603050405020304" pitchFamily="18" charset="0"/>
-                                </a:rPr>
-                                <m:t>0</m:t>
-                              </m:r>
-                            </m:e>
-                            <m:e>
-                              <m:r>
-                                <a:rPr kumimoji="1" lang="en-US" altLang="zh-CN" sz="1800" b="0" i="1" smtClean="0">
-                                  <a:latin typeface="Cambria Math" panose="02040503050406030204" pitchFamily="18" charset="0"/>
-                                  <a:cs typeface="Times New Roman" panose="02020603050405020304" pitchFamily="18" charset="0"/>
-                                </a:rPr>
-                                <m:t>0</m:t>
-                              </m:r>
-                            </m:e>
-                            <m:e>
-                              <m:r>
-                                <a:rPr kumimoji="1" lang="en-US" altLang="zh-CN" sz="1800" b="0" i="1" smtClean="0">
-                                  <a:latin typeface="Cambria Math" panose="02040503050406030204" pitchFamily="18" charset="0"/>
-                                  <a:cs typeface="Times New Roman" panose="02020603050405020304" pitchFamily="18" charset="0"/>
-                                </a:rPr>
-                                <m:t>0</m:t>
-                              </m:r>
-                            </m:e>
-                            <m:e>
-                              <m:r>
-                                <a:rPr kumimoji="1" lang="en-US" altLang="zh-CN" sz="1800" b="0" i="1" smtClean="0">
-                                  <a:latin typeface="Cambria Math" panose="02040503050406030204" pitchFamily="18" charset="0"/>
-                                  <a:cs typeface="Times New Roman" panose="02020603050405020304" pitchFamily="18" charset="0"/>
-                                </a:rPr>
-                                <m:t>1</m:t>
-                              </m:r>
-                            </m:e>
-                          </m:mr>
-                        </m:m>
+                        <m:r>
+                          <a:rPr lang="en-US" altLang="zh-CN" sz="2800" i="1">
+                            <a:latin typeface="Cambria Math" panose="02040503050406030204" pitchFamily="18" charset="0"/>
+                            <a:ea typeface="Cambria Math" panose="02040503050406030204" pitchFamily="18" charset="0"/>
+                            <a:cs typeface="Cambria Math" panose="02040503050406030204" pitchFamily="18" charset="0"/>
+                          </a:rPr>
+                          <m:t>∑</m:t>
+                        </m:r>
                       </m:e>
-                    </m:d>
+                      <m:lim>
+                        <m:r>
+                          <a:rPr lang="en-US" altLang="zh-CN" sz="2800" i="1">
+                            <a:latin typeface="Cambria Math" panose="02040503050406030204" pitchFamily="18" charset="0"/>
+                            <a:ea typeface="Cambria Math" panose="02040503050406030204" pitchFamily="18" charset="0"/>
+                            <a:cs typeface="Cambria Math" panose="02040503050406030204" pitchFamily="18" charset="0"/>
+                          </a:rPr>
+                          <m:t>𝑣</m:t>
+                        </m:r>
+                        <m:r>
+                          <a:rPr lang="en-US" altLang="zh-CN" sz="2800" i="1">
+                            <a:latin typeface="Cambria Math" panose="02040503050406030204" pitchFamily="18" charset="0"/>
+                            <a:ea typeface="Cambria Math" panose="02040503050406030204" pitchFamily="18" charset="0"/>
+                            <a:cs typeface="Cambria Math" panose="02040503050406030204" pitchFamily="18" charset="0"/>
+                          </a:rPr>
+                          <m:t>∈</m:t>
+                        </m:r>
+                        <m:r>
+                          <a:rPr lang="en-US" altLang="zh-CN" sz="2800" i="1">
+                            <a:latin typeface="Cambria Math" panose="02040503050406030204" pitchFamily="18" charset="0"/>
+                            <a:ea typeface="Cambria Math" panose="02040503050406030204" pitchFamily="18" charset="0"/>
+                            <a:cs typeface="Cambria Math" panose="02040503050406030204" pitchFamily="18" charset="0"/>
+                          </a:rPr>
+                          <m:t>𝐵</m:t>
+                        </m:r>
+                        <m:r>
+                          <a:rPr lang="en-US" altLang="zh-CN" sz="2800" i="1">
+                            <a:latin typeface="Cambria Math" panose="02040503050406030204" pitchFamily="18" charset="0"/>
+                            <a:ea typeface="Cambria Math" panose="02040503050406030204" pitchFamily="18" charset="0"/>
+                            <a:cs typeface="Cambria Math" panose="02040503050406030204" pitchFamily="18" charset="0"/>
+                          </a:rPr>
+                          <m:t>(</m:t>
+                        </m:r>
+                        <m:r>
+                          <a:rPr lang="en-US" altLang="zh-CN" sz="2800" i="1">
+                            <a:latin typeface="Cambria Math" panose="02040503050406030204" pitchFamily="18" charset="0"/>
+                            <a:ea typeface="Cambria Math" panose="02040503050406030204" pitchFamily="18" charset="0"/>
+                            <a:cs typeface="Cambria Math" panose="02040503050406030204" pitchFamily="18" charset="0"/>
+                          </a:rPr>
+                          <m:t>𝑢</m:t>
+                        </m:r>
+                        <m:r>
+                          <a:rPr lang="en-US" altLang="zh-CN" sz="2800" i="1">
+                            <a:latin typeface="Cambria Math" panose="02040503050406030204" pitchFamily="18" charset="0"/>
+                            <a:ea typeface="Cambria Math" panose="02040503050406030204" pitchFamily="18" charset="0"/>
+                            <a:cs typeface="Cambria Math" panose="02040503050406030204" pitchFamily="18" charset="0"/>
+                          </a:rPr>
+                          <m:t>)</m:t>
+                        </m:r>
+                      </m:lim>
+                    </m:limLow>
+                    <m:r>
+                      <a:rPr lang="en-US" altLang="zh-CN" sz="2800" i="1">
+                        <a:latin typeface="Cambria Math" panose="02040503050406030204" pitchFamily="18" charset="0"/>
+                        <a:ea typeface="Cambria Math" panose="02040503050406030204" pitchFamily="18" charset="0"/>
+                        <a:cs typeface="Cambria Math" panose="02040503050406030204" pitchFamily="18" charset="0"/>
+                      </a:rPr>
+                      <m:t>𝑃𝑅</m:t>
+                    </m:r>
+                    <m:r>
+                      <a:rPr lang="en-US" altLang="zh-CN" sz="2800" i="1">
+                        <a:latin typeface="Cambria Math" panose="02040503050406030204" pitchFamily="18" charset="0"/>
+                        <a:ea typeface="Cambria Math" panose="02040503050406030204" pitchFamily="18" charset="0"/>
+                        <a:cs typeface="Cambria Math" panose="02040503050406030204" pitchFamily="18" charset="0"/>
+                      </a:rPr>
+                      <m:t>(</m:t>
+                    </m:r>
+                    <m:r>
+                      <a:rPr lang="en-US" altLang="zh-CN" sz="2800" i="1">
+                        <a:latin typeface="Cambria Math" panose="02040503050406030204" pitchFamily="18" charset="0"/>
+                        <a:ea typeface="Cambria Math" panose="02040503050406030204" pitchFamily="18" charset="0"/>
+                        <a:cs typeface="Cambria Math" panose="02040503050406030204" pitchFamily="18" charset="0"/>
+                      </a:rPr>
+                      <m:t>𝑣</m:t>
+                    </m:r>
+                    <m:r>
+                      <a:rPr lang="en-US" altLang="zh-CN" sz="2800" i="1">
+                        <a:latin typeface="Cambria Math" panose="02040503050406030204" pitchFamily="18" charset="0"/>
+                        <a:ea typeface="Cambria Math" panose="02040503050406030204" pitchFamily="18" charset="0"/>
+                        <a:cs typeface="Cambria Math" panose="02040503050406030204" pitchFamily="18" charset="0"/>
+                      </a:rPr>
+                      <m:t>)</m:t>
+                    </m:r>
+                    <m:sSubSup>
+                      <m:sSubSupPr>
+                        <m:ctrlPr>
+                          <a:rPr lang="zh-CN" altLang="zh-CN" sz="2800" i="1">
+                            <a:latin typeface="Cambria Math" panose="02040503050406030204" pitchFamily="18" charset="0"/>
+                            <a:ea typeface="Cambria Math" panose="02040503050406030204" pitchFamily="18" charset="0"/>
+                          </a:rPr>
+                        </m:ctrlPr>
+                      </m:sSubSupPr>
+                      <m:e>
+                        <m:r>
+                          <a:rPr lang="en-US" altLang="zh-CN" sz="2800" i="1">
+                            <a:latin typeface="Cambria Math" panose="02040503050406030204" pitchFamily="18" charset="0"/>
+                            <a:ea typeface="Cambria Math" panose="02040503050406030204" pitchFamily="18" charset="0"/>
+                            <a:cs typeface="Cambria Math" panose="02040503050406030204" pitchFamily="18" charset="0"/>
+                          </a:rPr>
+                          <m:t>𝑊</m:t>
+                        </m:r>
+                      </m:e>
+                      <m:sub>
+                        <m:r>
+                          <a:rPr lang="en-US" altLang="zh-CN" sz="2800" i="1">
+                            <a:latin typeface="Cambria Math" panose="02040503050406030204" pitchFamily="18" charset="0"/>
+                            <a:ea typeface="Cambria Math" panose="02040503050406030204" pitchFamily="18" charset="0"/>
+                            <a:cs typeface="Cambria Math" panose="02040503050406030204" pitchFamily="18" charset="0"/>
+                          </a:rPr>
+                          <m:t>(</m:t>
+                        </m:r>
+                        <m:r>
+                          <a:rPr lang="en-US" altLang="zh-CN" sz="2800" i="1">
+                            <a:latin typeface="Cambria Math" panose="02040503050406030204" pitchFamily="18" charset="0"/>
+                            <a:ea typeface="Cambria Math" panose="02040503050406030204" pitchFamily="18" charset="0"/>
+                            <a:cs typeface="Cambria Math" panose="02040503050406030204" pitchFamily="18" charset="0"/>
+                          </a:rPr>
+                          <m:t>𝑣</m:t>
+                        </m:r>
+                        <m:r>
+                          <a:rPr lang="en-US" altLang="zh-CN" sz="2800" i="1">
+                            <a:latin typeface="Cambria Math" panose="02040503050406030204" pitchFamily="18" charset="0"/>
+                            <a:ea typeface="Cambria Math" panose="02040503050406030204" pitchFamily="18" charset="0"/>
+                            <a:cs typeface="Cambria Math" panose="02040503050406030204" pitchFamily="18" charset="0"/>
+                          </a:rPr>
+                          <m:t>,</m:t>
+                        </m:r>
+                        <m:r>
+                          <a:rPr lang="en-US" altLang="zh-CN" sz="2800" i="1">
+                            <a:latin typeface="Cambria Math" panose="02040503050406030204" pitchFamily="18" charset="0"/>
+                            <a:ea typeface="Cambria Math" panose="02040503050406030204" pitchFamily="18" charset="0"/>
+                            <a:cs typeface="Cambria Math" panose="02040503050406030204" pitchFamily="18" charset="0"/>
+                          </a:rPr>
+                          <m:t>𝑢</m:t>
+                        </m:r>
+                        <m:r>
+                          <a:rPr lang="en-US" altLang="zh-CN" sz="2800" i="1">
+                            <a:latin typeface="Cambria Math" panose="02040503050406030204" pitchFamily="18" charset="0"/>
+                            <a:ea typeface="Cambria Math" panose="02040503050406030204" pitchFamily="18" charset="0"/>
+                            <a:cs typeface="Cambria Math" panose="02040503050406030204" pitchFamily="18" charset="0"/>
+                          </a:rPr>
+                          <m:t>)</m:t>
+                        </m:r>
+                      </m:sub>
+                      <m:sup>
+                        <m:r>
+                          <a:rPr lang="en-US" altLang="zh-CN" sz="2800" i="1">
+                            <a:latin typeface="Cambria Math" panose="02040503050406030204" pitchFamily="18" charset="0"/>
+                            <a:ea typeface="Cambria Math" panose="02040503050406030204" pitchFamily="18" charset="0"/>
+                            <a:cs typeface="Cambria Math" panose="02040503050406030204" pitchFamily="18" charset="0"/>
+                          </a:rPr>
+                          <m:t>𝑖𝑛</m:t>
+                        </m:r>
+                      </m:sup>
+                    </m:sSubSup>
+                    <m:sSubSup>
+                      <m:sSubSupPr>
+                        <m:ctrlPr>
+                          <a:rPr lang="zh-CN" altLang="zh-CN" sz="2800" i="1">
+                            <a:latin typeface="Cambria Math" panose="02040503050406030204" pitchFamily="18" charset="0"/>
+                            <a:ea typeface="Cambria Math" panose="02040503050406030204" pitchFamily="18" charset="0"/>
+                          </a:rPr>
+                        </m:ctrlPr>
+                      </m:sSubSupPr>
+                      <m:e>
+                        <m:r>
+                          <a:rPr lang="en-US" altLang="zh-CN" sz="2800" i="1">
+                            <a:latin typeface="Cambria Math" panose="02040503050406030204" pitchFamily="18" charset="0"/>
+                            <a:ea typeface="Cambria Math" panose="02040503050406030204" pitchFamily="18" charset="0"/>
+                            <a:cs typeface="Cambria Math" panose="02040503050406030204" pitchFamily="18" charset="0"/>
+                          </a:rPr>
+                          <m:t>𝑊</m:t>
+                        </m:r>
+                      </m:e>
+                      <m:sub>
+                        <m:r>
+                          <a:rPr lang="en-US" altLang="zh-CN" sz="2800" i="1">
+                            <a:latin typeface="Cambria Math" panose="02040503050406030204" pitchFamily="18" charset="0"/>
+                            <a:ea typeface="Cambria Math" panose="02040503050406030204" pitchFamily="18" charset="0"/>
+                            <a:cs typeface="Cambria Math" panose="02040503050406030204" pitchFamily="18" charset="0"/>
+                          </a:rPr>
+                          <m:t>(</m:t>
+                        </m:r>
+                        <m:r>
+                          <a:rPr lang="en-US" altLang="zh-CN" sz="2800" i="1">
+                            <a:latin typeface="Cambria Math" panose="02040503050406030204" pitchFamily="18" charset="0"/>
+                            <a:ea typeface="Cambria Math" panose="02040503050406030204" pitchFamily="18" charset="0"/>
+                            <a:cs typeface="Cambria Math" panose="02040503050406030204" pitchFamily="18" charset="0"/>
+                          </a:rPr>
+                          <m:t>𝑣</m:t>
+                        </m:r>
+                        <m:r>
+                          <a:rPr lang="en-US" altLang="zh-CN" sz="2800" i="1">
+                            <a:latin typeface="Cambria Math" panose="02040503050406030204" pitchFamily="18" charset="0"/>
+                            <a:ea typeface="Cambria Math" panose="02040503050406030204" pitchFamily="18" charset="0"/>
+                            <a:cs typeface="Cambria Math" panose="02040503050406030204" pitchFamily="18" charset="0"/>
+                          </a:rPr>
+                          <m:t>,</m:t>
+                        </m:r>
+                        <m:r>
+                          <a:rPr lang="en-US" altLang="zh-CN" sz="2800" i="1">
+                            <a:latin typeface="Cambria Math" panose="02040503050406030204" pitchFamily="18" charset="0"/>
+                            <a:ea typeface="Cambria Math" panose="02040503050406030204" pitchFamily="18" charset="0"/>
+                            <a:cs typeface="Cambria Math" panose="02040503050406030204" pitchFamily="18" charset="0"/>
+                          </a:rPr>
+                          <m:t>𝑢</m:t>
+                        </m:r>
+                        <m:r>
+                          <a:rPr lang="en-US" altLang="zh-CN" sz="2800" i="1">
+                            <a:latin typeface="Cambria Math" panose="02040503050406030204" pitchFamily="18" charset="0"/>
+                            <a:ea typeface="Cambria Math" panose="02040503050406030204" pitchFamily="18" charset="0"/>
+                            <a:cs typeface="Cambria Math" panose="02040503050406030204" pitchFamily="18" charset="0"/>
+                          </a:rPr>
+                          <m:t>)</m:t>
+                        </m:r>
+                      </m:sub>
+                      <m:sup>
+                        <m:r>
+                          <a:rPr lang="en-US" altLang="zh-CN" sz="2800" i="1">
+                            <a:latin typeface="Cambria Math" panose="02040503050406030204" pitchFamily="18" charset="0"/>
+                            <a:ea typeface="Cambria Math" panose="02040503050406030204" pitchFamily="18" charset="0"/>
+                            <a:cs typeface="Cambria Math" panose="02040503050406030204" pitchFamily="18" charset="0"/>
+                          </a:rPr>
+                          <m:t>𝑜𝑢𝑡</m:t>
+                        </m:r>
+                      </m:sup>
+                    </m:sSubSup>
                   </m:oMath>
                 </a14:m>
-                <a:r>
-                  <a:rPr kumimoji="1" lang="en-US" altLang="zh-CN" sz="1800" dirty="0">
-                    <a:cs typeface="Times New Roman" panose="02020603050405020304" pitchFamily="18" charset="0"/>
-                  </a:rPr>
-                  <a:t> </a:t>
-                </a:r>
-                <a14:m>
-                  <m:oMath xmlns:m="http://schemas.openxmlformats.org/officeDocument/2006/math">
-                    <m:r>
-                      <m:rPr>
-                        <m:sty m:val="p"/>
-                      </m:rPr>
-                      <a:rPr kumimoji="1" lang="en-US" altLang="zh-CN" sz="1800" b="0" i="0" smtClean="0">
-                        <a:latin typeface="Cambria Math" panose="02040503050406030204" pitchFamily="18" charset="0"/>
-                        <a:cs typeface="Times New Roman" panose="02020603050405020304" pitchFamily="18" charset="0"/>
-                      </a:rPr>
-                      <m:t>B</m:t>
-                    </m:r>
-                    <m:r>
-                      <a:rPr kumimoji="1" lang="en-US" altLang="zh-CN" sz="1800" i="1">
-                        <a:latin typeface="Cambria Math" panose="02040503050406030204" pitchFamily="18" charset="0"/>
-                        <a:cs typeface="Times New Roman" panose="02020603050405020304" pitchFamily="18" charset="0"/>
-                      </a:rPr>
-                      <m:t>= </m:t>
-                    </m:r>
-                    <m:d>
-                      <m:dPr>
-                        <m:ctrlPr>
-                          <a:rPr kumimoji="1" lang="en-US" altLang="zh-CN" sz="1800" i="1">
-                            <a:latin typeface="Cambria Math" panose="02040503050406030204" pitchFamily="18" charset="0"/>
-                            <a:cs typeface="Times New Roman" panose="02020603050405020304" pitchFamily="18" charset="0"/>
-                          </a:rPr>
-                        </m:ctrlPr>
-                      </m:dPr>
-                      <m:e>
-                        <m:m>
-                          <m:mPr>
-                            <m:mcs>
-                              <m:mc>
-                                <m:mcPr>
-                                  <m:count m:val="6"/>
-                                  <m:mcJc m:val="center"/>
-                                </m:mcPr>
-                              </m:mc>
-                            </m:mcs>
-                            <m:ctrlPr>
-                              <a:rPr kumimoji="1" lang="en-US" altLang="zh-CN" sz="1800" i="1">
-                                <a:latin typeface="Cambria Math" panose="02040503050406030204" pitchFamily="18" charset="0"/>
-                                <a:cs typeface="Times New Roman" panose="02020603050405020304" pitchFamily="18" charset="0"/>
-                              </a:rPr>
-                            </m:ctrlPr>
-                          </m:mPr>
-                          <m:mr>
-                            <m:e>
-                              <m:r>
-                                <m:rPr>
-                                  <m:brk m:alnAt="7"/>
-                                </m:rPr>
-                                <a:rPr kumimoji="1" lang="en-US" altLang="zh-CN" sz="1800" b="0" i="1" smtClean="0">
-                                  <a:latin typeface="Cambria Math" panose="02040503050406030204" pitchFamily="18" charset="0"/>
-                                  <a:cs typeface="Times New Roman" panose="02020603050405020304" pitchFamily="18" charset="0"/>
-                                </a:rPr>
-                                <m:t>0</m:t>
-                              </m:r>
-                            </m:e>
-                            <m:e>
-                              <m:r>
-                                <a:rPr kumimoji="1" lang="en-US" altLang="zh-CN" sz="1800" b="0" i="1" smtClean="0">
-                                  <a:latin typeface="Cambria Math" panose="02040503050406030204" pitchFamily="18" charset="0"/>
-                                  <a:cs typeface="Times New Roman" panose="02020603050405020304" pitchFamily="18" charset="0"/>
-                                </a:rPr>
-                                <m:t>1</m:t>
-                              </m:r>
-                            </m:e>
-                            <m:e>
-                              <m:r>
-                                <a:rPr kumimoji="1" lang="en-US" altLang="zh-CN" sz="1800" b="0" i="1" smtClean="0">
-                                  <a:latin typeface="Cambria Math" panose="02040503050406030204" pitchFamily="18" charset="0"/>
-                                  <a:cs typeface="Times New Roman" panose="02020603050405020304" pitchFamily="18" charset="0"/>
-                                </a:rPr>
-                                <m:t>0</m:t>
-                              </m:r>
-                            </m:e>
-                            <m:e>
-                              <m:r>
-                                <a:rPr kumimoji="1" lang="en-US" altLang="zh-CN" sz="1800" b="0" i="1" smtClean="0">
-                                  <a:latin typeface="Cambria Math" panose="02040503050406030204" pitchFamily="18" charset="0"/>
-                                  <a:cs typeface="Times New Roman" panose="02020603050405020304" pitchFamily="18" charset="0"/>
-                                </a:rPr>
-                                <m:t>0</m:t>
-                              </m:r>
-                            </m:e>
-                            <m:e>
-                              <m:r>
-                                <a:rPr kumimoji="1" lang="en-US" altLang="zh-CN" sz="1800" b="0" i="1" smtClean="0">
-                                  <a:latin typeface="Cambria Math" panose="02040503050406030204" pitchFamily="18" charset="0"/>
-                                  <a:cs typeface="Times New Roman" panose="02020603050405020304" pitchFamily="18" charset="0"/>
-                                </a:rPr>
-                                <m:t>0</m:t>
-                              </m:r>
-                            </m:e>
-                            <m:e>
-                              <m:r>
-                                <a:rPr kumimoji="1" lang="en-US" altLang="zh-CN" sz="1800" b="0" i="1" smtClean="0">
-                                  <a:latin typeface="Cambria Math" panose="02040503050406030204" pitchFamily="18" charset="0"/>
-                                  <a:cs typeface="Times New Roman" panose="02020603050405020304" pitchFamily="18" charset="0"/>
-                                </a:rPr>
-                                <m:t>0</m:t>
-                              </m:r>
-                            </m:e>
-                          </m:mr>
-                          <m:mr>
-                            <m:e>
-                              <m:r>
-                                <a:rPr kumimoji="1" lang="en-US" altLang="zh-CN" sz="1800" b="0" i="1" smtClean="0">
-                                  <a:latin typeface="Cambria Math" panose="02040503050406030204" pitchFamily="18" charset="0"/>
-                                  <a:cs typeface="Times New Roman" panose="02020603050405020304" pitchFamily="18" charset="0"/>
-                                </a:rPr>
-                                <m:t>0</m:t>
-                              </m:r>
-                            </m:e>
-                            <m:e>
-                              <m:r>
-                                <a:rPr kumimoji="1" lang="en-US" altLang="zh-CN" sz="1800" b="0" i="1" smtClean="0">
-                                  <a:latin typeface="Cambria Math" panose="02040503050406030204" pitchFamily="18" charset="0"/>
-                                  <a:cs typeface="Times New Roman" panose="02020603050405020304" pitchFamily="18" charset="0"/>
-                                </a:rPr>
-                                <m:t>1</m:t>
-                              </m:r>
-                            </m:e>
-                            <m:e>
-                              <m:r>
-                                <a:rPr kumimoji="1" lang="en-US" altLang="zh-CN" sz="1800" b="0" i="1" smtClean="0">
-                                  <a:latin typeface="Cambria Math" panose="02040503050406030204" pitchFamily="18" charset="0"/>
-                                  <a:cs typeface="Times New Roman" panose="02020603050405020304" pitchFamily="18" charset="0"/>
-                                </a:rPr>
-                                <m:t>0</m:t>
-                              </m:r>
-                            </m:e>
-                            <m:e>
-                              <m:r>
-                                <a:rPr kumimoji="1" lang="en-US" altLang="zh-CN" sz="1800" b="0" i="1" smtClean="0">
-                                  <a:latin typeface="Cambria Math" panose="02040503050406030204" pitchFamily="18" charset="0"/>
-                                  <a:cs typeface="Times New Roman" panose="02020603050405020304" pitchFamily="18" charset="0"/>
-                                </a:rPr>
-                                <m:t>0</m:t>
-                              </m:r>
-                            </m:e>
-                            <m:e>
-                              <m:r>
-                                <a:rPr kumimoji="1" lang="en-US" altLang="zh-CN" sz="1800" b="0" i="1" smtClean="0">
-                                  <a:latin typeface="Cambria Math" panose="02040503050406030204" pitchFamily="18" charset="0"/>
-                                  <a:cs typeface="Times New Roman" panose="02020603050405020304" pitchFamily="18" charset="0"/>
-                                </a:rPr>
-                                <m:t>0</m:t>
-                              </m:r>
-                            </m:e>
-                            <m:e>
-                              <m:r>
-                                <a:rPr kumimoji="1" lang="en-US" altLang="zh-CN" sz="1800" b="0" i="1" smtClean="0">
-                                  <a:latin typeface="Cambria Math" panose="02040503050406030204" pitchFamily="18" charset="0"/>
-                                  <a:cs typeface="Times New Roman" panose="02020603050405020304" pitchFamily="18" charset="0"/>
-                                </a:rPr>
-                                <m:t>0</m:t>
-                              </m:r>
-                            </m:e>
-                          </m:mr>
-                          <m:mr>
-                            <m:e>
-                              <m:r>
-                                <a:rPr kumimoji="1" lang="en-US" altLang="zh-CN" sz="1800" b="0" i="1" smtClean="0">
-                                  <a:latin typeface="Cambria Math" panose="02040503050406030204" pitchFamily="18" charset="0"/>
-                                  <a:cs typeface="Times New Roman" panose="02020603050405020304" pitchFamily="18" charset="0"/>
-                                </a:rPr>
-                                <m:t>1</m:t>
-                              </m:r>
-                            </m:e>
-                            <m:e>
-                              <m:r>
-                                <a:rPr kumimoji="1" lang="en-US" altLang="zh-CN" sz="1800" b="0" i="1" smtClean="0">
-                                  <a:latin typeface="Cambria Math" panose="02040503050406030204" pitchFamily="18" charset="0"/>
-                                  <a:cs typeface="Times New Roman" panose="02020603050405020304" pitchFamily="18" charset="0"/>
-                                </a:rPr>
-                                <m:t>0</m:t>
-                              </m:r>
-                            </m:e>
-                            <m:e>
-                              <m:r>
-                                <a:rPr kumimoji="1" lang="en-US" altLang="zh-CN" sz="1800" b="0" i="1" smtClean="0">
-                                  <a:latin typeface="Cambria Math" panose="02040503050406030204" pitchFamily="18" charset="0"/>
-                                  <a:cs typeface="Times New Roman" panose="02020603050405020304" pitchFamily="18" charset="0"/>
-                                </a:rPr>
-                                <m:t>0</m:t>
-                              </m:r>
-                            </m:e>
-                            <m:e>
-                              <m:r>
-                                <a:rPr kumimoji="1" lang="en-US" altLang="zh-CN" sz="1800" b="0" i="1" smtClean="0">
-                                  <a:latin typeface="Cambria Math" panose="02040503050406030204" pitchFamily="18" charset="0"/>
-                                  <a:cs typeface="Times New Roman" panose="02020603050405020304" pitchFamily="18" charset="0"/>
-                                </a:rPr>
-                                <m:t>0</m:t>
-                              </m:r>
-                            </m:e>
-                            <m:e>
-                              <m:r>
-                                <a:rPr kumimoji="1" lang="en-US" altLang="zh-CN" sz="1800" b="0" i="1" smtClean="0">
-                                  <a:latin typeface="Cambria Math" panose="02040503050406030204" pitchFamily="18" charset="0"/>
-                                  <a:cs typeface="Times New Roman" panose="02020603050405020304" pitchFamily="18" charset="0"/>
-                                </a:rPr>
-                                <m:t>0</m:t>
-                              </m:r>
-                            </m:e>
-                            <m:e>
-                              <m:r>
-                                <a:rPr kumimoji="1" lang="en-US" altLang="zh-CN" sz="1800" b="0" i="1" smtClean="0">
-                                  <a:latin typeface="Cambria Math" panose="02040503050406030204" pitchFamily="18" charset="0"/>
-                                  <a:cs typeface="Times New Roman" panose="02020603050405020304" pitchFamily="18" charset="0"/>
-                                </a:rPr>
-                                <m:t>0</m:t>
-                              </m:r>
-                            </m:e>
-                          </m:mr>
-                          <m:mr>
-                            <m:e>
-                              <m:r>
-                                <a:rPr kumimoji="1" lang="en-US" altLang="zh-CN" sz="1800" b="0" i="1" smtClean="0">
-                                  <a:latin typeface="Cambria Math" panose="02040503050406030204" pitchFamily="18" charset="0"/>
-                                  <a:cs typeface="Times New Roman" panose="02020603050405020304" pitchFamily="18" charset="0"/>
-                                </a:rPr>
-                                <m:t>1</m:t>
-                              </m:r>
-                            </m:e>
-                            <m:e>
-                              <m:r>
-                                <a:rPr kumimoji="1" lang="en-US" altLang="zh-CN" sz="1800" b="0" i="1" smtClean="0">
-                                  <a:latin typeface="Cambria Math" panose="02040503050406030204" pitchFamily="18" charset="0"/>
-                                  <a:cs typeface="Times New Roman" panose="02020603050405020304" pitchFamily="18" charset="0"/>
-                                </a:rPr>
-                                <m:t>0</m:t>
-                              </m:r>
-                            </m:e>
-                            <m:e>
-                              <m:r>
-                                <a:rPr kumimoji="1" lang="en-US" altLang="zh-CN" sz="1800" b="0" i="1" smtClean="0">
-                                  <a:latin typeface="Cambria Math" panose="02040503050406030204" pitchFamily="18" charset="0"/>
-                                  <a:cs typeface="Times New Roman" panose="02020603050405020304" pitchFamily="18" charset="0"/>
-                                </a:rPr>
-                                <m:t>0</m:t>
-                              </m:r>
-                            </m:e>
-                            <m:e>
-                              <m:r>
-                                <a:rPr kumimoji="1" lang="en-US" altLang="zh-CN" sz="1800" b="0" i="1" smtClean="0">
-                                  <a:latin typeface="Cambria Math" panose="02040503050406030204" pitchFamily="18" charset="0"/>
-                                  <a:cs typeface="Times New Roman" panose="02020603050405020304" pitchFamily="18" charset="0"/>
-                                </a:rPr>
-                                <m:t>0</m:t>
-                              </m:r>
-                            </m:e>
-                            <m:e>
-                              <m:r>
-                                <a:rPr kumimoji="1" lang="en-US" altLang="zh-CN" sz="1800" b="0" i="1" smtClean="0">
-                                  <a:latin typeface="Cambria Math" panose="02040503050406030204" pitchFamily="18" charset="0"/>
-                                  <a:cs typeface="Times New Roman" panose="02020603050405020304" pitchFamily="18" charset="0"/>
-                                </a:rPr>
-                                <m:t>0</m:t>
-                              </m:r>
-                            </m:e>
-                            <m:e>
-                              <m:r>
-                                <a:rPr kumimoji="1" lang="en-US" altLang="zh-CN" sz="1800" b="0" i="1" smtClean="0">
-                                  <a:latin typeface="Cambria Math" panose="02040503050406030204" pitchFamily="18" charset="0"/>
-                                  <a:cs typeface="Times New Roman" panose="02020603050405020304" pitchFamily="18" charset="0"/>
-                                </a:rPr>
-                                <m:t>0</m:t>
-                              </m:r>
-                            </m:e>
-                          </m:mr>
-                        </m:m>
-                      </m:e>
-                    </m:d>
-                  </m:oMath>
-                </a14:m>
-                <a:r>
-                  <a:rPr kumimoji="1" lang="en-US" altLang="zh-CN" sz="1800" dirty="0">
-                    <a:cs typeface="Times New Roman" panose="02020603050405020304" pitchFamily="18" charset="0"/>
-                  </a:rPr>
-                  <a:t> </a:t>
-                </a:r>
-                <a14:m>
-                  <m:oMath xmlns:m="http://schemas.openxmlformats.org/officeDocument/2006/math">
-                    <m:r>
-                      <m:rPr>
-                        <m:sty m:val="p"/>
-                      </m:rPr>
-                      <a:rPr kumimoji="1" lang="en-US" altLang="zh-CN" sz="1800" dirty="0">
-                        <a:latin typeface="Cambria Math" panose="02040503050406030204" pitchFamily="18" charset="0"/>
-                        <a:cs typeface="Times New Roman" panose="02020603050405020304" pitchFamily="18" charset="0"/>
-                      </a:rPr>
-                      <m:t>C</m:t>
-                    </m:r>
-                    <m:r>
-                      <a:rPr kumimoji="1" lang="en-US" altLang="zh-CN" sz="1800" i="1">
-                        <a:latin typeface="Cambria Math" panose="02040503050406030204" pitchFamily="18" charset="0"/>
-                        <a:cs typeface="Times New Roman" panose="02020603050405020304" pitchFamily="18" charset="0"/>
-                      </a:rPr>
-                      <m:t>= </m:t>
-                    </m:r>
-                    <m:d>
-                      <m:dPr>
-                        <m:ctrlPr>
-                          <a:rPr kumimoji="1" lang="en-US" altLang="zh-CN" sz="1800" i="1">
-                            <a:latin typeface="Cambria Math" panose="02040503050406030204" pitchFamily="18" charset="0"/>
-                            <a:cs typeface="Times New Roman" panose="02020603050405020304" pitchFamily="18" charset="0"/>
-                          </a:rPr>
-                        </m:ctrlPr>
-                      </m:dPr>
-                      <m:e>
-                        <m:m>
-                          <m:mPr>
-                            <m:mcs>
-                              <m:mc>
-                                <m:mcPr>
-                                  <m:count m:val="6"/>
-                                  <m:mcJc m:val="center"/>
-                                </m:mcPr>
-                              </m:mc>
-                            </m:mcs>
-                            <m:ctrlPr>
-                              <a:rPr kumimoji="1" lang="en-US" altLang="zh-CN" sz="1800" i="1">
-                                <a:latin typeface="Cambria Math" panose="02040503050406030204" pitchFamily="18" charset="0"/>
-                                <a:cs typeface="Times New Roman" panose="02020603050405020304" pitchFamily="18" charset="0"/>
-                              </a:rPr>
-                            </m:ctrlPr>
-                          </m:mPr>
-                          <m:mr>
-                            <m:e>
-                              <m:r>
-                                <m:rPr>
-                                  <m:brk m:alnAt="7"/>
-                                </m:rPr>
-                                <a:rPr kumimoji="1" lang="en-US" altLang="zh-CN" sz="1800" b="0" i="1" smtClean="0">
-                                  <a:latin typeface="Cambria Math" panose="02040503050406030204" pitchFamily="18" charset="0"/>
-                                  <a:cs typeface="Times New Roman" panose="02020603050405020304" pitchFamily="18" charset="0"/>
-                                </a:rPr>
-                                <m:t>0</m:t>
-                              </m:r>
-                            </m:e>
-                            <m:e>
-                              <m:r>
-                                <a:rPr kumimoji="1" lang="en-US" altLang="zh-CN" sz="1800" b="0" i="1" smtClean="0">
-                                  <a:latin typeface="Cambria Math" panose="02040503050406030204" pitchFamily="18" charset="0"/>
-                                  <a:cs typeface="Times New Roman" panose="02020603050405020304" pitchFamily="18" charset="0"/>
-                                </a:rPr>
-                                <m:t>0</m:t>
-                              </m:r>
-                            </m:e>
-                            <m:e>
-                              <m:r>
-                                <a:rPr kumimoji="1" lang="en-US" altLang="zh-CN" sz="1800" b="0" i="1" smtClean="0">
-                                  <a:latin typeface="Cambria Math" panose="02040503050406030204" pitchFamily="18" charset="0"/>
-                                  <a:cs typeface="Times New Roman" panose="02020603050405020304" pitchFamily="18" charset="0"/>
-                                </a:rPr>
-                                <m:t>0</m:t>
-                              </m:r>
-                            </m:e>
-                            <m:e>
-                              <m:r>
-                                <a:rPr kumimoji="1" lang="en-US" altLang="zh-CN" sz="1800" b="0" i="1" smtClean="0">
-                                  <a:latin typeface="Cambria Math" panose="02040503050406030204" pitchFamily="18" charset="0"/>
-                                  <a:cs typeface="Times New Roman" panose="02020603050405020304" pitchFamily="18" charset="0"/>
-                                </a:rPr>
-                                <m:t>1</m:t>
-                              </m:r>
-                            </m:e>
-                            <m:e>
-                              <m:r>
-                                <a:rPr kumimoji="1" lang="en-US" altLang="zh-CN" sz="1800" b="0" i="1" smtClean="0">
-                                  <a:latin typeface="Cambria Math" panose="02040503050406030204" pitchFamily="18" charset="0"/>
-                                  <a:cs typeface="Times New Roman" panose="02020603050405020304" pitchFamily="18" charset="0"/>
-                                </a:rPr>
-                                <m:t>0</m:t>
-                              </m:r>
-                            </m:e>
-                            <m:e>
-                              <m:r>
-                                <a:rPr kumimoji="1" lang="en-US" altLang="zh-CN" sz="1800" b="0" i="1" smtClean="0">
-                                  <a:latin typeface="Cambria Math" panose="02040503050406030204" pitchFamily="18" charset="0"/>
-                                  <a:cs typeface="Times New Roman" panose="02020603050405020304" pitchFamily="18" charset="0"/>
-                                </a:rPr>
-                                <m:t>0</m:t>
-                              </m:r>
-                            </m:e>
-                          </m:mr>
-                          <m:mr>
-                            <m:e>
-                              <m:r>
-                                <a:rPr kumimoji="1" lang="en-US" altLang="zh-CN" sz="1800" b="0" i="1" smtClean="0">
-                                  <a:latin typeface="Cambria Math" panose="02040503050406030204" pitchFamily="18" charset="0"/>
-                                  <a:cs typeface="Times New Roman" panose="02020603050405020304" pitchFamily="18" charset="0"/>
-                                </a:rPr>
-                                <m:t>0</m:t>
-                              </m:r>
-                            </m:e>
-                            <m:e>
-                              <m:r>
-                                <a:rPr kumimoji="1" lang="en-US" altLang="zh-CN" sz="1800" b="0" i="1" smtClean="0">
-                                  <a:latin typeface="Cambria Math" panose="02040503050406030204" pitchFamily="18" charset="0"/>
-                                  <a:cs typeface="Times New Roman" panose="02020603050405020304" pitchFamily="18" charset="0"/>
-                                </a:rPr>
-                                <m:t>0</m:t>
-                              </m:r>
-                            </m:e>
-                            <m:e>
-                              <m:r>
-                                <a:rPr kumimoji="1" lang="en-US" altLang="zh-CN" sz="1800" b="0" i="1" smtClean="0">
-                                  <a:latin typeface="Cambria Math" panose="02040503050406030204" pitchFamily="18" charset="0"/>
-                                  <a:cs typeface="Times New Roman" panose="02020603050405020304" pitchFamily="18" charset="0"/>
-                                </a:rPr>
-                                <m:t>0</m:t>
-                              </m:r>
-                            </m:e>
-                            <m:e>
-                              <m:r>
-                                <a:rPr kumimoji="1" lang="en-US" altLang="zh-CN" sz="1800" b="0" i="1" smtClean="0">
-                                  <a:latin typeface="Cambria Math" panose="02040503050406030204" pitchFamily="18" charset="0"/>
-                                  <a:cs typeface="Times New Roman" panose="02020603050405020304" pitchFamily="18" charset="0"/>
-                                </a:rPr>
-                                <m:t>0</m:t>
-                              </m:r>
-                            </m:e>
-                            <m:e>
-                              <m:r>
-                                <a:rPr kumimoji="1" lang="en-US" altLang="zh-CN" sz="1800" b="0" i="1" smtClean="0">
-                                  <a:latin typeface="Cambria Math" panose="02040503050406030204" pitchFamily="18" charset="0"/>
-                                  <a:cs typeface="Times New Roman" panose="02020603050405020304" pitchFamily="18" charset="0"/>
-                                </a:rPr>
-                                <m:t>1</m:t>
-                              </m:r>
-                            </m:e>
-                            <m:e>
-                              <m:r>
-                                <a:rPr kumimoji="1" lang="en-US" altLang="zh-CN" sz="1800" b="0" i="1" smtClean="0">
-                                  <a:latin typeface="Cambria Math" panose="02040503050406030204" pitchFamily="18" charset="0"/>
-                                  <a:cs typeface="Times New Roman" panose="02020603050405020304" pitchFamily="18" charset="0"/>
-                                </a:rPr>
-                                <m:t>0</m:t>
-                              </m:r>
-                            </m:e>
-                          </m:mr>
-                          <m:mr>
-                            <m:e>
-                              <m:r>
-                                <a:rPr kumimoji="1" lang="en-US" altLang="zh-CN" sz="1800" b="0" i="1" smtClean="0">
-                                  <a:latin typeface="Cambria Math" panose="02040503050406030204" pitchFamily="18" charset="0"/>
-                                  <a:cs typeface="Times New Roman" panose="02020603050405020304" pitchFamily="18" charset="0"/>
-                                </a:rPr>
-                                <m:t>0</m:t>
-                              </m:r>
-                            </m:e>
-                            <m:e>
-                              <m:r>
-                                <a:rPr kumimoji="1" lang="en-US" altLang="zh-CN" sz="1800" b="0" i="1" smtClean="0">
-                                  <a:latin typeface="Cambria Math" panose="02040503050406030204" pitchFamily="18" charset="0"/>
-                                  <a:cs typeface="Times New Roman" panose="02020603050405020304" pitchFamily="18" charset="0"/>
-                                </a:rPr>
-                                <m:t>0</m:t>
-                              </m:r>
-                            </m:e>
-                            <m:e>
-                              <m:r>
-                                <a:rPr kumimoji="1" lang="en-US" altLang="zh-CN" sz="1800" b="0" i="1" smtClean="0">
-                                  <a:latin typeface="Cambria Math" panose="02040503050406030204" pitchFamily="18" charset="0"/>
-                                  <a:cs typeface="Times New Roman" panose="02020603050405020304" pitchFamily="18" charset="0"/>
-                                </a:rPr>
-                                <m:t>0</m:t>
-                              </m:r>
-                            </m:e>
-                            <m:e>
-                              <m:r>
-                                <a:rPr kumimoji="1" lang="en-US" altLang="zh-CN" sz="1800" b="0" i="1" smtClean="0">
-                                  <a:latin typeface="Cambria Math" panose="02040503050406030204" pitchFamily="18" charset="0"/>
-                                  <a:cs typeface="Times New Roman" panose="02020603050405020304" pitchFamily="18" charset="0"/>
-                                </a:rPr>
-                                <m:t>0</m:t>
-                              </m:r>
-                            </m:e>
-                            <m:e>
-                              <m:r>
-                                <a:rPr kumimoji="1" lang="en-US" altLang="zh-CN" sz="1800" b="0" i="1" smtClean="0">
-                                  <a:latin typeface="Cambria Math" panose="02040503050406030204" pitchFamily="18" charset="0"/>
-                                  <a:cs typeface="Times New Roman" panose="02020603050405020304" pitchFamily="18" charset="0"/>
-                                </a:rPr>
-                                <m:t>0</m:t>
-                              </m:r>
-                            </m:e>
-                            <m:e>
-                              <m:r>
-                                <a:rPr kumimoji="1" lang="en-US" altLang="zh-CN" sz="1800" b="0" i="1" smtClean="0">
-                                  <a:latin typeface="Cambria Math" panose="02040503050406030204" pitchFamily="18" charset="0"/>
-                                  <a:cs typeface="Times New Roman" panose="02020603050405020304" pitchFamily="18" charset="0"/>
-                                </a:rPr>
-                                <m:t>1</m:t>
-                              </m:r>
-                            </m:e>
-                          </m:mr>
-                          <m:mr>
-                            <m:e>
-                              <m:r>
-                                <a:rPr kumimoji="1" lang="en-US" altLang="zh-CN" sz="1800" b="0" i="1" smtClean="0">
-                                  <a:latin typeface="Cambria Math" panose="02040503050406030204" pitchFamily="18" charset="0"/>
-                                  <a:cs typeface="Times New Roman" panose="02020603050405020304" pitchFamily="18" charset="0"/>
-                                </a:rPr>
-                                <m:t>0</m:t>
-                              </m:r>
-                            </m:e>
-                            <m:e>
-                              <m:r>
-                                <a:rPr kumimoji="1" lang="en-US" altLang="zh-CN" sz="1800" b="0" i="1" smtClean="0">
-                                  <a:latin typeface="Cambria Math" panose="02040503050406030204" pitchFamily="18" charset="0"/>
-                                  <a:cs typeface="Times New Roman" panose="02020603050405020304" pitchFamily="18" charset="0"/>
-                                </a:rPr>
-                                <m:t>0</m:t>
-                              </m:r>
-                            </m:e>
-                            <m:e>
-                              <m:r>
-                                <a:rPr kumimoji="1" lang="en-US" altLang="zh-CN" sz="1800" b="0" i="1" smtClean="0">
-                                  <a:latin typeface="Cambria Math" panose="02040503050406030204" pitchFamily="18" charset="0"/>
-                                  <a:cs typeface="Times New Roman" panose="02020603050405020304" pitchFamily="18" charset="0"/>
-                                </a:rPr>
-                                <m:t>1</m:t>
-                              </m:r>
-                            </m:e>
-                            <m:e>
-                              <m:r>
-                                <a:rPr kumimoji="1" lang="en-US" altLang="zh-CN" sz="1800" b="0" i="1" smtClean="0">
-                                  <a:latin typeface="Cambria Math" panose="02040503050406030204" pitchFamily="18" charset="0"/>
-                                  <a:cs typeface="Times New Roman" panose="02020603050405020304" pitchFamily="18" charset="0"/>
-                                </a:rPr>
-                                <m:t>0</m:t>
-                              </m:r>
-                            </m:e>
-                            <m:e>
-                              <m:r>
-                                <a:rPr kumimoji="1" lang="en-US" altLang="zh-CN" sz="1800" b="0" i="1" smtClean="0">
-                                  <a:latin typeface="Cambria Math" panose="02040503050406030204" pitchFamily="18" charset="0"/>
-                                  <a:cs typeface="Times New Roman" panose="02020603050405020304" pitchFamily="18" charset="0"/>
-                                </a:rPr>
-                                <m:t>0</m:t>
-                              </m:r>
-                            </m:e>
-                            <m:e>
-                              <m:r>
-                                <a:rPr kumimoji="1" lang="en-US" altLang="zh-CN" sz="1800" b="0" i="1" smtClean="0">
-                                  <a:latin typeface="Cambria Math" panose="02040503050406030204" pitchFamily="18" charset="0"/>
-                                  <a:cs typeface="Times New Roman" panose="02020603050405020304" pitchFamily="18" charset="0"/>
-                                </a:rPr>
-                                <m:t>0</m:t>
-                              </m:r>
-                            </m:e>
-                          </m:mr>
-                        </m:m>
-                      </m:e>
-                    </m:d>
-                  </m:oMath>
-                </a14:m>
-                <a:endParaRPr kumimoji="1" lang="en-US" altLang="zh-CN" sz="1800" dirty="0">
+                <a:endParaRPr kumimoji="1" lang="en-US" altLang="zh-CN" sz="2640" dirty="0">
                   <a:latin typeface="Times New Roman" panose="02020603050405020304" pitchFamily="18" charset="0"/>
                   <a:cs typeface="Times New Roman" panose="02020603050405020304" pitchFamily="18" charset="0"/>
                 </a:endParaRPr>
               </a:p>
               <a:p>
-                <a:pPr marL="548640" lvl="1" indent="0" algn="ctr">
-                  <a:buNone/>
-                </a:pPr>
+                <a:pPr lvl="1"/>
+                <a:r>
+                  <a:rPr kumimoji="1" lang="en-US" altLang="zh-CN" sz="2640" dirty="0">
+                    <a:latin typeface="Times New Roman" panose="02020603050405020304" pitchFamily="18" charset="0"/>
+                    <a:cs typeface="Times New Roman" panose="02020603050405020304" pitchFamily="18" charset="0"/>
+                  </a:rPr>
+                  <a:t>The weight </a:t>
+                </a:r>
+                <a14:m>
+                  <m:oMath xmlns:m="http://schemas.openxmlformats.org/officeDocument/2006/math">
+                    <m:sSubSup>
+                      <m:sSubSupPr>
+                        <m:ctrlPr>
+                          <a:rPr kumimoji="1" lang="zh-CN" altLang="zh-CN" sz="2640">
+                            <a:latin typeface="Times New Roman" panose="02020603050405020304" pitchFamily="18" charset="0"/>
+                            <a:cs typeface="Times New Roman" panose="02020603050405020304" pitchFamily="18" charset="0"/>
+                          </a:rPr>
+                        </m:ctrlPr>
+                      </m:sSubSupPr>
+                      <m:e>
+                        <m:r>
+                          <a:rPr kumimoji="1" lang="en-US" altLang="zh-CN" sz="2640">
+                            <a:latin typeface="Times New Roman" panose="02020603050405020304" pitchFamily="18" charset="0"/>
+                            <a:cs typeface="Times New Roman" panose="02020603050405020304" pitchFamily="18" charset="0"/>
+                          </a:rPr>
+                          <m:t>𝑊</m:t>
+                        </m:r>
+                      </m:e>
+                      <m:sub>
+                        <m:r>
+                          <a:rPr kumimoji="1" lang="en-US" altLang="zh-CN" sz="2640">
+                            <a:latin typeface="Times New Roman" panose="02020603050405020304" pitchFamily="18" charset="0"/>
+                            <a:cs typeface="Times New Roman" panose="02020603050405020304" pitchFamily="18" charset="0"/>
+                          </a:rPr>
+                          <m:t>(</m:t>
+                        </m:r>
+                        <m:r>
+                          <a:rPr kumimoji="1" lang="en-US" altLang="zh-CN" sz="2640">
+                            <a:latin typeface="Times New Roman" panose="02020603050405020304" pitchFamily="18" charset="0"/>
+                            <a:cs typeface="Times New Roman" panose="02020603050405020304" pitchFamily="18" charset="0"/>
+                          </a:rPr>
+                          <m:t>𝑣</m:t>
+                        </m:r>
+                        <m:r>
+                          <a:rPr kumimoji="1" lang="en-US" altLang="zh-CN" sz="2640">
+                            <a:latin typeface="Times New Roman" panose="02020603050405020304" pitchFamily="18" charset="0"/>
+                            <a:cs typeface="Times New Roman" panose="02020603050405020304" pitchFamily="18" charset="0"/>
+                          </a:rPr>
+                          <m:t>,</m:t>
+                        </m:r>
+                        <m:r>
+                          <a:rPr kumimoji="1" lang="en-US" altLang="zh-CN" sz="2640">
+                            <a:latin typeface="Times New Roman" panose="02020603050405020304" pitchFamily="18" charset="0"/>
+                            <a:cs typeface="Times New Roman" panose="02020603050405020304" pitchFamily="18" charset="0"/>
+                          </a:rPr>
+                          <m:t>𝑢</m:t>
+                        </m:r>
+                        <m:r>
+                          <a:rPr kumimoji="1" lang="en-US" altLang="zh-CN" sz="2640">
+                            <a:latin typeface="Times New Roman" panose="02020603050405020304" pitchFamily="18" charset="0"/>
+                            <a:cs typeface="Times New Roman" panose="02020603050405020304" pitchFamily="18" charset="0"/>
+                          </a:rPr>
+                          <m:t>)</m:t>
+                        </m:r>
+                      </m:sub>
+                      <m:sup>
+                        <m:r>
+                          <a:rPr kumimoji="1" lang="en-US" altLang="zh-CN" sz="2640">
+                            <a:latin typeface="Times New Roman" panose="02020603050405020304" pitchFamily="18" charset="0"/>
+                            <a:cs typeface="Times New Roman" panose="02020603050405020304" pitchFamily="18" charset="0"/>
+                          </a:rPr>
+                          <m:t>𝑖𝑛</m:t>
+                        </m:r>
+                      </m:sup>
+                    </m:sSubSup>
+                    <m:sSubSup>
+                      <m:sSubSupPr>
+                        <m:ctrlPr>
+                          <a:rPr kumimoji="1" lang="zh-CN" altLang="zh-CN" sz="2640">
+                            <a:latin typeface="Times New Roman" panose="02020603050405020304" pitchFamily="18" charset="0"/>
+                            <a:cs typeface="Times New Roman" panose="02020603050405020304" pitchFamily="18" charset="0"/>
+                          </a:rPr>
+                        </m:ctrlPr>
+                      </m:sSubSupPr>
+                      <m:e>
+                        <m:r>
+                          <a:rPr kumimoji="1" lang="en-US" altLang="zh-CN" sz="2640">
+                            <a:latin typeface="Times New Roman" panose="02020603050405020304" pitchFamily="18" charset="0"/>
+                            <a:cs typeface="Times New Roman" panose="02020603050405020304" pitchFamily="18" charset="0"/>
+                          </a:rPr>
+                          <m:t>𝑊</m:t>
+                        </m:r>
+                      </m:e>
+                      <m:sub>
+                        <m:r>
+                          <a:rPr kumimoji="1" lang="en-US" altLang="zh-CN" sz="2640">
+                            <a:latin typeface="Times New Roman" panose="02020603050405020304" pitchFamily="18" charset="0"/>
+                            <a:cs typeface="Times New Roman" panose="02020603050405020304" pitchFamily="18" charset="0"/>
+                          </a:rPr>
+                          <m:t>(</m:t>
+                        </m:r>
+                        <m:r>
+                          <a:rPr kumimoji="1" lang="en-US" altLang="zh-CN" sz="2640">
+                            <a:latin typeface="Times New Roman" panose="02020603050405020304" pitchFamily="18" charset="0"/>
+                            <a:cs typeface="Times New Roman" panose="02020603050405020304" pitchFamily="18" charset="0"/>
+                          </a:rPr>
+                          <m:t>𝑣</m:t>
+                        </m:r>
+                        <m:r>
+                          <a:rPr kumimoji="1" lang="en-US" altLang="zh-CN" sz="2640">
+                            <a:latin typeface="Times New Roman" panose="02020603050405020304" pitchFamily="18" charset="0"/>
+                            <a:cs typeface="Times New Roman" panose="02020603050405020304" pitchFamily="18" charset="0"/>
+                          </a:rPr>
+                          <m:t>,</m:t>
+                        </m:r>
+                        <m:r>
+                          <a:rPr kumimoji="1" lang="en-US" altLang="zh-CN" sz="2640">
+                            <a:latin typeface="Times New Roman" panose="02020603050405020304" pitchFamily="18" charset="0"/>
+                            <a:cs typeface="Times New Roman" panose="02020603050405020304" pitchFamily="18" charset="0"/>
+                          </a:rPr>
+                          <m:t>𝑢</m:t>
+                        </m:r>
+                        <m:r>
+                          <a:rPr kumimoji="1" lang="en-US" altLang="zh-CN" sz="2640">
+                            <a:latin typeface="Times New Roman" panose="02020603050405020304" pitchFamily="18" charset="0"/>
+                            <a:cs typeface="Times New Roman" panose="02020603050405020304" pitchFamily="18" charset="0"/>
+                          </a:rPr>
+                          <m:t>)</m:t>
+                        </m:r>
+                      </m:sub>
+                      <m:sup>
+                        <m:r>
+                          <a:rPr kumimoji="1" lang="en-US" altLang="zh-CN" sz="2640">
+                            <a:latin typeface="Times New Roman" panose="02020603050405020304" pitchFamily="18" charset="0"/>
+                            <a:cs typeface="Times New Roman" panose="02020603050405020304" pitchFamily="18" charset="0"/>
+                          </a:rPr>
+                          <m:t>𝑜𝑢𝑡</m:t>
+                        </m:r>
+                      </m:sup>
+                    </m:sSubSup>
+                  </m:oMath>
+                </a14:m>
+                <a:r>
+                  <a:rPr kumimoji="1" lang="en-US" altLang="zh-CN" sz="2640" dirty="0">
+                    <a:latin typeface="Times New Roman" panose="02020603050405020304" pitchFamily="18" charset="0"/>
+                    <a:cs typeface="Times New Roman" panose="02020603050405020304" pitchFamily="18" charset="0"/>
+                  </a:rPr>
+                  <a:t> is computed using the in-degree and out-degree of node </a:t>
+                </a:r>
+                <a:r>
+                  <a:rPr kumimoji="1" lang="zh-CN" altLang="en-US" sz="2640" dirty="0">
+                    <a:latin typeface="Times New Roman" panose="02020603050405020304" pitchFamily="18" charset="0"/>
+                    <a:cs typeface="Times New Roman" panose="02020603050405020304" pitchFamily="18" charset="0"/>
+                  </a:rPr>
+                  <a:t>𝑣 </a:t>
+                </a:r>
+                <a:r>
+                  <a:rPr kumimoji="1" lang="en-US" altLang="zh-CN" sz="2640" dirty="0">
+                    <a:latin typeface="Times New Roman" panose="02020603050405020304" pitchFamily="18" charset="0"/>
+                    <a:cs typeface="Times New Roman" panose="02020603050405020304" pitchFamily="18" charset="0"/>
+                  </a:rPr>
+                  <a:t>and its neighboring nodes.</a:t>
+                </a:r>
+              </a:p>
+              <a:p>
+                <a:r>
+                  <a:rPr kumimoji="1" lang="en-US" altLang="zh-CN" sz="2880" dirty="0">
+                    <a:latin typeface="Times New Roman" panose="02020603050405020304" pitchFamily="18" charset="0"/>
+                    <a:cs typeface="Times New Roman" panose="02020603050405020304" pitchFamily="18" charset="0"/>
+                  </a:rPr>
+                  <a:t>Using the variance of the coefficients as the weight of linear tiles.</a:t>
+                </a:r>
+              </a:p>
+              <a:p>
+                <a:pPr lvl="1"/>
+                <a14:m>
+                  <m:oMath xmlns:m="http://schemas.openxmlformats.org/officeDocument/2006/math">
+                    <m:r>
+                      <a:rPr kumimoji="1" lang="en-US" altLang="zh-CN" sz="2640" b="0" i="1" smtClean="0">
+                        <a:latin typeface="Cambria Math" panose="02040503050406030204" pitchFamily="18" charset="0"/>
+                        <a:cs typeface="Times New Roman" panose="02020603050405020304" pitchFamily="18" charset="0"/>
+                      </a:rPr>
+                      <m:t>𝑊</m:t>
+                    </m:r>
+                    <m:r>
+                      <a:rPr kumimoji="1" lang="en-US" altLang="zh-CN" sz="2640" b="0" i="1" smtClean="0">
+                        <a:latin typeface="Cambria Math" panose="02040503050406030204" pitchFamily="18" charset="0"/>
+                        <a:ea typeface="Cambria Math" panose="02040503050406030204" pitchFamily="18" charset="0"/>
+                        <a:cs typeface="Times New Roman" panose="02020603050405020304" pitchFamily="18" charset="0"/>
+                      </a:rPr>
+                      <m:t>=</m:t>
+                    </m:r>
+                    <m:f>
+                      <m:fPr>
+                        <m:type m:val="lin"/>
+                        <m:ctrlPr>
+                          <a:rPr kumimoji="1" lang="en-US" altLang="zh-CN" sz="2640" b="0" i="1" smtClean="0">
+                            <a:latin typeface="Cambria Math" panose="02040503050406030204" pitchFamily="18" charset="0"/>
+                            <a:ea typeface="Cambria Math" panose="02040503050406030204" pitchFamily="18" charset="0"/>
+                            <a:cs typeface="Times New Roman" panose="02020603050405020304" pitchFamily="18" charset="0"/>
+                          </a:rPr>
+                        </m:ctrlPr>
+                      </m:fPr>
+                      <m:num>
+                        <m:nary>
+                          <m:naryPr>
+                            <m:chr m:val="∑"/>
+                            <m:subHide m:val="on"/>
+                            <m:supHide m:val="on"/>
+                            <m:ctrlPr>
+                              <a:rPr kumimoji="1" lang="en-US" altLang="zh-CN" sz="2640" i="1">
+                                <a:latin typeface="Cambria Math" panose="02040503050406030204" pitchFamily="18" charset="0"/>
+                                <a:ea typeface="Cambria Math" panose="02040503050406030204" pitchFamily="18" charset="0"/>
+                                <a:cs typeface="Times New Roman" panose="02020603050405020304" pitchFamily="18" charset="0"/>
+                              </a:rPr>
+                            </m:ctrlPr>
+                          </m:naryPr>
+                          <m:sub/>
+                          <m:sup/>
+                          <m:e>
+                            <m:sSup>
+                              <m:sSupPr>
+                                <m:ctrlPr>
+                                  <a:rPr kumimoji="1" lang="en-US" altLang="zh-CN" sz="2640" i="1">
+                                    <a:latin typeface="Cambria Math" panose="02040503050406030204" pitchFamily="18" charset="0"/>
+                                    <a:ea typeface="Cambria Math" panose="02040503050406030204" pitchFamily="18" charset="0"/>
+                                    <a:cs typeface="Times New Roman" panose="02020603050405020304" pitchFamily="18" charset="0"/>
+                                  </a:rPr>
+                                </m:ctrlPr>
+                              </m:sSupPr>
+                              <m:e>
+                                <m:r>
+                                  <a:rPr kumimoji="1" lang="en-US" altLang="zh-CN" sz="2640" i="1">
+                                    <a:latin typeface="Cambria Math" panose="02040503050406030204" pitchFamily="18" charset="0"/>
+                                    <a:ea typeface="Cambria Math" panose="02040503050406030204" pitchFamily="18" charset="0"/>
+                                    <a:cs typeface="Times New Roman" panose="02020603050405020304" pitchFamily="18" charset="0"/>
+                                  </a:rPr>
+                                  <m:t>(</m:t>
+                                </m:r>
+                                <m:sSub>
+                                  <m:sSubPr>
+                                    <m:ctrlPr>
+                                      <a:rPr kumimoji="1" lang="en-US" altLang="zh-CN" sz="2640" i="1">
+                                        <a:latin typeface="Cambria Math" panose="02040503050406030204" pitchFamily="18" charset="0"/>
+                                        <a:ea typeface="Cambria Math" panose="02040503050406030204" pitchFamily="18" charset="0"/>
+                                        <a:cs typeface="Times New Roman" panose="02020603050405020304" pitchFamily="18" charset="0"/>
+                                      </a:rPr>
+                                    </m:ctrlPr>
+                                  </m:sSubPr>
+                                  <m:e>
+                                    <m:r>
+                                      <a:rPr kumimoji="1" lang="en-US" altLang="zh-CN" sz="2640" i="1">
+                                        <a:latin typeface="Cambria Math" panose="02040503050406030204" pitchFamily="18" charset="0"/>
+                                        <a:ea typeface="Cambria Math" panose="02040503050406030204" pitchFamily="18" charset="0"/>
+                                        <a:cs typeface="Times New Roman" panose="02020603050405020304" pitchFamily="18" charset="0"/>
+                                      </a:rPr>
+                                      <m:t>𝑎</m:t>
+                                    </m:r>
+                                  </m:e>
+                                  <m:sub>
+                                    <m:r>
+                                      <a:rPr kumimoji="1" lang="en-US" altLang="zh-CN" sz="2640" i="1">
+                                        <a:latin typeface="Cambria Math" panose="02040503050406030204" pitchFamily="18" charset="0"/>
+                                        <a:ea typeface="Cambria Math" panose="02040503050406030204" pitchFamily="18" charset="0"/>
+                                        <a:cs typeface="Times New Roman" panose="02020603050405020304" pitchFamily="18" charset="0"/>
+                                      </a:rPr>
+                                      <m:t>𝑖</m:t>
+                                    </m:r>
+                                  </m:sub>
+                                </m:sSub>
+                                <m:r>
+                                  <a:rPr kumimoji="1" lang="en-US" altLang="zh-CN" sz="2640" i="1">
+                                    <a:latin typeface="Cambria Math" panose="02040503050406030204" pitchFamily="18" charset="0"/>
+                                    <a:ea typeface="Cambria Math" panose="02040503050406030204" pitchFamily="18" charset="0"/>
+                                    <a:cs typeface="Times New Roman" panose="02020603050405020304" pitchFamily="18" charset="0"/>
+                                  </a:rPr>
+                                  <m:t>−</m:t>
+                                </m:r>
+                                <m:f>
+                                  <m:fPr>
+                                    <m:ctrlPr>
+                                      <a:rPr kumimoji="1" lang="en-US" altLang="zh-CN" sz="2640" i="1">
+                                        <a:latin typeface="Cambria Math" panose="02040503050406030204" pitchFamily="18" charset="0"/>
+                                        <a:ea typeface="Cambria Math" panose="02040503050406030204" pitchFamily="18" charset="0"/>
+                                        <a:cs typeface="Times New Roman" panose="02020603050405020304" pitchFamily="18" charset="0"/>
+                                      </a:rPr>
+                                    </m:ctrlPr>
+                                  </m:fPr>
+                                  <m:num>
+                                    <m:nary>
+                                      <m:naryPr>
+                                        <m:chr m:val="∑"/>
+                                        <m:subHide m:val="on"/>
+                                        <m:supHide m:val="on"/>
+                                        <m:ctrlPr>
+                                          <a:rPr kumimoji="1" lang="en-US" altLang="zh-CN" sz="2640" i="1">
+                                            <a:latin typeface="Cambria Math" panose="02040503050406030204" pitchFamily="18" charset="0"/>
+                                            <a:ea typeface="Cambria Math" panose="02040503050406030204" pitchFamily="18" charset="0"/>
+                                            <a:cs typeface="Times New Roman" panose="02020603050405020304" pitchFamily="18" charset="0"/>
+                                          </a:rPr>
+                                        </m:ctrlPr>
+                                      </m:naryPr>
+                                      <m:sub/>
+                                      <m:sup/>
+                                      <m:e>
+                                        <m:sSub>
+                                          <m:sSubPr>
+                                            <m:ctrlPr>
+                                              <a:rPr kumimoji="1" lang="en-US" altLang="zh-CN" sz="2640" i="1">
+                                                <a:latin typeface="Cambria Math" panose="02040503050406030204" pitchFamily="18" charset="0"/>
+                                                <a:ea typeface="Cambria Math" panose="02040503050406030204" pitchFamily="18" charset="0"/>
+                                                <a:cs typeface="Times New Roman" panose="02020603050405020304" pitchFamily="18" charset="0"/>
+                                              </a:rPr>
+                                            </m:ctrlPr>
+                                          </m:sSubPr>
+                                          <m:e>
+                                            <m:r>
+                                              <a:rPr kumimoji="1" lang="en-US" altLang="zh-CN" sz="2640" i="1">
+                                                <a:latin typeface="Cambria Math" panose="02040503050406030204" pitchFamily="18" charset="0"/>
+                                                <a:ea typeface="Cambria Math" panose="02040503050406030204" pitchFamily="18" charset="0"/>
+                                                <a:cs typeface="Times New Roman" panose="02020603050405020304" pitchFamily="18" charset="0"/>
+                                              </a:rPr>
+                                              <m:t>𝑎</m:t>
+                                            </m:r>
+                                          </m:e>
+                                          <m:sub>
+                                            <m:r>
+                                              <a:rPr kumimoji="1" lang="en-US" altLang="zh-CN" sz="2640" i="1">
+                                                <a:latin typeface="Cambria Math" panose="02040503050406030204" pitchFamily="18" charset="0"/>
+                                                <a:ea typeface="Cambria Math" panose="02040503050406030204" pitchFamily="18" charset="0"/>
+                                                <a:cs typeface="Times New Roman" panose="02020603050405020304" pitchFamily="18" charset="0"/>
+                                              </a:rPr>
+                                              <m:t>𝑖</m:t>
+                                            </m:r>
+                                          </m:sub>
+                                        </m:sSub>
+                                      </m:e>
+                                    </m:nary>
+                                  </m:num>
+                                  <m:den>
+                                    <m:r>
+                                      <a:rPr kumimoji="1" lang="en-US" altLang="zh-CN" sz="2640" i="1">
+                                        <a:latin typeface="Cambria Math" panose="02040503050406030204" pitchFamily="18" charset="0"/>
+                                        <a:ea typeface="Cambria Math" panose="02040503050406030204" pitchFamily="18" charset="0"/>
+                                        <a:cs typeface="Times New Roman" panose="02020603050405020304" pitchFamily="18" charset="0"/>
+                                      </a:rPr>
+                                      <m:t>𝑛</m:t>
+                                    </m:r>
+                                  </m:den>
+                                </m:f>
+                                <m:r>
+                                  <a:rPr kumimoji="1" lang="en-US" altLang="zh-CN" sz="2640" i="1">
+                                    <a:latin typeface="Cambria Math" panose="02040503050406030204" pitchFamily="18" charset="0"/>
+                                    <a:ea typeface="Cambria Math" panose="02040503050406030204" pitchFamily="18" charset="0"/>
+                                    <a:cs typeface="Times New Roman" panose="02020603050405020304" pitchFamily="18" charset="0"/>
+                                  </a:rPr>
+                                  <m:t>)</m:t>
+                                </m:r>
+                              </m:e>
+                              <m:sup>
+                                <m:r>
+                                  <a:rPr kumimoji="1" lang="en-US" altLang="zh-CN" sz="2640" i="1">
+                                    <a:latin typeface="Cambria Math" panose="02040503050406030204" pitchFamily="18" charset="0"/>
+                                    <a:ea typeface="Cambria Math" panose="02040503050406030204" pitchFamily="18" charset="0"/>
+                                    <a:cs typeface="Times New Roman" panose="02020603050405020304" pitchFamily="18" charset="0"/>
+                                  </a:rPr>
+                                  <m:t>2</m:t>
+                                </m:r>
+                              </m:sup>
+                            </m:sSup>
+                          </m:e>
+                        </m:nary>
+                      </m:num>
+                      <m:den>
+                        <m:sSup>
+                          <m:sSupPr>
+                            <m:ctrlPr>
+                              <a:rPr kumimoji="1" lang="en-US" altLang="zh-CN" sz="2640" i="1">
+                                <a:latin typeface="Cambria Math" panose="02040503050406030204" pitchFamily="18" charset="0"/>
+                                <a:ea typeface="Cambria Math" panose="02040503050406030204" pitchFamily="18" charset="0"/>
+                                <a:cs typeface="Times New Roman" panose="02020603050405020304" pitchFamily="18" charset="0"/>
+                              </a:rPr>
+                            </m:ctrlPr>
+                          </m:sSupPr>
+                          <m:e>
+                            <m:r>
+                              <a:rPr kumimoji="1" lang="en-US" altLang="zh-CN" sz="2640" i="1">
+                                <a:latin typeface="Cambria Math" panose="02040503050406030204" pitchFamily="18" charset="0"/>
+                                <a:ea typeface="Cambria Math" panose="02040503050406030204" pitchFamily="18" charset="0"/>
+                                <a:cs typeface="Times New Roman" panose="02020603050405020304" pitchFamily="18" charset="0"/>
+                              </a:rPr>
+                              <m:t>(</m:t>
+                            </m:r>
+                            <m:f>
+                              <m:fPr>
+                                <m:ctrlPr>
+                                  <a:rPr kumimoji="1" lang="en-US" altLang="zh-CN" sz="2640" i="1">
+                                    <a:latin typeface="Cambria Math" panose="02040503050406030204" pitchFamily="18" charset="0"/>
+                                    <a:ea typeface="Cambria Math" panose="02040503050406030204" pitchFamily="18" charset="0"/>
+                                    <a:cs typeface="Times New Roman" panose="02020603050405020304" pitchFamily="18" charset="0"/>
+                                  </a:rPr>
+                                </m:ctrlPr>
+                              </m:fPr>
+                              <m:num>
+                                <m:nary>
+                                  <m:naryPr>
+                                    <m:chr m:val="∑"/>
+                                    <m:subHide m:val="on"/>
+                                    <m:supHide m:val="on"/>
+                                    <m:ctrlPr>
+                                      <a:rPr kumimoji="1" lang="en-US" altLang="zh-CN" sz="2640" i="1">
+                                        <a:latin typeface="Cambria Math" panose="02040503050406030204" pitchFamily="18" charset="0"/>
+                                        <a:ea typeface="Cambria Math" panose="02040503050406030204" pitchFamily="18" charset="0"/>
+                                        <a:cs typeface="Times New Roman" panose="02020603050405020304" pitchFamily="18" charset="0"/>
+                                      </a:rPr>
+                                    </m:ctrlPr>
+                                  </m:naryPr>
+                                  <m:sub/>
+                                  <m:sup/>
+                                  <m:e>
+                                    <m:sSub>
+                                      <m:sSubPr>
+                                        <m:ctrlPr>
+                                          <a:rPr kumimoji="1" lang="en-US" altLang="zh-CN" sz="2640" i="1">
+                                            <a:latin typeface="Cambria Math" panose="02040503050406030204" pitchFamily="18" charset="0"/>
+                                            <a:ea typeface="Cambria Math" panose="02040503050406030204" pitchFamily="18" charset="0"/>
+                                            <a:cs typeface="Times New Roman" panose="02020603050405020304" pitchFamily="18" charset="0"/>
+                                          </a:rPr>
+                                        </m:ctrlPr>
+                                      </m:sSubPr>
+                                      <m:e>
+                                        <m:r>
+                                          <a:rPr kumimoji="1" lang="en-US" altLang="zh-CN" sz="2640" i="1">
+                                            <a:latin typeface="Cambria Math" panose="02040503050406030204" pitchFamily="18" charset="0"/>
+                                            <a:ea typeface="Cambria Math" panose="02040503050406030204" pitchFamily="18" charset="0"/>
+                                            <a:cs typeface="Times New Roman" panose="02020603050405020304" pitchFamily="18" charset="0"/>
+                                          </a:rPr>
+                                          <m:t>𝑎</m:t>
+                                        </m:r>
+                                      </m:e>
+                                      <m:sub>
+                                        <m:r>
+                                          <a:rPr kumimoji="1" lang="en-US" altLang="zh-CN" sz="2640" i="1">
+                                            <a:latin typeface="Cambria Math" panose="02040503050406030204" pitchFamily="18" charset="0"/>
+                                            <a:ea typeface="Cambria Math" panose="02040503050406030204" pitchFamily="18" charset="0"/>
+                                            <a:cs typeface="Times New Roman" panose="02020603050405020304" pitchFamily="18" charset="0"/>
+                                          </a:rPr>
+                                          <m:t>𝑖</m:t>
+                                        </m:r>
+                                      </m:sub>
+                                    </m:sSub>
+                                  </m:e>
+                                </m:nary>
+                              </m:num>
+                              <m:den>
+                                <m:r>
+                                  <a:rPr kumimoji="1" lang="en-US" altLang="zh-CN" sz="2640" i="1">
+                                    <a:latin typeface="Cambria Math" panose="02040503050406030204" pitchFamily="18" charset="0"/>
+                                    <a:ea typeface="Cambria Math" panose="02040503050406030204" pitchFamily="18" charset="0"/>
+                                    <a:cs typeface="Times New Roman" panose="02020603050405020304" pitchFamily="18" charset="0"/>
+                                  </a:rPr>
+                                  <m:t>𝑛</m:t>
+                                </m:r>
+                              </m:den>
+                            </m:f>
+                            <m:r>
+                              <a:rPr kumimoji="1" lang="en-US" altLang="zh-CN" sz="2640" i="1">
+                                <a:latin typeface="Cambria Math" panose="02040503050406030204" pitchFamily="18" charset="0"/>
+                                <a:ea typeface="Cambria Math" panose="02040503050406030204" pitchFamily="18" charset="0"/>
+                                <a:cs typeface="Times New Roman" panose="02020603050405020304" pitchFamily="18" charset="0"/>
+                              </a:rPr>
+                              <m:t>)</m:t>
+                            </m:r>
+                          </m:e>
+                          <m:sup>
+                            <m:r>
+                              <a:rPr kumimoji="1" lang="en-US" altLang="zh-CN" sz="2640" i="1">
+                                <a:latin typeface="Cambria Math" panose="02040503050406030204" pitchFamily="18" charset="0"/>
+                                <a:ea typeface="Cambria Math" panose="02040503050406030204" pitchFamily="18" charset="0"/>
+                                <a:cs typeface="Times New Roman" panose="02020603050405020304" pitchFamily="18" charset="0"/>
+                              </a:rPr>
+                              <m:t>2</m:t>
+                            </m:r>
+                          </m:sup>
+                        </m:sSup>
+                      </m:den>
+                    </m:f>
+                  </m:oMath>
+                </a14:m>
+                <a:endParaRPr kumimoji="1" lang="en-US" altLang="zh-CN" sz="2640" dirty="0">
+                  <a:latin typeface="Times New Roman" panose="02020603050405020304" pitchFamily="18" charset="0"/>
+                  <a:cs typeface="Times New Roman" panose="02020603050405020304" pitchFamily="18" charset="0"/>
+                </a:endParaRPr>
+              </a:p>
+              <a:p>
+                <a:pPr lvl="1"/>
+                <a:r>
+                  <a:rPr kumimoji="1" lang="en-US" altLang="zh-CN" sz="2640" dirty="0">
+                    <a:latin typeface="Times New Roman" panose="02020603050405020304" pitchFamily="18" charset="0"/>
+                    <a:cs typeface="Times New Roman" panose="02020603050405020304" pitchFamily="18" charset="0"/>
+                  </a:rPr>
+                  <a:t>Diminishing the symmetry in the graph.</a:t>
+                </a:r>
+              </a:p>
+              <a:p>
+                <a:pPr lvl="1"/>
+                <a:r>
+                  <a:rPr kumimoji="1" lang="en-US" altLang="zh-CN" sz="2640" dirty="0">
+                    <a:latin typeface="Times New Roman" panose="02020603050405020304" pitchFamily="18" charset="0"/>
+                    <a:cs typeface="Times New Roman" panose="02020603050405020304" pitchFamily="18" charset="0"/>
+                  </a:rPr>
+                  <a:t>Removing identical weights of tiles.</a:t>
+                </a:r>
                 <a:r>
                   <a:rPr kumimoji="1" lang="en-US" altLang="zh-CN" sz="1800" dirty="0">
                     <a:latin typeface="Times New Roman" panose="02020603050405020304" pitchFamily="18" charset="0"/>
@@ -4381,173 +5055,6 @@
                 </a:r>
                 <a:endParaRPr lang="en-US" altLang="zh-CN" sz="1800" i="1" dirty="0">
                   <a:latin typeface="Cambria Math" panose="02040503050406030204" pitchFamily="18" charset="0"/>
-                </a:endParaRPr>
-              </a:p>
-              <a:p>
-                <a:pPr marL="548640" lvl="1" indent="0" algn="ctr">
-                  <a:buNone/>
-                </a:pPr>
-                <a14:m>
-                  <m:oMathPara xmlns:m="http://schemas.openxmlformats.org/officeDocument/2006/math">
-                    <m:oMathParaPr>
-                      <m:jc m:val="centerGroup"/>
-                    </m:oMathParaPr>
-                    <m:oMath xmlns:m="http://schemas.openxmlformats.org/officeDocument/2006/math">
-                      <m:r>
-                        <m:rPr>
-                          <m:sty m:val="p"/>
-                        </m:rPr>
-                        <a:rPr lang="en-US" altLang="zh-CN" sz="1800" b="0" i="0" dirty="0">
-                          <a:latin typeface="Cambria Math" panose="02040503050406030204" pitchFamily="18" charset="0"/>
-                        </a:rPr>
-                        <m:t>Variable</m:t>
-                      </m:r>
-                      <m:r>
-                        <a:rPr lang="en-US" altLang="zh-CN" sz="1800" b="0" i="0" dirty="0">
-                          <a:latin typeface="Cambria Math" panose="02040503050406030204" pitchFamily="18" charset="0"/>
-                        </a:rPr>
-                        <m:t> </m:t>
-                      </m:r>
-                      <m:r>
-                        <m:rPr>
-                          <m:sty m:val="p"/>
-                        </m:rPr>
-                        <a:rPr lang="en-US" altLang="zh-CN" sz="1800" b="0" i="0" dirty="0">
-                          <a:latin typeface="Cambria Math" panose="02040503050406030204" pitchFamily="18" charset="0"/>
-                        </a:rPr>
-                        <m:t>mapping</m:t>
-                      </m:r>
-                      <m:r>
-                        <a:rPr lang="en-US" altLang="zh-CN" sz="1800" b="0" i="0" dirty="0">
-                          <a:latin typeface="Cambria Math" panose="02040503050406030204" pitchFamily="18" charset="0"/>
-                        </a:rPr>
-                        <m:t>=</m:t>
-                      </m:r>
-                      <m:d>
-                        <m:dPr>
-                          <m:ctrlPr>
-                            <a:rPr lang="en-US" altLang="zh-CN" sz="1800" dirty="0">
-                              <a:latin typeface="Cambria Math" panose="02040503050406030204" pitchFamily="18" charset="0"/>
-                            </a:rPr>
-                          </m:ctrlPr>
-                        </m:dPr>
-                        <m:e>
-                          <m:r>
-                            <a:rPr lang="en-US" altLang="zh-CN" sz="1800" b="0" i="0" dirty="0">
-                              <a:latin typeface="Cambria Math" panose="02040503050406030204" pitchFamily="18" charset="0"/>
-                            </a:rPr>
-                            <m:t>~</m:t>
-                          </m:r>
-                          <m:r>
-                            <m:rPr>
-                              <m:sty m:val="p"/>
-                            </m:rPr>
-                            <a:rPr lang="en-US" altLang="zh-CN" sz="1800" b="0" i="0" dirty="0">
-                              <a:latin typeface="Cambria Math" panose="02040503050406030204" pitchFamily="18" charset="0"/>
-                            </a:rPr>
-                            <m:t>one</m:t>
-                          </m:r>
-                          <m:r>
-                            <a:rPr lang="en-US" altLang="zh-CN" sz="1800" b="0" i="0" dirty="0">
-                              <a:latin typeface="Cambria Math" panose="02040503050406030204" pitchFamily="18" charset="0"/>
-                            </a:rPr>
-                            <m:t>, </m:t>
-                          </m:r>
-                          <m:r>
-                            <m:rPr>
-                              <m:sty m:val="p"/>
-                            </m:rPr>
-                            <a:rPr lang="en-US" altLang="zh-CN" sz="1800" b="0" i="0" dirty="0">
-                              <a:latin typeface="Cambria Math" panose="02040503050406030204" pitchFamily="18" charset="0"/>
-                            </a:rPr>
-                            <m:t>x</m:t>
-                          </m:r>
-                          <m:r>
-                            <a:rPr lang="en-US" altLang="zh-CN" sz="1800" b="0" i="0" dirty="0">
-                              <a:latin typeface="Cambria Math" panose="02040503050406030204" pitchFamily="18" charset="0"/>
-                            </a:rPr>
-                            <m:t>,,~</m:t>
-                          </m:r>
-                          <m:r>
-                            <m:rPr>
-                              <m:sty m:val="p"/>
-                            </m:rPr>
-                            <a:rPr lang="en-US" altLang="zh-CN" sz="1800" b="0" i="0" dirty="0">
-                              <a:latin typeface="Cambria Math" panose="02040503050406030204" pitchFamily="18" charset="0"/>
-                            </a:rPr>
-                            <m:t>out</m:t>
-                          </m:r>
-                          <m:r>
-                            <a:rPr lang="en-US" altLang="zh-CN" sz="1800" b="0" i="0" dirty="0">
-                              <a:latin typeface="Cambria Math" panose="02040503050406030204" pitchFamily="18" charset="0"/>
-                            </a:rPr>
-                            <m:t>,</m:t>
-                          </m:r>
-                          <m:r>
-                            <m:rPr>
-                              <m:sty m:val="p"/>
-                            </m:rPr>
-                            <a:rPr lang="en-US" altLang="zh-CN" sz="1800" b="0" i="0" dirty="0">
-                              <a:latin typeface="Cambria Math" panose="02040503050406030204" pitchFamily="18" charset="0"/>
-                            </a:rPr>
-                            <m:t>x</m:t>
-                          </m:r>
-                          <m:r>
-                            <a:rPr lang="en-US" altLang="zh-CN" sz="1800" b="0" i="0" baseline="30000" dirty="0">
-                              <a:latin typeface="Cambria Math" panose="02040503050406030204" pitchFamily="18" charset="0"/>
-                            </a:rPr>
-                            <m:t>2</m:t>
-                          </m:r>
-                          <m:r>
-                            <a:rPr lang="en-US" altLang="zh-CN" sz="1800" b="0" i="0" dirty="0">
-                              <a:latin typeface="Cambria Math" panose="02040503050406030204" pitchFamily="18" charset="0"/>
-                            </a:rPr>
-                            <m:t>,</m:t>
-                          </m:r>
-                          <m:r>
-                            <m:rPr>
-                              <m:sty m:val="p"/>
-                            </m:rPr>
-                            <a:rPr lang="en-US" altLang="zh-CN" sz="1800" b="0" i="0" dirty="0">
-                              <a:latin typeface="Cambria Math" panose="02040503050406030204" pitchFamily="18" charset="0"/>
-                            </a:rPr>
-                            <m:t>x</m:t>
-                          </m:r>
-                          <m:r>
-                            <a:rPr lang="en-US" altLang="zh-CN" sz="1800" b="0" i="0" baseline="30000" dirty="0">
-                              <a:latin typeface="Cambria Math" panose="02040503050406030204" pitchFamily="18" charset="0"/>
-                            </a:rPr>
-                            <m:t>3</m:t>
-                          </m:r>
-                          <m:r>
-                            <a:rPr lang="en-US" altLang="zh-CN" sz="1800" b="0" i="0" dirty="0">
-                              <a:latin typeface="Cambria Math" panose="02040503050406030204" pitchFamily="18" charset="0"/>
-                            </a:rPr>
-                            <m:t>,</m:t>
-                          </m:r>
-                          <m:r>
-                            <m:rPr>
-                              <m:sty m:val="p"/>
-                            </m:rPr>
-                            <a:rPr lang="en-US" altLang="zh-CN" sz="1800" b="0" i="0" dirty="0">
-                              <a:latin typeface="Cambria Math" panose="02040503050406030204" pitchFamily="18" charset="0"/>
-                            </a:rPr>
-                            <m:t>sym</m:t>
-                          </m:r>
-                          <m:r>
-                            <a:rPr lang="en-US" altLang="zh-CN" sz="1800" b="0" i="0" baseline="-25000" dirty="0">
-                              <a:latin typeface="Cambria Math" panose="02040503050406030204" pitchFamily="18" charset="0"/>
-                            </a:rPr>
-                            <m:t>1</m:t>
-                          </m:r>
-                        </m:e>
-                      </m:d>
-                    </m:oMath>
-                  </m:oMathPara>
-                </a14:m>
-                <a:endParaRPr kumimoji="1" lang="en-US" altLang="zh-CN" sz="1800" dirty="0">
-                  <a:latin typeface="Times New Roman" panose="02020603050405020304" pitchFamily="18" charset="0"/>
-                  <a:cs typeface="Times New Roman" panose="02020603050405020304" pitchFamily="18" charset="0"/>
                 </a:endParaRPr>
               </a:p>
               <a:p>
@@ -4593,7 +5100,7 @@
               <a:blipFill>
                 <a:blip r:embed="rId3"/>
                 <a:stretch>
-                  <a:fillRect l="-1061" t="-512"/>
+                  <a:fillRect l="-782" t="-1024" r="-112" b="-2305"/>
                 </a:stretch>
               </a:blipFill>
             </p:spPr>
@@ -4635,7 +5142,7 @@
           <a:p>
             <a:fld id="{ADE361C3-C043-4A6E-BDCE-8DA1E7D90A3B}" type="slidenum">
               <a:rPr lang="zh-CN" altLang="en-US" smtClean="0"/>
-              <a:t>10</a:t>
+              <a:t>12</a:t>
             </a:fld>
             <a:endParaRPr lang="zh-CN" altLang="en-US"/>
           </a:p>
@@ -4644,7 +5151,7 @@
     </p:spTree>
     <p:extLst>
       <p:ext uri="{BB962C8B-B14F-4D97-AF65-F5344CB8AC3E}">
-        <p14:creationId xmlns:p14="http://schemas.microsoft.com/office/powerpoint/2010/main" val="3251065303"/>
+        <p14:creationId xmlns:p14="http://schemas.microsoft.com/office/powerpoint/2010/main" val="4106737500"/>
       </p:ext>
     </p:extLst>
   </p:cSld>
@@ -4654,7 +5161,7 @@
 </p:sld>
 </file>
 
-<file path=ppt/slides/slide11.xml><?xml version="1.0" encoding="utf-8"?>
+<file path=ppt/slides/slide13.xml><?xml version="1.0" encoding="utf-8"?>
 <p:sld xmlns:a="http://schemas.openxmlformats.org/drawingml/2006/main" xmlns:r="http://schemas.openxmlformats.org/officeDocument/2006/relationships" xmlns:p="http://schemas.openxmlformats.org/presentationml/2006/main">
   <p:cSld>
     <p:spTree>
@@ -4704,7 +5211,7 @@
                 <a:latin typeface="Times New Roman" panose="02020603050405020304" pitchFamily="18" charset="0"/>
                 <a:cs typeface="Times New Roman" panose="02020603050405020304" pitchFamily="18" charset="0"/>
               </a:rPr>
-              <a:t>Algorithm Design: Tile Weight Calculation</a:t>
+              <a:t>Algorithm Design: Linear Constraint Adjustment</a:t>
             </a:r>
             <a:endParaRPr kumimoji="1" lang="zh-CN" altLang="en-US" sz="3600" dirty="0">
               <a:latin typeface="Times New Roman" panose="02020603050405020304" pitchFamily="18" charset="0"/>
@@ -4739,7 +5246,7 @@
             </p:spPr>
             <p:txBody>
               <a:bodyPr>
-                <a:normAutofit/>
+                <a:normAutofit fontScale="92500" lnSpcReduction="10000"/>
               </a:bodyPr>
               <a:lstStyle/>
               <a:p>
@@ -4748,7 +5255,30 @@
                     <a:latin typeface="Times New Roman" panose="02020603050405020304" pitchFamily="18" charset="0"/>
                     <a:cs typeface="Times New Roman" panose="02020603050405020304" pitchFamily="18" charset="0"/>
                   </a:rPr>
-                  <a:t>Example R1CS</a:t>
+                  <a:t>Adjustment of Scope: </a:t>
+                </a:r>
+                <a:r>
+                  <a:rPr lang="en-US" altLang="zh-CN" sz="1400" i="1" dirty="0">
+                    <a:solidFill>
+                      <a:schemeClr val="tx1">
+                        <a:lumMod val="65000"/>
+                        <a:lumOff val="35000"/>
+                      </a:schemeClr>
+                    </a:solidFill>
+                    <a:latin typeface="Times New Roman" panose="02020603050405020304" pitchFamily="18" charset="0"/>
+                    <a:ea typeface="+mn-ea"/>
+                    <a:cs typeface="Times New Roman" panose="02020603050405020304" pitchFamily="18" charset="0"/>
+                  </a:rPr>
+                  <a:t>Newly Introduced Variables in Linear Tiles.</a:t>
+                </a:r>
+              </a:p>
+              <a:p>
+                <a:r>
+                  <a:rPr kumimoji="1" lang="en-US" altLang="zh-CN" sz="2880" dirty="0">
+                    <a:latin typeface="Times New Roman" panose="02020603050405020304" pitchFamily="18" charset="0"/>
+                    <a:cs typeface="Times New Roman" panose="02020603050405020304" pitchFamily="18" charset="0"/>
+                  </a:rPr>
+                  <a:t>Sorting Criterion</a:t>
                 </a:r>
               </a:p>
               <a:p>
@@ -4756,1047 +5286,215 @@
                 <a14:m>
                   <m:oMath xmlns:m="http://schemas.openxmlformats.org/officeDocument/2006/math">
                     <m:r>
-                      <a:rPr kumimoji="1" lang="en-US" altLang="zh-CN" sz="1800" i="1" smtClean="0">
+                      <a:rPr lang="en-US" altLang="zh-CN" sz="2800" i="1" smtClean="0">
                         <a:latin typeface="Cambria Math" panose="02040503050406030204" pitchFamily="18" charset="0"/>
-                        <a:cs typeface="Times New Roman" panose="02020603050405020304" pitchFamily="18" charset="0"/>
+                        <a:ea typeface="Cambria Math" panose="02040503050406030204" pitchFamily="18" charset="0"/>
+                        <a:cs typeface="Cambria Math" panose="02040503050406030204" pitchFamily="18" charset="0"/>
                       </a:rPr>
-                      <m:t>𝐴</m:t>
+                      <m:t>𝑤𝑒𝑖𝑔h𝑡</m:t>
                     </m:r>
                     <m:r>
-                      <a:rPr kumimoji="1" lang="en-US" altLang="zh-CN" sz="1800" i="1" smtClean="0">
+                      <a:rPr lang="en-US" altLang="zh-CN" sz="2800" i="1" smtClean="0">
                         <a:latin typeface="Cambria Math" panose="02040503050406030204" pitchFamily="18" charset="0"/>
-                        <a:cs typeface="Times New Roman" panose="02020603050405020304" pitchFamily="18" charset="0"/>
+                        <a:ea typeface="Cambria Math" panose="02040503050406030204" pitchFamily="18" charset="0"/>
+                        <a:cs typeface="Cambria Math" panose="02040503050406030204" pitchFamily="18" charset="0"/>
                       </a:rPr>
-                      <m:t>=</m:t>
+                      <m:t> =</m:t>
                     </m:r>
-                    <m:d>
-                      <m:dPr>
+                    <m:limLow>
+                      <m:limLowPr>
                         <m:ctrlPr>
-                          <a:rPr kumimoji="1" lang="en-US" altLang="zh-CN" sz="1800" i="1" smtClean="0">
+                          <a:rPr lang="zh-CN" altLang="zh-CN" sz="2800" i="1">
                             <a:latin typeface="Cambria Math" panose="02040503050406030204" pitchFamily="18" charset="0"/>
-                            <a:cs typeface="Times New Roman" panose="02020603050405020304" pitchFamily="18" charset="0"/>
+                            <a:ea typeface="Cambria Math" panose="02040503050406030204" pitchFamily="18" charset="0"/>
                           </a:rPr>
                         </m:ctrlPr>
-                      </m:dPr>
+                      </m:limLowPr>
                       <m:e>
-                        <m:m>
-                          <m:mPr>
-                            <m:mcs>
-                              <m:mc>
-                                <m:mcPr>
-                                  <m:count m:val="6"/>
-                                  <m:mcJc m:val="center"/>
-                                </m:mcPr>
-                              </m:mc>
-                            </m:mcs>
-                            <m:ctrlPr>
-                              <a:rPr kumimoji="1" lang="en-US" altLang="zh-CN" sz="1800" i="1" smtClean="0">
-                                <a:latin typeface="Cambria Math" panose="02040503050406030204" pitchFamily="18" charset="0"/>
-                                <a:cs typeface="Times New Roman" panose="02020603050405020304" pitchFamily="18" charset="0"/>
-                              </a:rPr>
-                            </m:ctrlPr>
-                          </m:mPr>
-                          <m:mr>
-                            <m:e>
-                              <m:r>
-                                <m:rPr>
-                                  <m:brk m:alnAt="7"/>
-                                </m:rPr>
-                                <a:rPr kumimoji="1" lang="en-US" altLang="zh-CN" sz="1800" b="0" i="1" smtClean="0">
-                                  <a:latin typeface="Cambria Math" panose="02040503050406030204" pitchFamily="18" charset="0"/>
-                                  <a:cs typeface="Times New Roman" panose="02020603050405020304" pitchFamily="18" charset="0"/>
-                                </a:rPr>
-                                <m:t>0</m:t>
-                              </m:r>
-                            </m:e>
-                            <m:e>
-                              <m:r>
-                                <a:rPr kumimoji="1" lang="en-US" altLang="zh-CN" sz="1800" b="0" i="1" smtClean="0">
-                                  <a:latin typeface="Cambria Math" panose="02040503050406030204" pitchFamily="18" charset="0"/>
-                                  <a:cs typeface="Times New Roman" panose="02020603050405020304" pitchFamily="18" charset="0"/>
-                                </a:rPr>
-                                <m:t>1</m:t>
-                              </m:r>
-                            </m:e>
-                            <m:e>
-                              <m:r>
-                                <a:rPr kumimoji="1" lang="en-US" altLang="zh-CN" sz="1800" b="0" i="1" smtClean="0">
-                                  <a:latin typeface="Cambria Math" panose="02040503050406030204" pitchFamily="18" charset="0"/>
-                                  <a:cs typeface="Times New Roman" panose="02020603050405020304" pitchFamily="18" charset="0"/>
-                                </a:rPr>
-                                <m:t>0</m:t>
-                              </m:r>
-                            </m:e>
-                            <m:e>
-                              <m:r>
-                                <a:rPr kumimoji="1" lang="en-US" altLang="zh-CN" sz="1800" b="0" i="1" smtClean="0">
-                                  <a:latin typeface="Cambria Math" panose="02040503050406030204" pitchFamily="18" charset="0"/>
-                                  <a:cs typeface="Times New Roman" panose="02020603050405020304" pitchFamily="18" charset="0"/>
-                                </a:rPr>
-                                <m:t>0</m:t>
-                              </m:r>
-                            </m:e>
-                            <m:e>
-                              <m:r>
-                                <a:rPr kumimoji="1" lang="en-US" altLang="zh-CN" sz="1800" b="0" i="1" smtClean="0">
-                                  <a:latin typeface="Cambria Math" panose="02040503050406030204" pitchFamily="18" charset="0"/>
-                                  <a:cs typeface="Times New Roman" panose="02020603050405020304" pitchFamily="18" charset="0"/>
-                                </a:rPr>
-                                <m:t>0</m:t>
-                              </m:r>
-                            </m:e>
-                            <m:e>
-                              <m:r>
-                                <a:rPr kumimoji="1" lang="en-US" altLang="zh-CN" sz="1800" b="0" i="1" smtClean="0">
-                                  <a:latin typeface="Cambria Math" panose="02040503050406030204" pitchFamily="18" charset="0"/>
-                                  <a:cs typeface="Times New Roman" panose="02020603050405020304" pitchFamily="18" charset="0"/>
-                                </a:rPr>
-                                <m:t>0</m:t>
-                              </m:r>
-                            </m:e>
-                          </m:mr>
-                          <m:mr>
-                            <m:e>
-                              <m:r>
-                                <a:rPr kumimoji="1" lang="en-US" altLang="zh-CN" sz="1800" b="0" i="1" smtClean="0">
-                                  <a:latin typeface="Cambria Math" panose="02040503050406030204" pitchFamily="18" charset="0"/>
-                                  <a:cs typeface="Times New Roman" panose="02020603050405020304" pitchFamily="18" charset="0"/>
-                                </a:rPr>
-                                <m:t>0</m:t>
-                              </m:r>
-                            </m:e>
-                            <m:e>
-                              <m:r>
-                                <a:rPr kumimoji="1" lang="en-US" altLang="zh-CN" sz="1800" b="0" i="1" smtClean="0">
-                                  <a:latin typeface="Cambria Math" panose="02040503050406030204" pitchFamily="18" charset="0"/>
-                                  <a:cs typeface="Times New Roman" panose="02020603050405020304" pitchFamily="18" charset="0"/>
-                                </a:rPr>
-                                <m:t>0</m:t>
-                              </m:r>
-                            </m:e>
-                            <m:e>
-                              <m:r>
-                                <a:rPr kumimoji="1" lang="en-US" altLang="zh-CN" sz="1800" b="0" i="1" smtClean="0">
-                                  <a:latin typeface="Cambria Math" panose="02040503050406030204" pitchFamily="18" charset="0"/>
-                                  <a:cs typeface="Times New Roman" panose="02020603050405020304" pitchFamily="18" charset="0"/>
-                                </a:rPr>
-                                <m:t>0</m:t>
-                              </m:r>
-                            </m:e>
-                            <m:e>
-                              <m:r>
-                                <a:rPr kumimoji="1" lang="en-US" altLang="zh-CN" sz="1800" b="0" i="1" smtClean="0">
-                                  <a:latin typeface="Cambria Math" panose="02040503050406030204" pitchFamily="18" charset="0"/>
-                                  <a:cs typeface="Times New Roman" panose="02020603050405020304" pitchFamily="18" charset="0"/>
-                                </a:rPr>
-                                <m:t>1</m:t>
-                              </m:r>
-                            </m:e>
-                            <m:e>
-                              <m:r>
-                                <a:rPr kumimoji="1" lang="en-US" altLang="zh-CN" sz="1800" b="0" i="1" smtClean="0">
-                                  <a:latin typeface="Cambria Math" panose="02040503050406030204" pitchFamily="18" charset="0"/>
-                                  <a:cs typeface="Times New Roman" panose="02020603050405020304" pitchFamily="18" charset="0"/>
-                                </a:rPr>
-                                <m:t>0</m:t>
-                              </m:r>
-                            </m:e>
-                            <m:e>
-                              <m:r>
-                                <a:rPr kumimoji="1" lang="en-US" altLang="zh-CN" sz="1800" b="0" i="1" smtClean="0">
-                                  <a:latin typeface="Cambria Math" panose="02040503050406030204" pitchFamily="18" charset="0"/>
-                                  <a:cs typeface="Times New Roman" panose="02020603050405020304" pitchFamily="18" charset="0"/>
-                                </a:rPr>
-                                <m:t>0</m:t>
-                              </m:r>
-                            </m:e>
-                          </m:mr>
-                          <m:mr>
-                            <m:e>
-                              <m:r>
-                                <a:rPr kumimoji="1" lang="en-US" altLang="zh-CN" sz="1800" b="0" i="1" smtClean="0">
-                                  <a:latin typeface="Cambria Math" panose="02040503050406030204" pitchFamily="18" charset="0"/>
-                                  <a:cs typeface="Times New Roman" panose="02020603050405020304" pitchFamily="18" charset="0"/>
-                                </a:rPr>
-                                <m:t>0</m:t>
-                              </m:r>
-                            </m:e>
-                            <m:e>
-                              <m:r>
-                                <a:rPr kumimoji="1" lang="en-US" altLang="zh-CN" sz="1800" b="0" i="1" smtClean="0">
-                                  <a:latin typeface="Cambria Math" panose="02040503050406030204" pitchFamily="18" charset="0"/>
-                                  <a:cs typeface="Times New Roman" panose="02020603050405020304" pitchFamily="18" charset="0"/>
-                                </a:rPr>
-                                <m:t>1</m:t>
-                              </m:r>
-                            </m:e>
-                            <m:e>
-                              <m:r>
-                                <a:rPr kumimoji="1" lang="en-US" altLang="zh-CN" sz="1800" b="0" i="1" smtClean="0">
-                                  <a:latin typeface="Cambria Math" panose="02040503050406030204" pitchFamily="18" charset="0"/>
-                                  <a:cs typeface="Times New Roman" panose="02020603050405020304" pitchFamily="18" charset="0"/>
-                                </a:rPr>
-                                <m:t>0</m:t>
-                              </m:r>
-                            </m:e>
-                            <m:e>
-                              <m:r>
-                                <a:rPr kumimoji="1" lang="en-US" altLang="zh-CN" sz="1800" b="0" i="1" smtClean="0">
-                                  <a:latin typeface="Cambria Math" panose="02040503050406030204" pitchFamily="18" charset="0"/>
-                                  <a:cs typeface="Times New Roman" panose="02020603050405020304" pitchFamily="18" charset="0"/>
-                                </a:rPr>
-                                <m:t>0</m:t>
-                              </m:r>
-                            </m:e>
-                            <m:e>
-                              <m:r>
-                                <a:rPr kumimoji="1" lang="en-US" altLang="zh-CN" sz="1800" b="0" i="1" smtClean="0">
-                                  <a:latin typeface="Cambria Math" panose="02040503050406030204" pitchFamily="18" charset="0"/>
-                                  <a:cs typeface="Times New Roman" panose="02020603050405020304" pitchFamily="18" charset="0"/>
-                                </a:rPr>
-                                <m:t>1</m:t>
-                              </m:r>
-                            </m:e>
-                            <m:e>
-                              <m:r>
-                                <a:rPr kumimoji="1" lang="en-US" altLang="zh-CN" sz="1800" b="0" i="1" smtClean="0">
-                                  <a:latin typeface="Cambria Math" panose="02040503050406030204" pitchFamily="18" charset="0"/>
-                                  <a:cs typeface="Times New Roman" panose="02020603050405020304" pitchFamily="18" charset="0"/>
-                                </a:rPr>
-                                <m:t>0</m:t>
-                              </m:r>
-                            </m:e>
-                          </m:mr>
-                          <m:mr>
-                            <m:e>
-                              <m:r>
-                                <a:rPr kumimoji="1" lang="en-US" altLang="zh-CN" sz="1800" b="0" i="1" smtClean="0">
-                                  <a:latin typeface="Cambria Math" panose="02040503050406030204" pitchFamily="18" charset="0"/>
-                                  <a:cs typeface="Times New Roman" panose="02020603050405020304" pitchFamily="18" charset="0"/>
-                                </a:rPr>
-                                <m:t>5</m:t>
-                              </m:r>
-                            </m:e>
-                            <m:e>
-                              <m:r>
-                                <a:rPr kumimoji="1" lang="en-US" altLang="zh-CN" sz="1800" b="0" i="1" smtClean="0">
-                                  <a:latin typeface="Cambria Math" panose="02040503050406030204" pitchFamily="18" charset="0"/>
-                                  <a:cs typeface="Times New Roman" panose="02020603050405020304" pitchFamily="18" charset="0"/>
-                                </a:rPr>
-                                <m:t>0</m:t>
-                              </m:r>
-                            </m:e>
-                            <m:e>
-                              <m:r>
-                                <a:rPr kumimoji="1" lang="en-US" altLang="zh-CN" sz="1800" b="0" i="1" smtClean="0">
-                                  <a:latin typeface="Cambria Math" panose="02040503050406030204" pitchFamily="18" charset="0"/>
-                                  <a:cs typeface="Times New Roman" panose="02020603050405020304" pitchFamily="18" charset="0"/>
-                                </a:rPr>
-                                <m:t>0</m:t>
-                              </m:r>
-                            </m:e>
-                            <m:e>
-                              <m:r>
-                                <a:rPr kumimoji="1" lang="en-US" altLang="zh-CN" sz="1800" b="0" i="1" smtClean="0">
-                                  <a:latin typeface="Cambria Math" panose="02040503050406030204" pitchFamily="18" charset="0"/>
-                                  <a:cs typeface="Times New Roman" panose="02020603050405020304" pitchFamily="18" charset="0"/>
-                                </a:rPr>
-                                <m:t>0</m:t>
-                              </m:r>
-                            </m:e>
-                            <m:e>
-                              <m:r>
-                                <a:rPr kumimoji="1" lang="en-US" altLang="zh-CN" sz="1800" b="0" i="1" smtClean="0">
-                                  <a:latin typeface="Cambria Math" panose="02040503050406030204" pitchFamily="18" charset="0"/>
-                                  <a:cs typeface="Times New Roman" panose="02020603050405020304" pitchFamily="18" charset="0"/>
-                                </a:rPr>
-                                <m:t>0</m:t>
-                              </m:r>
-                            </m:e>
-                            <m:e>
-                              <m:r>
-                                <a:rPr kumimoji="1" lang="en-US" altLang="zh-CN" sz="1800" b="0" i="1" smtClean="0">
-                                  <a:latin typeface="Cambria Math" panose="02040503050406030204" pitchFamily="18" charset="0"/>
-                                  <a:cs typeface="Times New Roman" panose="02020603050405020304" pitchFamily="18" charset="0"/>
-                                </a:rPr>
-                                <m:t>1</m:t>
-                              </m:r>
-                            </m:e>
-                          </m:mr>
-                        </m:m>
+                        <m:r>
+                          <a:rPr lang="en-US" altLang="zh-CN" sz="2800" i="1">
+                            <a:latin typeface="Cambria Math" panose="02040503050406030204" pitchFamily="18" charset="0"/>
+                            <a:ea typeface="Cambria Math" panose="02040503050406030204" pitchFamily="18" charset="0"/>
+                            <a:cs typeface="Cambria Math" panose="02040503050406030204" pitchFamily="18" charset="0"/>
+                          </a:rPr>
+                          <m:t>∑</m:t>
+                        </m:r>
                       </m:e>
-                    </m:d>
+                      <m:lim>
+                        <m:r>
+                          <a:rPr lang="en-US" altLang="zh-CN" sz="2800" i="1">
+                            <a:latin typeface="Cambria Math" panose="02040503050406030204" pitchFamily="18" charset="0"/>
+                            <a:ea typeface="Cambria Math" panose="02040503050406030204" pitchFamily="18" charset="0"/>
+                            <a:cs typeface="Cambria Math" panose="02040503050406030204" pitchFamily="18" charset="0"/>
+                          </a:rPr>
+                          <m:t>𝑜𝑡h𝑒𝑟</m:t>
+                        </m:r>
+                        <m:r>
+                          <a:rPr lang="en-US" altLang="zh-CN" sz="2800" i="1">
+                            <a:latin typeface="Cambria Math" panose="02040503050406030204" pitchFamily="18" charset="0"/>
+                            <a:ea typeface="Cambria Math" panose="02040503050406030204" pitchFamily="18" charset="0"/>
+                            <a:cs typeface="Cambria Math" panose="02040503050406030204" pitchFamily="18" charset="0"/>
+                          </a:rPr>
+                          <m:t> </m:t>
+                        </m:r>
+                        <m:r>
+                          <a:rPr lang="en-US" altLang="zh-CN" sz="2800" i="1">
+                            <a:latin typeface="Cambria Math" panose="02040503050406030204" pitchFamily="18" charset="0"/>
+                            <a:ea typeface="Cambria Math" panose="02040503050406030204" pitchFamily="18" charset="0"/>
+                            <a:cs typeface="Cambria Math" panose="02040503050406030204" pitchFamily="18" charset="0"/>
+                          </a:rPr>
+                          <m:t>𝑙𝑖𝑛𝑒𝑎𝑟</m:t>
+                        </m:r>
+                        <m:r>
+                          <a:rPr lang="en-US" altLang="zh-CN" sz="2800" i="1">
+                            <a:latin typeface="Cambria Math" panose="02040503050406030204" pitchFamily="18" charset="0"/>
+                            <a:ea typeface="Cambria Math" panose="02040503050406030204" pitchFamily="18" charset="0"/>
+                            <a:cs typeface="Cambria Math" panose="02040503050406030204" pitchFamily="18" charset="0"/>
+                          </a:rPr>
+                          <m:t> </m:t>
+                        </m:r>
+                        <m:r>
+                          <a:rPr lang="en-US" altLang="zh-CN" sz="2800" i="1">
+                            <a:latin typeface="Cambria Math" panose="02040503050406030204" pitchFamily="18" charset="0"/>
+                            <a:ea typeface="Cambria Math" panose="02040503050406030204" pitchFamily="18" charset="0"/>
+                            <a:cs typeface="Cambria Math" panose="02040503050406030204" pitchFamily="18" charset="0"/>
+                          </a:rPr>
+                          <m:t>𝑡𝑖𝑙𝑒𝑠</m:t>
+                        </m:r>
+                        <m:r>
+                          <a:rPr lang="en-US" altLang="zh-CN" sz="2800" i="1">
+                            <a:latin typeface="Cambria Math" panose="02040503050406030204" pitchFamily="18" charset="0"/>
+                            <a:ea typeface="Cambria Math" panose="02040503050406030204" pitchFamily="18" charset="0"/>
+                            <a:cs typeface="Cambria Math" panose="02040503050406030204" pitchFamily="18" charset="0"/>
+                          </a:rPr>
+                          <m:t> </m:t>
+                        </m:r>
+                      </m:lim>
+                    </m:limLow>
+                    <m:r>
+                      <a:rPr lang="en-US" altLang="zh-CN" sz="2800" i="1">
+                        <a:latin typeface="Cambria Math" panose="02040503050406030204" pitchFamily="18" charset="0"/>
+                        <a:ea typeface="Cambria Math" panose="02040503050406030204" pitchFamily="18" charset="0"/>
+                        <a:cs typeface="Cambria Math" panose="02040503050406030204" pitchFamily="18" charset="0"/>
+                      </a:rPr>
+                      <m:t>∣ </m:t>
+                    </m:r>
+                    <m:r>
+                      <a:rPr lang="en-US" altLang="zh-CN" sz="2800" i="1">
+                        <a:latin typeface="Cambria Math" panose="02040503050406030204" pitchFamily="18" charset="0"/>
+                        <a:ea typeface="Cambria Math" panose="02040503050406030204" pitchFamily="18" charset="0"/>
+                        <a:cs typeface="Cambria Math" panose="02040503050406030204" pitchFamily="18" charset="0"/>
+                      </a:rPr>
+                      <m:t>𝑓𝑖𝑒𝑙𝑑</m:t>
+                    </m:r>
+                    <m:r>
+                      <a:rPr lang="en-US" altLang="zh-CN" sz="2800" i="1">
+                        <a:latin typeface="Cambria Math" panose="02040503050406030204" pitchFamily="18" charset="0"/>
+                        <a:ea typeface="Cambria Math" panose="02040503050406030204" pitchFamily="18" charset="0"/>
+                        <a:cs typeface="Cambria Math" panose="02040503050406030204" pitchFamily="18" charset="0"/>
+                      </a:rPr>
+                      <m:t> ∗ </m:t>
+                    </m:r>
+                    <m:r>
+                      <a:rPr lang="en-US" altLang="zh-CN" sz="2800" i="1">
+                        <a:latin typeface="Cambria Math" panose="02040503050406030204" pitchFamily="18" charset="0"/>
+                        <a:ea typeface="Cambria Math" panose="02040503050406030204" pitchFamily="18" charset="0"/>
+                        <a:cs typeface="Cambria Math" panose="02040503050406030204" pitchFamily="18" charset="0"/>
+                      </a:rPr>
+                      <m:t>𝑤𝑒𝑖𝑔h𝑡</m:t>
+                    </m:r>
+                    <m:r>
+                      <a:rPr lang="en-US" altLang="zh-CN" sz="2800" i="1">
+                        <a:latin typeface="Cambria Math" panose="02040503050406030204" pitchFamily="18" charset="0"/>
+                        <a:ea typeface="Cambria Math" panose="02040503050406030204" pitchFamily="18" charset="0"/>
+                        <a:cs typeface="Cambria Math" panose="02040503050406030204" pitchFamily="18" charset="0"/>
+                      </a:rPr>
+                      <m:t> </m:t>
+                    </m:r>
+                    <m:r>
+                      <a:rPr lang="en-US" altLang="zh-CN" sz="2800" i="1">
+                        <a:latin typeface="Cambria Math" panose="02040503050406030204" pitchFamily="18" charset="0"/>
+                        <a:ea typeface="Cambria Math" panose="02040503050406030204" pitchFamily="18" charset="0"/>
+                        <a:cs typeface="Cambria Math" panose="02040503050406030204" pitchFamily="18" charset="0"/>
+                      </a:rPr>
+                      <m:t>𝑜𝑓</m:t>
+                    </m:r>
+                    <m:r>
+                      <a:rPr lang="en-US" altLang="zh-CN" sz="2800" i="1">
+                        <a:latin typeface="Cambria Math" panose="02040503050406030204" pitchFamily="18" charset="0"/>
+                        <a:ea typeface="Cambria Math" panose="02040503050406030204" pitchFamily="18" charset="0"/>
+                        <a:cs typeface="Cambria Math" panose="02040503050406030204" pitchFamily="18" charset="0"/>
+                      </a:rPr>
+                      <m:t> </m:t>
+                    </m:r>
+                    <m:r>
+                      <a:rPr lang="en-US" altLang="zh-CN" sz="2800" i="1">
+                        <a:latin typeface="Cambria Math" panose="02040503050406030204" pitchFamily="18" charset="0"/>
+                        <a:ea typeface="Cambria Math" panose="02040503050406030204" pitchFamily="18" charset="0"/>
+                        <a:cs typeface="Cambria Math" panose="02040503050406030204" pitchFamily="18" charset="0"/>
+                      </a:rPr>
+                      <m:t>𝑙𝑖𝑛𝑒𝑎𝑟</m:t>
+                    </m:r>
+                    <m:r>
+                      <a:rPr lang="en-US" altLang="zh-CN" sz="2800" i="1">
+                        <a:latin typeface="Cambria Math" panose="02040503050406030204" pitchFamily="18" charset="0"/>
+                        <a:ea typeface="Cambria Math" panose="02040503050406030204" pitchFamily="18" charset="0"/>
+                        <a:cs typeface="Cambria Math" panose="02040503050406030204" pitchFamily="18" charset="0"/>
+                      </a:rPr>
+                      <m:t> </m:t>
+                    </m:r>
+                    <m:r>
+                      <a:rPr lang="en-US" altLang="zh-CN" sz="2800" i="1">
+                        <a:latin typeface="Cambria Math" panose="02040503050406030204" pitchFamily="18" charset="0"/>
+                        <a:ea typeface="Cambria Math" panose="02040503050406030204" pitchFamily="18" charset="0"/>
+                        <a:cs typeface="Cambria Math" panose="02040503050406030204" pitchFamily="18" charset="0"/>
+                      </a:rPr>
+                      <m:t>𝑡𝑖𝑙𝑒</m:t>
+                    </m:r>
+                    <m:r>
+                      <a:rPr lang="en-US" altLang="zh-CN" sz="2800" i="1">
+                        <a:latin typeface="Cambria Math" panose="02040503050406030204" pitchFamily="18" charset="0"/>
+                        <a:ea typeface="Cambria Math" panose="02040503050406030204" pitchFamily="18" charset="0"/>
+                        <a:cs typeface="Cambria Math" panose="02040503050406030204" pitchFamily="18" charset="0"/>
+                      </a:rPr>
+                      <m:t> ∣</m:t>
+                    </m:r>
                   </m:oMath>
                 </a14:m>
-                <a:r>
-                  <a:rPr kumimoji="1" lang="en-US" altLang="zh-CN" sz="1800" dirty="0">
-                    <a:cs typeface="Times New Roman" panose="02020603050405020304" pitchFamily="18" charset="0"/>
-                  </a:rPr>
-                  <a:t> </a:t>
-                </a:r>
-                <a14:m>
-                  <m:oMath xmlns:m="http://schemas.openxmlformats.org/officeDocument/2006/math">
-                    <m:r>
-                      <m:rPr>
-                        <m:sty m:val="p"/>
-                      </m:rPr>
-                      <a:rPr kumimoji="1" lang="en-US" altLang="zh-CN" sz="1800" b="0" i="0" smtClean="0">
-                        <a:latin typeface="Cambria Math" panose="02040503050406030204" pitchFamily="18" charset="0"/>
-                        <a:cs typeface="Times New Roman" panose="02020603050405020304" pitchFamily="18" charset="0"/>
-                      </a:rPr>
-                      <m:t>B</m:t>
-                    </m:r>
-                    <m:r>
-                      <a:rPr kumimoji="1" lang="en-US" altLang="zh-CN" sz="1800" i="1">
-                        <a:latin typeface="Cambria Math" panose="02040503050406030204" pitchFamily="18" charset="0"/>
-                        <a:cs typeface="Times New Roman" panose="02020603050405020304" pitchFamily="18" charset="0"/>
-                      </a:rPr>
-                      <m:t>= </m:t>
-                    </m:r>
-                    <m:d>
-                      <m:dPr>
-                        <m:ctrlPr>
-                          <a:rPr kumimoji="1" lang="en-US" altLang="zh-CN" sz="1800" i="1">
-                            <a:latin typeface="Cambria Math" panose="02040503050406030204" pitchFamily="18" charset="0"/>
-                            <a:cs typeface="Times New Roman" panose="02020603050405020304" pitchFamily="18" charset="0"/>
-                          </a:rPr>
-                        </m:ctrlPr>
-                      </m:dPr>
-                      <m:e>
-                        <m:m>
-                          <m:mPr>
-                            <m:mcs>
-                              <m:mc>
-                                <m:mcPr>
-                                  <m:count m:val="6"/>
-                                  <m:mcJc m:val="center"/>
-                                </m:mcPr>
-                              </m:mc>
-                            </m:mcs>
-                            <m:ctrlPr>
-                              <a:rPr kumimoji="1" lang="en-US" altLang="zh-CN" sz="1800" i="1">
-                                <a:latin typeface="Cambria Math" panose="02040503050406030204" pitchFamily="18" charset="0"/>
-                                <a:cs typeface="Times New Roman" panose="02020603050405020304" pitchFamily="18" charset="0"/>
-                              </a:rPr>
-                            </m:ctrlPr>
-                          </m:mPr>
-                          <m:mr>
-                            <m:e>
-                              <m:r>
-                                <m:rPr>
-                                  <m:brk m:alnAt="7"/>
-                                </m:rPr>
-                                <a:rPr kumimoji="1" lang="en-US" altLang="zh-CN" sz="1800" b="0" i="1" smtClean="0">
-                                  <a:latin typeface="Cambria Math" panose="02040503050406030204" pitchFamily="18" charset="0"/>
-                                  <a:cs typeface="Times New Roman" panose="02020603050405020304" pitchFamily="18" charset="0"/>
-                                </a:rPr>
-                                <m:t>0</m:t>
-                              </m:r>
-                            </m:e>
-                            <m:e>
-                              <m:r>
-                                <a:rPr kumimoji="1" lang="en-US" altLang="zh-CN" sz="1800" b="0" i="1" smtClean="0">
-                                  <a:latin typeface="Cambria Math" panose="02040503050406030204" pitchFamily="18" charset="0"/>
-                                  <a:cs typeface="Times New Roman" panose="02020603050405020304" pitchFamily="18" charset="0"/>
-                                </a:rPr>
-                                <m:t>1</m:t>
-                              </m:r>
-                            </m:e>
-                            <m:e>
-                              <m:r>
-                                <a:rPr kumimoji="1" lang="en-US" altLang="zh-CN" sz="1800" b="0" i="1" smtClean="0">
-                                  <a:latin typeface="Cambria Math" panose="02040503050406030204" pitchFamily="18" charset="0"/>
-                                  <a:cs typeface="Times New Roman" panose="02020603050405020304" pitchFamily="18" charset="0"/>
-                                </a:rPr>
-                                <m:t>0</m:t>
-                              </m:r>
-                            </m:e>
-                            <m:e>
-                              <m:r>
-                                <a:rPr kumimoji="1" lang="en-US" altLang="zh-CN" sz="1800" b="0" i="1" smtClean="0">
-                                  <a:latin typeface="Cambria Math" panose="02040503050406030204" pitchFamily="18" charset="0"/>
-                                  <a:cs typeface="Times New Roman" panose="02020603050405020304" pitchFamily="18" charset="0"/>
-                                </a:rPr>
-                                <m:t>0</m:t>
-                              </m:r>
-                            </m:e>
-                            <m:e>
-                              <m:r>
-                                <a:rPr kumimoji="1" lang="en-US" altLang="zh-CN" sz="1800" b="0" i="1" smtClean="0">
-                                  <a:latin typeface="Cambria Math" panose="02040503050406030204" pitchFamily="18" charset="0"/>
-                                  <a:cs typeface="Times New Roman" panose="02020603050405020304" pitchFamily="18" charset="0"/>
-                                </a:rPr>
-                                <m:t>0</m:t>
-                              </m:r>
-                            </m:e>
-                            <m:e>
-                              <m:r>
-                                <a:rPr kumimoji="1" lang="en-US" altLang="zh-CN" sz="1800" b="0" i="1" smtClean="0">
-                                  <a:latin typeface="Cambria Math" panose="02040503050406030204" pitchFamily="18" charset="0"/>
-                                  <a:cs typeface="Times New Roman" panose="02020603050405020304" pitchFamily="18" charset="0"/>
-                                </a:rPr>
-                                <m:t>0</m:t>
-                              </m:r>
-                            </m:e>
-                          </m:mr>
-                          <m:mr>
-                            <m:e>
-                              <m:r>
-                                <a:rPr kumimoji="1" lang="en-US" altLang="zh-CN" sz="1800" b="0" i="1" smtClean="0">
-                                  <a:latin typeface="Cambria Math" panose="02040503050406030204" pitchFamily="18" charset="0"/>
-                                  <a:cs typeface="Times New Roman" panose="02020603050405020304" pitchFamily="18" charset="0"/>
-                                </a:rPr>
-                                <m:t>0</m:t>
-                              </m:r>
-                            </m:e>
-                            <m:e>
-                              <m:r>
-                                <a:rPr kumimoji="1" lang="en-US" altLang="zh-CN" sz="1800" b="0" i="1" smtClean="0">
-                                  <a:latin typeface="Cambria Math" panose="02040503050406030204" pitchFamily="18" charset="0"/>
-                                  <a:cs typeface="Times New Roman" panose="02020603050405020304" pitchFamily="18" charset="0"/>
-                                </a:rPr>
-                                <m:t>1</m:t>
-                              </m:r>
-                            </m:e>
-                            <m:e>
-                              <m:r>
-                                <a:rPr kumimoji="1" lang="en-US" altLang="zh-CN" sz="1800" b="0" i="1" smtClean="0">
-                                  <a:latin typeface="Cambria Math" panose="02040503050406030204" pitchFamily="18" charset="0"/>
-                                  <a:cs typeface="Times New Roman" panose="02020603050405020304" pitchFamily="18" charset="0"/>
-                                </a:rPr>
-                                <m:t>0</m:t>
-                              </m:r>
-                            </m:e>
-                            <m:e>
-                              <m:r>
-                                <a:rPr kumimoji="1" lang="en-US" altLang="zh-CN" sz="1800" b="0" i="1" smtClean="0">
-                                  <a:latin typeface="Cambria Math" panose="02040503050406030204" pitchFamily="18" charset="0"/>
-                                  <a:cs typeface="Times New Roman" panose="02020603050405020304" pitchFamily="18" charset="0"/>
-                                </a:rPr>
-                                <m:t>0</m:t>
-                              </m:r>
-                            </m:e>
-                            <m:e>
-                              <m:r>
-                                <a:rPr kumimoji="1" lang="en-US" altLang="zh-CN" sz="1800" b="0" i="1" smtClean="0">
-                                  <a:latin typeface="Cambria Math" panose="02040503050406030204" pitchFamily="18" charset="0"/>
-                                  <a:cs typeface="Times New Roman" panose="02020603050405020304" pitchFamily="18" charset="0"/>
-                                </a:rPr>
-                                <m:t>0</m:t>
-                              </m:r>
-                            </m:e>
-                            <m:e>
-                              <m:r>
-                                <a:rPr kumimoji="1" lang="en-US" altLang="zh-CN" sz="1800" b="0" i="1" smtClean="0">
-                                  <a:latin typeface="Cambria Math" panose="02040503050406030204" pitchFamily="18" charset="0"/>
-                                  <a:cs typeface="Times New Roman" panose="02020603050405020304" pitchFamily="18" charset="0"/>
-                                </a:rPr>
-                                <m:t>0</m:t>
-                              </m:r>
-                            </m:e>
-                          </m:mr>
-                          <m:mr>
-                            <m:e>
-                              <m:r>
-                                <a:rPr kumimoji="1" lang="en-US" altLang="zh-CN" sz="1800" b="0" i="1" smtClean="0">
-                                  <a:latin typeface="Cambria Math" panose="02040503050406030204" pitchFamily="18" charset="0"/>
-                                  <a:cs typeface="Times New Roman" panose="02020603050405020304" pitchFamily="18" charset="0"/>
-                                </a:rPr>
-                                <m:t>1</m:t>
-                              </m:r>
-                            </m:e>
-                            <m:e>
-                              <m:r>
-                                <a:rPr kumimoji="1" lang="en-US" altLang="zh-CN" sz="1800" b="0" i="1" smtClean="0">
-                                  <a:latin typeface="Cambria Math" panose="02040503050406030204" pitchFamily="18" charset="0"/>
-                                  <a:cs typeface="Times New Roman" panose="02020603050405020304" pitchFamily="18" charset="0"/>
-                                </a:rPr>
-                                <m:t>0</m:t>
-                              </m:r>
-                            </m:e>
-                            <m:e>
-                              <m:r>
-                                <a:rPr kumimoji="1" lang="en-US" altLang="zh-CN" sz="1800" b="0" i="1" smtClean="0">
-                                  <a:latin typeface="Cambria Math" panose="02040503050406030204" pitchFamily="18" charset="0"/>
-                                  <a:cs typeface="Times New Roman" panose="02020603050405020304" pitchFamily="18" charset="0"/>
-                                </a:rPr>
-                                <m:t>0</m:t>
-                              </m:r>
-                            </m:e>
-                            <m:e>
-                              <m:r>
-                                <a:rPr kumimoji="1" lang="en-US" altLang="zh-CN" sz="1800" b="0" i="1" smtClean="0">
-                                  <a:latin typeface="Cambria Math" panose="02040503050406030204" pitchFamily="18" charset="0"/>
-                                  <a:cs typeface="Times New Roman" panose="02020603050405020304" pitchFamily="18" charset="0"/>
-                                </a:rPr>
-                                <m:t>0</m:t>
-                              </m:r>
-                            </m:e>
-                            <m:e>
-                              <m:r>
-                                <a:rPr kumimoji="1" lang="en-US" altLang="zh-CN" sz="1800" b="0" i="1" smtClean="0">
-                                  <a:latin typeface="Cambria Math" panose="02040503050406030204" pitchFamily="18" charset="0"/>
-                                  <a:cs typeface="Times New Roman" panose="02020603050405020304" pitchFamily="18" charset="0"/>
-                                </a:rPr>
-                                <m:t>0</m:t>
-                              </m:r>
-                            </m:e>
-                            <m:e>
-                              <m:r>
-                                <a:rPr kumimoji="1" lang="en-US" altLang="zh-CN" sz="1800" b="0" i="1" smtClean="0">
-                                  <a:latin typeface="Cambria Math" panose="02040503050406030204" pitchFamily="18" charset="0"/>
-                                  <a:cs typeface="Times New Roman" panose="02020603050405020304" pitchFamily="18" charset="0"/>
-                                </a:rPr>
-                                <m:t>0</m:t>
-                              </m:r>
-                            </m:e>
-                          </m:mr>
-                          <m:mr>
-                            <m:e>
-                              <m:r>
-                                <a:rPr kumimoji="1" lang="en-US" altLang="zh-CN" sz="1800" b="0" i="1" smtClean="0">
-                                  <a:latin typeface="Cambria Math" panose="02040503050406030204" pitchFamily="18" charset="0"/>
-                                  <a:cs typeface="Times New Roman" panose="02020603050405020304" pitchFamily="18" charset="0"/>
-                                </a:rPr>
-                                <m:t>1</m:t>
-                              </m:r>
-                            </m:e>
-                            <m:e>
-                              <m:r>
-                                <a:rPr kumimoji="1" lang="en-US" altLang="zh-CN" sz="1800" b="0" i="1" smtClean="0">
-                                  <a:latin typeface="Cambria Math" panose="02040503050406030204" pitchFamily="18" charset="0"/>
-                                  <a:cs typeface="Times New Roman" panose="02020603050405020304" pitchFamily="18" charset="0"/>
-                                </a:rPr>
-                                <m:t>0</m:t>
-                              </m:r>
-                            </m:e>
-                            <m:e>
-                              <m:r>
-                                <a:rPr kumimoji="1" lang="en-US" altLang="zh-CN" sz="1800" b="0" i="1" smtClean="0">
-                                  <a:latin typeface="Cambria Math" panose="02040503050406030204" pitchFamily="18" charset="0"/>
-                                  <a:cs typeface="Times New Roman" panose="02020603050405020304" pitchFamily="18" charset="0"/>
-                                </a:rPr>
-                                <m:t>0</m:t>
-                              </m:r>
-                            </m:e>
-                            <m:e>
-                              <m:r>
-                                <a:rPr kumimoji="1" lang="en-US" altLang="zh-CN" sz="1800" b="0" i="1" smtClean="0">
-                                  <a:latin typeface="Cambria Math" panose="02040503050406030204" pitchFamily="18" charset="0"/>
-                                  <a:cs typeface="Times New Roman" panose="02020603050405020304" pitchFamily="18" charset="0"/>
-                                </a:rPr>
-                                <m:t>0</m:t>
-                              </m:r>
-                            </m:e>
-                            <m:e>
-                              <m:r>
-                                <a:rPr kumimoji="1" lang="en-US" altLang="zh-CN" sz="1800" b="0" i="1" smtClean="0">
-                                  <a:latin typeface="Cambria Math" panose="02040503050406030204" pitchFamily="18" charset="0"/>
-                                  <a:cs typeface="Times New Roman" panose="02020603050405020304" pitchFamily="18" charset="0"/>
-                                </a:rPr>
-                                <m:t>0</m:t>
-                              </m:r>
-                            </m:e>
-                            <m:e>
-                              <m:r>
-                                <a:rPr kumimoji="1" lang="en-US" altLang="zh-CN" sz="1800" b="0" i="1" smtClean="0">
-                                  <a:latin typeface="Cambria Math" panose="02040503050406030204" pitchFamily="18" charset="0"/>
-                                  <a:cs typeface="Times New Roman" panose="02020603050405020304" pitchFamily="18" charset="0"/>
-                                </a:rPr>
-                                <m:t>0</m:t>
-                              </m:r>
-                            </m:e>
-                          </m:mr>
-                        </m:m>
-                      </m:e>
-                    </m:d>
-                  </m:oMath>
-                </a14:m>
-                <a:r>
-                  <a:rPr kumimoji="1" lang="en-US" altLang="zh-CN" sz="1800" dirty="0">
-                    <a:cs typeface="Times New Roman" panose="02020603050405020304" pitchFamily="18" charset="0"/>
-                  </a:rPr>
-                  <a:t> </a:t>
-                </a:r>
-                <a14:m>
-                  <m:oMath xmlns:m="http://schemas.openxmlformats.org/officeDocument/2006/math">
-                    <m:r>
-                      <m:rPr>
-                        <m:sty m:val="p"/>
-                      </m:rPr>
-                      <a:rPr kumimoji="1" lang="en-US" altLang="zh-CN" sz="1800" dirty="0">
-                        <a:latin typeface="Cambria Math" panose="02040503050406030204" pitchFamily="18" charset="0"/>
-                        <a:cs typeface="Times New Roman" panose="02020603050405020304" pitchFamily="18" charset="0"/>
-                      </a:rPr>
-                      <m:t>C</m:t>
-                    </m:r>
-                    <m:r>
-                      <a:rPr kumimoji="1" lang="en-US" altLang="zh-CN" sz="1800" i="1">
-                        <a:latin typeface="Cambria Math" panose="02040503050406030204" pitchFamily="18" charset="0"/>
-                        <a:cs typeface="Times New Roman" panose="02020603050405020304" pitchFamily="18" charset="0"/>
-                      </a:rPr>
-                      <m:t>= </m:t>
-                    </m:r>
-                    <m:d>
-                      <m:dPr>
-                        <m:ctrlPr>
-                          <a:rPr kumimoji="1" lang="en-US" altLang="zh-CN" sz="1800" i="1">
-                            <a:latin typeface="Cambria Math" panose="02040503050406030204" pitchFamily="18" charset="0"/>
-                            <a:cs typeface="Times New Roman" panose="02020603050405020304" pitchFamily="18" charset="0"/>
-                          </a:rPr>
-                        </m:ctrlPr>
-                      </m:dPr>
-                      <m:e>
-                        <m:m>
-                          <m:mPr>
-                            <m:mcs>
-                              <m:mc>
-                                <m:mcPr>
-                                  <m:count m:val="6"/>
-                                  <m:mcJc m:val="center"/>
-                                </m:mcPr>
-                              </m:mc>
-                            </m:mcs>
-                            <m:ctrlPr>
-                              <a:rPr kumimoji="1" lang="en-US" altLang="zh-CN" sz="1800" i="1">
-                                <a:latin typeface="Cambria Math" panose="02040503050406030204" pitchFamily="18" charset="0"/>
-                                <a:cs typeface="Times New Roman" panose="02020603050405020304" pitchFamily="18" charset="0"/>
-                              </a:rPr>
-                            </m:ctrlPr>
-                          </m:mPr>
-                          <m:mr>
-                            <m:e>
-                              <m:r>
-                                <m:rPr>
-                                  <m:brk m:alnAt="7"/>
-                                </m:rPr>
-                                <a:rPr kumimoji="1" lang="en-US" altLang="zh-CN" sz="1800" b="0" i="1" smtClean="0">
-                                  <a:latin typeface="Cambria Math" panose="02040503050406030204" pitchFamily="18" charset="0"/>
-                                  <a:cs typeface="Times New Roman" panose="02020603050405020304" pitchFamily="18" charset="0"/>
-                                </a:rPr>
-                                <m:t>0</m:t>
-                              </m:r>
-                            </m:e>
-                            <m:e>
-                              <m:r>
-                                <a:rPr kumimoji="1" lang="en-US" altLang="zh-CN" sz="1800" b="0" i="1" smtClean="0">
-                                  <a:latin typeface="Cambria Math" panose="02040503050406030204" pitchFamily="18" charset="0"/>
-                                  <a:cs typeface="Times New Roman" panose="02020603050405020304" pitchFamily="18" charset="0"/>
-                                </a:rPr>
-                                <m:t>0</m:t>
-                              </m:r>
-                            </m:e>
-                            <m:e>
-                              <m:r>
-                                <a:rPr kumimoji="1" lang="en-US" altLang="zh-CN" sz="1800" b="0" i="1" smtClean="0">
-                                  <a:latin typeface="Cambria Math" panose="02040503050406030204" pitchFamily="18" charset="0"/>
-                                  <a:cs typeface="Times New Roman" panose="02020603050405020304" pitchFamily="18" charset="0"/>
-                                </a:rPr>
-                                <m:t>0</m:t>
-                              </m:r>
-                            </m:e>
-                            <m:e>
-                              <m:r>
-                                <a:rPr kumimoji="1" lang="en-US" altLang="zh-CN" sz="1800" b="0" i="1" smtClean="0">
-                                  <a:latin typeface="Cambria Math" panose="02040503050406030204" pitchFamily="18" charset="0"/>
-                                  <a:cs typeface="Times New Roman" panose="02020603050405020304" pitchFamily="18" charset="0"/>
-                                </a:rPr>
-                                <m:t>1</m:t>
-                              </m:r>
-                            </m:e>
-                            <m:e>
-                              <m:r>
-                                <a:rPr kumimoji="1" lang="en-US" altLang="zh-CN" sz="1800" b="0" i="1" smtClean="0">
-                                  <a:latin typeface="Cambria Math" panose="02040503050406030204" pitchFamily="18" charset="0"/>
-                                  <a:cs typeface="Times New Roman" panose="02020603050405020304" pitchFamily="18" charset="0"/>
-                                </a:rPr>
-                                <m:t>0</m:t>
-                              </m:r>
-                            </m:e>
-                            <m:e>
-                              <m:r>
-                                <a:rPr kumimoji="1" lang="en-US" altLang="zh-CN" sz="1800" b="0" i="1" smtClean="0">
-                                  <a:latin typeface="Cambria Math" panose="02040503050406030204" pitchFamily="18" charset="0"/>
-                                  <a:cs typeface="Times New Roman" panose="02020603050405020304" pitchFamily="18" charset="0"/>
-                                </a:rPr>
-                                <m:t>0</m:t>
-                              </m:r>
-                            </m:e>
-                          </m:mr>
-                          <m:mr>
-                            <m:e>
-                              <m:r>
-                                <a:rPr kumimoji="1" lang="en-US" altLang="zh-CN" sz="1800" b="0" i="1" smtClean="0">
-                                  <a:latin typeface="Cambria Math" panose="02040503050406030204" pitchFamily="18" charset="0"/>
-                                  <a:cs typeface="Times New Roman" panose="02020603050405020304" pitchFamily="18" charset="0"/>
-                                </a:rPr>
-                                <m:t>0</m:t>
-                              </m:r>
-                            </m:e>
-                            <m:e>
-                              <m:r>
-                                <a:rPr kumimoji="1" lang="en-US" altLang="zh-CN" sz="1800" b="0" i="1" smtClean="0">
-                                  <a:latin typeface="Cambria Math" panose="02040503050406030204" pitchFamily="18" charset="0"/>
-                                  <a:cs typeface="Times New Roman" panose="02020603050405020304" pitchFamily="18" charset="0"/>
-                                </a:rPr>
-                                <m:t>0</m:t>
-                              </m:r>
-                            </m:e>
-                            <m:e>
-                              <m:r>
-                                <a:rPr kumimoji="1" lang="en-US" altLang="zh-CN" sz="1800" b="0" i="1" smtClean="0">
-                                  <a:latin typeface="Cambria Math" panose="02040503050406030204" pitchFamily="18" charset="0"/>
-                                  <a:cs typeface="Times New Roman" panose="02020603050405020304" pitchFamily="18" charset="0"/>
-                                </a:rPr>
-                                <m:t>0</m:t>
-                              </m:r>
-                            </m:e>
-                            <m:e>
-                              <m:r>
-                                <a:rPr kumimoji="1" lang="en-US" altLang="zh-CN" sz="1800" b="0" i="1" smtClean="0">
-                                  <a:latin typeface="Cambria Math" panose="02040503050406030204" pitchFamily="18" charset="0"/>
-                                  <a:cs typeface="Times New Roman" panose="02020603050405020304" pitchFamily="18" charset="0"/>
-                                </a:rPr>
-                                <m:t>0</m:t>
-                              </m:r>
-                            </m:e>
-                            <m:e>
-                              <m:r>
-                                <a:rPr kumimoji="1" lang="en-US" altLang="zh-CN" sz="1800" b="0" i="1" smtClean="0">
-                                  <a:latin typeface="Cambria Math" panose="02040503050406030204" pitchFamily="18" charset="0"/>
-                                  <a:cs typeface="Times New Roman" panose="02020603050405020304" pitchFamily="18" charset="0"/>
-                                </a:rPr>
-                                <m:t>1</m:t>
-                              </m:r>
-                            </m:e>
-                            <m:e>
-                              <m:r>
-                                <a:rPr kumimoji="1" lang="en-US" altLang="zh-CN" sz="1800" b="0" i="1" smtClean="0">
-                                  <a:latin typeface="Cambria Math" panose="02040503050406030204" pitchFamily="18" charset="0"/>
-                                  <a:cs typeface="Times New Roman" panose="02020603050405020304" pitchFamily="18" charset="0"/>
-                                </a:rPr>
-                                <m:t>0</m:t>
-                              </m:r>
-                            </m:e>
-                          </m:mr>
-                          <m:mr>
-                            <m:e>
-                              <m:r>
-                                <a:rPr kumimoji="1" lang="en-US" altLang="zh-CN" sz="1800" b="0" i="1" smtClean="0">
-                                  <a:latin typeface="Cambria Math" panose="02040503050406030204" pitchFamily="18" charset="0"/>
-                                  <a:cs typeface="Times New Roman" panose="02020603050405020304" pitchFamily="18" charset="0"/>
-                                </a:rPr>
-                                <m:t>0</m:t>
-                              </m:r>
-                            </m:e>
-                            <m:e>
-                              <m:r>
-                                <a:rPr kumimoji="1" lang="en-US" altLang="zh-CN" sz="1800" b="0" i="1" smtClean="0">
-                                  <a:latin typeface="Cambria Math" panose="02040503050406030204" pitchFamily="18" charset="0"/>
-                                  <a:cs typeface="Times New Roman" panose="02020603050405020304" pitchFamily="18" charset="0"/>
-                                </a:rPr>
-                                <m:t>0</m:t>
-                              </m:r>
-                            </m:e>
-                            <m:e>
-                              <m:r>
-                                <a:rPr kumimoji="1" lang="en-US" altLang="zh-CN" sz="1800" b="0" i="1" smtClean="0">
-                                  <a:latin typeface="Cambria Math" panose="02040503050406030204" pitchFamily="18" charset="0"/>
-                                  <a:cs typeface="Times New Roman" panose="02020603050405020304" pitchFamily="18" charset="0"/>
-                                </a:rPr>
-                                <m:t>0</m:t>
-                              </m:r>
-                            </m:e>
-                            <m:e>
-                              <m:r>
-                                <a:rPr kumimoji="1" lang="en-US" altLang="zh-CN" sz="1800" b="0" i="1" smtClean="0">
-                                  <a:latin typeface="Cambria Math" panose="02040503050406030204" pitchFamily="18" charset="0"/>
-                                  <a:cs typeface="Times New Roman" panose="02020603050405020304" pitchFamily="18" charset="0"/>
-                                </a:rPr>
-                                <m:t>0</m:t>
-                              </m:r>
-                            </m:e>
-                            <m:e>
-                              <m:r>
-                                <a:rPr kumimoji="1" lang="en-US" altLang="zh-CN" sz="1800" b="0" i="1" smtClean="0">
-                                  <a:latin typeface="Cambria Math" panose="02040503050406030204" pitchFamily="18" charset="0"/>
-                                  <a:cs typeface="Times New Roman" panose="02020603050405020304" pitchFamily="18" charset="0"/>
-                                </a:rPr>
-                                <m:t>0</m:t>
-                              </m:r>
-                            </m:e>
-                            <m:e>
-                              <m:r>
-                                <a:rPr kumimoji="1" lang="en-US" altLang="zh-CN" sz="1800" b="0" i="1" smtClean="0">
-                                  <a:latin typeface="Cambria Math" panose="02040503050406030204" pitchFamily="18" charset="0"/>
-                                  <a:cs typeface="Times New Roman" panose="02020603050405020304" pitchFamily="18" charset="0"/>
-                                </a:rPr>
-                                <m:t>1</m:t>
-                              </m:r>
-                            </m:e>
-                          </m:mr>
-                          <m:mr>
-                            <m:e>
-                              <m:r>
-                                <a:rPr kumimoji="1" lang="en-US" altLang="zh-CN" sz="1800" b="0" i="1" smtClean="0">
-                                  <a:latin typeface="Cambria Math" panose="02040503050406030204" pitchFamily="18" charset="0"/>
-                                  <a:cs typeface="Times New Roman" panose="02020603050405020304" pitchFamily="18" charset="0"/>
-                                </a:rPr>
-                                <m:t>0</m:t>
-                              </m:r>
-                            </m:e>
-                            <m:e>
-                              <m:r>
-                                <a:rPr kumimoji="1" lang="en-US" altLang="zh-CN" sz="1800" b="0" i="1" smtClean="0">
-                                  <a:latin typeface="Cambria Math" panose="02040503050406030204" pitchFamily="18" charset="0"/>
-                                  <a:cs typeface="Times New Roman" panose="02020603050405020304" pitchFamily="18" charset="0"/>
-                                </a:rPr>
-                                <m:t>0</m:t>
-                              </m:r>
-                            </m:e>
-                            <m:e>
-                              <m:r>
-                                <a:rPr kumimoji="1" lang="en-US" altLang="zh-CN" sz="1800" b="0" i="1" smtClean="0">
-                                  <a:latin typeface="Cambria Math" panose="02040503050406030204" pitchFamily="18" charset="0"/>
-                                  <a:cs typeface="Times New Roman" panose="02020603050405020304" pitchFamily="18" charset="0"/>
-                                </a:rPr>
-                                <m:t>1</m:t>
-                              </m:r>
-                            </m:e>
-                            <m:e>
-                              <m:r>
-                                <a:rPr kumimoji="1" lang="en-US" altLang="zh-CN" sz="1800" b="0" i="1" smtClean="0">
-                                  <a:latin typeface="Cambria Math" panose="02040503050406030204" pitchFamily="18" charset="0"/>
-                                  <a:cs typeface="Times New Roman" panose="02020603050405020304" pitchFamily="18" charset="0"/>
-                                </a:rPr>
-                                <m:t>0</m:t>
-                              </m:r>
-                            </m:e>
-                            <m:e>
-                              <m:r>
-                                <a:rPr kumimoji="1" lang="en-US" altLang="zh-CN" sz="1800" b="0" i="1" smtClean="0">
-                                  <a:latin typeface="Cambria Math" panose="02040503050406030204" pitchFamily="18" charset="0"/>
-                                  <a:cs typeface="Times New Roman" panose="02020603050405020304" pitchFamily="18" charset="0"/>
-                                </a:rPr>
-                                <m:t>0</m:t>
-                              </m:r>
-                            </m:e>
-                            <m:e>
-                              <m:r>
-                                <a:rPr kumimoji="1" lang="en-US" altLang="zh-CN" sz="1800" b="0" i="1" smtClean="0">
-                                  <a:latin typeface="Cambria Math" panose="02040503050406030204" pitchFamily="18" charset="0"/>
-                                  <a:cs typeface="Times New Roman" panose="02020603050405020304" pitchFamily="18" charset="0"/>
-                                </a:rPr>
-                                <m:t>0</m:t>
-                              </m:r>
-                            </m:e>
-                          </m:mr>
-                        </m:m>
-                      </m:e>
-                    </m:d>
-                  </m:oMath>
-                </a14:m>
-                <a:endParaRPr kumimoji="1" lang="en-US" altLang="zh-CN" sz="1800" dirty="0">
+                <a:endParaRPr kumimoji="1" lang="en-US" altLang="zh-CN" sz="2640" dirty="0">
                   <a:latin typeface="Times New Roman" panose="02020603050405020304" pitchFamily="18" charset="0"/>
+                  <a:ea typeface="Times New Roman" panose="02020603050405020304" pitchFamily="18" charset="0"/>
                   <a:cs typeface="Times New Roman" panose="02020603050405020304" pitchFamily="18" charset="0"/>
                 </a:endParaRPr>
               </a:p>
               <a:p>
-                <a:pPr marL="548640" lvl="1" indent="0" algn="ctr">
-                  <a:buNone/>
-                </a:pPr>
                 <a:r>
-                  <a:rPr kumimoji="1" lang="en-US" altLang="zh-CN" sz="1800" dirty="0">
+                  <a:rPr lang="en-US" altLang="zh-CN" sz="3040" dirty="0">
                     <a:latin typeface="Times New Roman" panose="02020603050405020304" pitchFamily="18" charset="0"/>
-                    <a:cs typeface="Times New Roman" panose="02020603050405020304" pitchFamily="18" charset="0"/>
+                    <a:ea typeface="Times New Roman" panose="02020603050405020304" pitchFamily="18" charset="0"/>
                   </a:rPr>
-                  <a:t>	</a:t>
+                  <a:t>Rationale:</a:t>
                 </a:r>
-                <a:endParaRPr lang="en-US" altLang="zh-CN" sz="1800" i="1" dirty="0">
-                  <a:latin typeface="Cambria Math" panose="02040503050406030204" pitchFamily="18" charset="0"/>
-                </a:endParaRPr>
               </a:p>
               <a:p>
-                <a:pPr marL="548640" lvl="1" indent="0" algn="ctr">
-                  <a:buNone/>
-                </a:pPr>
-                <a14:m>
-                  <m:oMathPara xmlns:m="http://schemas.openxmlformats.org/officeDocument/2006/math">
-                    <m:oMathParaPr>
-                      <m:jc m:val="centerGroup"/>
-                    </m:oMathParaPr>
-                    <m:oMath xmlns:m="http://schemas.openxmlformats.org/officeDocument/2006/math">
-                      <m:r>
-                        <m:rPr>
-                          <m:sty m:val="p"/>
-                        </m:rPr>
-                        <a:rPr lang="en-US" altLang="zh-CN" sz="1800" b="0" i="0" dirty="0">
-                          <a:latin typeface="Cambria Math" panose="02040503050406030204" pitchFamily="18" charset="0"/>
-                        </a:rPr>
-                        <m:t>Variable</m:t>
-                      </m:r>
-                      <m:r>
-                        <a:rPr lang="en-US" altLang="zh-CN" sz="1800" b="0" i="0" dirty="0">
-                          <a:latin typeface="Cambria Math" panose="02040503050406030204" pitchFamily="18" charset="0"/>
-                        </a:rPr>
-                        <m:t> </m:t>
-                      </m:r>
-                      <m:r>
-                        <m:rPr>
-                          <m:sty m:val="p"/>
-                        </m:rPr>
-                        <a:rPr lang="en-US" altLang="zh-CN" sz="1800" b="0" i="0" dirty="0">
-                          <a:latin typeface="Cambria Math" panose="02040503050406030204" pitchFamily="18" charset="0"/>
-                        </a:rPr>
-                        <m:t>mapping</m:t>
-                      </m:r>
-                      <m:r>
-                        <a:rPr lang="en-US" altLang="zh-CN" sz="1800" b="0" i="0" dirty="0">
-                          <a:latin typeface="Cambria Math" panose="02040503050406030204" pitchFamily="18" charset="0"/>
-                        </a:rPr>
-                        <m:t>=</m:t>
-                      </m:r>
-                      <m:d>
-                        <m:dPr>
-                          <m:ctrlPr>
-                            <a:rPr lang="en-US" altLang="zh-CN" sz="1800" dirty="0">
-                              <a:latin typeface="Cambria Math" panose="02040503050406030204" pitchFamily="18" charset="0"/>
-                            </a:rPr>
-                          </m:ctrlPr>
-                        </m:dPr>
-                        <m:e>
-                          <m:r>
-                            <a:rPr lang="en-US" altLang="zh-CN" sz="1800" b="0" i="0" dirty="0">
-                              <a:latin typeface="Cambria Math" panose="02040503050406030204" pitchFamily="18" charset="0"/>
-                            </a:rPr>
-                            <m:t>~</m:t>
-                          </m:r>
-                          <m:r>
-                            <m:rPr>
-                              <m:sty m:val="p"/>
-                            </m:rPr>
-                            <a:rPr lang="en-US" altLang="zh-CN" sz="1800" b="0" i="0" dirty="0">
-                              <a:latin typeface="Cambria Math" panose="02040503050406030204" pitchFamily="18" charset="0"/>
-                            </a:rPr>
-                            <m:t>one</m:t>
-                          </m:r>
-                          <m:r>
-                            <a:rPr lang="en-US" altLang="zh-CN" sz="1800" b="0" i="0" dirty="0">
-                              <a:latin typeface="Cambria Math" panose="02040503050406030204" pitchFamily="18" charset="0"/>
-                            </a:rPr>
-                            <m:t>, </m:t>
-                          </m:r>
-                          <m:r>
-                            <m:rPr>
-                              <m:sty m:val="p"/>
-                            </m:rPr>
-                            <a:rPr lang="en-US" altLang="zh-CN" sz="1800" b="0" i="0" dirty="0">
-                              <a:latin typeface="Cambria Math" panose="02040503050406030204" pitchFamily="18" charset="0"/>
-                            </a:rPr>
-                            <m:t>x</m:t>
-                          </m:r>
-                          <m:r>
-                            <a:rPr lang="en-US" altLang="zh-CN" sz="1800" b="0" i="0" dirty="0">
-                              <a:latin typeface="Cambria Math" panose="02040503050406030204" pitchFamily="18" charset="0"/>
-                            </a:rPr>
-                            <m:t>,,~</m:t>
-                          </m:r>
-                          <m:r>
-                            <m:rPr>
-                              <m:sty m:val="p"/>
-                            </m:rPr>
-                            <a:rPr lang="en-US" altLang="zh-CN" sz="1800" b="0" i="0" dirty="0">
-                              <a:latin typeface="Cambria Math" panose="02040503050406030204" pitchFamily="18" charset="0"/>
-                            </a:rPr>
-                            <m:t>out</m:t>
-                          </m:r>
-                          <m:r>
-                            <a:rPr lang="en-US" altLang="zh-CN" sz="1800" b="0" i="0" dirty="0">
-                              <a:latin typeface="Cambria Math" panose="02040503050406030204" pitchFamily="18" charset="0"/>
-                            </a:rPr>
-                            <m:t>,</m:t>
-                          </m:r>
-                          <m:r>
-                            <m:rPr>
-                              <m:sty m:val="p"/>
-                            </m:rPr>
-                            <a:rPr lang="en-US" altLang="zh-CN" sz="1800" b="0" i="0" dirty="0">
-                              <a:latin typeface="Cambria Math" panose="02040503050406030204" pitchFamily="18" charset="0"/>
-                            </a:rPr>
-                            <m:t>x</m:t>
-                          </m:r>
-                          <m:r>
-                            <a:rPr lang="en-US" altLang="zh-CN" sz="1800" b="0" i="0" baseline="30000" dirty="0">
-                              <a:latin typeface="Cambria Math" panose="02040503050406030204" pitchFamily="18" charset="0"/>
-                            </a:rPr>
-                            <m:t>2</m:t>
-                          </m:r>
-                          <m:r>
-                            <a:rPr lang="en-US" altLang="zh-CN" sz="1800" b="0" i="0" dirty="0">
-                              <a:latin typeface="Cambria Math" panose="02040503050406030204" pitchFamily="18" charset="0"/>
-                            </a:rPr>
-                            <m:t>,</m:t>
-                          </m:r>
-                          <m:r>
-                            <m:rPr>
-                              <m:sty m:val="p"/>
-                            </m:rPr>
-                            <a:rPr lang="en-US" altLang="zh-CN" sz="1800" b="0" i="0" dirty="0">
-                              <a:latin typeface="Cambria Math" panose="02040503050406030204" pitchFamily="18" charset="0"/>
-                            </a:rPr>
-                            <m:t>x</m:t>
-                          </m:r>
-                          <m:r>
-                            <a:rPr lang="en-US" altLang="zh-CN" sz="1800" b="0" i="0" baseline="30000" dirty="0">
-                              <a:latin typeface="Cambria Math" panose="02040503050406030204" pitchFamily="18" charset="0"/>
-                            </a:rPr>
-                            <m:t>3</m:t>
-                          </m:r>
-                          <m:r>
-                            <a:rPr lang="en-US" altLang="zh-CN" sz="1800" b="0" i="0" dirty="0">
-                              <a:latin typeface="Cambria Math" panose="02040503050406030204" pitchFamily="18" charset="0"/>
-                            </a:rPr>
-                            <m:t>,</m:t>
-                          </m:r>
-                          <m:r>
-                            <m:rPr>
-                              <m:sty m:val="p"/>
-                            </m:rPr>
-                            <a:rPr lang="en-US" altLang="zh-CN" sz="1800" b="0" i="0" dirty="0">
-                              <a:latin typeface="Cambria Math" panose="02040503050406030204" pitchFamily="18" charset="0"/>
-                            </a:rPr>
-                            <m:t>sym</m:t>
-                          </m:r>
-                          <m:r>
-                            <a:rPr lang="en-US" altLang="zh-CN" sz="1800" b="0" i="0" baseline="-25000" dirty="0">
-                              <a:latin typeface="Cambria Math" panose="02040503050406030204" pitchFamily="18" charset="0"/>
-                            </a:rPr>
-                            <m:t>1</m:t>
-                          </m:r>
-                        </m:e>
-                      </m:d>
-                    </m:oMath>
-                  </m:oMathPara>
-                </a14:m>
-                <a:endParaRPr kumimoji="1" lang="en-US" altLang="zh-CN" sz="1800" dirty="0">
-                  <a:latin typeface="Times New Roman" panose="02020603050405020304" pitchFamily="18" charset="0"/>
-                  <a:cs typeface="Times New Roman" panose="02020603050405020304" pitchFamily="18" charset="0"/>
-                </a:endParaRPr>
+                <a:pPr lvl="1"/>
+                <a:r>
+                  <a:rPr lang="en-US" altLang="zh-CN" sz="2800" dirty="0">
+                    <a:latin typeface="Times New Roman" panose="02020603050405020304" pitchFamily="18" charset="0"/>
+                    <a:ea typeface="Times New Roman" panose="02020603050405020304" pitchFamily="18" charset="0"/>
+                  </a:rPr>
+                  <a:t>To reflect the significance of variables based on their occurrences within the constraints.</a:t>
+                </a:r>
               </a:p>
               <a:p>
-                <a:pPr marL="0" indent="0">
-                  <a:buNone/>
-                </a:pPr>
-                <a:endParaRPr kumimoji="1" lang="en-US" altLang="zh-CN" sz="2640" dirty="0">
-                  <a:solidFill>
-                    <a:srgbClr val="000000">
-                      <a:lumMod val="75000"/>
-                      <a:lumOff val="25000"/>
-                    </a:srgbClr>
-                  </a:solidFill>
-                  <a:latin typeface="Times New Roman" panose="02020603050405020304" pitchFamily="18" charset="0"/>
-                  <a:cs typeface="Times New Roman" panose="02020603050405020304" pitchFamily="18" charset="0"/>
-                </a:endParaRPr>
+                <a:pPr lvl="1"/>
+                <a:r>
+                  <a:rPr lang="en-US" altLang="zh-CN" sz="2800" dirty="0">
+                    <a:latin typeface="Times New Roman" panose="02020603050405020304" pitchFamily="18" charset="0"/>
+                    <a:ea typeface="Times New Roman" panose="02020603050405020304" pitchFamily="18" charset="0"/>
+                  </a:rPr>
+                  <a:t>To maintain equal weights for variables that solely appear within a single linear constraint.</a:t>
+                </a:r>
               </a:p>
             </p:txBody>
           </p:sp>
@@ -5826,2473 +5524,7 @@
               <a:blipFill>
                 <a:blip r:embed="rId3"/>
                 <a:stretch>
-                  <a:fillRect l="-1061" t="-512"/>
-                </a:stretch>
-              </a:blipFill>
-            </p:spPr>
-            <p:txBody>
-              <a:bodyPr/>
-              <a:lstStyle/>
-              <a:p>
-                <a:r>
-                  <a:rPr lang="zh-CN" altLang="en-US">
-                    <a:noFill/>
-                  </a:rPr>
-                  <a:t> </a:t>
-                </a:r>
-              </a:p>
-            </p:txBody>
-          </p:sp>
-        </mc:Fallback>
-      </mc:AlternateContent>
-      <p:sp>
-        <p:nvSpPr>
-          <p:cNvPr id="4" name="灯片编号占位符 3">
-            <a:extLst>
-              <a:ext uri="{FF2B5EF4-FFF2-40B4-BE49-F238E27FC236}">
-                <a16:creationId xmlns:a16="http://schemas.microsoft.com/office/drawing/2014/main" id="{B268D50E-8107-3C4D-94F0-BEB8FEB2CD0A}"/>
-              </a:ext>
-            </a:extLst>
-          </p:cNvPr>
-          <p:cNvSpPr>
-            <a:spLocks noGrp="1"/>
-          </p:cNvSpPr>
-          <p:nvPr>
-            <p:ph type="sldNum" sz="quarter" idx="12"/>
-          </p:nvPr>
-        </p:nvSpPr>
-        <p:spPr/>
-        <p:txBody>
-          <a:bodyPr/>
-          <a:lstStyle/>
-          <a:p>
-            <a:fld id="{ADE361C3-C043-4A6E-BDCE-8DA1E7D90A3B}" type="slidenum">
-              <a:rPr lang="zh-CN" altLang="en-US" smtClean="0"/>
-              <a:t>11</a:t>
-            </a:fld>
-            <a:endParaRPr lang="zh-CN" altLang="en-US"/>
-          </a:p>
-        </p:txBody>
-      </p:sp>
-    </p:spTree>
-    <p:extLst>
-      <p:ext uri="{BB962C8B-B14F-4D97-AF65-F5344CB8AC3E}">
-        <p14:creationId xmlns:p14="http://schemas.microsoft.com/office/powerpoint/2010/main" val="4106737500"/>
-      </p:ext>
-    </p:extLst>
-  </p:cSld>
-  <p:clrMapOvr>
-    <a:masterClrMapping/>
-  </p:clrMapOvr>
-</p:sld>
-</file>
-
-<file path=ppt/slides/slide12.xml><?xml version="1.0" encoding="utf-8"?>
-<p:sld xmlns:a="http://schemas.openxmlformats.org/drawingml/2006/main" xmlns:r="http://schemas.openxmlformats.org/officeDocument/2006/relationships" xmlns:p="http://schemas.openxmlformats.org/presentationml/2006/main">
-  <p:cSld>
-    <p:spTree>
-      <p:nvGrpSpPr>
-        <p:cNvPr id="1" name=""/>
-        <p:cNvGrpSpPr/>
-        <p:nvPr/>
-      </p:nvGrpSpPr>
-      <p:grpSpPr>
-        <a:xfrm>
-          <a:off x="0" y="0"/>
-          <a:ext cx="0" cy="0"/>
-          <a:chOff x="0" y="0"/>
-          <a:chExt cx="0" cy="0"/>
-        </a:xfrm>
-      </p:grpSpPr>
-      <p:sp>
-        <p:nvSpPr>
-          <p:cNvPr id="2" name="标题 1">
-            <a:extLst>
-              <a:ext uri="{FF2B5EF4-FFF2-40B4-BE49-F238E27FC236}">
-                <a16:creationId xmlns:a16="http://schemas.microsoft.com/office/drawing/2014/main" id="{8A4E491A-F27D-6643-80E0-06F48660FA21}"/>
-              </a:ext>
-            </a:extLst>
-          </p:cNvPr>
-          <p:cNvSpPr>
-            <a:spLocks noGrp="1"/>
-          </p:cNvSpPr>
-          <p:nvPr>
-            <p:ph type="title"/>
-          </p:nvPr>
-        </p:nvSpPr>
-        <p:spPr>
-          <a:xfrm>
-            <a:off x="730800" y="274639"/>
-            <a:ext cx="10122336" cy="1080530"/>
-          </a:xfrm>
-        </p:spPr>
-        <p:txBody>
-          <a:bodyPr>
-            <a:normAutofit/>
-          </a:bodyPr>
-          <a:lstStyle/>
-          <a:p>
-            <a:r>
-              <a:rPr kumimoji="1" lang="en-US" altLang="zh-CN" sz="3600" dirty="0">
-                <a:latin typeface="Times New Roman" panose="02020603050405020304" pitchFamily="18" charset="0"/>
-                <a:cs typeface="Times New Roman" panose="02020603050405020304" pitchFamily="18" charset="0"/>
-              </a:rPr>
-              <a:t>Algorithm Design: Constraint Generation</a:t>
-            </a:r>
-            <a:endParaRPr kumimoji="1" lang="zh-CN" altLang="en-US" sz="3600" dirty="0">
-              <a:latin typeface="Times New Roman" panose="02020603050405020304" pitchFamily="18" charset="0"/>
-              <a:cs typeface="Times New Roman" panose="02020603050405020304" pitchFamily="18" charset="0"/>
-            </a:endParaRPr>
-          </a:p>
-        </p:txBody>
-      </p:sp>
-      <mc:AlternateContent xmlns:mc="http://schemas.openxmlformats.org/markup-compatibility/2006">
-        <mc:Choice xmlns:a14="http://schemas.microsoft.com/office/drawing/2010/main" Requires="a14">
-          <p:sp>
-            <p:nvSpPr>
-              <p:cNvPr id="3" name="内容占位符 2">
-                <a:extLst>
-                  <a:ext uri="{FF2B5EF4-FFF2-40B4-BE49-F238E27FC236}">
-                    <a16:creationId xmlns:a16="http://schemas.microsoft.com/office/drawing/2014/main" id="{F70074B0-7D54-CB43-A2C4-E8723E631238}"/>
-                  </a:ext>
-                </a:extLst>
-              </p:cNvPr>
-              <p:cNvSpPr>
-                <a:spLocks noGrp="1"/>
-              </p:cNvSpPr>
-              <p:nvPr>
-                <p:ph idx="1"/>
-              </p:nvPr>
-            </p:nvSpPr>
-            <p:spPr>
-              <a:xfrm>
-                <a:off x="639156" y="1635624"/>
-                <a:ext cx="10913687" cy="4756153"/>
-              </a:xfrm>
-            </p:spPr>
-            <p:txBody>
-              <a:bodyPr>
-                <a:normAutofit/>
-              </a:bodyPr>
-              <a:lstStyle/>
-              <a:p>
-                <a:r>
-                  <a:rPr kumimoji="1" lang="en-US" altLang="zh-CN" sz="2880" dirty="0">
-                    <a:latin typeface="Times New Roman" panose="02020603050405020304" pitchFamily="18" charset="0"/>
-                    <a:cs typeface="Times New Roman" panose="02020603050405020304" pitchFamily="18" charset="0"/>
-                  </a:rPr>
-                  <a:t>Example R1CS</a:t>
-                </a:r>
-              </a:p>
-              <a:p>
-                <a:pPr lvl="1"/>
-                <a14:m>
-                  <m:oMath xmlns:m="http://schemas.openxmlformats.org/officeDocument/2006/math">
-                    <m:r>
-                      <a:rPr kumimoji="1" lang="en-US" altLang="zh-CN" sz="1800" i="1" smtClean="0">
-                        <a:latin typeface="Cambria Math" panose="02040503050406030204" pitchFamily="18" charset="0"/>
-                        <a:cs typeface="Times New Roman" panose="02020603050405020304" pitchFamily="18" charset="0"/>
-                      </a:rPr>
-                      <m:t>𝐴</m:t>
-                    </m:r>
-                    <m:r>
-                      <a:rPr kumimoji="1" lang="en-US" altLang="zh-CN" sz="1800" i="1" smtClean="0">
-                        <a:latin typeface="Cambria Math" panose="02040503050406030204" pitchFamily="18" charset="0"/>
-                        <a:cs typeface="Times New Roman" panose="02020603050405020304" pitchFamily="18" charset="0"/>
-                      </a:rPr>
-                      <m:t>=</m:t>
-                    </m:r>
-                    <m:d>
-                      <m:dPr>
-                        <m:ctrlPr>
-                          <a:rPr kumimoji="1" lang="en-US" altLang="zh-CN" sz="1800" i="1" smtClean="0">
-                            <a:latin typeface="Cambria Math" panose="02040503050406030204" pitchFamily="18" charset="0"/>
-                            <a:cs typeface="Times New Roman" panose="02020603050405020304" pitchFamily="18" charset="0"/>
-                          </a:rPr>
-                        </m:ctrlPr>
-                      </m:dPr>
-                      <m:e>
-                        <m:m>
-                          <m:mPr>
-                            <m:mcs>
-                              <m:mc>
-                                <m:mcPr>
-                                  <m:count m:val="6"/>
-                                  <m:mcJc m:val="center"/>
-                                </m:mcPr>
-                              </m:mc>
-                            </m:mcs>
-                            <m:ctrlPr>
-                              <a:rPr kumimoji="1" lang="en-US" altLang="zh-CN" sz="1800" i="1" smtClean="0">
-                                <a:latin typeface="Cambria Math" panose="02040503050406030204" pitchFamily="18" charset="0"/>
-                                <a:cs typeface="Times New Roman" panose="02020603050405020304" pitchFamily="18" charset="0"/>
-                              </a:rPr>
-                            </m:ctrlPr>
-                          </m:mPr>
-                          <m:mr>
-                            <m:e>
-                              <m:r>
-                                <m:rPr>
-                                  <m:brk m:alnAt="7"/>
-                                </m:rPr>
-                                <a:rPr kumimoji="1" lang="en-US" altLang="zh-CN" sz="1800" b="0" i="1" smtClean="0">
-                                  <a:latin typeface="Cambria Math" panose="02040503050406030204" pitchFamily="18" charset="0"/>
-                                  <a:cs typeface="Times New Roman" panose="02020603050405020304" pitchFamily="18" charset="0"/>
-                                </a:rPr>
-                                <m:t>0</m:t>
-                              </m:r>
-                            </m:e>
-                            <m:e>
-                              <m:r>
-                                <a:rPr kumimoji="1" lang="en-US" altLang="zh-CN" sz="1800" b="0" i="1" smtClean="0">
-                                  <a:latin typeface="Cambria Math" panose="02040503050406030204" pitchFamily="18" charset="0"/>
-                                  <a:cs typeface="Times New Roman" panose="02020603050405020304" pitchFamily="18" charset="0"/>
-                                </a:rPr>
-                                <m:t>1</m:t>
-                              </m:r>
-                            </m:e>
-                            <m:e>
-                              <m:r>
-                                <a:rPr kumimoji="1" lang="en-US" altLang="zh-CN" sz="1800" b="0" i="1" smtClean="0">
-                                  <a:latin typeface="Cambria Math" panose="02040503050406030204" pitchFamily="18" charset="0"/>
-                                  <a:cs typeface="Times New Roman" panose="02020603050405020304" pitchFamily="18" charset="0"/>
-                                </a:rPr>
-                                <m:t>0</m:t>
-                              </m:r>
-                            </m:e>
-                            <m:e>
-                              <m:r>
-                                <a:rPr kumimoji="1" lang="en-US" altLang="zh-CN" sz="1800" b="0" i="1" smtClean="0">
-                                  <a:latin typeface="Cambria Math" panose="02040503050406030204" pitchFamily="18" charset="0"/>
-                                  <a:cs typeface="Times New Roman" panose="02020603050405020304" pitchFamily="18" charset="0"/>
-                                </a:rPr>
-                                <m:t>0</m:t>
-                              </m:r>
-                            </m:e>
-                            <m:e>
-                              <m:r>
-                                <a:rPr kumimoji="1" lang="en-US" altLang="zh-CN" sz="1800" b="0" i="1" smtClean="0">
-                                  <a:latin typeface="Cambria Math" panose="02040503050406030204" pitchFamily="18" charset="0"/>
-                                  <a:cs typeface="Times New Roman" panose="02020603050405020304" pitchFamily="18" charset="0"/>
-                                </a:rPr>
-                                <m:t>0</m:t>
-                              </m:r>
-                            </m:e>
-                            <m:e>
-                              <m:r>
-                                <a:rPr kumimoji="1" lang="en-US" altLang="zh-CN" sz="1800" b="0" i="1" smtClean="0">
-                                  <a:latin typeface="Cambria Math" panose="02040503050406030204" pitchFamily="18" charset="0"/>
-                                  <a:cs typeface="Times New Roman" panose="02020603050405020304" pitchFamily="18" charset="0"/>
-                                </a:rPr>
-                                <m:t>0</m:t>
-                              </m:r>
-                            </m:e>
-                          </m:mr>
-                          <m:mr>
-                            <m:e>
-                              <m:r>
-                                <a:rPr kumimoji="1" lang="en-US" altLang="zh-CN" sz="1800" b="0" i="1" smtClean="0">
-                                  <a:latin typeface="Cambria Math" panose="02040503050406030204" pitchFamily="18" charset="0"/>
-                                  <a:cs typeface="Times New Roman" panose="02020603050405020304" pitchFamily="18" charset="0"/>
-                                </a:rPr>
-                                <m:t>0</m:t>
-                              </m:r>
-                            </m:e>
-                            <m:e>
-                              <m:r>
-                                <a:rPr kumimoji="1" lang="en-US" altLang="zh-CN" sz="1800" b="0" i="1" smtClean="0">
-                                  <a:latin typeface="Cambria Math" panose="02040503050406030204" pitchFamily="18" charset="0"/>
-                                  <a:cs typeface="Times New Roman" panose="02020603050405020304" pitchFamily="18" charset="0"/>
-                                </a:rPr>
-                                <m:t>0</m:t>
-                              </m:r>
-                            </m:e>
-                            <m:e>
-                              <m:r>
-                                <a:rPr kumimoji="1" lang="en-US" altLang="zh-CN" sz="1800" b="0" i="1" smtClean="0">
-                                  <a:latin typeface="Cambria Math" panose="02040503050406030204" pitchFamily="18" charset="0"/>
-                                  <a:cs typeface="Times New Roman" panose="02020603050405020304" pitchFamily="18" charset="0"/>
-                                </a:rPr>
-                                <m:t>0</m:t>
-                              </m:r>
-                            </m:e>
-                            <m:e>
-                              <m:r>
-                                <a:rPr kumimoji="1" lang="en-US" altLang="zh-CN" sz="1800" b="0" i="1" smtClean="0">
-                                  <a:latin typeface="Cambria Math" panose="02040503050406030204" pitchFamily="18" charset="0"/>
-                                  <a:cs typeface="Times New Roman" panose="02020603050405020304" pitchFamily="18" charset="0"/>
-                                </a:rPr>
-                                <m:t>1</m:t>
-                              </m:r>
-                            </m:e>
-                            <m:e>
-                              <m:r>
-                                <a:rPr kumimoji="1" lang="en-US" altLang="zh-CN" sz="1800" b="0" i="1" smtClean="0">
-                                  <a:latin typeface="Cambria Math" panose="02040503050406030204" pitchFamily="18" charset="0"/>
-                                  <a:cs typeface="Times New Roman" panose="02020603050405020304" pitchFamily="18" charset="0"/>
-                                </a:rPr>
-                                <m:t>0</m:t>
-                              </m:r>
-                            </m:e>
-                            <m:e>
-                              <m:r>
-                                <a:rPr kumimoji="1" lang="en-US" altLang="zh-CN" sz="1800" b="0" i="1" smtClean="0">
-                                  <a:latin typeface="Cambria Math" panose="02040503050406030204" pitchFamily="18" charset="0"/>
-                                  <a:cs typeface="Times New Roman" panose="02020603050405020304" pitchFamily="18" charset="0"/>
-                                </a:rPr>
-                                <m:t>0</m:t>
-                              </m:r>
-                            </m:e>
-                          </m:mr>
-                          <m:mr>
-                            <m:e>
-                              <m:r>
-                                <a:rPr kumimoji="1" lang="en-US" altLang="zh-CN" sz="1800" b="0" i="1" smtClean="0">
-                                  <a:latin typeface="Cambria Math" panose="02040503050406030204" pitchFamily="18" charset="0"/>
-                                  <a:cs typeface="Times New Roman" panose="02020603050405020304" pitchFamily="18" charset="0"/>
-                                </a:rPr>
-                                <m:t>0</m:t>
-                              </m:r>
-                            </m:e>
-                            <m:e>
-                              <m:r>
-                                <a:rPr kumimoji="1" lang="en-US" altLang="zh-CN" sz="1800" b="0" i="1" smtClean="0">
-                                  <a:latin typeface="Cambria Math" panose="02040503050406030204" pitchFamily="18" charset="0"/>
-                                  <a:cs typeface="Times New Roman" panose="02020603050405020304" pitchFamily="18" charset="0"/>
-                                </a:rPr>
-                                <m:t>1</m:t>
-                              </m:r>
-                            </m:e>
-                            <m:e>
-                              <m:r>
-                                <a:rPr kumimoji="1" lang="en-US" altLang="zh-CN" sz="1800" b="0" i="1" smtClean="0">
-                                  <a:latin typeface="Cambria Math" panose="02040503050406030204" pitchFamily="18" charset="0"/>
-                                  <a:cs typeface="Times New Roman" panose="02020603050405020304" pitchFamily="18" charset="0"/>
-                                </a:rPr>
-                                <m:t>0</m:t>
-                              </m:r>
-                            </m:e>
-                            <m:e>
-                              <m:r>
-                                <a:rPr kumimoji="1" lang="en-US" altLang="zh-CN" sz="1800" b="0" i="1" smtClean="0">
-                                  <a:latin typeface="Cambria Math" panose="02040503050406030204" pitchFamily="18" charset="0"/>
-                                  <a:cs typeface="Times New Roman" panose="02020603050405020304" pitchFamily="18" charset="0"/>
-                                </a:rPr>
-                                <m:t>0</m:t>
-                              </m:r>
-                            </m:e>
-                            <m:e>
-                              <m:r>
-                                <a:rPr kumimoji="1" lang="en-US" altLang="zh-CN" sz="1800" b="0" i="1" smtClean="0">
-                                  <a:latin typeface="Cambria Math" panose="02040503050406030204" pitchFamily="18" charset="0"/>
-                                  <a:cs typeface="Times New Roman" panose="02020603050405020304" pitchFamily="18" charset="0"/>
-                                </a:rPr>
-                                <m:t>1</m:t>
-                              </m:r>
-                            </m:e>
-                            <m:e>
-                              <m:r>
-                                <a:rPr kumimoji="1" lang="en-US" altLang="zh-CN" sz="1800" b="0" i="1" smtClean="0">
-                                  <a:latin typeface="Cambria Math" panose="02040503050406030204" pitchFamily="18" charset="0"/>
-                                  <a:cs typeface="Times New Roman" panose="02020603050405020304" pitchFamily="18" charset="0"/>
-                                </a:rPr>
-                                <m:t>0</m:t>
-                              </m:r>
-                            </m:e>
-                          </m:mr>
-                          <m:mr>
-                            <m:e>
-                              <m:r>
-                                <a:rPr kumimoji="1" lang="en-US" altLang="zh-CN" sz="1800" b="0" i="1" smtClean="0">
-                                  <a:latin typeface="Cambria Math" panose="02040503050406030204" pitchFamily="18" charset="0"/>
-                                  <a:cs typeface="Times New Roman" panose="02020603050405020304" pitchFamily="18" charset="0"/>
-                                </a:rPr>
-                                <m:t>5</m:t>
-                              </m:r>
-                            </m:e>
-                            <m:e>
-                              <m:r>
-                                <a:rPr kumimoji="1" lang="en-US" altLang="zh-CN" sz="1800" b="0" i="1" smtClean="0">
-                                  <a:latin typeface="Cambria Math" panose="02040503050406030204" pitchFamily="18" charset="0"/>
-                                  <a:cs typeface="Times New Roman" panose="02020603050405020304" pitchFamily="18" charset="0"/>
-                                </a:rPr>
-                                <m:t>0</m:t>
-                              </m:r>
-                            </m:e>
-                            <m:e>
-                              <m:r>
-                                <a:rPr kumimoji="1" lang="en-US" altLang="zh-CN" sz="1800" b="0" i="1" smtClean="0">
-                                  <a:latin typeface="Cambria Math" panose="02040503050406030204" pitchFamily="18" charset="0"/>
-                                  <a:cs typeface="Times New Roman" panose="02020603050405020304" pitchFamily="18" charset="0"/>
-                                </a:rPr>
-                                <m:t>0</m:t>
-                              </m:r>
-                            </m:e>
-                            <m:e>
-                              <m:r>
-                                <a:rPr kumimoji="1" lang="en-US" altLang="zh-CN" sz="1800" b="0" i="1" smtClean="0">
-                                  <a:latin typeface="Cambria Math" panose="02040503050406030204" pitchFamily="18" charset="0"/>
-                                  <a:cs typeface="Times New Roman" panose="02020603050405020304" pitchFamily="18" charset="0"/>
-                                </a:rPr>
-                                <m:t>0</m:t>
-                              </m:r>
-                            </m:e>
-                            <m:e>
-                              <m:r>
-                                <a:rPr kumimoji="1" lang="en-US" altLang="zh-CN" sz="1800" b="0" i="1" smtClean="0">
-                                  <a:latin typeface="Cambria Math" panose="02040503050406030204" pitchFamily="18" charset="0"/>
-                                  <a:cs typeface="Times New Roman" panose="02020603050405020304" pitchFamily="18" charset="0"/>
-                                </a:rPr>
-                                <m:t>0</m:t>
-                              </m:r>
-                            </m:e>
-                            <m:e>
-                              <m:r>
-                                <a:rPr kumimoji="1" lang="en-US" altLang="zh-CN" sz="1800" b="0" i="1" smtClean="0">
-                                  <a:latin typeface="Cambria Math" panose="02040503050406030204" pitchFamily="18" charset="0"/>
-                                  <a:cs typeface="Times New Roman" panose="02020603050405020304" pitchFamily="18" charset="0"/>
-                                </a:rPr>
-                                <m:t>1</m:t>
-                              </m:r>
-                            </m:e>
-                          </m:mr>
-                        </m:m>
-                      </m:e>
-                    </m:d>
-                  </m:oMath>
-                </a14:m>
-                <a:r>
-                  <a:rPr kumimoji="1" lang="en-US" altLang="zh-CN" sz="1800" dirty="0">
-                    <a:cs typeface="Times New Roman" panose="02020603050405020304" pitchFamily="18" charset="0"/>
-                  </a:rPr>
-                  <a:t> </a:t>
-                </a:r>
-                <a14:m>
-                  <m:oMath xmlns:m="http://schemas.openxmlformats.org/officeDocument/2006/math">
-                    <m:r>
-                      <m:rPr>
-                        <m:sty m:val="p"/>
-                      </m:rPr>
-                      <a:rPr kumimoji="1" lang="en-US" altLang="zh-CN" sz="1800" b="0" i="0" smtClean="0">
-                        <a:latin typeface="Cambria Math" panose="02040503050406030204" pitchFamily="18" charset="0"/>
-                        <a:cs typeface="Times New Roman" panose="02020603050405020304" pitchFamily="18" charset="0"/>
-                      </a:rPr>
-                      <m:t>B</m:t>
-                    </m:r>
-                    <m:r>
-                      <a:rPr kumimoji="1" lang="en-US" altLang="zh-CN" sz="1800" i="1">
-                        <a:latin typeface="Cambria Math" panose="02040503050406030204" pitchFamily="18" charset="0"/>
-                        <a:cs typeface="Times New Roman" panose="02020603050405020304" pitchFamily="18" charset="0"/>
-                      </a:rPr>
-                      <m:t>= </m:t>
-                    </m:r>
-                    <m:d>
-                      <m:dPr>
-                        <m:ctrlPr>
-                          <a:rPr kumimoji="1" lang="en-US" altLang="zh-CN" sz="1800" i="1">
-                            <a:latin typeface="Cambria Math" panose="02040503050406030204" pitchFamily="18" charset="0"/>
-                            <a:cs typeface="Times New Roman" panose="02020603050405020304" pitchFamily="18" charset="0"/>
-                          </a:rPr>
-                        </m:ctrlPr>
-                      </m:dPr>
-                      <m:e>
-                        <m:m>
-                          <m:mPr>
-                            <m:mcs>
-                              <m:mc>
-                                <m:mcPr>
-                                  <m:count m:val="6"/>
-                                  <m:mcJc m:val="center"/>
-                                </m:mcPr>
-                              </m:mc>
-                            </m:mcs>
-                            <m:ctrlPr>
-                              <a:rPr kumimoji="1" lang="en-US" altLang="zh-CN" sz="1800" i="1">
-                                <a:latin typeface="Cambria Math" panose="02040503050406030204" pitchFamily="18" charset="0"/>
-                                <a:cs typeface="Times New Roman" panose="02020603050405020304" pitchFamily="18" charset="0"/>
-                              </a:rPr>
-                            </m:ctrlPr>
-                          </m:mPr>
-                          <m:mr>
-                            <m:e>
-                              <m:r>
-                                <m:rPr>
-                                  <m:brk m:alnAt="7"/>
-                                </m:rPr>
-                                <a:rPr kumimoji="1" lang="en-US" altLang="zh-CN" sz="1800" b="0" i="1" smtClean="0">
-                                  <a:latin typeface="Cambria Math" panose="02040503050406030204" pitchFamily="18" charset="0"/>
-                                  <a:cs typeface="Times New Roman" panose="02020603050405020304" pitchFamily="18" charset="0"/>
-                                </a:rPr>
-                                <m:t>0</m:t>
-                              </m:r>
-                            </m:e>
-                            <m:e>
-                              <m:r>
-                                <a:rPr kumimoji="1" lang="en-US" altLang="zh-CN" sz="1800" b="0" i="1" smtClean="0">
-                                  <a:latin typeface="Cambria Math" panose="02040503050406030204" pitchFamily="18" charset="0"/>
-                                  <a:cs typeface="Times New Roman" panose="02020603050405020304" pitchFamily="18" charset="0"/>
-                                </a:rPr>
-                                <m:t>1</m:t>
-                              </m:r>
-                            </m:e>
-                            <m:e>
-                              <m:r>
-                                <a:rPr kumimoji="1" lang="en-US" altLang="zh-CN" sz="1800" b="0" i="1" smtClean="0">
-                                  <a:latin typeface="Cambria Math" panose="02040503050406030204" pitchFamily="18" charset="0"/>
-                                  <a:cs typeface="Times New Roman" panose="02020603050405020304" pitchFamily="18" charset="0"/>
-                                </a:rPr>
-                                <m:t>0</m:t>
-                              </m:r>
-                            </m:e>
-                            <m:e>
-                              <m:r>
-                                <a:rPr kumimoji="1" lang="en-US" altLang="zh-CN" sz="1800" b="0" i="1" smtClean="0">
-                                  <a:latin typeface="Cambria Math" panose="02040503050406030204" pitchFamily="18" charset="0"/>
-                                  <a:cs typeface="Times New Roman" panose="02020603050405020304" pitchFamily="18" charset="0"/>
-                                </a:rPr>
-                                <m:t>0</m:t>
-                              </m:r>
-                            </m:e>
-                            <m:e>
-                              <m:r>
-                                <a:rPr kumimoji="1" lang="en-US" altLang="zh-CN" sz="1800" b="0" i="1" smtClean="0">
-                                  <a:latin typeface="Cambria Math" panose="02040503050406030204" pitchFamily="18" charset="0"/>
-                                  <a:cs typeface="Times New Roman" panose="02020603050405020304" pitchFamily="18" charset="0"/>
-                                </a:rPr>
-                                <m:t>0</m:t>
-                              </m:r>
-                            </m:e>
-                            <m:e>
-                              <m:r>
-                                <a:rPr kumimoji="1" lang="en-US" altLang="zh-CN" sz="1800" b="0" i="1" smtClean="0">
-                                  <a:latin typeface="Cambria Math" panose="02040503050406030204" pitchFamily="18" charset="0"/>
-                                  <a:cs typeface="Times New Roman" panose="02020603050405020304" pitchFamily="18" charset="0"/>
-                                </a:rPr>
-                                <m:t>0</m:t>
-                              </m:r>
-                            </m:e>
-                          </m:mr>
-                          <m:mr>
-                            <m:e>
-                              <m:r>
-                                <a:rPr kumimoji="1" lang="en-US" altLang="zh-CN" sz="1800" b="0" i="1" smtClean="0">
-                                  <a:latin typeface="Cambria Math" panose="02040503050406030204" pitchFamily="18" charset="0"/>
-                                  <a:cs typeface="Times New Roman" panose="02020603050405020304" pitchFamily="18" charset="0"/>
-                                </a:rPr>
-                                <m:t>0</m:t>
-                              </m:r>
-                            </m:e>
-                            <m:e>
-                              <m:r>
-                                <a:rPr kumimoji="1" lang="en-US" altLang="zh-CN" sz="1800" b="0" i="1" smtClean="0">
-                                  <a:latin typeface="Cambria Math" panose="02040503050406030204" pitchFamily="18" charset="0"/>
-                                  <a:cs typeface="Times New Roman" panose="02020603050405020304" pitchFamily="18" charset="0"/>
-                                </a:rPr>
-                                <m:t>1</m:t>
-                              </m:r>
-                            </m:e>
-                            <m:e>
-                              <m:r>
-                                <a:rPr kumimoji="1" lang="en-US" altLang="zh-CN" sz="1800" b="0" i="1" smtClean="0">
-                                  <a:latin typeface="Cambria Math" panose="02040503050406030204" pitchFamily="18" charset="0"/>
-                                  <a:cs typeface="Times New Roman" panose="02020603050405020304" pitchFamily="18" charset="0"/>
-                                </a:rPr>
-                                <m:t>0</m:t>
-                              </m:r>
-                            </m:e>
-                            <m:e>
-                              <m:r>
-                                <a:rPr kumimoji="1" lang="en-US" altLang="zh-CN" sz="1800" b="0" i="1" smtClean="0">
-                                  <a:latin typeface="Cambria Math" panose="02040503050406030204" pitchFamily="18" charset="0"/>
-                                  <a:cs typeface="Times New Roman" panose="02020603050405020304" pitchFamily="18" charset="0"/>
-                                </a:rPr>
-                                <m:t>0</m:t>
-                              </m:r>
-                            </m:e>
-                            <m:e>
-                              <m:r>
-                                <a:rPr kumimoji="1" lang="en-US" altLang="zh-CN" sz="1800" b="0" i="1" smtClean="0">
-                                  <a:latin typeface="Cambria Math" panose="02040503050406030204" pitchFamily="18" charset="0"/>
-                                  <a:cs typeface="Times New Roman" panose="02020603050405020304" pitchFamily="18" charset="0"/>
-                                </a:rPr>
-                                <m:t>0</m:t>
-                              </m:r>
-                            </m:e>
-                            <m:e>
-                              <m:r>
-                                <a:rPr kumimoji="1" lang="en-US" altLang="zh-CN" sz="1800" b="0" i="1" smtClean="0">
-                                  <a:latin typeface="Cambria Math" panose="02040503050406030204" pitchFamily="18" charset="0"/>
-                                  <a:cs typeface="Times New Roman" panose="02020603050405020304" pitchFamily="18" charset="0"/>
-                                </a:rPr>
-                                <m:t>0</m:t>
-                              </m:r>
-                            </m:e>
-                          </m:mr>
-                          <m:mr>
-                            <m:e>
-                              <m:r>
-                                <a:rPr kumimoji="1" lang="en-US" altLang="zh-CN" sz="1800" b="0" i="1" smtClean="0">
-                                  <a:latin typeface="Cambria Math" panose="02040503050406030204" pitchFamily="18" charset="0"/>
-                                  <a:cs typeface="Times New Roman" panose="02020603050405020304" pitchFamily="18" charset="0"/>
-                                </a:rPr>
-                                <m:t>1</m:t>
-                              </m:r>
-                            </m:e>
-                            <m:e>
-                              <m:r>
-                                <a:rPr kumimoji="1" lang="en-US" altLang="zh-CN" sz="1800" b="0" i="1" smtClean="0">
-                                  <a:latin typeface="Cambria Math" panose="02040503050406030204" pitchFamily="18" charset="0"/>
-                                  <a:cs typeface="Times New Roman" panose="02020603050405020304" pitchFamily="18" charset="0"/>
-                                </a:rPr>
-                                <m:t>0</m:t>
-                              </m:r>
-                            </m:e>
-                            <m:e>
-                              <m:r>
-                                <a:rPr kumimoji="1" lang="en-US" altLang="zh-CN" sz="1800" b="0" i="1" smtClean="0">
-                                  <a:latin typeface="Cambria Math" panose="02040503050406030204" pitchFamily="18" charset="0"/>
-                                  <a:cs typeface="Times New Roman" panose="02020603050405020304" pitchFamily="18" charset="0"/>
-                                </a:rPr>
-                                <m:t>0</m:t>
-                              </m:r>
-                            </m:e>
-                            <m:e>
-                              <m:r>
-                                <a:rPr kumimoji="1" lang="en-US" altLang="zh-CN" sz="1800" b="0" i="1" smtClean="0">
-                                  <a:latin typeface="Cambria Math" panose="02040503050406030204" pitchFamily="18" charset="0"/>
-                                  <a:cs typeface="Times New Roman" panose="02020603050405020304" pitchFamily="18" charset="0"/>
-                                </a:rPr>
-                                <m:t>0</m:t>
-                              </m:r>
-                            </m:e>
-                            <m:e>
-                              <m:r>
-                                <a:rPr kumimoji="1" lang="en-US" altLang="zh-CN" sz="1800" b="0" i="1" smtClean="0">
-                                  <a:latin typeface="Cambria Math" panose="02040503050406030204" pitchFamily="18" charset="0"/>
-                                  <a:cs typeface="Times New Roman" panose="02020603050405020304" pitchFamily="18" charset="0"/>
-                                </a:rPr>
-                                <m:t>0</m:t>
-                              </m:r>
-                            </m:e>
-                            <m:e>
-                              <m:r>
-                                <a:rPr kumimoji="1" lang="en-US" altLang="zh-CN" sz="1800" b="0" i="1" smtClean="0">
-                                  <a:latin typeface="Cambria Math" panose="02040503050406030204" pitchFamily="18" charset="0"/>
-                                  <a:cs typeface="Times New Roman" panose="02020603050405020304" pitchFamily="18" charset="0"/>
-                                </a:rPr>
-                                <m:t>0</m:t>
-                              </m:r>
-                            </m:e>
-                          </m:mr>
-                          <m:mr>
-                            <m:e>
-                              <m:r>
-                                <a:rPr kumimoji="1" lang="en-US" altLang="zh-CN" sz="1800" b="0" i="1" smtClean="0">
-                                  <a:latin typeface="Cambria Math" panose="02040503050406030204" pitchFamily="18" charset="0"/>
-                                  <a:cs typeface="Times New Roman" panose="02020603050405020304" pitchFamily="18" charset="0"/>
-                                </a:rPr>
-                                <m:t>1</m:t>
-                              </m:r>
-                            </m:e>
-                            <m:e>
-                              <m:r>
-                                <a:rPr kumimoji="1" lang="en-US" altLang="zh-CN" sz="1800" b="0" i="1" smtClean="0">
-                                  <a:latin typeface="Cambria Math" panose="02040503050406030204" pitchFamily="18" charset="0"/>
-                                  <a:cs typeface="Times New Roman" panose="02020603050405020304" pitchFamily="18" charset="0"/>
-                                </a:rPr>
-                                <m:t>0</m:t>
-                              </m:r>
-                            </m:e>
-                            <m:e>
-                              <m:r>
-                                <a:rPr kumimoji="1" lang="en-US" altLang="zh-CN" sz="1800" b="0" i="1" smtClean="0">
-                                  <a:latin typeface="Cambria Math" panose="02040503050406030204" pitchFamily="18" charset="0"/>
-                                  <a:cs typeface="Times New Roman" panose="02020603050405020304" pitchFamily="18" charset="0"/>
-                                </a:rPr>
-                                <m:t>0</m:t>
-                              </m:r>
-                            </m:e>
-                            <m:e>
-                              <m:r>
-                                <a:rPr kumimoji="1" lang="en-US" altLang="zh-CN" sz="1800" b="0" i="1" smtClean="0">
-                                  <a:latin typeface="Cambria Math" panose="02040503050406030204" pitchFamily="18" charset="0"/>
-                                  <a:cs typeface="Times New Roman" panose="02020603050405020304" pitchFamily="18" charset="0"/>
-                                </a:rPr>
-                                <m:t>0</m:t>
-                              </m:r>
-                            </m:e>
-                            <m:e>
-                              <m:r>
-                                <a:rPr kumimoji="1" lang="en-US" altLang="zh-CN" sz="1800" b="0" i="1" smtClean="0">
-                                  <a:latin typeface="Cambria Math" panose="02040503050406030204" pitchFamily="18" charset="0"/>
-                                  <a:cs typeface="Times New Roman" panose="02020603050405020304" pitchFamily="18" charset="0"/>
-                                </a:rPr>
-                                <m:t>0</m:t>
-                              </m:r>
-                            </m:e>
-                            <m:e>
-                              <m:r>
-                                <a:rPr kumimoji="1" lang="en-US" altLang="zh-CN" sz="1800" b="0" i="1" smtClean="0">
-                                  <a:latin typeface="Cambria Math" panose="02040503050406030204" pitchFamily="18" charset="0"/>
-                                  <a:cs typeface="Times New Roman" panose="02020603050405020304" pitchFamily="18" charset="0"/>
-                                </a:rPr>
-                                <m:t>0</m:t>
-                              </m:r>
-                            </m:e>
-                          </m:mr>
-                        </m:m>
-                      </m:e>
-                    </m:d>
-                  </m:oMath>
-                </a14:m>
-                <a:r>
-                  <a:rPr kumimoji="1" lang="en-US" altLang="zh-CN" sz="1800" dirty="0">
-                    <a:cs typeface="Times New Roman" panose="02020603050405020304" pitchFamily="18" charset="0"/>
-                  </a:rPr>
-                  <a:t> </a:t>
-                </a:r>
-                <a14:m>
-                  <m:oMath xmlns:m="http://schemas.openxmlformats.org/officeDocument/2006/math">
-                    <m:r>
-                      <m:rPr>
-                        <m:sty m:val="p"/>
-                      </m:rPr>
-                      <a:rPr kumimoji="1" lang="en-US" altLang="zh-CN" sz="1800" dirty="0">
-                        <a:latin typeface="Cambria Math" panose="02040503050406030204" pitchFamily="18" charset="0"/>
-                        <a:cs typeface="Times New Roman" panose="02020603050405020304" pitchFamily="18" charset="0"/>
-                      </a:rPr>
-                      <m:t>C</m:t>
-                    </m:r>
-                    <m:r>
-                      <a:rPr kumimoji="1" lang="en-US" altLang="zh-CN" sz="1800" i="1">
-                        <a:latin typeface="Cambria Math" panose="02040503050406030204" pitchFamily="18" charset="0"/>
-                        <a:cs typeface="Times New Roman" panose="02020603050405020304" pitchFamily="18" charset="0"/>
-                      </a:rPr>
-                      <m:t>= </m:t>
-                    </m:r>
-                    <m:d>
-                      <m:dPr>
-                        <m:ctrlPr>
-                          <a:rPr kumimoji="1" lang="en-US" altLang="zh-CN" sz="1800" i="1">
-                            <a:latin typeface="Cambria Math" panose="02040503050406030204" pitchFamily="18" charset="0"/>
-                            <a:cs typeface="Times New Roman" panose="02020603050405020304" pitchFamily="18" charset="0"/>
-                          </a:rPr>
-                        </m:ctrlPr>
-                      </m:dPr>
-                      <m:e>
-                        <m:m>
-                          <m:mPr>
-                            <m:mcs>
-                              <m:mc>
-                                <m:mcPr>
-                                  <m:count m:val="6"/>
-                                  <m:mcJc m:val="center"/>
-                                </m:mcPr>
-                              </m:mc>
-                            </m:mcs>
-                            <m:ctrlPr>
-                              <a:rPr kumimoji="1" lang="en-US" altLang="zh-CN" sz="1800" i="1">
-                                <a:latin typeface="Cambria Math" panose="02040503050406030204" pitchFamily="18" charset="0"/>
-                                <a:cs typeface="Times New Roman" panose="02020603050405020304" pitchFamily="18" charset="0"/>
-                              </a:rPr>
-                            </m:ctrlPr>
-                          </m:mPr>
-                          <m:mr>
-                            <m:e>
-                              <m:r>
-                                <m:rPr>
-                                  <m:brk m:alnAt="7"/>
-                                </m:rPr>
-                                <a:rPr kumimoji="1" lang="en-US" altLang="zh-CN" sz="1800" b="0" i="1" smtClean="0">
-                                  <a:latin typeface="Cambria Math" panose="02040503050406030204" pitchFamily="18" charset="0"/>
-                                  <a:cs typeface="Times New Roman" panose="02020603050405020304" pitchFamily="18" charset="0"/>
-                                </a:rPr>
-                                <m:t>0</m:t>
-                              </m:r>
-                            </m:e>
-                            <m:e>
-                              <m:r>
-                                <a:rPr kumimoji="1" lang="en-US" altLang="zh-CN" sz="1800" b="0" i="1" smtClean="0">
-                                  <a:latin typeface="Cambria Math" panose="02040503050406030204" pitchFamily="18" charset="0"/>
-                                  <a:cs typeface="Times New Roman" panose="02020603050405020304" pitchFamily="18" charset="0"/>
-                                </a:rPr>
-                                <m:t>0</m:t>
-                              </m:r>
-                            </m:e>
-                            <m:e>
-                              <m:r>
-                                <a:rPr kumimoji="1" lang="en-US" altLang="zh-CN" sz="1800" b="0" i="1" smtClean="0">
-                                  <a:latin typeface="Cambria Math" panose="02040503050406030204" pitchFamily="18" charset="0"/>
-                                  <a:cs typeface="Times New Roman" panose="02020603050405020304" pitchFamily="18" charset="0"/>
-                                </a:rPr>
-                                <m:t>0</m:t>
-                              </m:r>
-                            </m:e>
-                            <m:e>
-                              <m:r>
-                                <a:rPr kumimoji="1" lang="en-US" altLang="zh-CN" sz="1800" b="0" i="1" smtClean="0">
-                                  <a:latin typeface="Cambria Math" panose="02040503050406030204" pitchFamily="18" charset="0"/>
-                                  <a:cs typeface="Times New Roman" panose="02020603050405020304" pitchFamily="18" charset="0"/>
-                                </a:rPr>
-                                <m:t>1</m:t>
-                              </m:r>
-                            </m:e>
-                            <m:e>
-                              <m:r>
-                                <a:rPr kumimoji="1" lang="en-US" altLang="zh-CN" sz="1800" b="0" i="1" smtClean="0">
-                                  <a:latin typeface="Cambria Math" panose="02040503050406030204" pitchFamily="18" charset="0"/>
-                                  <a:cs typeface="Times New Roman" panose="02020603050405020304" pitchFamily="18" charset="0"/>
-                                </a:rPr>
-                                <m:t>0</m:t>
-                              </m:r>
-                            </m:e>
-                            <m:e>
-                              <m:r>
-                                <a:rPr kumimoji="1" lang="en-US" altLang="zh-CN" sz="1800" b="0" i="1" smtClean="0">
-                                  <a:latin typeface="Cambria Math" panose="02040503050406030204" pitchFamily="18" charset="0"/>
-                                  <a:cs typeface="Times New Roman" panose="02020603050405020304" pitchFamily="18" charset="0"/>
-                                </a:rPr>
-                                <m:t>0</m:t>
-                              </m:r>
-                            </m:e>
-                          </m:mr>
-                          <m:mr>
-                            <m:e>
-                              <m:r>
-                                <a:rPr kumimoji="1" lang="en-US" altLang="zh-CN" sz="1800" b="0" i="1" smtClean="0">
-                                  <a:latin typeface="Cambria Math" panose="02040503050406030204" pitchFamily="18" charset="0"/>
-                                  <a:cs typeface="Times New Roman" panose="02020603050405020304" pitchFamily="18" charset="0"/>
-                                </a:rPr>
-                                <m:t>0</m:t>
-                              </m:r>
-                            </m:e>
-                            <m:e>
-                              <m:r>
-                                <a:rPr kumimoji="1" lang="en-US" altLang="zh-CN" sz="1800" b="0" i="1" smtClean="0">
-                                  <a:latin typeface="Cambria Math" panose="02040503050406030204" pitchFamily="18" charset="0"/>
-                                  <a:cs typeface="Times New Roman" panose="02020603050405020304" pitchFamily="18" charset="0"/>
-                                </a:rPr>
-                                <m:t>0</m:t>
-                              </m:r>
-                            </m:e>
-                            <m:e>
-                              <m:r>
-                                <a:rPr kumimoji="1" lang="en-US" altLang="zh-CN" sz="1800" b="0" i="1" smtClean="0">
-                                  <a:latin typeface="Cambria Math" panose="02040503050406030204" pitchFamily="18" charset="0"/>
-                                  <a:cs typeface="Times New Roman" panose="02020603050405020304" pitchFamily="18" charset="0"/>
-                                </a:rPr>
-                                <m:t>0</m:t>
-                              </m:r>
-                            </m:e>
-                            <m:e>
-                              <m:r>
-                                <a:rPr kumimoji="1" lang="en-US" altLang="zh-CN" sz="1800" b="0" i="1" smtClean="0">
-                                  <a:latin typeface="Cambria Math" panose="02040503050406030204" pitchFamily="18" charset="0"/>
-                                  <a:cs typeface="Times New Roman" panose="02020603050405020304" pitchFamily="18" charset="0"/>
-                                </a:rPr>
-                                <m:t>0</m:t>
-                              </m:r>
-                            </m:e>
-                            <m:e>
-                              <m:r>
-                                <a:rPr kumimoji="1" lang="en-US" altLang="zh-CN" sz="1800" b="0" i="1" smtClean="0">
-                                  <a:latin typeface="Cambria Math" panose="02040503050406030204" pitchFamily="18" charset="0"/>
-                                  <a:cs typeface="Times New Roman" panose="02020603050405020304" pitchFamily="18" charset="0"/>
-                                </a:rPr>
-                                <m:t>1</m:t>
-                              </m:r>
-                            </m:e>
-                            <m:e>
-                              <m:r>
-                                <a:rPr kumimoji="1" lang="en-US" altLang="zh-CN" sz="1800" b="0" i="1" smtClean="0">
-                                  <a:latin typeface="Cambria Math" panose="02040503050406030204" pitchFamily="18" charset="0"/>
-                                  <a:cs typeface="Times New Roman" panose="02020603050405020304" pitchFamily="18" charset="0"/>
-                                </a:rPr>
-                                <m:t>0</m:t>
-                              </m:r>
-                            </m:e>
-                          </m:mr>
-                          <m:mr>
-                            <m:e>
-                              <m:r>
-                                <a:rPr kumimoji="1" lang="en-US" altLang="zh-CN" sz="1800" b="0" i="1" smtClean="0">
-                                  <a:latin typeface="Cambria Math" panose="02040503050406030204" pitchFamily="18" charset="0"/>
-                                  <a:cs typeface="Times New Roman" panose="02020603050405020304" pitchFamily="18" charset="0"/>
-                                </a:rPr>
-                                <m:t>0</m:t>
-                              </m:r>
-                            </m:e>
-                            <m:e>
-                              <m:r>
-                                <a:rPr kumimoji="1" lang="en-US" altLang="zh-CN" sz="1800" b="0" i="1" smtClean="0">
-                                  <a:latin typeface="Cambria Math" panose="02040503050406030204" pitchFamily="18" charset="0"/>
-                                  <a:cs typeface="Times New Roman" panose="02020603050405020304" pitchFamily="18" charset="0"/>
-                                </a:rPr>
-                                <m:t>0</m:t>
-                              </m:r>
-                            </m:e>
-                            <m:e>
-                              <m:r>
-                                <a:rPr kumimoji="1" lang="en-US" altLang="zh-CN" sz="1800" b="0" i="1" smtClean="0">
-                                  <a:latin typeface="Cambria Math" panose="02040503050406030204" pitchFamily="18" charset="0"/>
-                                  <a:cs typeface="Times New Roman" panose="02020603050405020304" pitchFamily="18" charset="0"/>
-                                </a:rPr>
-                                <m:t>0</m:t>
-                              </m:r>
-                            </m:e>
-                            <m:e>
-                              <m:r>
-                                <a:rPr kumimoji="1" lang="en-US" altLang="zh-CN" sz="1800" b="0" i="1" smtClean="0">
-                                  <a:latin typeface="Cambria Math" panose="02040503050406030204" pitchFamily="18" charset="0"/>
-                                  <a:cs typeface="Times New Roman" panose="02020603050405020304" pitchFamily="18" charset="0"/>
-                                </a:rPr>
-                                <m:t>0</m:t>
-                              </m:r>
-                            </m:e>
-                            <m:e>
-                              <m:r>
-                                <a:rPr kumimoji="1" lang="en-US" altLang="zh-CN" sz="1800" b="0" i="1" smtClean="0">
-                                  <a:latin typeface="Cambria Math" panose="02040503050406030204" pitchFamily="18" charset="0"/>
-                                  <a:cs typeface="Times New Roman" panose="02020603050405020304" pitchFamily="18" charset="0"/>
-                                </a:rPr>
-                                <m:t>0</m:t>
-                              </m:r>
-                            </m:e>
-                            <m:e>
-                              <m:r>
-                                <a:rPr kumimoji="1" lang="en-US" altLang="zh-CN" sz="1800" b="0" i="1" smtClean="0">
-                                  <a:latin typeface="Cambria Math" panose="02040503050406030204" pitchFamily="18" charset="0"/>
-                                  <a:cs typeface="Times New Roman" panose="02020603050405020304" pitchFamily="18" charset="0"/>
-                                </a:rPr>
-                                <m:t>1</m:t>
-                              </m:r>
-                            </m:e>
-                          </m:mr>
-                          <m:mr>
-                            <m:e>
-                              <m:r>
-                                <a:rPr kumimoji="1" lang="en-US" altLang="zh-CN" sz="1800" b="0" i="1" smtClean="0">
-                                  <a:latin typeface="Cambria Math" panose="02040503050406030204" pitchFamily="18" charset="0"/>
-                                  <a:cs typeface="Times New Roman" panose="02020603050405020304" pitchFamily="18" charset="0"/>
-                                </a:rPr>
-                                <m:t>0</m:t>
-                              </m:r>
-                            </m:e>
-                            <m:e>
-                              <m:r>
-                                <a:rPr kumimoji="1" lang="en-US" altLang="zh-CN" sz="1800" b="0" i="1" smtClean="0">
-                                  <a:latin typeface="Cambria Math" panose="02040503050406030204" pitchFamily="18" charset="0"/>
-                                  <a:cs typeface="Times New Roman" panose="02020603050405020304" pitchFamily="18" charset="0"/>
-                                </a:rPr>
-                                <m:t>0</m:t>
-                              </m:r>
-                            </m:e>
-                            <m:e>
-                              <m:r>
-                                <a:rPr kumimoji="1" lang="en-US" altLang="zh-CN" sz="1800" b="0" i="1" smtClean="0">
-                                  <a:latin typeface="Cambria Math" panose="02040503050406030204" pitchFamily="18" charset="0"/>
-                                  <a:cs typeface="Times New Roman" panose="02020603050405020304" pitchFamily="18" charset="0"/>
-                                </a:rPr>
-                                <m:t>1</m:t>
-                              </m:r>
-                            </m:e>
-                            <m:e>
-                              <m:r>
-                                <a:rPr kumimoji="1" lang="en-US" altLang="zh-CN" sz="1800" b="0" i="1" smtClean="0">
-                                  <a:latin typeface="Cambria Math" panose="02040503050406030204" pitchFamily="18" charset="0"/>
-                                  <a:cs typeface="Times New Roman" panose="02020603050405020304" pitchFamily="18" charset="0"/>
-                                </a:rPr>
-                                <m:t>0</m:t>
-                              </m:r>
-                            </m:e>
-                            <m:e>
-                              <m:r>
-                                <a:rPr kumimoji="1" lang="en-US" altLang="zh-CN" sz="1800" b="0" i="1" smtClean="0">
-                                  <a:latin typeface="Cambria Math" panose="02040503050406030204" pitchFamily="18" charset="0"/>
-                                  <a:cs typeface="Times New Roman" panose="02020603050405020304" pitchFamily="18" charset="0"/>
-                                </a:rPr>
-                                <m:t>0</m:t>
-                              </m:r>
-                            </m:e>
-                            <m:e>
-                              <m:r>
-                                <a:rPr kumimoji="1" lang="en-US" altLang="zh-CN" sz="1800" b="0" i="1" smtClean="0">
-                                  <a:latin typeface="Cambria Math" panose="02040503050406030204" pitchFamily="18" charset="0"/>
-                                  <a:cs typeface="Times New Roman" panose="02020603050405020304" pitchFamily="18" charset="0"/>
-                                </a:rPr>
-                                <m:t>0</m:t>
-                              </m:r>
-                            </m:e>
-                          </m:mr>
-                        </m:m>
-                      </m:e>
-                    </m:d>
-                  </m:oMath>
-                </a14:m>
-                <a:endParaRPr kumimoji="1" lang="en-US" altLang="zh-CN" sz="1800" dirty="0">
-                  <a:latin typeface="Times New Roman" panose="02020603050405020304" pitchFamily="18" charset="0"/>
-                  <a:cs typeface="Times New Roman" panose="02020603050405020304" pitchFamily="18" charset="0"/>
-                </a:endParaRPr>
-              </a:p>
-              <a:p>
-                <a:pPr marL="548640" lvl="1" indent="0" algn="ctr">
-                  <a:buNone/>
-                </a:pPr>
-                <a:r>
-                  <a:rPr kumimoji="1" lang="en-US" altLang="zh-CN" sz="1800" dirty="0">
-                    <a:latin typeface="Times New Roman" panose="02020603050405020304" pitchFamily="18" charset="0"/>
-                    <a:cs typeface="Times New Roman" panose="02020603050405020304" pitchFamily="18" charset="0"/>
-                  </a:rPr>
-                  <a:t>	</a:t>
-                </a:r>
-                <a:endParaRPr lang="en-US" altLang="zh-CN" sz="1800" i="1" dirty="0">
-                  <a:latin typeface="Cambria Math" panose="02040503050406030204" pitchFamily="18" charset="0"/>
-                </a:endParaRPr>
-              </a:p>
-              <a:p>
-                <a:pPr marL="548640" lvl="1" indent="0" algn="ctr">
-                  <a:buNone/>
-                </a:pPr>
-                <a14:m>
-                  <m:oMathPara xmlns:m="http://schemas.openxmlformats.org/officeDocument/2006/math">
-                    <m:oMathParaPr>
-                      <m:jc m:val="centerGroup"/>
-                    </m:oMathParaPr>
-                    <m:oMath xmlns:m="http://schemas.openxmlformats.org/officeDocument/2006/math">
-                      <m:r>
-                        <m:rPr>
-                          <m:sty m:val="p"/>
-                        </m:rPr>
-                        <a:rPr lang="en-US" altLang="zh-CN" sz="1800" b="0" i="0" dirty="0">
-                          <a:latin typeface="Cambria Math" panose="02040503050406030204" pitchFamily="18" charset="0"/>
-                        </a:rPr>
-                        <m:t>Variable</m:t>
-                      </m:r>
-                      <m:r>
-                        <a:rPr lang="en-US" altLang="zh-CN" sz="1800" b="0" i="0" dirty="0">
-                          <a:latin typeface="Cambria Math" panose="02040503050406030204" pitchFamily="18" charset="0"/>
-                        </a:rPr>
-                        <m:t> </m:t>
-                      </m:r>
-                      <m:r>
-                        <m:rPr>
-                          <m:sty m:val="p"/>
-                        </m:rPr>
-                        <a:rPr lang="en-US" altLang="zh-CN" sz="1800" b="0" i="0" dirty="0">
-                          <a:latin typeface="Cambria Math" panose="02040503050406030204" pitchFamily="18" charset="0"/>
-                        </a:rPr>
-                        <m:t>mapping</m:t>
-                      </m:r>
-                      <m:r>
-                        <a:rPr lang="en-US" altLang="zh-CN" sz="1800" b="0" i="0" dirty="0">
-                          <a:latin typeface="Cambria Math" panose="02040503050406030204" pitchFamily="18" charset="0"/>
-                        </a:rPr>
-                        <m:t>=</m:t>
-                      </m:r>
-                      <m:d>
-                        <m:dPr>
-                          <m:ctrlPr>
-                            <a:rPr lang="en-US" altLang="zh-CN" sz="1800" dirty="0">
-                              <a:latin typeface="Cambria Math" panose="02040503050406030204" pitchFamily="18" charset="0"/>
-                            </a:rPr>
-                          </m:ctrlPr>
-                        </m:dPr>
-                        <m:e>
-                          <m:r>
-                            <a:rPr lang="en-US" altLang="zh-CN" sz="1800" b="0" i="0" dirty="0">
-                              <a:latin typeface="Cambria Math" panose="02040503050406030204" pitchFamily="18" charset="0"/>
-                            </a:rPr>
-                            <m:t>~</m:t>
-                          </m:r>
-                          <m:r>
-                            <m:rPr>
-                              <m:sty m:val="p"/>
-                            </m:rPr>
-                            <a:rPr lang="en-US" altLang="zh-CN" sz="1800" b="0" i="0" dirty="0">
-                              <a:latin typeface="Cambria Math" panose="02040503050406030204" pitchFamily="18" charset="0"/>
-                            </a:rPr>
-                            <m:t>one</m:t>
-                          </m:r>
-                          <m:r>
-                            <a:rPr lang="en-US" altLang="zh-CN" sz="1800" b="0" i="0" dirty="0">
-                              <a:latin typeface="Cambria Math" panose="02040503050406030204" pitchFamily="18" charset="0"/>
-                            </a:rPr>
-                            <m:t>, </m:t>
-                          </m:r>
-                          <m:r>
-                            <m:rPr>
-                              <m:sty m:val="p"/>
-                            </m:rPr>
-                            <a:rPr lang="en-US" altLang="zh-CN" sz="1800" b="0" i="0" dirty="0">
-                              <a:latin typeface="Cambria Math" panose="02040503050406030204" pitchFamily="18" charset="0"/>
-                            </a:rPr>
-                            <m:t>x</m:t>
-                          </m:r>
-                          <m:r>
-                            <a:rPr lang="en-US" altLang="zh-CN" sz="1800" b="0" i="0" dirty="0">
-                              <a:latin typeface="Cambria Math" panose="02040503050406030204" pitchFamily="18" charset="0"/>
-                            </a:rPr>
-                            <m:t>,,~</m:t>
-                          </m:r>
-                          <m:r>
-                            <m:rPr>
-                              <m:sty m:val="p"/>
-                            </m:rPr>
-                            <a:rPr lang="en-US" altLang="zh-CN" sz="1800" b="0" i="0" dirty="0">
-                              <a:latin typeface="Cambria Math" panose="02040503050406030204" pitchFamily="18" charset="0"/>
-                            </a:rPr>
-                            <m:t>out</m:t>
-                          </m:r>
-                          <m:r>
-                            <a:rPr lang="en-US" altLang="zh-CN" sz="1800" b="0" i="0" dirty="0">
-                              <a:latin typeface="Cambria Math" panose="02040503050406030204" pitchFamily="18" charset="0"/>
-                            </a:rPr>
-                            <m:t>,</m:t>
-                          </m:r>
-                          <m:r>
-                            <m:rPr>
-                              <m:sty m:val="p"/>
-                            </m:rPr>
-                            <a:rPr lang="en-US" altLang="zh-CN" sz="1800" b="0" i="0" dirty="0">
-                              <a:latin typeface="Cambria Math" panose="02040503050406030204" pitchFamily="18" charset="0"/>
-                            </a:rPr>
-                            <m:t>x</m:t>
-                          </m:r>
-                          <m:r>
-                            <a:rPr lang="en-US" altLang="zh-CN" sz="1800" b="0" i="0" baseline="30000" dirty="0">
-                              <a:latin typeface="Cambria Math" panose="02040503050406030204" pitchFamily="18" charset="0"/>
-                            </a:rPr>
-                            <m:t>2</m:t>
-                          </m:r>
-                          <m:r>
-                            <a:rPr lang="en-US" altLang="zh-CN" sz="1800" b="0" i="0" dirty="0">
-                              <a:latin typeface="Cambria Math" panose="02040503050406030204" pitchFamily="18" charset="0"/>
-                            </a:rPr>
-                            <m:t>,</m:t>
-                          </m:r>
-                          <m:r>
-                            <m:rPr>
-                              <m:sty m:val="p"/>
-                            </m:rPr>
-                            <a:rPr lang="en-US" altLang="zh-CN" sz="1800" b="0" i="0" dirty="0">
-                              <a:latin typeface="Cambria Math" panose="02040503050406030204" pitchFamily="18" charset="0"/>
-                            </a:rPr>
-                            <m:t>x</m:t>
-                          </m:r>
-                          <m:r>
-                            <a:rPr lang="en-US" altLang="zh-CN" sz="1800" b="0" i="0" baseline="30000" dirty="0">
-                              <a:latin typeface="Cambria Math" panose="02040503050406030204" pitchFamily="18" charset="0"/>
-                            </a:rPr>
-                            <m:t>3</m:t>
-                          </m:r>
-                          <m:r>
-                            <a:rPr lang="en-US" altLang="zh-CN" sz="1800" b="0" i="0" dirty="0">
-                              <a:latin typeface="Cambria Math" panose="02040503050406030204" pitchFamily="18" charset="0"/>
-                            </a:rPr>
-                            <m:t>,</m:t>
-                          </m:r>
-                          <m:r>
-                            <m:rPr>
-                              <m:sty m:val="p"/>
-                            </m:rPr>
-                            <a:rPr lang="en-US" altLang="zh-CN" sz="1800" b="0" i="0" dirty="0">
-                              <a:latin typeface="Cambria Math" panose="02040503050406030204" pitchFamily="18" charset="0"/>
-                            </a:rPr>
-                            <m:t>sym</m:t>
-                          </m:r>
-                          <m:r>
-                            <a:rPr lang="en-US" altLang="zh-CN" sz="1800" b="0" i="0" baseline="-25000" dirty="0">
-                              <a:latin typeface="Cambria Math" panose="02040503050406030204" pitchFamily="18" charset="0"/>
-                            </a:rPr>
-                            <m:t>1</m:t>
-                          </m:r>
-                        </m:e>
-                      </m:d>
-                    </m:oMath>
-                  </m:oMathPara>
-                </a14:m>
-                <a:endParaRPr kumimoji="1" lang="en-US" altLang="zh-CN" sz="1800" dirty="0">
-                  <a:latin typeface="Times New Roman" panose="02020603050405020304" pitchFamily="18" charset="0"/>
-                  <a:cs typeface="Times New Roman" panose="02020603050405020304" pitchFamily="18" charset="0"/>
-                </a:endParaRPr>
-              </a:p>
-              <a:p>
-                <a:pPr marL="0" indent="0">
-                  <a:buNone/>
-                </a:pPr>
-                <a:endParaRPr kumimoji="1" lang="en-US" altLang="zh-CN" sz="2640" dirty="0">
-                  <a:solidFill>
-                    <a:srgbClr val="000000">
-                      <a:lumMod val="75000"/>
-                      <a:lumOff val="25000"/>
-                    </a:srgbClr>
-                  </a:solidFill>
-                  <a:latin typeface="Times New Roman" panose="02020603050405020304" pitchFamily="18" charset="0"/>
-                  <a:cs typeface="Times New Roman" panose="02020603050405020304" pitchFamily="18" charset="0"/>
-                </a:endParaRPr>
-              </a:p>
-            </p:txBody>
-          </p:sp>
-        </mc:Choice>
-        <mc:Fallback>
-          <p:sp>
-            <p:nvSpPr>
-              <p:cNvPr id="3" name="内容占位符 2">
-                <a:extLst>
-                  <a:ext uri="{FF2B5EF4-FFF2-40B4-BE49-F238E27FC236}">
-                    <a16:creationId xmlns:a16="http://schemas.microsoft.com/office/drawing/2014/main" id="{F70074B0-7D54-CB43-A2C4-E8723E631238}"/>
-                  </a:ext>
-                </a:extLst>
-              </p:cNvPr>
-              <p:cNvSpPr>
-                <a:spLocks noGrp="1" noRot="1" noChangeAspect="1" noMove="1" noResize="1" noEditPoints="1" noAdjustHandles="1" noChangeArrowheads="1" noChangeShapeType="1" noTextEdit="1"/>
-              </p:cNvSpPr>
-              <p:nvPr>
-                <p:ph idx="1"/>
-              </p:nvPr>
-            </p:nvSpPr>
-            <p:spPr>
-              <a:xfrm>
-                <a:off x="639156" y="1635624"/>
-                <a:ext cx="10913687" cy="4756153"/>
-              </a:xfrm>
-              <a:blipFill>
-                <a:blip r:embed="rId3"/>
-                <a:stretch>
-                  <a:fillRect l="-1061" t="-512"/>
-                </a:stretch>
-              </a:blipFill>
-            </p:spPr>
-            <p:txBody>
-              <a:bodyPr/>
-              <a:lstStyle/>
-              <a:p>
-                <a:r>
-                  <a:rPr lang="zh-CN" altLang="en-US">
-                    <a:noFill/>
-                  </a:rPr>
-                  <a:t> </a:t>
-                </a:r>
-              </a:p>
-            </p:txBody>
-          </p:sp>
-        </mc:Fallback>
-      </mc:AlternateContent>
-      <p:sp>
-        <p:nvSpPr>
-          <p:cNvPr id="4" name="灯片编号占位符 3">
-            <a:extLst>
-              <a:ext uri="{FF2B5EF4-FFF2-40B4-BE49-F238E27FC236}">
-                <a16:creationId xmlns:a16="http://schemas.microsoft.com/office/drawing/2014/main" id="{B268D50E-8107-3C4D-94F0-BEB8FEB2CD0A}"/>
-              </a:ext>
-            </a:extLst>
-          </p:cNvPr>
-          <p:cNvSpPr>
-            <a:spLocks noGrp="1"/>
-          </p:cNvSpPr>
-          <p:nvPr>
-            <p:ph type="sldNum" sz="quarter" idx="12"/>
-          </p:nvPr>
-        </p:nvSpPr>
-        <p:spPr/>
-        <p:txBody>
-          <a:bodyPr/>
-          <a:lstStyle/>
-          <a:p>
-            <a:fld id="{ADE361C3-C043-4A6E-BDCE-8DA1E7D90A3B}" type="slidenum">
-              <a:rPr lang="zh-CN" altLang="en-US" smtClean="0"/>
-              <a:t>12</a:t>
-            </a:fld>
-            <a:endParaRPr lang="zh-CN" altLang="en-US"/>
-          </a:p>
-        </p:txBody>
-      </p:sp>
-    </p:spTree>
-    <p:extLst>
-      <p:ext uri="{BB962C8B-B14F-4D97-AF65-F5344CB8AC3E}">
-        <p14:creationId xmlns:p14="http://schemas.microsoft.com/office/powerpoint/2010/main" val="12706756"/>
-      </p:ext>
-    </p:extLst>
-  </p:cSld>
-  <p:clrMapOvr>
-    <a:masterClrMapping/>
-  </p:clrMapOvr>
-</p:sld>
-</file>
-
-<file path=ppt/slides/slide13.xml><?xml version="1.0" encoding="utf-8"?>
-<p:sld xmlns:a="http://schemas.openxmlformats.org/drawingml/2006/main" xmlns:r="http://schemas.openxmlformats.org/officeDocument/2006/relationships" xmlns:p="http://schemas.openxmlformats.org/presentationml/2006/main">
-  <p:cSld>
-    <p:spTree>
-      <p:nvGrpSpPr>
-        <p:cNvPr id="1" name=""/>
-        <p:cNvGrpSpPr/>
-        <p:nvPr/>
-      </p:nvGrpSpPr>
-      <p:grpSpPr>
-        <a:xfrm>
-          <a:off x="0" y="0"/>
-          <a:ext cx="0" cy="0"/>
-          <a:chOff x="0" y="0"/>
-          <a:chExt cx="0" cy="0"/>
-        </a:xfrm>
-      </p:grpSpPr>
-      <p:sp>
-        <p:nvSpPr>
-          <p:cNvPr id="2" name="标题 1">
-            <a:extLst>
-              <a:ext uri="{FF2B5EF4-FFF2-40B4-BE49-F238E27FC236}">
-                <a16:creationId xmlns:a16="http://schemas.microsoft.com/office/drawing/2014/main" id="{8A4E491A-F27D-6643-80E0-06F48660FA21}"/>
-              </a:ext>
-            </a:extLst>
-          </p:cNvPr>
-          <p:cNvSpPr>
-            <a:spLocks noGrp="1"/>
-          </p:cNvSpPr>
-          <p:nvPr>
-            <p:ph type="title"/>
-          </p:nvPr>
-        </p:nvSpPr>
-        <p:spPr>
-          <a:xfrm>
-            <a:off x="730800" y="274639"/>
-            <a:ext cx="10122336" cy="1080530"/>
-          </a:xfrm>
-        </p:spPr>
-        <p:txBody>
-          <a:bodyPr>
-            <a:normAutofit/>
-          </a:bodyPr>
-          <a:lstStyle/>
-          <a:p>
-            <a:r>
-              <a:rPr kumimoji="1" lang="en-US" altLang="zh-CN" sz="3600" dirty="0">
-                <a:latin typeface="Times New Roman" panose="02020603050405020304" pitchFamily="18" charset="0"/>
-                <a:cs typeface="Times New Roman" panose="02020603050405020304" pitchFamily="18" charset="0"/>
-              </a:rPr>
-              <a:t>Algorithm Design: Linear Constraint Adjustment</a:t>
-            </a:r>
-            <a:endParaRPr kumimoji="1" lang="zh-CN" altLang="en-US" sz="3600" dirty="0">
-              <a:latin typeface="Times New Roman" panose="02020603050405020304" pitchFamily="18" charset="0"/>
-              <a:cs typeface="Times New Roman" panose="02020603050405020304" pitchFamily="18" charset="0"/>
-            </a:endParaRPr>
-          </a:p>
-        </p:txBody>
-      </p:sp>
-      <mc:AlternateContent xmlns:mc="http://schemas.openxmlformats.org/markup-compatibility/2006">
-        <mc:Choice xmlns:a14="http://schemas.microsoft.com/office/drawing/2010/main" Requires="a14">
-          <p:sp>
-            <p:nvSpPr>
-              <p:cNvPr id="3" name="内容占位符 2">
-                <a:extLst>
-                  <a:ext uri="{FF2B5EF4-FFF2-40B4-BE49-F238E27FC236}">
-                    <a16:creationId xmlns:a16="http://schemas.microsoft.com/office/drawing/2014/main" id="{F70074B0-7D54-CB43-A2C4-E8723E631238}"/>
-                  </a:ext>
-                </a:extLst>
-              </p:cNvPr>
-              <p:cNvSpPr>
-                <a:spLocks noGrp="1"/>
-              </p:cNvSpPr>
-              <p:nvPr>
-                <p:ph idx="1"/>
-              </p:nvPr>
-            </p:nvSpPr>
-            <p:spPr>
-              <a:xfrm>
-                <a:off x="639156" y="1635624"/>
-                <a:ext cx="10913687" cy="4756153"/>
-              </a:xfrm>
-            </p:spPr>
-            <p:txBody>
-              <a:bodyPr>
-                <a:normAutofit/>
-              </a:bodyPr>
-              <a:lstStyle/>
-              <a:p>
-                <a:r>
-                  <a:rPr kumimoji="1" lang="en-US" altLang="zh-CN" sz="2880" dirty="0">
-                    <a:latin typeface="Times New Roman" panose="02020603050405020304" pitchFamily="18" charset="0"/>
-                    <a:cs typeface="Times New Roman" panose="02020603050405020304" pitchFamily="18" charset="0"/>
-                  </a:rPr>
-                  <a:t>Example R1CS</a:t>
-                </a:r>
-              </a:p>
-              <a:p>
-                <a:pPr lvl="1"/>
-                <a14:m>
-                  <m:oMath xmlns:m="http://schemas.openxmlformats.org/officeDocument/2006/math">
-                    <m:r>
-                      <a:rPr kumimoji="1" lang="en-US" altLang="zh-CN" sz="1800" i="1" smtClean="0">
-                        <a:latin typeface="Cambria Math" panose="02040503050406030204" pitchFamily="18" charset="0"/>
-                        <a:cs typeface="Times New Roman" panose="02020603050405020304" pitchFamily="18" charset="0"/>
-                      </a:rPr>
-                      <m:t>𝐴</m:t>
-                    </m:r>
-                    <m:r>
-                      <a:rPr kumimoji="1" lang="en-US" altLang="zh-CN" sz="1800" i="1" smtClean="0">
-                        <a:latin typeface="Cambria Math" panose="02040503050406030204" pitchFamily="18" charset="0"/>
-                        <a:cs typeface="Times New Roman" panose="02020603050405020304" pitchFamily="18" charset="0"/>
-                      </a:rPr>
-                      <m:t>=</m:t>
-                    </m:r>
-                    <m:d>
-                      <m:dPr>
-                        <m:ctrlPr>
-                          <a:rPr kumimoji="1" lang="en-US" altLang="zh-CN" sz="1800" i="1" smtClean="0">
-                            <a:latin typeface="Cambria Math" panose="02040503050406030204" pitchFamily="18" charset="0"/>
-                            <a:cs typeface="Times New Roman" panose="02020603050405020304" pitchFamily="18" charset="0"/>
-                          </a:rPr>
-                        </m:ctrlPr>
-                      </m:dPr>
-                      <m:e>
-                        <m:m>
-                          <m:mPr>
-                            <m:mcs>
-                              <m:mc>
-                                <m:mcPr>
-                                  <m:count m:val="6"/>
-                                  <m:mcJc m:val="center"/>
-                                </m:mcPr>
-                              </m:mc>
-                            </m:mcs>
-                            <m:ctrlPr>
-                              <a:rPr kumimoji="1" lang="en-US" altLang="zh-CN" sz="1800" i="1" smtClean="0">
-                                <a:latin typeface="Cambria Math" panose="02040503050406030204" pitchFamily="18" charset="0"/>
-                                <a:cs typeface="Times New Roman" panose="02020603050405020304" pitchFamily="18" charset="0"/>
-                              </a:rPr>
-                            </m:ctrlPr>
-                          </m:mPr>
-                          <m:mr>
-                            <m:e>
-                              <m:r>
-                                <m:rPr>
-                                  <m:brk m:alnAt="7"/>
-                                </m:rPr>
-                                <a:rPr kumimoji="1" lang="en-US" altLang="zh-CN" sz="1800" b="0" i="1" smtClean="0">
-                                  <a:latin typeface="Cambria Math" panose="02040503050406030204" pitchFamily="18" charset="0"/>
-                                  <a:cs typeface="Times New Roman" panose="02020603050405020304" pitchFamily="18" charset="0"/>
-                                </a:rPr>
-                                <m:t>0</m:t>
-                              </m:r>
-                            </m:e>
-                            <m:e>
-                              <m:r>
-                                <a:rPr kumimoji="1" lang="en-US" altLang="zh-CN" sz="1800" b="0" i="1" smtClean="0">
-                                  <a:latin typeface="Cambria Math" panose="02040503050406030204" pitchFamily="18" charset="0"/>
-                                  <a:cs typeface="Times New Roman" panose="02020603050405020304" pitchFamily="18" charset="0"/>
-                                </a:rPr>
-                                <m:t>1</m:t>
-                              </m:r>
-                            </m:e>
-                            <m:e>
-                              <m:r>
-                                <a:rPr kumimoji="1" lang="en-US" altLang="zh-CN" sz="1800" b="0" i="1" smtClean="0">
-                                  <a:latin typeface="Cambria Math" panose="02040503050406030204" pitchFamily="18" charset="0"/>
-                                  <a:cs typeface="Times New Roman" panose="02020603050405020304" pitchFamily="18" charset="0"/>
-                                </a:rPr>
-                                <m:t>0</m:t>
-                              </m:r>
-                            </m:e>
-                            <m:e>
-                              <m:r>
-                                <a:rPr kumimoji="1" lang="en-US" altLang="zh-CN" sz="1800" b="0" i="1" smtClean="0">
-                                  <a:latin typeface="Cambria Math" panose="02040503050406030204" pitchFamily="18" charset="0"/>
-                                  <a:cs typeface="Times New Roman" panose="02020603050405020304" pitchFamily="18" charset="0"/>
-                                </a:rPr>
-                                <m:t>0</m:t>
-                              </m:r>
-                            </m:e>
-                            <m:e>
-                              <m:r>
-                                <a:rPr kumimoji="1" lang="en-US" altLang="zh-CN" sz="1800" b="0" i="1" smtClean="0">
-                                  <a:latin typeface="Cambria Math" panose="02040503050406030204" pitchFamily="18" charset="0"/>
-                                  <a:cs typeface="Times New Roman" panose="02020603050405020304" pitchFamily="18" charset="0"/>
-                                </a:rPr>
-                                <m:t>0</m:t>
-                              </m:r>
-                            </m:e>
-                            <m:e>
-                              <m:r>
-                                <a:rPr kumimoji="1" lang="en-US" altLang="zh-CN" sz="1800" b="0" i="1" smtClean="0">
-                                  <a:latin typeface="Cambria Math" panose="02040503050406030204" pitchFamily="18" charset="0"/>
-                                  <a:cs typeface="Times New Roman" panose="02020603050405020304" pitchFamily="18" charset="0"/>
-                                </a:rPr>
-                                <m:t>0</m:t>
-                              </m:r>
-                            </m:e>
-                          </m:mr>
-                          <m:mr>
-                            <m:e>
-                              <m:r>
-                                <a:rPr kumimoji="1" lang="en-US" altLang="zh-CN" sz="1800" b="0" i="1" smtClean="0">
-                                  <a:latin typeface="Cambria Math" panose="02040503050406030204" pitchFamily="18" charset="0"/>
-                                  <a:cs typeface="Times New Roman" panose="02020603050405020304" pitchFamily="18" charset="0"/>
-                                </a:rPr>
-                                <m:t>0</m:t>
-                              </m:r>
-                            </m:e>
-                            <m:e>
-                              <m:r>
-                                <a:rPr kumimoji="1" lang="en-US" altLang="zh-CN" sz="1800" b="0" i="1" smtClean="0">
-                                  <a:latin typeface="Cambria Math" panose="02040503050406030204" pitchFamily="18" charset="0"/>
-                                  <a:cs typeface="Times New Roman" panose="02020603050405020304" pitchFamily="18" charset="0"/>
-                                </a:rPr>
-                                <m:t>0</m:t>
-                              </m:r>
-                            </m:e>
-                            <m:e>
-                              <m:r>
-                                <a:rPr kumimoji="1" lang="en-US" altLang="zh-CN" sz="1800" b="0" i="1" smtClean="0">
-                                  <a:latin typeface="Cambria Math" panose="02040503050406030204" pitchFamily="18" charset="0"/>
-                                  <a:cs typeface="Times New Roman" panose="02020603050405020304" pitchFamily="18" charset="0"/>
-                                </a:rPr>
-                                <m:t>0</m:t>
-                              </m:r>
-                            </m:e>
-                            <m:e>
-                              <m:r>
-                                <a:rPr kumimoji="1" lang="en-US" altLang="zh-CN" sz="1800" b="0" i="1" smtClean="0">
-                                  <a:latin typeface="Cambria Math" panose="02040503050406030204" pitchFamily="18" charset="0"/>
-                                  <a:cs typeface="Times New Roman" panose="02020603050405020304" pitchFamily="18" charset="0"/>
-                                </a:rPr>
-                                <m:t>1</m:t>
-                              </m:r>
-                            </m:e>
-                            <m:e>
-                              <m:r>
-                                <a:rPr kumimoji="1" lang="en-US" altLang="zh-CN" sz="1800" b="0" i="1" smtClean="0">
-                                  <a:latin typeface="Cambria Math" panose="02040503050406030204" pitchFamily="18" charset="0"/>
-                                  <a:cs typeface="Times New Roman" panose="02020603050405020304" pitchFamily="18" charset="0"/>
-                                </a:rPr>
-                                <m:t>0</m:t>
-                              </m:r>
-                            </m:e>
-                            <m:e>
-                              <m:r>
-                                <a:rPr kumimoji="1" lang="en-US" altLang="zh-CN" sz="1800" b="0" i="1" smtClean="0">
-                                  <a:latin typeface="Cambria Math" panose="02040503050406030204" pitchFamily="18" charset="0"/>
-                                  <a:cs typeface="Times New Roman" panose="02020603050405020304" pitchFamily="18" charset="0"/>
-                                </a:rPr>
-                                <m:t>0</m:t>
-                              </m:r>
-                            </m:e>
-                          </m:mr>
-                          <m:mr>
-                            <m:e>
-                              <m:r>
-                                <a:rPr kumimoji="1" lang="en-US" altLang="zh-CN" sz="1800" b="0" i="1" smtClean="0">
-                                  <a:latin typeface="Cambria Math" panose="02040503050406030204" pitchFamily="18" charset="0"/>
-                                  <a:cs typeface="Times New Roman" panose="02020603050405020304" pitchFamily="18" charset="0"/>
-                                </a:rPr>
-                                <m:t>0</m:t>
-                              </m:r>
-                            </m:e>
-                            <m:e>
-                              <m:r>
-                                <a:rPr kumimoji="1" lang="en-US" altLang="zh-CN" sz="1800" b="0" i="1" smtClean="0">
-                                  <a:latin typeface="Cambria Math" panose="02040503050406030204" pitchFamily="18" charset="0"/>
-                                  <a:cs typeface="Times New Roman" panose="02020603050405020304" pitchFamily="18" charset="0"/>
-                                </a:rPr>
-                                <m:t>1</m:t>
-                              </m:r>
-                            </m:e>
-                            <m:e>
-                              <m:r>
-                                <a:rPr kumimoji="1" lang="en-US" altLang="zh-CN" sz="1800" b="0" i="1" smtClean="0">
-                                  <a:latin typeface="Cambria Math" panose="02040503050406030204" pitchFamily="18" charset="0"/>
-                                  <a:cs typeface="Times New Roman" panose="02020603050405020304" pitchFamily="18" charset="0"/>
-                                </a:rPr>
-                                <m:t>0</m:t>
-                              </m:r>
-                            </m:e>
-                            <m:e>
-                              <m:r>
-                                <a:rPr kumimoji="1" lang="en-US" altLang="zh-CN" sz="1800" b="0" i="1" smtClean="0">
-                                  <a:latin typeface="Cambria Math" panose="02040503050406030204" pitchFamily="18" charset="0"/>
-                                  <a:cs typeface="Times New Roman" panose="02020603050405020304" pitchFamily="18" charset="0"/>
-                                </a:rPr>
-                                <m:t>0</m:t>
-                              </m:r>
-                            </m:e>
-                            <m:e>
-                              <m:r>
-                                <a:rPr kumimoji="1" lang="en-US" altLang="zh-CN" sz="1800" b="0" i="1" smtClean="0">
-                                  <a:latin typeface="Cambria Math" panose="02040503050406030204" pitchFamily="18" charset="0"/>
-                                  <a:cs typeface="Times New Roman" panose="02020603050405020304" pitchFamily="18" charset="0"/>
-                                </a:rPr>
-                                <m:t>1</m:t>
-                              </m:r>
-                            </m:e>
-                            <m:e>
-                              <m:r>
-                                <a:rPr kumimoji="1" lang="en-US" altLang="zh-CN" sz="1800" b="0" i="1" smtClean="0">
-                                  <a:latin typeface="Cambria Math" panose="02040503050406030204" pitchFamily="18" charset="0"/>
-                                  <a:cs typeface="Times New Roman" panose="02020603050405020304" pitchFamily="18" charset="0"/>
-                                </a:rPr>
-                                <m:t>0</m:t>
-                              </m:r>
-                            </m:e>
-                          </m:mr>
-                          <m:mr>
-                            <m:e>
-                              <m:r>
-                                <a:rPr kumimoji="1" lang="en-US" altLang="zh-CN" sz="1800" b="0" i="1" smtClean="0">
-                                  <a:latin typeface="Cambria Math" panose="02040503050406030204" pitchFamily="18" charset="0"/>
-                                  <a:cs typeface="Times New Roman" panose="02020603050405020304" pitchFamily="18" charset="0"/>
-                                </a:rPr>
-                                <m:t>5</m:t>
-                              </m:r>
-                            </m:e>
-                            <m:e>
-                              <m:r>
-                                <a:rPr kumimoji="1" lang="en-US" altLang="zh-CN" sz="1800" b="0" i="1" smtClean="0">
-                                  <a:latin typeface="Cambria Math" panose="02040503050406030204" pitchFamily="18" charset="0"/>
-                                  <a:cs typeface="Times New Roman" panose="02020603050405020304" pitchFamily="18" charset="0"/>
-                                </a:rPr>
-                                <m:t>0</m:t>
-                              </m:r>
-                            </m:e>
-                            <m:e>
-                              <m:r>
-                                <a:rPr kumimoji="1" lang="en-US" altLang="zh-CN" sz="1800" b="0" i="1" smtClean="0">
-                                  <a:latin typeface="Cambria Math" panose="02040503050406030204" pitchFamily="18" charset="0"/>
-                                  <a:cs typeface="Times New Roman" panose="02020603050405020304" pitchFamily="18" charset="0"/>
-                                </a:rPr>
-                                <m:t>0</m:t>
-                              </m:r>
-                            </m:e>
-                            <m:e>
-                              <m:r>
-                                <a:rPr kumimoji="1" lang="en-US" altLang="zh-CN" sz="1800" b="0" i="1" smtClean="0">
-                                  <a:latin typeface="Cambria Math" panose="02040503050406030204" pitchFamily="18" charset="0"/>
-                                  <a:cs typeface="Times New Roman" panose="02020603050405020304" pitchFamily="18" charset="0"/>
-                                </a:rPr>
-                                <m:t>0</m:t>
-                              </m:r>
-                            </m:e>
-                            <m:e>
-                              <m:r>
-                                <a:rPr kumimoji="1" lang="en-US" altLang="zh-CN" sz="1800" b="0" i="1" smtClean="0">
-                                  <a:latin typeface="Cambria Math" panose="02040503050406030204" pitchFamily="18" charset="0"/>
-                                  <a:cs typeface="Times New Roman" panose="02020603050405020304" pitchFamily="18" charset="0"/>
-                                </a:rPr>
-                                <m:t>0</m:t>
-                              </m:r>
-                            </m:e>
-                            <m:e>
-                              <m:r>
-                                <a:rPr kumimoji="1" lang="en-US" altLang="zh-CN" sz="1800" b="0" i="1" smtClean="0">
-                                  <a:latin typeface="Cambria Math" panose="02040503050406030204" pitchFamily="18" charset="0"/>
-                                  <a:cs typeface="Times New Roman" panose="02020603050405020304" pitchFamily="18" charset="0"/>
-                                </a:rPr>
-                                <m:t>1</m:t>
-                              </m:r>
-                            </m:e>
-                          </m:mr>
-                        </m:m>
-                      </m:e>
-                    </m:d>
-                  </m:oMath>
-                </a14:m>
-                <a:r>
-                  <a:rPr kumimoji="1" lang="en-US" altLang="zh-CN" sz="1800" dirty="0">
-                    <a:cs typeface="Times New Roman" panose="02020603050405020304" pitchFamily="18" charset="0"/>
-                  </a:rPr>
-                  <a:t> </a:t>
-                </a:r>
-                <a14:m>
-                  <m:oMath xmlns:m="http://schemas.openxmlformats.org/officeDocument/2006/math">
-                    <m:r>
-                      <m:rPr>
-                        <m:sty m:val="p"/>
-                      </m:rPr>
-                      <a:rPr kumimoji="1" lang="en-US" altLang="zh-CN" sz="1800" b="0" i="0" smtClean="0">
-                        <a:latin typeface="Cambria Math" panose="02040503050406030204" pitchFamily="18" charset="0"/>
-                        <a:cs typeface="Times New Roman" panose="02020603050405020304" pitchFamily="18" charset="0"/>
-                      </a:rPr>
-                      <m:t>B</m:t>
-                    </m:r>
-                    <m:r>
-                      <a:rPr kumimoji="1" lang="en-US" altLang="zh-CN" sz="1800" i="1">
-                        <a:latin typeface="Cambria Math" panose="02040503050406030204" pitchFamily="18" charset="0"/>
-                        <a:cs typeface="Times New Roman" panose="02020603050405020304" pitchFamily="18" charset="0"/>
-                      </a:rPr>
-                      <m:t>= </m:t>
-                    </m:r>
-                    <m:d>
-                      <m:dPr>
-                        <m:ctrlPr>
-                          <a:rPr kumimoji="1" lang="en-US" altLang="zh-CN" sz="1800" i="1">
-                            <a:latin typeface="Cambria Math" panose="02040503050406030204" pitchFamily="18" charset="0"/>
-                            <a:cs typeface="Times New Roman" panose="02020603050405020304" pitchFamily="18" charset="0"/>
-                          </a:rPr>
-                        </m:ctrlPr>
-                      </m:dPr>
-                      <m:e>
-                        <m:m>
-                          <m:mPr>
-                            <m:mcs>
-                              <m:mc>
-                                <m:mcPr>
-                                  <m:count m:val="6"/>
-                                  <m:mcJc m:val="center"/>
-                                </m:mcPr>
-                              </m:mc>
-                            </m:mcs>
-                            <m:ctrlPr>
-                              <a:rPr kumimoji="1" lang="en-US" altLang="zh-CN" sz="1800" i="1">
-                                <a:latin typeface="Cambria Math" panose="02040503050406030204" pitchFamily="18" charset="0"/>
-                                <a:cs typeface="Times New Roman" panose="02020603050405020304" pitchFamily="18" charset="0"/>
-                              </a:rPr>
-                            </m:ctrlPr>
-                          </m:mPr>
-                          <m:mr>
-                            <m:e>
-                              <m:r>
-                                <m:rPr>
-                                  <m:brk m:alnAt="7"/>
-                                </m:rPr>
-                                <a:rPr kumimoji="1" lang="en-US" altLang="zh-CN" sz="1800" b="0" i="1" smtClean="0">
-                                  <a:latin typeface="Cambria Math" panose="02040503050406030204" pitchFamily="18" charset="0"/>
-                                  <a:cs typeface="Times New Roman" panose="02020603050405020304" pitchFamily="18" charset="0"/>
-                                </a:rPr>
-                                <m:t>0</m:t>
-                              </m:r>
-                            </m:e>
-                            <m:e>
-                              <m:r>
-                                <a:rPr kumimoji="1" lang="en-US" altLang="zh-CN" sz="1800" b="0" i="1" smtClean="0">
-                                  <a:latin typeface="Cambria Math" panose="02040503050406030204" pitchFamily="18" charset="0"/>
-                                  <a:cs typeface="Times New Roman" panose="02020603050405020304" pitchFamily="18" charset="0"/>
-                                </a:rPr>
-                                <m:t>1</m:t>
-                              </m:r>
-                            </m:e>
-                            <m:e>
-                              <m:r>
-                                <a:rPr kumimoji="1" lang="en-US" altLang="zh-CN" sz="1800" b="0" i="1" smtClean="0">
-                                  <a:latin typeface="Cambria Math" panose="02040503050406030204" pitchFamily="18" charset="0"/>
-                                  <a:cs typeface="Times New Roman" panose="02020603050405020304" pitchFamily="18" charset="0"/>
-                                </a:rPr>
-                                <m:t>0</m:t>
-                              </m:r>
-                            </m:e>
-                            <m:e>
-                              <m:r>
-                                <a:rPr kumimoji="1" lang="en-US" altLang="zh-CN" sz="1800" b="0" i="1" smtClean="0">
-                                  <a:latin typeface="Cambria Math" panose="02040503050406030204" pitchFamily="18" charset="0"/>
-                                  <a:cs typeface="Times New Roman" panose="02020603050405020304" pitchFamily="18" charset="0"/>
-                                </a:rPr>
-                                <m:t>0</m:t>
-                              </m:r>
-                            </m:e>
-                            <m:e>
-                              <m:r>
-                                <a:rPr kumimoji="1" lang="en-US" altLang="zh-CN" sz="1800" b="0" i="1" smtClean="0">
-                                  <a:latin typeface="Cambria Math" panose="02040503050406030204" pitchFamily="18" charset="0"/>
-                                  <a:cs typeface="Times New Roman" panose="02020603050405020304" pitchFamily="18" charset="0"/>
-                                </a:rPr>
-                                <m:t>0</m:t>
-                              </m:r>
-                            </m:e>
-                            <m:e>
-                              <m:r>
-                                <a:rPr kumimoji="1" lang="en-US" altLang="zh-CN" sz="1800" b="0" i="1" smtClean="0">
-                                  <a:latin typeface="Cambria Math" panose="02040503050406030204" pitchFamily="18" charset="0"/>
-                                  <a:cs typeface="Times New Roman" panose="02020603050405020304" pitchFamily="18" charset="0"/>
-                                </a:rPr>
-                                <m:t>0</m:t>
-                              </m:r>
-                            </m:e>
-                          </m:mr>
-                          <m:mr>
-                            <m:e>
-                              <m:r>
-                                <a:rPr kumimoji="1" lang="en-US" altLang="zh-CN" sz="1800" b="0" i="1" smtClean="0">
-                                  <a:latin typeface="Cambria Math" panose="02040503050406030204" pitchFamily="18" charset="0"/>
-                                  <a:cs typeface="Times New Roman" panose="02020603050405020304" pitchFamily="18" charset="0"/>
-                                </a:rPr>
-                                <m:t>0</m:t>
-                              </m:r>
-                            </m:e>
-                            <m:e>
-                              <m:r>
-                                <a:rPr kumimoji="1" lang="en-US" altLang="zh-CN" sz="1800" b="0" i="1" smtClean="0">
-                                  <a:latin typeface="Cambria Math" panose="02040503050406030204" pitchFamily="18" charset="0"/>
-                                  <a:cs typeface="Times New Roman" panose="02020603050405020304" pitchFamily="18" charset="0"/>
-                                </a:rPr>
-                                <m:t>1</m:t>
-                              </m:r>
-                            </m:e>
-                            <m:e>
-                              <m:r>
-                                <a:rPr kumimoji="1" lang="en-US" altLang="zh-CN" sz="1800" b="0" i="1" smtClean="0">
-                                  <a:latin typeface="Cambria Math" panose="02040503050406030204" pitchFamily="18" charset="0"/>
-                                  <a:cs typeface="Times New Roman" panose="02020603050405020304" pitchFamily="18" charset="0"/>
-                                </a:rPr>
-                                <m:t>0</m:t>
-                              </m:r>
-                            </m:e>
-                            <m:e>
-                              <m:r>
-                                <a:rPr kumimoji="1" lang="en-US" altLang="zh-CN" sz="1800" b="0" i="1" smtClean="0">
-                                  <a:latin typeface="Cambria Math" panose="02040503050406030204" pitchFamily="18" charset="0"/>
-                                  <a:cs typeface="Times New Roman" panose="02020603050405020304" pitchFamily="18" charset="0"/>
-                                </a:rPr>
-                                <m:t>0</m:t>
-                              </m:r>
-                            </m:e>
-                            <m:e>
-                              <m:r>
-                                <a:rPr kumimoji="1" lang="en-US" altLang="zh-CN" sz="1800" b="0" i="1" smtClean="0">
-                                  <a:latin typeface="Cambria Math" panose="02040503050406030204" pitchFamily="18" charset="0"/>
-                                  <a:cs typeface="Times New Roman" panose="02020603050405020304" pitchFamily="18" charset="0"/>
-                                </a:rPr>
-                                <m:t>0</m:t>
-                              </m:r>
-                            </m:e>
-                            <m:e>
-                              <m:r>
-                                <a:rPr kumimoji="1" lang="en-US" altLang="zh-CN" sz="1800" b="0" i="1" smtClean="0">
-                                  <a:latin typeface="Cambria Math" panose="02040503050406030204" pitchFamily="18" charset="0"/>
-                                  <a:cs typeface="Times New Roman" panose="02020603050405020304" pitchFamily="18" charset="0"/>
-                                </a:rPr>
-                                <m:t>0</m:t>
-                              </m:r>
-                            </m:e>
-                          </m:mr>
-                          <m:mr>
-                            <m:e>
-                              <m:r>
-                                <a:rPr kumimoji="1" lang="en-US" altLang="zh-CN" sz="1800" b="0" i="1" smtClean="0">
-                                  <a:latin typeface="Cambria Math" panose="02040503050406030204" pitchFamily="18" charset="0"/>
-                                  <a:cs typeface="Times New Roman" panose="02020603050405020304" pitchFamily="18" charset="0"/>
-                                </a:rPr>
-                                <m:t>1</m:t>
-                              </m:r>
-                            </m:e>
-                            <m:e>
-                              <m:r>
-                                <a:rPr kumimoji="1" lang="en-US" altLang="zh-CN" sz="1800" b="0" i="1" smtClean="0">
-                                  <a:latin typeface="Cambria Math" panose="02040503050406030204" pitchFamily="18" charset="0"/>
-                                  <a:cs typeface="Times New Roman" panose="02020603050405020304" pitchFamily="18" charset="0"/>
-                                </a:rPr>
-                                <m:t>0</m:t>
-                              </m:r>
-                            </m:e>
-                            <m:e>
-                              <m:r>
-                                <a:rPr kumimoji="1" lang="en-US" altLang="zh-CN" sz="1800" b="0" i="1" smtClean="0">
-                                  <a:latin typeface="Cambria Math" panose="02040503050406030204" pitchFamily="18" charset="0"/>
-                                  <a:cs typeface="Times New Roman" panose="02020603050405020304" pitchFamily="18" charset="0"/>
-                                </a:rPr>
-                                <m:t>0</m:t>
-                              </m:r>
-                            </m:e>
-                            <m:e>
-                              <m:r>
-                                <a:rPr kumimoji="1" lang="en-US" altLang="zh-CN" sz="1800" b="0" i="1" smtClean="0">
-                                  <a:latin typeface="Cambria Math" panose="02040503050406030204" pitchFamily="18" charset="0"/>
-                                  <a:cs typeface="Times New Roman" panose="02020603050405020304" pitchFamily="18" charset="0"/>
-                                </a:rPr>
-                                <m:t>0</m:t>
-                              </m:r>
-                            </m:e>
-                            <m:e>
-                              <m:r>
-                                <a:rPr kumimoji="1" lang="en-US" altLang="zh-CN" sz="1800" b="0" i="1" smtClean="0">
-                                  <a:latin typeface="Cambria Math" panose="02040503050406030204" pitchFamily="18" charset="0"/>
-                                  <a:cs typeface="Times New Roman" panose="02020603050405020304" pitchFamily="18" charset="0"/>
-                                </a:rPr>
-                                <m:t>0</m:t>
-                              </m:r>
-                            </m:e>
-                            <m:e>
-                              <m:r>
-                                <a:rPr kumimoji="1" lang="en-US" altLang="zh-CN" sz="1800" b="0" i="1" smtClean="0">
-                                  <a:latin typeface="Cambria Math" panose="02040503050406030204" pitchFamily="18" charset="0"/>
-                                  <a:cs typeface="Times New Roman" panose="02020603050405020304" pitchFamily="18" charset="0"/>
-                                </a:rPr>
-                                <m:t>0</m:t>
-                              </m:r>
-                            </m:e>
-                          </m:mr>
-                          <m:mr>
-                            <m:e>
-                              <m:r>
-                                <a:rPr kumimoji="1" lang="en-US" altLang="zh-CN" sz="1800" b="0" i="1" smtClean="0">
-                                  <a:latin typeface="Cambria Math" panose="02040503050406030204" pitchFamily="18" charset="0"/>
-                                  <a:cs typeface="Times New Roman" panose="02020603050405020304" pitchFamily="18" charset="0"/>
-                                </a:rPr>
-                                <m:t>1</m:t>
-                              </m:r>
-                            </m:e>
-                            <m:e>
-                              <m:r>
-                                <a:rPr kumimoji="1" lang="en-US" altLang="zh-CN" sz="1800" b="0" i="1" smtClean="0">
-                                  <a:latin typeface="Cambria Math" panose="02040503050406030204" pitchFamily="18" charset="0"/>
-                                  <a:cs typeface="Times New Roman" panose="02020603050405020304" pitchFamily="18" charset="0"/>
-                                </a:rPr>
-                                <m:t>0</m:t>
-                              </m:r>
-                            </m:e>
-                            <m:e>
-                              <m:r>
-                                <a:rPr kumimoji="1" lang="en-US" altLang="zh-CN" sz="1800" b="0" i="1" smtClean="0">
-                                  <a:latin typeface="Cambria Math" panose="02040503050406030204" pitchFamily="18" charset="0"/>
-                                  <a:cs typeface="Times New Roman" panose="02020603050405020304" pitchFamily="18" charset="0"/>
-                                </a:rPr>
-                                <m:t>0</m:t>
-                              </m:r>
-                            </m:e>
-                            <m:e>
-                              <m:r>
-                                <a:rPr kumimoji="1" lang="en-US" altLang="zh-CN" sz="1800" b="0" i="1" smtClean="0">
-                                  <a:latin typeface="Cambria Math" panose="02040503050406030204" pitchFamily="18" charset="0"/>
-                                  <a:cs typeface="Times New Roman" panose="02020603050405020304" pitchFamily="18" charset="0"/>
-                                </a:rPr>
-                                <m:t>0</m:t>
-                              </m:r>
-                            </m:e>
-                            <m:e>
-                              <m:r>
-                                <a:rPr kumimoji="1" lang="en-US" altLang="zh-CN" sz="1800" b="0" i="1" smtClean="0">
-                                  <a:latin typeface="Cambria Math" panose="02040503050406030204" pitchFamily="18" charset="0"/>
-                                  <a:cs typeface="Times New Roman" panose="02020603050405020304" pitchFamily="18" charset="0"/>
-                                </a:rPr>
-                                <m:t>0</m:t>
-                              </m:r>
-                            </m:e>
-                            <m:e>
-                              <m:r>
-                                <a:rPr kumimoji="1" lang="en-US" altLang="zh-CN" sz="1800" b="0" i="1" smtClean="0">
-                                  <a:latin typeface="Cambria Math" panose="02040503050406030204" pitchFamily="18" charset="0"/>
-                                  <a:cs typeface="Times New Roman" panose="02020603050405020304" pitchFamily="18" charset="0"/>
-                                </a:rPr>
-                                <m:t>0</m:t>
-                              </m:r>
-                            </m:e>
-                          </m:mr>
-                        </m:m>
-                      </m:e>
-                    </m:d>
-                  </m:oMath>
-                </a14:m>
-                <a:r>
-                  <a:rPr kumimoji="1" lang="en-US" altLang="zh-CN" sz="1800" dirty="0">
-                    <a:cs typeface="Times New Roman" panose="02020603050405020304" pitchFamily="18" charset="0"/>
-                  </a:rPr>
-                  <a:t> </a:t>
-                </a:r>
-                <a14:m>
-                  <m:oMath xmlns:m="http://schemas.openxmlformats.org/officeDocument/2006/math">
-                    <m:r>
-                      <m:rPr>
-                        <m:sty m:val="p"/>
-                      </m:rPr>
-                      <a:rPr kumimoji="1" lang="en-US" altLang="zh-CN" sz="1800" dirty="0">
-                        <a:latin typeface="Cambria Math" panose="02040503050406030204" pitchFamily="18" charset="0"/>
-                        <a:cs typeface="Times New Roman" panose="02020603050405020304" pitchFamily="18" charset="0"/>
-                      </a:rPr>
-                      <m:t>C</m:t>
-                    </m:r>
-                    <m:r>
-                      <a:rPr kumimoji="1" lang="en-US" altLang="zh-CN" sz="1800" i="1">
-                        <a:latin typeface="Cambria Math" panose="02040503050406030204" pitchFamily="18" charset="0"/>
-                        <a:cs typeface="Times New Roman" panose="02020603050405020304" pitchFamily="18" charset="0"/>
-                      </a:rPr>
-                      <m:t>= </m:t>
-                    </m:r>
-                    <m:d>
-                      <m:dPr>
-                        <m:ctrlPr>
-                          <a:rPr kumimoji="1" lang="en-US" altLang="zh-CN" sz="1800" i="1">
-                            <a:latin typeface="Cambria Math" panose="02040503050406030204" pitchFamily="18" charset="0"/>
-                            <a:cs typeface="Times New Roman" panose="02020603050405020304" pitchFamily="18" charset="0"/>
-                          </a:rPr>
-                        </m:ctrlPr>
-                      </m:dPr>
-                      <m:e>
-                        <m:m>
-                          <m:mPr>
-                            <m:mcs>
-                              <m:mc>
-                                <m:mcPr>
-                                  <m:count m:val="6"/>
-                                  <m:mcJc m:val="center"/>
-                                </m:mcPr>
-                              </m:mc>
-                            </m:mcs>
-                            <m:ctrlPr>
-                              <a:rPr kumimoji="1" lang="en-US" altLang="zh-CN" sz="1800" i="1">
-                                <a:latin typeface="Cambria Math" panose="02040503050406030204" pitchFamily="18" charset="0"/>
-                                <a:cs typeface="Times New Roman" panose="02020603050405020304" pitchFamily="18" charset="0"/>
-                              </a:rPr>
-                            </m:ctrlPr>
-                          </m:mPr>
-                          <m:mr>
-                            <m:e>
-                              <m:r>
-                                <m:rPr>
-                                  <m:brk m:alnAt="7"/>
-                                </m:rPr>
-                                <a:rPr kumimoji="1" lang="en-US" altLang="zh-CN" sz="1800" b="0" i="1" smtClean="0">
-                                  <a:latin typeface="Cambria Math" panose="02040503050406030204" pitchFamily="18" charset="0"/>
-                                  <a:cs typeface="Times New Roman" panose="02020603050405020304" pitchFamily="18" charset="0"/>
-                                </a:rPr>
-                                <m:t>0</m:t>
-                              </m:r>
-                            </m:e>
-                            <m:e>
-                              <m:r>
-                                <a:rPr kumimoji="1" lang="en-US" altLang="zh-CN" sz="1800" b="0" i="1" smtClean="0">
-                                  <a:latin typeface="Cambria Math" panose="02040503050406030204" pitchFamily="18" charset="0"/>
-                                  <a:cs typeface="Times New Roman" panose="02020603050405020304" pitchFamily="18" charset="0"/>
-                                </a:rPr>
-                                <m:t>0</m:t>
-                              </m:r>
-                            </m:e>
-                            <m:e>
-                              <m:r>
-                                <a:rPr kumimoji="1" lang="en-US" altLang="zh-CN" sz="1800" b="0" i="1" smtClean="0">
-                                  <a:latin typeface="Cambria Math" panose="02040503050406030204" pitchFamily="18" charset="0"/>
-                                  <a:cs typeface="Times New Roman" panose="02020603050405020304" pitchFamily="18" charset="0"/>
-                                </a:rPr>
-                                <m:t>0</m:t>
-                              </m:r>
-                            </m:e>
-                            <m:e>
-                              <m:r>
-                                <a:rPr kumimoji="1" lang="en-US" altLang="zh-CN" sz="1800" b="0" i="1" smtClean="0">
-                                  <a:latin typeface="Cambria Math" panose="02040503050406030204" pitchFamily="18" charset="0"/>
-                                  <a:cs typeface="Times New Roman" panose="02020603050405020304" pitchFamily="18" charset="0"/>
-                                </a:rPr>
-                                <m:t>1</m:t>
-                              </m:r>
-                            </m:e>
-                            <m:e>
-                              <m:r>
-                                <a:rPr kumimoji="1" lang="en-US" altLang="zh-CN" sz="1800" b="0" i="1" smtClean="0">
-                                  <a:latin typeface="Cambria Math" panose="02040503050406030204" pitchFamily="18" charset="0"/>
-                                  <a:cs typeface="Times New Roman" panose="02020603050405020304" pitchFamily="18" charset="0"/>
-                                </a:rPr>
-                                <m:t>0</m:t>
-                              </m:r>
-                            </m:e>
-                            <m:e>
-                              <m:r>
-                                <a:rPr kumimoji="1" lang="en-US" altLang="zh-CN" sz="1800" b="0" i="1" smtClean="0">
-                                  <a:latin typeface="Cambria Math" panose="02040503050406030204" pitchFamily="18" charset="0"/>
-                                  <a:cs typeface="Times New Roman" panose="02020603050405020304" pitchFamily="18" charset="0"/>
-                                </a:rPr>
-                                <m:t>0</m:t>
-                              </m:r>
-                            </m:e>
-                          </m:mr>
-                          <m:mr>
-                            <m:e>
-                              <m:r>
-                                <a:rPr kumimoji="1" lang="en-US" altLang="zh-CN" sz="1800" b="0" i="1" smtClean="0">
-                                  <a:latin typeface="Cambria Math" panose="02040503050406030204" pitchFamily="18" charset="0"/>
-                                  <a:cs typeface="Times New Roman" panose="02020603050405020304" pitchFamily="18" charset="0"/>
-                                </a:rPr>
-                                <m:t>0</m:t>
-                              </m:r>
-                            </m:e>
-                            <m:e>
-                              <m:r>
-                                <a:rPr kumimoji="1" lang="en-US" altLang="zh-CN" sz="1800" b="0" i="1" smtClean="0">
-                                  <a:latin typeface="Cambria Math" panose="02040503050406030204" pitchFamily="18" charset="0"/>
-                                  <a:cs typeface="Times New Roman" panose="02020603050405020304" pitchFamily="18" charset="0"/>
-                                </a:rPr>
-                                <m:t>0</m:t>
-                              </m:r>
-                            </m:e>
-                            <m:e>
-                              <m:r>
-                                <a:rPr kumimoji="1" lang="en-US" altLang="zh-CN" sz="1800" b="0" i="1" smtClean="0">
-                                  <a:latin typeface="Cambria Math" panose="02040503050406030204" pitchFamily="18" charset="0"/>
-                                  <a:cs typeface="Times New Roman" panose="02020603050405020304" pitchFamily="18" charset="0"/>
-                                </a:rPr>
-                                <m:t>0</m:t>
-                              </m:r>
-                            </m:e>
-                            <m:e>
-                              <m:r>
-                                <a:rPr kumimoji="1" lang="en-US" altLang="zh-CN" sz="1800" b="0" i="1" smtClean="0">
-                                  <a:latin typeface="Cambria Math" panose="02040503050406030204" pitchFamily="18" charset="0"/>
-                                  <a:cs typeface="Times New Roman" panose="02020603050405020304" pitchFamily="18" charset="0"/>
-                                </a:rPr>
-                                <m:t>0</m:t>
-                              </m:r>
-                            </m:e>
-                            <m:e>
-                              <m:r>
-                                <a:rPr kumimoji="1" lang="en-US" altLang="zh-CN" sz="1800" b="0" i="1" smtClean="0">
-                                  <a:latin typeface="Cambria Math" panose="02040503050406030204" pitchFamily="18" charset="0"/>
-                                  <a:cs typeface="Times New Roman" panose="02020603050405020304" pitchFamily="18" charset="0"/>
-                                </a:rPr>
-                                <m:t>1</m:t>
-                              </m:r>
-                            </m:e>
-                            <m:e>
-                              <m:r>
-                                <a:rPr kumimoji="1" lang="en-US" altLang="zh-CN" sz="1800" b="0" i="1" smtClean="0">
-                                  <a:latin typeface="Cambria Math" panose="02040503050406030204" pitchFamily="18" charset="0"/>
-                                  <a:cs typeface="Times New Roman" panose="02020603050405020304" pitchFamily="18" charset="0"/>
-                                </a:rPr>
-                                <m:t>0</m:t>
-                              </m:r>
-                            </m:e>
-                          </m:mr>
-                          <m:mr>
-                            <m:e>
-                              <m:r>
-                                <a:rPr kumimoji="1" lang="en-US" altLang="zh-CN" sz="1800" b="0" i="1" smtClean="0">
-                                  <a:latin typeface="Cambria Math" panose="02040503050406030204" pitchFamily="18" charset="0"/>
-                                  <a:cs typeface="Times New Roman" panose="02020603050405020304" pitchFamily="18" charset="0"/>
-                                </a:rPr>
-                                <m:t>0</m:t>
-                              </m:r>
-                            </m:e>
-                            <m:e>
-                              <m:r>
-                                <a:rPr kumimoji="1" lang="en-US" altLang="zh-CN" sz="1800" b="0" i="1" smtClean="0">
-                                  <a:latin typeface="Cambria Math" panose="02040503050406030204" pitchFamily="18" charset="0"/>
-                                  <a:cs typeface="Times New Roman" panose="02020603050405020304" pitchFamily="18" charset="0"/>
-                                </a:rPr>
-                                <m:t>0</m:t>
-                              </m:r>
-                            </m:e>
-                            <m:e>
-                              <m:r>
-                                <a:rPr kumimoji="1" lang="en-US" altLang="zh-CN" sz="1800" b="0" i="1" smtClean="0">
-                                  <a:latin typeface="Cambria Math" panose="02040503050406030204" pitchFamily="18" charset="0"/>
-                                  <a:cs typeface="Times New Roman" panose="02020603050405020304" pitchFamily="18" charset="0"/>
-                                </a:rPr>
-                                <m:t>0</m:t>
-                              </m:r>
-                            </m:e>
-                            <m:e>
-                              <m:r>
-                                <a:rPr kumimoji="1" lang="en-US" altLang="zh-CN" sz="1800" b="0" i="1" smtClean="0">
-                                  <a:latin typeface="Cambria Math" panose="02040503050406030204" pitchFamily="18" charset="0"/>
-                                  <a:cs typeface="Times New Roman" panose="02020603050405020304" pitchFamily="18" charset="0"/>
-                                </a:rPr>
-                                <m:t>0</m:t>
-                              </m:r>
-                            </m:e>
-                            <m:e>
-                              <m:r>
-                                <a:rPr kumimoji="1" lang="en-US" altLang="zh-CN" sz="1800" b="0" i="1" smtClean="0">
-                                  <a:latin typeface="Cambria Math" panose="02040503050406030204" pitchFamily="18" charset="0"/>
-                                  <a:cs typeface="Times New Roman" panose="02020603050405020304" pitchFamily="18" charset="0"/>
-                                </a:rPr>
-                                <m:t>0</m:t>
-                              </m:r>
-                            </m:e>
-                            <m:e>
-                              <m:r>
-                                <a:rPr kumimoji="1" lang="en-US" altLang="zh-CN" sz="1800" b="0" i="1" smtClean="0">
-                                  <a:latin typeface="Cambria Math" panose="02040503050406030204" pitchFamily="18" charset="0"/>
-                                  <a:cs typeface="Times New Roman" panose="02020603050405020304" pitchFamily="18" charset="0"/>
-                                </a:rPr>
-                                <m:t>1</m:t>
-                              </m:r>
-                            </m:e>
-                          </m:mr>
-                          <m:mr>
-                            <m:e>
-                              <m:r>
-                                <a:rPr kumimoji="1" lang="en-US" altLang="zh-CN" sz="1800" b="0" i="1" smtClean="0">
-                                  <a:latin typeface="Cambria Math" panose="02040503050406030204" pitchFamily="18" charset="0"/>
-                                  <a:cs typeface="Times New Roman" panose="02020603050405020304" pitchFamily="18" charset="0"/>
-                                </a:rPr>
-                                <m:t>0</m:t>
-                              </m:r>
-                            </m:e>
-                            <m:e>
-                              <m:r>
-                                <a:rPr kumimoji="1" lang="en-US" altLang="zh-CN" sz="1800" b="0" i="1" smtClean="0">
-                                  <a:latin typeface="Cambria Math" panose="02040503050406030204" pitchFamily="18" charset="0"/>
-                                  <a:cs typeface="Times New Roman" panose="02020603050405020304" pitchFamily="18" charset="0"/>
-                                </a:rPr>
-                                <m:t>0</m:t>
-                              </m:r>
-                            </m:e>
-                            <m:e>
-                              <m:r>
-                                <a:rPr kumimoji="1" lang="en-US" altLang="zh-CN" sz="1800" b="0" i="1" smtClean="0">
-                                  <a:latin typeface="Cambria Math" panose="02040503050406030204" pitchFamily="18" charset="0"/>
-                                  <a:cs typeface="Times New Roman" panose="02020603050405020304" pitchFamily="18" charset="0"/>
-                                </a:rPr>
-                                <m:t>1</m:t>
-                              </m:r>
-                            </m:e>
-                            <m:e>
-                              <m:r>
-                                <a:rPr kumimoji="1" lang="en-US" altLang="zh-CN" sz="1800" b="0" i="1" smtClean="0">
-                                  <a:latin typeface="Cambria Math" panose="02040503050406030204" pitchFamily="18" charset="0"/>
-                                  <a:cs typeface="Times New Roman" panose="02020603050405020304" pitchFamily="18" charset="0"/>
-                                </a:rPr>
-                                <m:t>0</m:t>
-                              </m:r>
-                            </m:e>
-                            <m:e>
-                              <m:r>
-                                <a:rPr kumimoji="1" lang="en-US" altLang="zh-CN" sz="1800" b="0" i="1" smtClean="0">
-                                  <a:latin typeface="Cambria Math" panose="02040503050406030204" pitchFamily="18" charset="0"/>
-                                  <a:cs typeface="Times New Roman" panose="02020603050405020304" pitchFamily="18" charset="0"/>
-                                </a:rPr>
-                                <m:t>0</m:t>
-                              </m:r>
-                            </m:e>
-                            <m:e>
-                              <m:r>
-                                <a:rPr kumimoji="1" lang="en-US" altLang="zh-CN" sz="1800" b="0" i="1" smtClean="0">
-                                  <a:latin typeface="Cambria Math" panose="02040503050406030204" pitchFamily="18" charset="0"/>
-                                  <a:cs typeface="Times New Roman" panose="02020603050405020304" pitchFamily="18" charset="0"/>
-                                </a:rPr>
-                                <m:t>0</m:t>
-                              </m:r>
-                            </m:e>
-                          </m:mr>
-                        </m:m>
-                      </m:e>
-                    </m:d>
-                  </m:oMath>
-                </a14:m>
-                <a:endParaRPr kumimoji="1" lang="en-US" altLang="zh-CN" sz="1800" dirty="0">
-                  <a:latin typeface="Times New Roman" panose="02020603050405020304" pitchFamily="18" charset="0"/>
-                  <a:cs typeface="Times New Roman" panose="02020603050405020304" pitchFamily="18" charset="0"/>
-                </a:endParaRPr>
-              </a:p>
-              <a:p>
-                <a:pPr marL="548640" lvl="1" indent="0" algn="ctr">
-                  <a:buNone/>
-                </a:pPr>
-                <a:r>
-                  <a:rPr kumimoji="1" lang="en-US" altLang="zh-CN" sz="1800" dirty="0">
-                    <a:latin typeface="Times New Roman" panose="02020603050405020304" pitchFamily="18" charset="0"/>
-                    <a:cs typeface="Times New Roman" panose="02020603050405020304" pitchFamily="18" charset="0"/>
-                  </a:rPr>
-                  <a:t>	</a:t>
-                </a:r>
-                <a:endParaRPr lang="en-US" altLang="zh-CN" sz="1800" i="1" dirty="0">
-                  <a:latin typeface="Cambria Math" panose="02040503050406030204" pitchFamily="18" charset="0"/>
-                </a:endParaRPr>
-              </a:p>
-              <a:p>
-                <a:pPr marL="548640" lvl="1" indent="0" algn="ctr">
-                  <a:buNone/>
-                </a:pPr>
-                <a14:m>
-                  <m:oMathPara xmlns:m="http://schemas.openxmlformats.org/officeDocument/2006/math">
-                    <m:oMathParaPr>
-                      <m:jc m:val="centerGroup"/>
-                    </m:oMathParaPr>
-                    <m:oMath xmlns:m="http://schemas.openxmlformats.org/officeDocument/2006/math">
-                      <m:r>
-                        <m:rPr>
-                          <m:sty m:val="p"/>
-                        </m:rPr>
-                        <a:rPr lang="en-US" altLang="zh-CN" sz="1800" b="0" i="0" dirty="0">
-                          <a:latin typeface="Cambria Math" panose="02040503050406030204" pitchFamily="18" charset="0"/>
-                        </a:rPr>
-                        <m:t>Variable</m:t>
-                      </m:r>
-                      <m:r>
-                        <a:rPr lang="en-US" altLang="zh-CN" sz="1800" b="0" i="0" dirty="0">
-                          <a:latin typeface="Cambria Math" panose="02040503050406030204" pitchFamily="18" charset="0"/>
-                        </a:rPr>
-                        <m:t> </m:t>
-                      </m:r>
-                      <m:r>
-                        <m:rPr>
-                          <m:sty m:val="p"/>
-                        </m:rPr>
-                        <a:rPr lang="en-US" altLang="zh-CN" sz="1800" b="0" i="0" dirty="0">
-                          <a:latin typeface="Cambria Math" panose="02040503050406030204" pitchFamily="18" charset="0"/>
-                        </a:rPr>
-                        <m:t>mapping</m:t>
-                      </m:r>
-                      <m:r>
-                        <a:rPr lang="en-US" altLang="zh-CN" sz="1800" b="0" i="0" dirty="0">
-                          <a:latin typeface="Cambria Math" panose="02040503050406030204" pitchFamily="18" charset="0"/>
-                        </a:rPr>
-                        <m:t>=</m:t>
-                      </m:r>
-                      <m:d>
-                        <m:dPr>
-                          <m:ctrlPr>
-                            <a:rPr lang="en-US" altLang="zh-CN" sz="1800" dirty="0">
-                              <a:latin typeface="Cambria Math" panose="02040503050406030204" pitchFamily="18" charset="0"/>
-                            </a:rPr>
-                          </m:ctrlPr>
-                        </m:dPr>
-                        <m:e>
-                          <m:r>
-                            <a:rPr lang="en-US" altLang="zh-CN" sz="1800" b="0" i="0" dirty="0">
-                              <a:latin typeface="Cambria Math" panose="02040503050406030204" pitchFamily="18" charset="0"/>
-                            </a:rPr>
-                            <m:t>~</m:t>
-                          </m:r>
-                          <m:r>
-                            <m:rPr>
-                              <m:sty m:val="p"/>
-                            </m:rPr>
-                            <a:rPr lang="en-US" altLang="zh-CN" sz="1800" b="0" i="0" dirty="0">
-                              <a:latin typeface="Cambria Math" panose="02040503050406030204" pitchFamily="18" charset="0"/>
-                            </a:rPr>
-                            <m:t>one</m:t>
-                          </m:r>
-                          <m:r>
-                            <a:rPr lang="en-US" altLang="zh-CN" sz="1800" b="0" i="0" dirty="0">
-                              <a:latin typeface="Cambria Math" panose="02040503050406030204" pitchFamily="18" charset="0"/>
-                            </a:rPr>
-                            <m:t>, </m:t>
-                          </m:r>
-                          <m:r>
-                            <m:rPr>
-                              <m:sty m:val="p"/>
-                            </m:rPr>
-                            <a:rPr lang="en-US" altLang="zh-CN" sz="1800" b="0" i="0" dirty="0">
-                              <a:latin typeface="Cambria Math" panose="02040503050406030204" pitchFamily="18" charset="0"/>
-                            </a:rPr>
-                            <m:t>x</m:t>
-                          </m:r>
-                          <m:r>
-                            <a:rPr lang="en-US" altLang="zh-CN" sz="1800" b="0" i="0" dirty="0">
-                              <a:latin typeface="Cambria Math" panose="02040503050406030204" pitchFamily="18" charset="0"/>
-                            </a:rPr>
-                            <m:t>,,~</m:t>
-                          </m:r>
-                          <m:r>
-                            <m:rPr>
-                              <m:sty m:val="p"/>
-                            </m:rPr>
-                            <a:rPr lang="en-US" altLang="zh-CN" sz="1800" b="0" i="0" dirty="0">
-                              <a:latin typeface="Cambria Math" panose="02040503050406030204" pitchFamily="18" charset="0"/>
-                            </a:rPr>
-                            <m:t>out</m:t>
-                          </m:r>
-                          <m:r>
-                            <a:rPr lang="en-US" altLang="zh-CN" sz="1800" b="0" i="0" dirty="0">
-                              <a:latin typeface="Cambria Math" panose="02040503050406030204" pitchFamily="18" charset="0"/>
-                            </a:rPr>
-                            <m:t>,</m:t>
-                          </m:r>
-                          <m:r>
-                            <m:rPr>
-                              <m:sty m:val="p"/>
-                            </m:rPr>
-                            <a:rPr lang="en-US" altLang="zh-CN" sz="1800" b="0" i="0" dirty="0">
-                              <a:latin typeface="Cambria Math" panose="02040503050406030204" pitchFamily="18" charset="0"/>
-                            </a:rPr>
-                            <m:t>x</m:t>
-                          </m:r>
-                          <m:r>
-                            <a:rPr lang="en-US" altLang="zh-CN" sz="1800" b="0" i="0" baseline="30000" dirty="0">
-                              <a:latin typeface="Cambria Math" panose="02040503050406030204" pitchFamily="18" charset="0"/>
-                            </a:rPr>
-                            <m:t>2</m:t>
-                          </m:r>
-                          <m:r>
-                            <a:rPr lang="en-US" altLang="zh-CN" sz="1800" b="0" i="0" dirty="0">
-                              <a:latin typeface="Cambria Math" panose="02040503050406030204" pitchFamily="18" charset="0"/>
-                            </a:rPr>
-                            <m:t>,</m:t>
-                          </m:r>
-                          <m:r>
-                            <m:rPr>
-                              <m:sty m:val="p"/>
-                            </m:rPr>
-                            <a:rPr lang="en-US" altLang="zh-CN" sz="1800" b="0" i="0" dirty="0">
-                              <a:latin typeface="Cambria Math" panose="02040503050406030204" pitchFamily="18" charset="0"/>
-                            </a:rPr>
-                            <m:t>x</m:t>
-                          </m:r>
-                          <m:r>
-                            <a:rPr lang="en-US" altLang="zh-CN" sz="1800" b="0" i="0" baseline="30000" dirty="0">
-                              <a:latin typeface="Cambria Math" panose="02040503050406030204" pitchFamily="18" charset="0"/>
-                            </a:rPr>
-                            <m:t>3</m:t>
-                          </m:r>
-                          <m:r>
-                            <a:rPr lang="en-US" altLang="zh-CN" sz="1800" b="0" i="0" dirty="0">
-                              <a:latin typeface="Cambria Math" panose="02040503050406030204" pitchFamily="18" charset="0"/>
-                            </a:rPr>
-                            <m:t>,</m:t>
-                          </m:r>
-                          <m:r>
-                            <m:rPr>
-                              <m:sty m:val="p"/>
-                            </m:rPr>
-                            <a:rPr lang="en-US" altLang="zh-CN" sz="1800" b="0" i="0" dirty="0">
-                              <a:latin typeface="Cambria Math" panose="02040503050406030204" pitchFamily="18" charset="0"/>
-                            </a:rPr>
-                            <m:t>sym</m:t>
-                          </m:r>
-                          <m:r>
-                            <a:rPr lang="en-US" altLang="zh-CN" sz="1800" b="0" i="0" baseline="-25000" dirty="0">
-                              <a:latin typeface="Cambria Math" panose="02040503050406030204" pitchFamily="18" charset="0"/>
-                            </a:rPr>
-                            <m:t>1</m:t>
-                          </m:r>
-                        </m:e>
-                      </m:d>
-                    </m:oMath>
-                  </m:oMathPara>
-                </a14:m>
-                <a:endParaRPr kumimoji="1" lang="en-US" altLang="zh-CN" sz="1800" dirty="0">
-                  <a:latin typeface="Times New Roman" panose="02020603050405020304" pitchFamily="18" charset="0"/>
-                  <a:cs typeface="Times New Roman" panose="02020603050405020304" pitchFamily="18" charset="0"/>
-                </a:endParaRPr>
-              </a:p>
-              <a:p>
-                <a:pPr marL="0" indent="0">
-                  <a:buNone/>
-                </a:pPr>
-                <a:endParaRPr kumimoji="1" lang="en-US" altLang="zh-CN" sz="2640" dirty="0">
-                  <a:solidFill>
-                    <a:srgbClr val="000000">
-                      <a:lumMod val="75000"/>
-                      <a:lumOff val="25000"/>
-                    </a:srgbClr>
-                  </a:solidFill>
-                  <a:latin typeface="Times New Roman" panose="02020603050405020304" pitchFamily="18" charset="0"/>
-                  <a:cs typeface="Times New Roman" panose="02020603050405020304" pitchFamily="18" charset="0"/>
-                </a:endParaRPr>
-              </a:p>
-            </p:txBody>
-          </p:sp>
-        </mc:Choice>
-        <mc:Fallback>
-          <p:sp>
-            <p:nvSpPr>
-              <p:cNvPr id="3" name="内容占位符 2">
-                <a:extLst>
-                  <a:ext uri="{FF2B5EF4-FFF2-40B4-BE49-F238E27FC236}">
-                    <a16:creationId xmlns:a16="http://schemas.microsoft.com/office/drawing/2014/main" id="{F70074B0-7D54-CB43-A2C4-E8723E631238}"/>
-                  </a:ext>
-                </a:extLst>
-              </p:cNvPr>
-              <p:cNvSpPr>
-                <a:spLocks noGrp="1" noRot="1" noChangeAspect="1" noMove="1" noResize="1" noEditPoints="1" noAdjustHandles="1" noChangeArrowheads="1" noChangeShapeType="1" noTextEdit="1"/>
-              </p:cNvSpPr>
-              <p:nvPr>
-                <p:ph idx="1"/>
-              </p:nvPr>
-            </p:nvSpPr>
-            <p:spPr>
-              <a:xfrm>
-                <a:off x="639156" y="1635624"/>
-                <a:ext cx="10913687" cy="4756153"/>
-              </a:xfrm>
-              <a:blipFill>
-                <a:blip r:embed="rId3"/>
-                <a:stretch>
-                  <a:fillRect l="-1061" t="-512"/>
+                  <a:fillRect l="-1006" t="-896" r="-168"/>
                 </a:stretch>
               </a:blipFill>
             </p:spPr>
@@ -12781,8 +10013,8 @@
           </a:p>
         </p:txBody>
       </p:sp>
-      <mc:AlternateContent xmlns:mc="http://schemas.openxmlformats.org/markup-compatibility/2006">
-        <mc:Choice xmlns:a14="http://schemas.microsoft.com/office/drawing/2010/main" Requires="a14">
+      <mc:AlternateContent xmlns:mc="http://schemas.openxmlformats.org/markup-compatibility/2006" xmlns:a14="http://schemas.microsoft.com/office/drawing/2010/main">
+        <mc:Choice Requires="a14">
           <p:sp>
             <p:nvSpPr>
               <p:cNvPr id="3" name="内容占位符 2">
@@ -13727,7 +10959,7 @@
                       <m:d>
                         <m:dPr>
                           <m:ctrlPr>
-                            <a:rPr lang="en-US" altLang="zh-CN" sz="1800" dirty="0">
+                            <a:rPr lang="en-US" altLang="zh-CN" sz="1800" i="1" dirty="0">
                               <a:latin typeface="Cambria Math" panose="02040503050406030204" pitchFamily="18" charset="0"/>
                             </a:rPr>
                           </m:ctrlPr>
@@ -13869,7 +11101,7 @@
             </p:txBody>
           </p:sp>
         </mc:Choice>
-        <mc:Fallback>
+        <mc:Fallback xmlns="">
           <p:sp>
             <p:nvSpPr>
               <p:cNvPr id="3" name="内容占位符 2">
@@ -15042,8 +12274,8 @@
           </a:prstGeom>
         </p:spPr>
       </p:pic>
-      <mc:AlternateContent xmlns:mc="http://schemas.openxmlformats.org/markup-compatibility/2006">
-        <mc:Choice xmlns:a14="http://schemas.microsoft.com/office/drawing/2010/main" Requires="a14">
+      <mc:AlternateContent xmlns:mc="http://schemas.openxmlformats.org/markup-compatibility/2006" xmlns:a14="http://schemas.microsoft.com/office/drawing/2010/main">
+        <mc:Choice Requires="a14">
           <p:sp>
             <p:nvSpPr>
               <p:cNvPr id="20" name="文本框 19">
@@ -15109,13 +12341,14 @@
                     <m:sSup>
                       <m:sSupPr>
                         <m:ctrlPr>
-                          <a:rPr lang="en-US" altLang="zh-CN" sz="1100" dirty="0">
+                          <a:rPr lang="en-US" altLang="zh-CN" sz="1100" i="1" dirty="0">
                             <a:solidFill>
                               <a:schemeClr val="tx1">
                                 <a:lumMod val="65000"/>
                                 <a:lumOff val="35000"/>
                               </a:schemeClr>
                             </a:solidFill>
+                            <a:latin typeface="Cambria Math" panose="02040503050406030204" pitchFamily="18" charset="0"/>
                           </a:rPr>
                         </m:ctrlPr>
                       </m:sSupPr>
@@ -15272,7 +12505,7 @@
                     <m:sSup>
                       <m:sSupPr>
                         <m:ctrlPr>
-                          <a:rPr lang="en-US" altLang="zh-CN" sz="1100" dirty="0">
+                          <a:rPr lang="en-US" altLang="zh-CN" sz="1100" i="1" dirty="0">
                             <a:solidFill>
                               <a:schemeClr val="tx1">
                                 <a:lumMod val="65000"/>
@@ -15432,7 +12665,7 @@
             </p:txBody>
           </p:sp>
         </mc:Choice>
-        <mc:Fallback>
+        <mc:Fallback xmlns="">
           <p:sp>
             <p:nvSpPr>
               <p:cNvPr id="20" name="文本框 19">
@@ -15577,7 +12810,7 @@
         </p:nvSpPr>
         <p:spPr>
           <a:xfrm>
-            <a:off x="730800" y="274639"/>
+            <a:off x="729615" y="274639"/>
             <a:ext cx="10122336" cy="1080530"/>
           </a:xfrm>
         </p:spPr>
@@ -15601,1138 +12834,150 @@
           </a:p>
         </p:txBody>
       </p:sp>
-      <mc:AlternateContent xmlns:mc="http://schemas.openxmlformats.org/markup-compatibility/2006">
-        <mc:Choice xmlns:a14="http://schemas.microsoft.com/office/drawing/2010/main" Requires="a14">
-          <p:sp>
-            <p:nvSpPr>
-              <p:cNvPr id="3" name="内容占位符 2">
-                <a:extLst>
-                  <a:ext uri="{FF2B5EF4-FFF2-40B4-BE49-F238E27FC236}">
-                    <a16:creationId xmlns:a16="http://schemas.microsoft.com/office/drawing/2014/main" id="{F70074B0-7D54-CB43-A2C4-E8723E631238}"/>
-                  </a:ext>
-                </a:extLst>
-              </p:cNvPr>
-              <p:cNvSpPr>
-                <a:spLocks noGrp="1"/>
-              </p:cNvSpPr>
-              <p:nvPr>
-                <p:ph idx="1"/>
-              </p:nvPr>
-            </p:nvSpPr>
-            <p:spPr>
-              <a:xfrm>
-                <a:off x="639156" y="1635624"/>
-                <a:ext cx="10913687" cy="4756153"/>
-              </a:xfrm>
-            </p:spPr>
-            <p:txBody>
-              <a:bodyPr>
-                <a:normAutofit/>
-              </a:bodyPr>
-              <a:lstStyle/>
-              <a:p>
-                <a:r>
-                  <a:rPr kumimoji="1" lang="en-US" altLang="zh-CN" sz="2880" dirty="0">
-                    <a:latin typeface="Times New Roman" panose="02020603050405020304" pitchFamily="18" charset="0"/>
-                    <a:cs typeface="Times New Roman" panose="02020603050405020304" pitchFamily="18" charset="0"/>
-                  </a:rPr>
-                  <a:t>Example R1CS</a:t>
-                </a:r>
-              </a:p>
-              <a:p>
-                <a:pPr lvl="1"/>
-                <a14:m>
-                  <m:oMath xmlns:m="http://schemas.openxmlformats.org/officeDocument/2006/math">
-                    <m:r>
-                      <a:rPr kumimoji="1" lang="en-US" altLang="zh-CN" sz="1800" i="1" smtClean="0">
-                        <a:latin typeface="Cambria Math" panose="02040503050406030204" pitchFamily="18" charset="0"/>
-                        <a:cs typeface="Times New Roman" panose="02020603050405020304" pitchFamily="18" charset="0"/>
-                      </a:rPr>
-                      <m:t>𝐴</m:t>
-                    </m:r>
-                    <m:r>
-                      <a:rPr kumimoji="1" lang="en-US" altLang="zh-CN" sz="1800" i="1" smtClean="0">
-                        <a:latin typeface="Cambria Math" panose="02040503050406030204" pitchFamily="18" charset="0"/>
-                        <a:cs typeface="Times New Roman" panose="02020603050405020304" pitchFamily="18" charset="0"/>
-                      </a:rPr>
-                      <m:t>=</m:t>
-                    </m:r>
-                    <m:d>
-                      <m:dPr>
-                        <m:ctrlPr>
-                          <a:rPr kumimoji="1" lang="en-US" altLang="zh-CN" sz="1800" i="1" smtClean="0">
-                            <a:latin typeface="Cambria Math" panose="02040503050406030204" pitchFamily="18" charset="0"/>
-                            <a:cs typeface="Times New Roman" panose="02020603050405020304" pitchFamily="18" charset="0"/>
-                          </a:rPr>
-                        </m:ctrlPr>
-                      </m:dPr>
-                      <m:e>
-                        <m:m>
-                          <m:mPr>
-                            <m:mcs>
-                              <m:mc>
-                                <m:mcPr>
-                                  <m:count m:val="6"/>
-                                  <m:mcJc m:val="center"/>
-                                </m:mcPr>
-                              </m:mc>
-                            </m:mcs>
-                            <m:ctrlPr>
-                              <a:rPr kumimoji="1" lang="en-US" altLang="zh-CN" sz="1800" i="1" smtClean="0">
-                                <a:latin typeface="Cambria Math" panose="02040503050406030204" pitchFamily="18" charset="0"/>
-                                <a:cs typeface="Times New Roman" panose="02020603050405020304" pitchFamily="18" charset="0"/>
-                              </a:rPr>
-                            </m:ctrlPr>
-                          </m:mPr>
-                          <m:mr>
-                            <m:e>
-                              <m:r>
-                                <m:rPr>
-                                  <m:brk m:alnAt="7"/>
-                                </m:rPr>
-                                <a:rPr kumimoji="1" lang="en-US" altLang="zh-CN" sz="1800" b="0" i="1" smtClean="0">
-                                  <a:latin typeface="Cambria Math" panose="02040503050406030204" pitchFamily="18" charset="0"/>
-                                  <a:cs typeface="Times New Roman" panose="02020603050405020304" pitchFamily="18" charset="0"/>
-                                </a:rPr>
-                                <m:t>0</m:t>
-                              </m:r>
-                            </m:e>
-                            <m:e>
-                              <m:r>
-                                <a:rPr kumimoji="1" lang="en-US" altLang="zh-CN" sz="1800" b="0" i="1" smtClean="0">
-                                  <a:latin typeface="Cambria Math" panose="02040503050406030204" pitchFamily="18" charset="0"/>
-                                  <a:cs typeface="Times New Roman" panose="02020603050405020304" pitchFamily="18" charset="0"/>
-                                </a:rPr>
-                                <m:t>1</m:t>
-                              </m:r>
-                            </m:e>
-                            <m:e>
-                              <m:r>
-                                <a:rPr kumimoji="1" lang="en-US" altLang="zh-CN" sz="1800" b="0" i="1" smtClean="0">
-                                  <a:latin typeface="Cambria Math" panose="02040503050406030204" pitchFamily="18" charset="0"/>
-                                  <a:cs typeface="Times New Roman" panose="02020603050405020304" pitchFamily="18" charset="0"/>
-                                </a:rPr>
-                                <m:t>0</m:t>
-                              </m:r>
-                            </m:e>
-                            <m:e>
-                              <m:r>
-                                <a:rPr kumimoji="1" lang="en-US" altLang="zh-CN" sz="1800" b="0" i="1" smtClean="0">
-                                  <a:latin typeface="Cambria Math" panose="02040503050406030204" pitchFamily="18" charset="0"/>
-                                  <a:cs typeface="Times New Roman" panose="02020603050405020304" pitchFamily="18" charset="0"/>
-                                </a:rPr>
-                                <m:t>0</m:t>
-                              </m:r>
-                            </m:e>
-                            <m:e>
-                              <m:r>
-                                <a:rPr kumimoji="1" lang="en-US" altLang="zh-CN" sz="1800" b="0" i="1" smtClean="0">
-                                  <a:latin typeface="Cambria Math" panose="02040503050406030204" pitchFamily="18" charset="0"/>
-                                  <a:cs typeface="Times New Roman" panose="02020603050405020304" pitchFamily="18" charset="0"/>
-                                </a:rPr>
-                                <m:t>0</m:t>
-                              </m:r>
-                            </m:e>
-                            <m:e>
-                              <m:r>
-                                <a:rPr kumimoji="1" lang="en-US" altLang="zh-CN" sz="1800" b="0" i="1" smtClean="0">
-                                  <a:latin typeface="Cambria Math" panose="02040503050406030204" pitchFamily="18" charset="0"/>
-                                  <a:cs typeface="Times New Roman" panose="02020603050405020304" pitchFamily="18" charset="0"/>
-                                </a:rPr>
-                                <m:t>0</m:t>
-                              </m:r>
-                            </m:e>
-                          </m:mr>
-                          <m:mr>
-                            <m:e>
-                              <m:r>
-                                <a:rPr kumimoji="1" lang="en-US" altLang="zh-CN" sz="1800" b="0" i="1" smtClean="0">
-                                  <a:latin typeface="Cambria Math" panose="02040503050406030204" pitchFamily="18" charset="0"/>
-                                  <a:cs typeface="Times New Roman" panose="02020603050405020304" pitchFamily="18" charset="0"/>
-                                </a:rPr>
-                                <m:t>0</m:t>
-                              </m:r>
-                            </m:e>
-                            <m:e>
-                              <m:r>
-                                <a:rPr kumimoji="1" lang="en-US" altLang="zh-CN" sz="1800" b="0" i="1" smtClean="0">
-                                  <a:latin typeface="Cambria Math" panose="02040503050406030204" pitchFamily="18" charset="0"/>
-                                  <a:cs typeface="Times New Roman" panose="02020603050405020304" pitchFamily="18" charset="0"/>
-                                </a:rPr>
-                                <m:t>0</m:t>
-                              </m:r>
-                            </m:e>
-                            <m:e>
-                              <m:r>
-                                <a:rPr kumimoji="1" lang="en-US" altLang="zh-CN" sz="1800" b="0" i="1" smtClean="0">
-                                  <a:latin typeface="Cambria Math" panose="02040503050406030204" pitchFamily="18" charset="0"/>
-                                  <a:cs typeface="Times New Roman" panose="02020603050405020304" pitchFamily="18" charset="0"/>
-                                </a:rPr>
-                                <m:t>0</m:t>
-                              </m:r>
-                            </m:e>
-                            <m:e>
-                              <m:r>
-                                <a:rPr kumimoji="1" lang="en-US" altLang="zh-CN" sz="1800" b="0" i="1" smtClean="0">
-                                  <a:latin typeface="Cambria Math" panose="02040503050406030204" pitchFamily="18" charset="0"/>
-                                  <a:cs typeface="Times New Roman" panose="02020603050405020304" pitchFamily="18" charset="0"/>
-                                </a:rPr>
-                                <m:t>1</m:t>
-                              </m:r>
-                            </m:e>
-                            <m:e>
-                              <m:r>
-                                <a:rPr kumimoji="1" lang="en-US" altLang="zh-CN" sz="1800" b="0" i="1" smtClean="0">
-                                  <a:latin typeface="Cambria Math" panose="02040503050406030204" pitchFamily="18" charset="0"/>
-                                  <a:cs typeface="Times New Roman" panose="02020603050405020304" pitchFamily="18" charset="0"/>
-                                </a:rPr>
-                                <m:t>0</m:t>
-                              </m:r>
-                            </m:e>
-                            <m:e>
-                              <m:r>
-                                <a:rPr kumimoji="1" lang="en-US" altLang="zh-CN" sz="1800" b="0" i="1" smtClean="0">
-                                  <a:latin typeface="Cambria Math" panose="02040503050406030204" pitchFamily="18" charset="0"/>
-                                  <a:cs typeface="Times New Roman" panose="02020603050405020304" pitchFamily="18" charset="0"/>
-                                </a:rPr>
-                                <m:t>0</m:t>
-                              </m:r>
-                            </m:e>
-                          </m:mr>
-                          <m:mr>
-                            <m:e>
-                              <m:r>
-                                <a:rPr kumimoji="1" lang="en-US" altLang="zh-CN" sz="1800" b="0" i="1" smtClean="0">
-                                  <a:latin typeface="Cambria Math" panose="02040503050406030204" pitchFamily="18" charset="0"/>
-                                  <a:cs typeface="Times New Roman" panose="02020603050405020304" pitchFamily="18" charset="0"/>
-                                </a:rPr>
-                                <m:t>0</m:t>
-                              </m:r>
-                            </m:e>
-                            <m:e>
-                              <m:r>
-                                <a:rPr kumimoji="1" lang="en-US" altLang="zh-CN" sz="1800" b="0" i="1" smtClean="0">
-                                  <a:latin typeface="Cambria Math" panose="02040503050406030204" pitchFamily="18" charset="0"/>
-                                  <a:cs typeface="Times New Roman" panose="02020603050405020304" pitchFamily="18" charset="0"/>
-                                </a:rPr>
-                                <m:t>1</m:t>
-                              </m:r>
-                            </m:e>
-                            <m:e>
-                              <m:r>
-                                <a:rPr kumimoji="1" lang="en-US" altLang="zh-CN" sz="1800" b="0" i="1" smtClean="0">
-                                  <a:latin typeface="Cambria Math" panose="02040503050406030204" pitchFamily="18" charset="0"/>
-                                  <a:cs typeface="Times New Roman" panose="02020603050405020304" pitchFamily="18" charset="0"/>
-                                </a:rPr>
-                                <m:t>0</m:t>
-                              </m:r>
-                            </m:e>
-                            <m:e>
-                              <m:r>
-                                <a:rPr kumimoji="1" lang="en-US" altLang="zh-CN" sz="1800" b="0" i="1" smtClean="0">
-                                  <a:latin typeface="Cambria Math" panose="02040503050406030204" pitchFamily="18" charset="0"/>
-                                  <a:cs typeface="Times New Roman" panose="02020603050405020304" pitchFamily="18" charset="0"/>
-                                </a:rPr>
-                                <m:t>0</m:t>
-                              </m:r>
-                            </m:e>
-                            <m:e>
-                              <m:r>
-                                <a:rPr kumimoji="1" lang="en-US" altLang="zh-CN" sz="1800" b="0" i="1" smtClean="0">
-                                  <a:latin typeface="Cambria Math" panose="02040503050406030204" pitchFamily="18" charset="0"/>
-                                  <a:cs typeface="Times New Roman" panose="02020603050405020304" pitchFamily="18" charset="0"/>
-                                </a:rPr>
-                                <m:t>1</m:t>
-                              </m:r>
-                            </m:e>
-                            <m:e>
-                              <m:r>
-                                <a:rPr kumimoji="1" lang="en-US" altLang="zh-CN" sz="1800" b="0" i="1" smtClean="0">
-                                  <a:latin typeface="Cambria Math" panose="02040503050406030204" pitchFamily="18" charset="0"/>
-                                  <a:cs typeface="Times New Roman" panose="02020603050405020304" pitchFamily="18" charset="0"/>
-                                </a:rPr>
-                                <m:t>0</m:t>
-                              </m:r>
-                            </m:e>
-                          </m:mr>
-                          <m:mr>
-                            <m:e>
-                              <m:r>
-                                <a:rPr kumimoji="1" lang="en-US" altLang="zh-CN" sz="1800" b="0" i="1" smtClean="0">
-                                  <a:latin typeface="Cambria Math" panose="02040503050406030204" pitchFamily="18" charset="0"/>
-                                  <a:cs typeface="Times New Roman" panose="02020603050405020304" pitchFamily="18" charset="0"/>
-                                </a:rPr>
-                                <m:t>5</m:t>
-                              </m:r>
-                            </m:e>
-                            <m:e>
-                              <m:r>
-                                <a:rPr kumimoji="1" lang="en-US" altLang="zh-CN" sz="1800" b="0" i="1" smtClean="0">
-                                  <a:latin typeface="Cambria Math" panose="02040503050406030204" pitchFamily="18" charset="0"/>
-                                  <a:cs typeface="Times New Roman" panose="02020603050405020304" pitchFamily="18" charset="0"/>
-                                </a:rPr>
-                                <m:t>0</m:t>
-                              </m:r>
-                            </m:e>
-                            <m:e>
-                              <m:r>
-                                <a:rPr kumimoji="1" lang="en-US" altLang="zh-CN" sz="1800" b="0" i="1" smtClean="0">
-                                  <a:latin typeface="Cambria Math" panose="02040503050406030204" pitchFamily="18" charset="0"/>
-                                  <a:cs typeface="Times New Roman" panose="02020603050405020304" pitchFamily="18" charset="0"/>
-                                </a:rPr>
-                                <m:t>0</m:t>
-                              </m:r>
-                            </m:e>
-                            <m:e>
-                              <m:r>
-                                <a:rPr kumimoji="1" lang="en-US" altLang="zh-CN" sz="1800" b="0" i="1" smtClean="0">
-                                  <a:latin typeface="Cambria Math" panose="02040503050406030204" pitchFamily="18" charset="0"/>
-                                  <a:cs typeface="Times New Roman" panose="02020603050405020304" pitchFamily="18" charset="0"/>
-                                </a:rPr>
-                                <m:t>0</m:t>
-                              </m:r>
-                            </m:e>
-                            <m:e>
-                              <m:r>
-                                <a:rPr kumimoji="1" lang="en-US" altLang="zh-CN" sz="1800" b="0" i="1" smtClean="0">
-                                  <a:latin typeface="Cambria Math" panose="02040503050406030204" pitchFamily="18" charset="0"/>
-                                  <a:cs typeface="Times New Roman" panose="02020603050405020304" pitchFamily="18" charset="0"/>
-                                </a:rPr>
-                                <m:t>0</m:t>
-                              </m:r>
-                            </m:e>
-                            <m:e>
-                              <m:r>
-                                <a:rPr kumimoji="1" lang="en-US" altLang="zh-CN" sz="1800" b="0" i="1" smtClean="0">
-                                  <a:latin typeface="Cambria Math" panose="02040503050406030204" pitchFamily="18" charset="0"/>
-                                  <a:cs typeface="Times New Roman" panose="02020603050405020304" pitchFamily="18" charset="0"/>
-                                </a:rPr>
-                                <m:t>1</m:t>
-                              </m:r>
-                            </m:e>
-                          </m:mr>
-                        </m:m>
-                      </m:e>
-                    </m:d>
-                  </m:oMath>
-                </a14:m>
-                <a:r>
-                  <a:rPr kumimoji="1" lang="en-US" altLang="zh-CN" sz="1800" dirty="0">
-                    <a:cs typeface="Times New Roman" panose="02020603050405020304" pitchFamily="18" charset="0"/>
-                  </a:rPr>
-                  <a:t> </a:t>
-                </a:r>
-                <a14:m>
-                  <m:oMath xmlns:m="http://schemas.openxmlformats.org/officeDocument/2006/math">
-                    <m:r>
-                      <m:rPr>
-                        <m:sty m:val="p"/>
-                      </m:rPr>
-                      <a:rPr kumimoji="1" lang="en-US" altLang="zh-CN" sz="1800" b="0" i="0" smtClean="0">
-                        <a:latin typeface="Cambria Math" panose="02040503050406030204" pitchFamily="18" charset="0"/>
-                        <a:cs typeface="Times New Roman" panose="02020603050405020304" pitchFamily="18" charset="0"/>
-                      </a:rPr>
-                      <m:t>B</m:t>
-                    </m:r>
-                    <m:r>
-                      <a:rPr kumimoji="1" lang="en-US" altLang="zh-CN" sz="1800" i="1">
-                        <a:latin typeface="Cambria Math" panose="02040503050406030204" pitchFamily="18" charset="0"/>
-                        <a:cs typeface="Times New Roman" panose="02020603050405020304" pitchFamily="18" charset="0"/>
-                      </a:rPr>
-                      <m:t>= </m:t>
-                    </m:r>
-                    <m:d>
-                      <m:dPr>
-                        <m:ctrlPr>
-                          <a:rPr kumimoji="1" lang="en-US" altLang="zh-CN" sz="1800" i="1">
-                            <a:latin typeface="Cambria Math" panose="02040503050406030204" pitchFamily="18" charset="0"/>
-                            <a:cs typeface="Times New Roman" panose="02020603050405020304" pitchFamily="18" charset="0"/>
-                          </a:rPr>
-                        </m:ctrlPr>
-                      </m:dPr>
-                      <m:e>
-                        <m:m>
-                          <m:mPr>
-                            <m:mcs>
-                              <m:mc>
-                                <m:mcPr>
-                                  <m:count m:val="6"/>
-                                  <m:mcJc m:val="center"/>
-                                </m:mcPr>
-                              </m:mc>
-                            </m:mcs>
-                            <m:ctrlPr>
-                              <a:rPr kumimoji="1" lang="en-US" altLang="zh-CN" sz="1800" i="1">
-                                <a:latin typeface="Cambria Math" panose="02040503050406030204" pitchFamily="18" charset="0"/>
-                                <a:cs typeface="Times New Roman" panose="02020603050405020304" pitchFamily="18" charset="0"/>
-                              </a:rPr>
-                            </m:ctrlPr>
-                          </m:mPr>
-                          <m:mr>
-                            <m:e>
-                              <m:r>
-                                <m:rPr>
-                                  <m:brk m:alnAt="7"/>
-                                </m:rPr>
-                                <a:rPr kumimoji="1" lang="en-US" altLang="zh-CN" sz="1800" b="0" i="1" smtClean="0">
-                                  <a:latin typeface="Cambria Math" panose="02040503050406030204" pitchFamily="18" charset="0"/>
-                                  <a:cs typeface="Times New Roman" panose="02020603050405020304" pitchFamily="18" charset="0"/>
-                                </a:rPr>
-                                <m:t>0</m:t>
-                              </m:r>
-                            </m:e>
-                            <m:e>
-                              <m:r>
-                                <a:rPr kumimoji="1" lang="en-US" altLang="zh-CN" sz="1800" b="0" i="1" smtClean="0">
-                                  <a:latin typeface="Cambria Math" panose="02040503050406030204" pitchFamily="18" charset="0"/>
-                                  <a:cs typeface="Times New Roman" panose="02020603050405020304" pitchFamily="18" charset="0"/>
-                                </a:rPr>
-                                <m:t>1</m:t>
-                              </m:r>
-                            </m:e>
-                            <m:e>
-                              <m:r>
-                                <a:rPr kumimoji="1" lang="en-US" altLang="zh-CN" sz="1800" b="0" i="1" smtClean="0">
-                                  <a:latin typeface="Cambria Math" panose="02040503050406030204" pitchFamily="18" charset="0"/>
-                                  <a:cs typeface="Times New Roman" panose="02020603050405020304" pitchFamily="18" charset="0"/>
-                                </a:rPr>
-                                <m:t>0</m:t>
-                              </m:r>
-                            </m:e>
-                            <m:e>
-                              <m:r>
-                                <a:rPr kumimoji="1" lang="en-US" altLang="zh-CN" sz="1800" b="0" i="1" smtClean="0">
-                                  <a:latin typeface="Cambria Math" panose="02040503050406030204" pitchFamily="18" charset="0"/>
-                                  <a:cs typeface="Times New Roman" panose="02020603050405020304" pitchFamily="18" charset="0"/>
-                                </a:rPr>
-                                <m:t>0</m:t>
-                              </m:r>
-                            </m:e>
-                            <m:e>
-                              <m:r>
-                                <a:rPr kumimoji="1" lang="en-US" altLang="zh-CN" sz="1800" b="0" i="1" smtClean="0">
-                                  <a:latin typeface="Cambria Math" panose="02040503050406030204" pitchFamily="18" charset="0"/>
-                                  <a:cs typeface="Times New Roman" panose="02020603050405020304" pitchFamily="18" charset="0"/>
-                                </a:rPr>
-                                <m:t>0</m:t>
-                              </m:r>
-                            </m:e>
-                            <m:e>
-                              <m:r>
-                                <a:rPr kumimoji="1" lang="en-US" altLang="zh-CN" sz="1800" b="0" i="1" smtClean="0">
-                                  <a:latin typeface="Cambria Math" panose="02040503050406030204" pitchFamily="18" charset="0"/>
-                                  <a:cs typeface="Times New Roman" panose="02020603050405020304" pitchFamily="18" charset="0"/>
-                                </a:rPr>
-                                <m:t>0</m:t>
-                              </m:r>
-                            </m:e>
-                          </m:mr>
-                          <m:mr>
-                            <m:e>
-                              <m:r>
-                                <a:rPr kumimoji="1" lang="en-US" altLang="zh-CN" sz="1800" b="0" i="1" smtClean="0">
-                                  <a:latin typeface="Cambria Math" panose="02040503050406030204" pitchFamily="18" charset="0"/>
-                                  <a:cs typeface="Times New Roman" panose="02020603050405020304" pitchFamily="18" charset="0"/>
-                                </a:rPr>
-                                <m:t>0</m:t>
-                              </m:r>
-                            </m:e>
-                            <m:e>
-                              <m:r>
-                                <a:rPr kumimoji="1" lang="en-US" altLang="zh-CN" sz="1800" b="0" i="1" smtClean="0">
-                                  <a:latin typeface="Cambria Math" panose="02040503050406030204" pitchFamily="18" charset="0"/>
-                                  <a:cs typeface="Times New Roman" panose="02020603050405020304" pitchFamily="18" charset="0"/>
-                                </a:rPr>
-                                <m:t>1</m:t>
-                              </m:r>
-                            </m:e>
-                            <m:e>
-                              <m:r>
-                                <a:rPr kumimoji="1" lang="en-US" altLang="zh-CN" sz="1800" b="0" i="1" smtClean="0">
-                                  <a:latin typeface="Cambria Math" panose="02040503050406030204" pitchFamily="18" charset="0"/>
-                                  <a:cs typeface="Times New Roman" panose="02020603050405020304" pitchFamily="18" charset="0"/>
-                                </a:rPr>
-                                <m:t>0</m:t>
-                              </m:r>
-                            </m:e>
-                            <m:e>
-                              <m:r>
-                                <a:rPr kumimoji="1" lang="en-US" altLang="zh-CN" sz="1800" b="0" i="1" smtClean="0">
-                                  <a:latin typeface="Cambria Math" panose="02040503050406030204" pitchFamily="18" charset="0"/>
-                                  <a:cs typeface="Times New Roman" panose="02020603050405020304" pitchFamily="18" charset="0"/>
-                                </a:rPr>
-                                <m:t>0</m:t>
-                              </m:r>
-                            </m:e>
-                            <m:e>
-                              <m:r>
-                                <a:rPr kumimoji="1" lang="en-US" altLang="zh-CN" sz="1800" b="0" i="1" smtClean="0">
-                                  <a:latin typeface="Cambria Math" panose="02040503050406030204" pitchFamily="18" charset="0"/>
-                                  <a:cs typeface="Times New Roman" panose="02020603050405020304" pitchFamily="18" charset="0"/>
-                                </a:rPr>
-                                <m:t>0</m:t>
-                              </m:r>
-                            </m:e>
-                            <m:e>
-                              <m:r>
-                                <a:rPr kumimoji="1" lang="en-US" altLang="zh-CN" sz="1800" b="0" i="1" smtClean="0">
-                                  <a:latin typeface="Cambria Math" panose="02040503050406030204" pitchFamily="18" charset="0"/>
-                                  <a:cs typeface="Times New Roman" panose="02020603050405020304" pitchFamily="18" charset="0"/>
-                                </a:rPr>
-                                <m:t>0</m:t>
-                              </m:r>
-                            </m:e>
-                          </m:mr>
-                          <m:mr>
-                            <m:e>
-                              <m:r>
-                                <a:rPr kumimoji="1" lang="en-US" altLang="zh-CN" sz="1800" b="0" i="1" smtClean="0">
-                                  <a:latin typeface="Cambria Math" panose="02040503050406030204" pitchFamily="18" charset="0"/>
-                                  <a:cs typeface="Times New Roman" panose="02020603050405020304" pitchFamily="18" charset="0"/>
-                                </a:rPr>
-                                <m:t>1</m:t>
-                              </m:r>
-                            </m:e>
-                            <m:e>
-                              <m:r>
-                                <a:rPr kumimoji="1" lang="en-US" altLang="zh-CN" sz="1800" b="0" i="1" smtClean="0">
-                                  <a:latin typeface="Cambria Math" panose="02040503050406030204" pitchFamily="18" charset="0"/>
-                                  <a:cs typeface="Times New Roman" panose="02020603050405020304" pitchFamily="18" charset="0"/>
-                                </a:rPr>
-                                <m:t>0</m:t>
-                              </m:r>
-                            </m:e>
-                            <m:e>
-                              <m:r>
-                                <a:rPr kumimoji="1" lang="en-US" altLang="zh-CN" sz="1800" b="0" i="1" smtClean="0">
-                                  <a:latin typeface="Cambria Math" panose="02040503050406030204" pitchFamily="18" charset="0"/>
-                                  <a:cs typeface="Times New Roman" panose="02020603050405020304" pitchFamily="18" charset="0"/>
-                                </a:rPr>
-                                <m:t>0</m:t>
-                              </m:r>
-                            </m:e>
-                            <m:e>
-                              <m:r>
-                                <a:rPr kumimoji="1" lang="en-US" altLang="zh-CN" sz="1800" b="0" i="1" smtClean="0">
-                                  <a:latin typeface="Cambria Math" panose="02040503050406030204" pitchFamily="18" charset="0"/>
-                                  <a:cs typeface="Times New Roman" panose="02020603050405020304" pitchFamily="18" charset="0"/>
-                                </a:rPr>
-                                <m:t>0</m:t>
-                              </m:r>
-                            </m:e>
-                            <m:e>
-                              <m:r>
-                                <a:rPr kumimoji="1" lang="en-US" altLang="zh-CN" sz="1800" b="0" i="1" smtClean="0">
-                                  <a:latin typeface="Cambria Math" panose="02040503050406030204" pitchFamily="18" charset="0"/>
-                                  <a:cs typeface="Times New Roman" panose="02020603050405020304" pitchFamily="18" charset="0"/>
-                                </a:rPr>
-                                <m:t>0</m:t>
-                              </m:r>
-                            </m:e>
-                            <m:e>
-                              <m:r>
-                                <a:rPr kumimoji="1" lang="en-US" altLang="zh-CN" sz="1800" b="0" i="1" smtClean="0">
-                                  <a:latin typeface="Cambria Math" panose="02040503050406030204" pitchFamily="18" charset="0"/>
-                                  <a:cs typeface="Times New Roman" panose="02020603050405020304" pitchFamily="18" charset="0"/>
-                                </a:rPr>
-                                <m:t>0</m:t>
-                              </m:r>
-                            </m:e>
-                          </m:mr>
-                          <m:mr>
-                            <m:e>
-                              <m:r>
-                                <a:rPr kumimoji="1" lang="en-US" altLang="zh-CN" sz="1800" b="0" i="1" smtClean="0">
-                                  <a:latin typeface="Cambria Math" panose="02040503050406030204" pitchFamily="18" charset="0"/>
-                                  <a:cs typeface="Times New Roman" panose="02020603050405020304" pitchFamily="18" charset="0"/>
-                                </a:rPr>
-                                <m:t>1</m:t>
-                              </m:r>
-                            </m:e>
-                            <m:e>
-                              <m:r>
-                                <a:rPr kumimoji="1" lang="en-US" altLang="zh-CN" sz="1800" b="0" i="1" smtClean="0">
-                                  <a:latin typeface="Cambria Math" panose="02040503050406030204" pitchFamily="18" charset="0"/>
-                                  <a:cs typeface="Times New Roman" panose="02020603050405020304" pitchFamily="18" charset="0"/>
-                                </a:rPr>
-                                <m:t>0</m:t>
-                              </m:r>
-                            </m:e>
-                            <m:e>
-                              <m:r>
-                                <a:rPr kumimoji="1" lang="en-US" altLang="zh-CN" sz="1800" b="0" i="1" smtClean="0">
-                                  <a:latin typeface="Cambria Math" panose="02040503050406030204" pitchFamily="18" charset="0"/>
-                                  <a:cs typeface="Times New Roman" panose="02020603050405020304" pitchFamily="18" charset="0"/>
-                                </a:rPr>
-                                <m:t>0</m:t>
-                              </m:r>
-                            </m:e>
-                            <m:e>
-                              <m:r>
-                                <a:rPr kumimoji="1" lang="en-US" altLang="zh-CN" sz="1800" b="0" i="1" smtClean="0">
-                                  <a:latin typeface="Cambria Math" panose="02040503050406030204" pitchFamily="18" charset="0"/>
-                                  <a:cs typeface="Times New Roman" panose="02020603050405020304" pitchFamily="18" charset="0"/>
-                                </a:rPr>
-                                <m:t>0</m:t>
-                              </m:r>
-                            </m:e>
-                            <m:e>
-                              <m:r>
-                                <a:rPr kumimoji="1" lang="en-US" altLang="zh-CN" sz="1800" b="0" i="1" smtClean="0">
-                                  <a:latin typeface="Cambria Math" panose="02040503050406030204" pitchFamily="18" charset="0"/>
-                                  <a:cs typeface="Times New Roman" panose="02020603050405020304" pitchFamily="18" charset="0"/>
-                                </a:rPr>
-                                <m:t>0</m:t>
-                              </m:r>
-                            </m:e>
-                            <m:e>
-                              <m:r>
-                                <a:rPr kumimoji="1" lang="en-US" altLang="zh-CN" sz="1800" b="0" i="1" smtClean="0">
-                                  <a:latin typeface="Cambria Math" panose="02040503050406030204" pitchFamily="18" charset="0"/>
-                                  <a:cs typeface="Times New Roman" panose="02020603050405020304" pitchFamily="18" charset="0"/>
-                                </a:rPr>
-                                <m:t>0</m:t>
-                              </m:r>
-                            </m:e>
-                          </m:mr>
-                        </m:m>
-                      </m:e>
-                    </m:d>
-                  </m:oMath>
-                </a14:m>
-                <a:r>
-                  <a:rPr kumimoji="1" lang="en-US" altLang="zh-CN" sz="1800" dirty="0">
-                    <a:cs typeface="Times New Roman" panose="02020603050405020304" pitchFamily="18" charset="0"/>
-                  </a:rPr>
-                  <a:t> </a:t>
-                </a:r>
-                <a14:m>
-                  <m:oMath xmlns:m="http://schemas.openxmlformats.org/officeDocument/2006/math">
-                    <m:r>
-                      <m:rPr>
-                        <m:sty m:val="p"/>
-                      </m:rPr>
-                      <a:rPr kumimoji="1" lang="en-US" altLang="zh-CN" sz="1800" dirty="0">
-                        <a:latin typeface="Cambria Math" panose="02040503050406030204" pitchFamily="18" charset="0"/>
-                        <a:cs typeface="Times New Roman" panose="02020603050405020304" pitchFamily="18" charset="0"/>
-                      </a:rPr>
-                      <m:t>C</m:t>
-                    </m:r>
-                    <m:r>
-                      <a:rPr kumimoji="1" lang="en-US" altLang="zh-CN" sz="1800" i="1">
-                        <a:latin typeface="Cambria Math" panose="02040503050406030204" pitchFamily="18" charset="0"/>
-                        <a:cs typeface="Times New Roman" panose="02020603050405020304" pitchFamily="18" charset="0"/>
-                      </a:rPr>
-                      <m:t>= </m:t>
-                    </m:r>
-                    <m:d>
-                      <m:dPr>
-                        <m:ctrlPr>
-                          <a:rPr kumimoji="1" lang="en-US" altLang="zh-CN" sz="1800" i="1">
-                            <a:latin typeface="Cambria Math" panose="02040503050406030204" pitchFamily="18" charset="0"/>
-                            <a:cs typeface="Times New Roman" panose="02020603050405020304" pitchFamily="18" charset="0"/>
-                          </a:rPr>
-                        </m:ctrlPr>
-                      </m:dPr>
-                      <m:e>
-                        <m:m>
-                          <m:mPr>
-                            <m:mcs>
-                              <m:mc>
-                                <m:mcPr>
-                                  <m:count m:val="6"/>
-                                  <m:mcJc m:val="center"/>
-                                </m:mcPr>
-                              </m:mc>
-                            </m:mcs>
-                            <m:ctrlPr>
-                              <a:rPr kumimoji="1" lang="en-US" altLang="zh-CN" sz="1800" i="1">
-                                <a:latin typeface="Cambria Math" panose="02040503050406030204" pitchFamily="18" charset="0"/>
-                                <a:cs typeface="Times New Roman" panose="02020603050405020304" pitchFamily="18" charset="0"/>
-                              </a:rPr>
-                            </m:ctrlPr>
-                          </m:mPr>
-                          <m:mr>
-                            <m:e>
-                              <m:r>
-                                <m:rPr>
-                                  <m:brk m:alnAt="7"/>
-                                </m:rPr>
-                                <a:rPr kumimoji="1" lang="en-US" altLang="zh-CN" sz="1800" b="0" i="1" smtClean="0">
-                                  <a:latin typeface="Cambria Math" panose="02040503050406030204" pitchFamily="18" charset="0"/>
-                                  <a:cs typeface="Times New Roman" panose="02020603050405020304" pitchFamily="18" charset="0"/>
-                                </a:rPr>
-                                <m:t>0</m:t>
-                              </m:r>
-                            </m:e>
-                            <m:e>
-                              <m:r>
-                                <a:rPr kumimoji="1" lang="en-US" altLang="zh-CN" sz="1800" b="0" i="1" smtClean="0">
-                                  <a:latin typeface="Cambria Math" panose="02040503050406030204" pitchFamily="18" charset="0"/>
-                                  <a:cs typeface="Times New Roman" panose="02020603050405020304" pitchFamily="18" charset="0"/>
-                                </a:rPr>
-                                <m:t>0</m:t>
-                              </m:r>
-                            </m:e>
-                            <m:e>
-                              <m:r>
-                                <a:rPr kumimoji="1" lang="en-US" altLang="zh-CN" sz="1800" b="0" i="1" smtClean="0">
-                                  <a:latin typeface="Cambria Math" panose="02040503050406030204" pitchFamily="18" charset="0"/>
-                                  <a:cs typeface="Times New Roman" panose="02020603050405020304" pitchFamily="18" charset="0"/>
-                                </a:rPr>
-                                <m:t>0</m:t>
-                              </m:r>
-                            </m:e>
-                            <m:e>
-                              <m:r>
-                                <a:rPr kumimoji="1" lang="en-US" altLang="zh-CN" sz="1800" b="0" i="1" smtClean="0">
-                                  <a:latin typeface="Cambria Math" panose="02040503050406030204" pitchFamily="18" charset="0"/>
-                                  <a:cs typeface="Times New Roman" panose="02020603050405020304" pitchFamily="18" charset="0"/>
-                                </a:rPr>
-                                <m:t>1</m:t>
-                              </m:r>
-                            </m:e>
-                            <m:e>
-                              <m:r>
-                                <a:rPr kumimoji="1" lang="en-US" altLang="zh-CN" sz="1800" b="0" i="1" smtClean="0">
-                                  <a:latin typeface="Cambria Math" panose="02040503050406030204" pitchFamily="18" charset="0"/>
-                                  <a:cs typeface="Times New Roman" panose="02020603050405020304" pitchFamily="18" charset="0"/>
-                                </a:rPr>
-                                <m:t>0</m:t>
-                              </m:r>
-                            </m:e>
-                            <m:e>
-                              <m:r>
-                                <a:rPr kumimoji="1" lang="en-US" altLang="zh-CN" sz="1800" b="0" i="1" smtClean="0">
-                                  <a:latin typeface="Cambria Math" panose="02040503050406030204" pitchFamily="18" charset="0"/>
-                                  <a:cs typeface="Times New Roman" panose="02020603050405020304" pitchFamily="18" charset="0"/>
-                                </a:rPr>
-                                <m:t>0</m:t>
-                              </m:r>
-                            </m:e>
-                          </m:mr>
-                          <m:mr>
-                            <m:e>
-                              <m:r>
-                                <a:rPr kumimoji="1" lang="en-US" altLang="zh-CN" sz="1800" b="0" i="1" smtClean="0">
-                                  <a:latin typeface="Cambria Math" panose="02040503050406030204" pitchFamily="18" charset="0"/>
-                                  <a:cs typeface="Times New Roman" panose="02020603050405020304" pitchFamily="18" charset="0"/>
-                                </a:rPr>
-                                <m:t>0</m:t>
-                              </m:r>
-                            </m:e>
-                            <m:e>
-                              <m:r>
-                                <a:rPr kumimoji="1" lang="en-US" altLang="zh-CN" sz="1800" b="0" i="1" smtClean="0">
-                                  <a:latin typeface="Cambria Math" panose="02040503050406030204" pitchFamily="18" charset="0"/>
-                                  <a:cs typeface="Times New Roman" panose="02020603050405020304" pitchFamily="18" charset="0"/>
-                                </a:rPr>
-                                <m:t>0</m:t>
-                              </m:r>
-                            </m:e>
-                            <m:e>
-                              <m:r>
-                                <a:rPr kumimoji="1" lang="en-US" altLang="zh-CN" sz="1800" b="0" i="1" smtClean="0">
-                                  <a:latin typeface="Cambria Math" panose="02040503050406030204" pitchFamily="18" charset="0"/>
-                                  <a:cs typeface="Times New Roman" panose="02020603050405020304" pitchFamily="18" charset="0"/>
-                                </a:rPr>
-                                <m:t>0</m:t>
-                              </m:r>
-                            </m:e>
-                            <m:e>
-                              <m:r>
-                                <a:rPr kumimoji="1" lang="en-US" altLang="zh-CN" sz="1800" b="0" i="1" smtClean="0">
-                                  <a:latin typeface="Cambria Math" panose="02040503050406030204" pitchFamily="18" charset="0"/>
-                                  <a:cs typeface="Times New Roman" panose="02020603050405020304" pitchFamily="18" charset="0"/>
-                                </a:rPr>
-                                <m:t>0</m:t>
-                              </m:r>
-                            </m:e>
-                            <m:e>
-                              <m:r>
-                                <a:rPr kumimoji="1" lang="en-US" altLang="zh-CN" sz="1800" b="0" i="1" smtClean="0">
-                                  <a:latin typeface="Cambria Math" panose="02040503050406030204" pitchFamily="18" charset="0"/>
-                                  <a:cs typeface="Times New Roman" panose="02020603050405020304" pitchFamily="18" charset="0"/>
-                                </a:rPr>
-                                <m:t>1</m:t>
-                              </m:r>
-                            </m:e>
-                            <m:e>
-                              <m:r>
-                                <a:rPr kumimoji="1" lang="en-US" altLang="zh-CN" sz="1800" b="0" i="1" smtClean="0">
-                                  <a:latin typeface="Cambria Math" panose="02040503050406030204" pitchFamily="18" charset="0"/>
-                                  <a:cs typeface="Times New Roman" panose="02020603050405020304" pitchFamily="18" charset="0"/>
-                                </a:rPr>
-                                <m:t>0</m:t>
-                              </m:r>
-                            </m:e>
-                          </m:mr>
-                          <m:mr>
-                            <m:e>
-                              <m:r>
-                                <a:rPr kumimoji="1" lang="en-US" altLang="zh-CN" sz="1800" b="0" i="1" smtClean="0">
-                                  <a:latin typeface="Cambria Math" panose="02040503050406030204" pitchFamily="18" charset="0"/>
-                                  <a:cs typeface="Times New Roman" panose="02020603050405020304" pitchFamily="18" charset="0"/>
-                                </a:rPr>
-                                <m:t>0</m:t>
-                              </m:r>
-                            </m:e>
-                            <m:e>
-                              <m:r>
-                                <a:rPr kumimoji="1" lang="en-US" altLang="zh-CN" sz="1800" b="0" i="1" smtClean="0">
-                                  <a:latin typeface="Cambria Math" panose="02040503050406030204" pitchFamily="18" charset="0"/>
-                                  <a:cs typeface="Times New Roman" panose="02020603050405020304" pitchFamily="18" charset="0"/>
-                                </a:rPr>
-                                <m:t>0</m:t>
-                              </m:r>
-                            </m:e>
-                            <m:e>
-                              <m:r>
-                                <a:rPr kumimoji="1" lang="en-US" altLang="zh-CN" sz="1800" b="0" i="1" smtClean="0">
-                                  <a:latin typeface="Cambria Math" panose="02040503050406030204" pitchFamily="18" charset="0"/>
-                                  <a:cs typeface="Times New Roman" panose="02020603050405020304" pitchFamily="18" charset="0"/>
-                                </a:rPr>
-                                <m:t>0</m:t>
-                              </m:r>
-                            </m:e>
-                            <m:e>
-                              <m:r>
-                                <a:rPr kumimoji="1" lang="en-US" altLang="zh-CN" sz="1800" b="0" i="1" smtClean="0">
-                                  <a:latin typeface="Cambria Math" panose="02040503050406030204" pitchFamily="18" charset="0"/>
-                                  <a:cs typeface="Times New Roman" panose="02020603050405020304" pitchFamily="18" charset="0"/>
-                                </a:rPr>
-                                <m:t>0</m:t>
-                              </m:r>
-                            </m:e>
-                            <m:e>
-                              <m:r>
-                                <a:rPr kumimoji="1" lang="en-US" altLang="zh-CN" sz="1800" b="0" i="1" smtClean="0">
-                                  <a:latin typeface="Cambria Math" panose="02040503050406030204" pitchFamily="18" charset="0"/>
-                                  <a:cs typeface="Times New Roman" panose="02020603050405020304" pitchFamily="18" charset="0"/>
-                                </a:rPr>
-                                <m:t>0</m:t>
-                              </m:r>
-                            </m:e>
-                            <m:e>
-                              <m:r>
-                                <a:rPr kumimoji="1" lang="en-US" altLang="zh-CN" sz="1800" b="0" i="1" smtClean="0">
-                                  <a:latin typeface="Cambria Math" panose="02040503050406030204" pitchFamily="18" charset="0"/>
-                                  <a:cs typeface="Times New Roman" panose="02020603050405020304" pitchFamily="18" charset="0"/>
-                                </a:rPr>
-                                <m:t>1</m:t>
-                              </m:r>
-                            </m:e>
-                          </m:mr>
-                          <m:mr>
-                            <m:e>
-                              <m:r>
-                                <a:rPr kumimoji="1" lang="en-US" altLang="zh-CN" sz="1800" b="0" i="1" smtClean="0">
-                                  <a:latin typeface="Cambria Math" panose="02040503050406030204" pitchFamily="18" charset="0"/>
-                                  <a:cs typeface="Times New Roman" panose="02020603050405020304" pitchFamily="18" charset="0"/>
-                                </a:rPr>
-                                <m:t>0</m:t>
-                              </m:r>
-                            </m:e>
-                            <m:e>
-                              <m:r>
-                                <a:rPr kumimoji="1" lang="en-US" altLang="zh-CN" sz="1800" b="0" i="1" smtClean="0">
-                                  <a:latin typeface="Cambria Math" panose="02040503050406030204" pitchFamily="18" charset="0"/>
-                                  <a:cs typeface="Times New Roman" panose="02020603050405020304" pitchFamily="18" charset="0"/>
-                                </a:rPr>
-                                <m:t>0</m:t>
-                              </m:r>
-                            </m:e>
-                            <m:e>
-                              <m:r>
-                                <a:rPr kumimoji="1" lang="en-US" altLang="zh-CN" sz="1800" b="0" i="1" smtClean="0">
-                                  <a:latin typeface="Cambria Math" panose="02040503050406030204" pitchFamily="18" charset="0"/>
-                                  <a:cs typeface="Times New Roman" panose="02020603050405020304" pitchFamily="18" charset="0"/>
-                                </a:rPr>
-                                <m:t>1</m:t>
-                              </m:r>
-                            </m:e>
-                            <m:e>
-                              <m:r>
-                                <a:rPr kumimoji="1" lang="en-US" altLang="zh-CN" sz="1800" b="0" i="1" smtClean="0">
-                                  <a:latin typeface="Cambria Math" panose="02040503050406030204" pitchFamily="18" charset="0"/>
-                                  <a:cs typeface="Times New Roman" panose="02020603050405020304" pitchFamily="18" charset="0"/>
-                                </a:rPr>
-                                <m:t>0</m:t>
-                              </m:r>
-                            </m:e>
-                            <m:e>
-                              <m:r>
-                                <a:rPr kumimoji="1" lang="en-US" altLang="zh-CN" sz="1800" b="0" i="1" smtClean="0">
-                                  <a:latin typeface="Cambria Math" panose="02040503050406030204" pitchFamily="18" charset="0"/>
-                                  <a:cs typeface="Times New Roman" panose="02020603050405020304" pitchFamily="18" charset="0"/>
-                                </a:rPr>
-                                <m:t>0</m:t>
-                              </m:r>
-                            </m:e>
-                            <m:e>
-                              <m:r>
-                                <a:rPr kumimoji="1" lang="en-US" altLang="zh-CN" sz="1800" b="0" i="1" smtClean="0">
-                                  <a:latin typeface="Cambria Math" panose="02040503050406030204" pitchFamily="18" charset="0"/>
-                                  <a:cs typeface="Times New Roman" panose="02020603050405020304" pitchFamily="18" charset="0"/>
-                                </a:rPr>
-                                <m:t>0</m:t>
-                              </m:r>
-                            </m:e>
-                          </m:mr>
-                        </m:m>
-                      </m:e>
-                    </m:d>
-                  </m:oMath>
-                </a14:m>
-                <a:endParaRPr kumimoji="1" lang="en-US" altLang="zh-CN" sz="1800" dirty="0">
-                  <a:latin typeface="Times New Roman" panose="02020603050405020304" pitchFamily="18" charset="0"/>
-                  <a:cs typeface="Times New Roman" panose="02020603050405020304" pitchFamily="18" charset="0"/>
-                </a:endParaRPr>
-              </a:p>
-              <a:p>
-                <a:pPr marL="548640" lvl="1" indent="0" algn="ctr">
-                  <a:buNone/>
-                </a:pPr>
-                <a:r>
-                  <a:rPr kumimoji="1" lang="en-US" altLang="zh-CN" sz="1800" dirty="0">
-                    <a:latin typeface="Times New Roman" panose="02020603050405020304" pitchFamily="18" charset="0"/>
-                    <a:cs typeface="Times New Roman" panose="02020603050405020304" pitchFamily="18" charset="0"/>
-                  </a:rPr>
-                  <a:t>	</a:t>
-                </a:r>
-                <a:endParaRPr lang="en-US" altLang="zh-CN" sz="1800" i="1" dirty="0">
-                  <a:latin typeface="Cambria Math" panose="02040503050406030204" pitchFamily="18" charset="0"/>
-                </a:endParaRPr>
-              </a:p>
-              <a:p>
-                <a:pPr marL="548640" lvl="1" indent="0" algn="ctr">
-                  <a:buNone/>
-                </a:pPr>
-                <a14:m>
-                  <m:oMathPara xmlns:m="http://schemas.openxmlformats.org/officeDocument/2006/math">
-                    <m:oMathParaPr>
-                      <m:jc m:val="centerGroup"/>
-                    </m:oMathParaPr>
-                    <m:oMath xmlns:m="http://schemas.openxmlformats.org/officeDocument/2006/math">
-                      <m:r>
-                        <m:rPr>
-                          <m:sty m:val="p"/>
-                        </m:rPr>
-                        <a:rPr lang="en-US" altLang="zh-CN" sz="1800" b="0" i="0" dirty="0">
-                          <a:latin typeface="Cambria Math" panose="02040503050406030204" pitchFamily="18" charset="0"/>
-                        </a:rPr>
-                        <m:t>Variable</m:t>
-                      </m:r>
-                      <m:r>
-                        <a:rPr lang="en-US" altLang="zh-CN" sz="1800" b="0" i="0" dirty="0">
-                          <a:latin typeface="Cambria Math" panose="02040503050406030204" pitchFamily="18" charset="0"/>
-                        </a:rPr>
-                        <m:t> </m:t>
-                      </m:r>
-                      <m:r>
-                        <m:rPr>
-                          <m:sty m:val="p"/>
-                        </m:rPr>
-                        <a:rPr lang="en-US" altLang="zh-CN" sz="1800" b="0" i="0" dirty="0">
-                          <a:latin typeface="Cambria Math" panose="02040503050406030204" pitchFamily="18" charset="0"/>
-                        </a:rPr>
-                        <m:t>mapping</m:t>
-                      </m:r>
-                      <m:r>
-                        <a:rPr lang="en-US" altLang="zh-CN" sz="1800" b="0" i="0" dirty="0">
-                          <a:latin typeface="Cambria Math" panose="02040503050406030204" pitchFamily="18" charset="0"/>
-                        </a:rPr>
-                        <m:t>=</m:t>
-                      </m:r>
-                      <m:d>
-                        <m:dPr>
-                          <m:ctrlPr>
-                            <a:rPr lang="en-US" altLang="zh-CN" sz="1800" dirty="0">
-                              <a:latin typeface="Cambria Math" panose="02040503050406030204" pitchFamily="18" charset="0"/>
-                            </a:rPr>
-                          </m:ctrlPr>
-                        </m:dPr>
-                        <m:e>
-                          <m:r>
-                            <a:rPr lang="en-US" altLang="zh-CN" sz="1800" b="0" i="0" dirty="0">
-                              <a:latin typeface="Cambria Math" panose="02040503050406030204" pitchFamily="18" charset="0"/>
-                            </a:rPr>
-                            <m:t>~</m:t>
-                          </m:r>
-                          <m:r>
-                            <m:rPr>
-                              <m:sty m:val="p"/>
-                            </m:rPr>
-                            <a:rPr lang="en-US" altLang="zh-CN" sz="1800" b="0" i="0" dirty="0">
-                              <a:latin typeface="Cambria Math" panose="02040503050406030204" pitchFamily="18" charset="0"/>
-                            </a:rPr>
-                            <m:t>one</m:t>
-                          </m:r>
-                          <m:r>
-                            <a:rPr lang="en-US" altLang="zh-CN" sz="1800" b="0" i="0" dirty="0">
-                              <a:latin typeface="Cambria Math" panose="02040503050406030204" pitchFamily="18" charset="0"/>
-                            </a:rPr>
-                            <m:t>, </m:t>
-                          </m:r>
-                          <m:r>
-                            <m:rPr>
-                              <m:sty m:val="p"/>
-                            </m:rPr>
-                            <a:rPr lang="en-US" altLang="zh-CN" sz="1800" b="0" i="0" dirty="0">
-                              <a:latin typeface="Cambria Math" panose="02040503050406030204" pitchFamily="18" charset="0"/>
-                            </a:rPr>
-                            <m:t>x</m:t>
-                          </m:r>
-                          <m:r>
-                            <a:rPr lang="en-US" altLang="zh-CN" sz="1800" b="0" i="0" dirty="0">
-                              <a:latin typeface="Cambria Math" panose="02040503050406030204" pitchFamily="18" charset="0"/>
-                            </a:rPr>
-                            <m:t>,,~</m:t>
-                          </m:r>
-                          <m:r>
-                            <m:rPr>
-                              <m:sty m:val="p"/>
-                            </m:rPr>
-                            <a:rPr lang="en-US" altLang="zh-CN" sz="1800" b="0" i="0" dirty="0">
-                              <a:latin typeface="Cambria Math" panose="02040503050406030204" pitchFamily="18" charset="0"/>
-                            </a:rPr>
-                            <m:t>out</m:t>
-                          </m:r>
-                          <m:r>
-                            <a:rPr lang="en-US" altLang="zh-CN" sz="1800" b="0" i="0" dirty="0">
-                              <a:latin typeface="Cambria Math" panose="02040503050406030204" pitchFamily="18" charset="0"/>
-                            </a:rPr>
-                            <m:t>,</m:t>
-                          </m:r>
-                          <m:r>
-                            <m:rPr>
-                              <m:sty m:val="p"/>
-                            </m:rPr>
-                            <a:rPr lang="en-US" altLang="zh-CN" sz="1800" b="0" i="0" dirty="0">
-                              <a:latin typeface="Cambria Math" panose="02040503050406030204" pitchFamily="18" charset="0"/>
-                            </a:rPr>
-                            <m:t>x</m:t>
-                          </m:r>
-                          <m:r>
-                            <a:rPr lang="en-US" altLang="zh-CN" sz="1800" b="0" i="0" baseline="30000" dirty="0">
-                              <a:latin typeface="Cambria Math" panose="02040503050406030204" pitchFamily="18" charset="0"/>
-                            </a:rPr>
-                            <m:t>2</m:t>
-                          </m:r>
-                          <m:r>
-                            <a:rPr lang="en-US" altLang="zh-CN" sz="1800" b="0" i="0" dirty="0">
-                              <a:latin typeface="Cambria Math" panose="02040503050406030204" pitchFamily="18" charset="0"/>
-                            </a:rPr>
-                            <m:t>,</m:t>
-                          </m:r>
-                          <m:r>
-                            <m:rPr>
-                              <m:sty m:val="p"/>
-                            </m:rPr>
-                            <a:rPr lang="en-US" altLang="zh-CN" sz="1800" b="0" i="0" dirty="0">
-                              <a:latin typeface="Cambria Math" panose="02040503050406030204" pitchFamily="18" charset="0"/>
-                            </a:rPr>
-                            <m:t>x</m:t>
-                          </m:r>
-                          <m:r>
-                            <a:rPr lang="en-US" altLang="zh-CN" sz="1800" b="0" i="0" baseline="30000" dirty="0">
-                              <a:latin typeface="Cambria Math" panose="02040503050406030204" pitchFamily="18" charset="0"/>
-                            </a:rPr>
-                            <m:t>3</m:t>
-                          </m:r>
-                          <m:r>
-                            <a:rPr lang="en-US" altLang="zh-CN" sz="1800" b="0" i="0" dirty="0">
-                              <a:latin typeface="Cambria Math" panose="02040503050406030204" pitchFamily="18" charset="0"/>
-                            </a:rPr>
-                            <m:t>,</m:t>
-                          </m:r>
-                          <m:r>
-                            <m:rPr>
-                              <m:sty m:val="p"/>
-                            </m:rPr>
-                            <a:rPr lang="en-US" altLang="zh-CN" sz="1800" b="0" i="0" dirty="0">
-                              <a:latin typeface="Cambria Math" panose="02040503050406030204" pitchFamily="18" charset="0"/>
-                            </a:rPr>
-                            <m:t>sym</m:t>
-                          </m:r>
-                          <m:r>
-                            <a:rPr lang="en-US" altLang="zh-CN" sz="1800" b="0" i="0" baseline="-25000" dirty="0">
-                              <a:latin typeface="Cambria Math" panose="02040503050406030204" pitchFamily="18" charset="0"/>
-                            </a:rPr>
-                            <m:t>1</m:t>
-                          </m:r>
-                        </m:e>
-                      </m:d>
-                    </m:oMath>
-                  </m:oMathPara>
-                </a14:m>
-                <a:endParaRPr kumimoji="1" lang="en-US" altLang="zh-CN" sz="1800" dirty="0">
-                  <a:latin typeface="Times New Roman" panose="02020603050405020304" pitchFamily="18" charset="0"/>
-                  <a:cs typeface="Times New Roman" panose="02020603050405020304" pitchFamily="18" charset="0"/>
-                </a:endParaRPr>
-              </a:p>
-              <a:p>
-                <a:pPr marL="0" indent="0">
-                  <a:buNone/>
-                </a:pPr>
-                <a:endParaRPr kumimoji="1" lang="en-US" altLang="zh-CN" sz="2640" dirty="0">
-                  <a:solidFill>
-                    <a:srgbClr val="000000">
-                      <a:lumMod val="75000"/>
-                      <a:lumOff val="25000"/>
-                    </a:srgbClr>
-                  </a:solidFill>
-                  <a:latin typeface="Times New Roman" panose="02020603050405020304" pitchFamily="18" charset="0"/>
-                  <a:cs typeface="Times New Roman" panose="02020603050405020304" pitchFamily="18" charset="0"/>
-                </a:endParaRPr>
-              </a:p>
-            </p:txBody>
-          </p:sp>
-        </mc:Choice>
-        <mc:Fallback>
-          <p:sp>
-            <p:nvSpPr>
-              <p:cNvPr id="3" name="内容占位符 2">
-                <a:extLst>
-                  <a:ext uri="{FF2B5EF4-FFF2-40B4-BE49-F238E27FC236}">
-                    <a16:creationId xmlns:a16="http://schemas.microsoft.com/office/drawing/2014/main" id="{F70074B0-7D54-CB43-A2C4-E8723E631238}"/>
-                  </a:ext>
-                </a:extLst>
-              </p:cNvPr>
-              <p:cNvSpPr>
-                <a:spLocks noGrp="1" noRot="1" noChangeAspect="1" noMove="1" noResize="1" noEditPoints="1" noAdjustHandles="1" noChangeArrowheads="1" noChangeShapeType="1" noTextEdit="1"/>
-              </p:cNvSpPr>
-              <p:nvPr>
-                <p:ph idx="1"/>
-              </p:nvPr>
-            </p:nvSpPr>
-            <p:spPr>
-              <a:xfrm>
-                <a:off x="639156" y="1635624"/>
-                <a:ext cx="10913687" cy="4756153"/>
-              </a:xfrm>
-              <a:blipFill>
-                <a:blip r:embed="rId3"/>
-                <a:stretch>
-                  <a:fillRect l="-1061" t="-512"/>
-                </a:stretch>
-              </a:blipFill>
-            </p:spPr>
-            <p:txBody>
-              <a:bodyPr/>
-              <a:lstStyle/>
-              <a:p>
-                <a:r>
-                  <a:rPr lang="zh-CN" altLang="en-US">
-                    <a:noFill/>
-                  </a:rPr>
-                  <a:t> </a:t>
-                </a:r>
-              </a:p>
-            </p:txBody>
-          </p:sp>
-        </mc:Fallback>
-      </mc:AlternateContent>
+      <p:sp>
+        <p:nvSpPr>
+          <p:cNvPr id="3" name="内容占位符 2">
+            <a:extLst>
+              <a:ext uri="{FF2B5EF4-FFF2-40B4-BE49-F238E27FC236}">
+                <a16:creationId xmlns:a16="http://schemas.microsoft.com/office/drawing/2014/main" id="{F70074B0-7D54-CB43-A2C4-E8723E631238}"/>
+              </a:ext>
+            </a:extLst>
+          </p:cNvPr>
+          <p:cNvSpPr>
+            <a:spLocks noGrp="1"/>
+          </p:cNvSpPr>
+          <p:nvPr>
+            <p:ph idx="1"/>
+          </p:nvPr>
+        </p:nvSpPr>
+        <p:spPr>
+          <a:xfrm>
+            <a:off x="639156" y="1635624"/>
+            <a:ext cx="10913687" cy="4486879"/>
+          </a:xfrm>
+        </p:spPr>
+        <p:txBody>
+          <a:bodyPr>
+            <a:normAutofit fontScale="85000" lnSpcReduction="10000"/>
+          </a:bodyPr>
+          <a:lstStyle/>
+          <a:p>
+            <a:r>
+              <a:rPr kumimoji="1" lang="en-US" altLang="zh-CN" sz="2880" dirty="0">
+                <a:latin typeface="Times New Roman" panose="02020603050405020304" pitchFamily="18" charset="0"/>
+                <a:cs typeface="Times New Roman" panose="02020603050405020304" pitchFamily="18" charset="0"/>
+              </a:rPr>
+              <a:t>Main Steps: </a:t>
+            </a:r>
+            <a:r>
+              <a:rPr lang="en-US" altLang="zh-CN" sz="2000" i="1" dirty="0">
+                <a:solidFill>
+                  <a:schemeClr val="tx1">
+                    <a:lumMod val="65000"/>
+                    <a:lumOff val="35000"/>
+                  </a:schemeClr>
+                </a:solidFill>
+                <a:latin typeface="Times New Roman" panose="02020603050405020304" pitchFamily="18" charset="0"/>
+                <a:ea typeface="+mn-ea"/>
+                <a:cs typeface="Times New Roman" panose="02020603050405020304" pitchFamily="18" charset="0"/>
+              </a:rPr>
+              <a:t>Partitioning data flow graphs using customized tile types</a:t>
+            </a:r>
+          </a:p>
+          <a:p>
+            <a:r>
+              <a:rPr kumimoji="1" lang="en-US" altLang="zh-CN" sz="2880" dirty="0">
+                <a:latin typeface="Times New Roman" panose="02020603050405020304" pitchFamily="18" charset="0"/>
+                <a:cs typeface="Times New Roman" panose="02020603050405020304" pitchFamily="18" charset="0"/>
+              </a:rPr>
+              <a:t>Customized Tile Types:</a:t>
+            </a:r>
+          </a:p>
+          <a:p>
+            <a:pPr lvl="1"/>
+            <a:r>
+              <a:rPr kumimoji="1" lang="en-US" altLang="zh-CN" sz="2640" dirty="0">
+                <a:latin typeface="Times New Roman" panose="02020603050405020304" pitchFamily="18" charset="0"/>
+                <a:cs typeface="Times New Roman" panose="02020603050405020304" pitchFamily="18" charset="0"/>
+              </a:rPr>
+              <a:t>Quadratic</a:t>
+            </a:r>
+          </a:p>
+          <a:p>
+            <a:pPr lvl="1"/>
+            <a:r>
+              <a:rPr kumimoji="1" lang="en-US" altLang="zh-CN" sz="2640" dirty="0" err="1">
+                <a:latin typeface="Times New Roman" panose="02020603050405020304" pitchFamily="18" charset="0"/>
+                <a:cs typeface="Times New Roman" panose="02020603050405020304" pitchFamily="18" charset="0"/>
+              </a:rPr>
+              <a:t>MulLinear</a:t>
+            </a:r>
+            <a:endParaRPr kumimoji="1" lang="en-US" altLang="zh-CN" sz="2640" dirty="0">
+              <a:latin typeface="Times New Roman" panose="02020603050405020304" pitchFamily="18" charset="0"/>
+              <a:cs typeface="Times New Roman" panose="02020603050405020304" pitchFamily="18" charset="0"/>
+            </a:endParaRPr>
+          </a:p>
+          <a:p>
+            <a:pPr lvl="1"/>
+            <a:r>
+              <a:rPr kumimoji="1" lang="en-US" altLang="zh-CN" sz="2640" dirty="0" err="1">
+                <a:latin typeface="Times New Roman" panose="02020603050405020304" pitchFamily="18" charset="0"/>
+                <a:cs typeface="Times New Roman" panose="02020603050405020304" pitchFamily="18" charset="0"/>
+              </a:rPr>
+              <a:t>AddLinear</a:t>
+            </a:r>
+            <a:endParaRPr kumimoji="1" lang="en-US" altLang="zh-CN" sz="2640" dirty="0">
+              <a:latin typeface="Times New Roman" panose="02020603050405020304" pitchFamily="18" charset="0"/>
+              <a:cs typeface="Times New Roman" panose="02020603050405020304" pitchFamily="18" charset="0"/>
+            </a:endParaRPr>
+          </a:p>
+          <a:p>
+            <a:r>
+              <a:rPr kumimoji="1" lang="en-US" altLang="zh-CN" sz="2880" dirty="0">
+                <a:latin typeface="Times New Roman" panose="02020603050405020304" pitchFamily="18" charset="0"/>
+                <a:cs typeface="Times New Roman" panose="02020603050405020304" pitchFamily="18" charset="0"/>
+              </a:rPr>
+              <a:t>Three Considerations:</a:t>
+            </a:r>
+          </a:p>
+          <a:p>
+            <a:pPr lvl="1"/>
+            <a:r>
+              <a:rPr kumimoji="1" lang="en-US" altLang="zh-CN" sz="2640" dirty="0">
+                <a:latin typeface="Times New Roman" panose="02020603050405020304" pitchFamily="18" charset="0"/>
+                <a:cs typeface="Times New Roman" panose="02020603050405020304" pitchFamily="18" charset="0"/>
+              </a:rPr>
+              <a:t>Temporarily deferring the constraint merging step.</a:t>
+            </a:r>
+          </a:p>
+          <a:p>
+            <a:pPr lvl="1"/>
+            <a:r>
+              <a:rPr kumimoji="1" lang="en-US" altLang="zh-CN" sz="2640" dirty="0">
+                <a:latin typeface="Times New Roman" panose="02020603050405020304" pitchFamily="18" charset="0"/>
+                <a:cs typeface="Times New Roman" panose="02020603050405020304" pitchFamily="18" charset="0"/>
+              </a:rPr>
+              <a:t>Utilizing the paradigm based on unmerged constraints as the fundamental approach.</a:t>
+            </a:r>
+          </a:p>
+          <a:p>
+            <a:pPr lvl="1"/>
+            <a:r>
+              <a:rPr kumimoji="1" lang="en-US" altLang="zh-CN" sz="2640" dirty="0">
+                <a:latin typeface="Times New Roman" panose="02020603050405020304" pitchFamily="18" charset="0"/>
+                <a:cs typeface="Times New Roman" panose="02020603050405020304" pitchFamily="18" charset="0"/>
+              </a:rPr>
+              <a:t>Implementing a relatively straightforward algorithm for tile selection.</a:t>
+            </a:r>
+          </a:p>
+          <a:p>
+            <a:endParaRPr kumimoji="1" lang="en-US" altLang="zh-CN" sz="2880" dirty="0">
+              <a:latin typeface="Times New Roman" panose="02020603050405020304" pitchFamily="18" charset="0"/>
+              <a:cs typeface="Times New Roman" panose="02020603050405020304" pitchFamily="18" charset="0"/>
+            </a:endParaRPr>
+          </a:p>
+        </p:txBody>
+      </p:sp>
       <p:sp>
         <p:nvSpPr>
           <p:cNvPr id="4" name="灯片编号占位符 3">
@@ -16762,10 +13007,46 @@
           </a:p>
         </p:txBody>
       </p:sp>
+      <p:pic>
+        <p:nvPicPr>
+          <p:cNvPr id="6" name="图片 5">
+            <a:extLst>
+              <a:ext uri="{FF2B5EF4-FFF2-40B4-BE49-F238E27FC236}">
+                <a16:creationId xmlns:a16="http://schemas.microsoft.com/office/drawing/2014/main" id="{76064CC9-2EEB-7CA2-55B6-B62631865640}"/>
+              </a:ext>
+            </a:extLst>
+          </p:cNvPr>
+          <p:cNvPicPr>
+            <a:picLocks noChangeAspect="1"/>
+          </p:cNvPicPr>
+          <p:nvPr/>
+        </p:nvPicPr>
+        <p:blipFill>
+          <a:blip r:embed="rId3">
+            <a:extLst>
+              <a:ext uri="{28A0092B-C50C-407E-A947-70E740481C1C}">
+                <a14:useLocalDpi xmlns:a14="http://schemas.microsoft.com/office/drawing/2010/main" val="0"/>
+              </a:ext>
+            </a:extLst>
+          </a:blip>
+          <a:stretch>
+            <a:fillRect/>
+          </a:stretch>
+        </p:blipFill>
+        <p:spPr>
+          <a:xfrm>
+            <a:off x="4548578" y="2538938"/>
+            <a:ext cx="4189022" cy="1457051"/>
+          </a:xfrm>
+          <a:prstGeom prst="rect">
+            <a:avLst/>
+          </a:prstGeom>
+        </p:spPr>
+      </p:pic>
     </p:spTree>
     <p:extLst>
       <p:ext uri="{BB962C8B-B14F-4D97-AF65-F5344CB8AC3E}">
-        <p14:creationId xmlns:p14="http://schemas.microsoft.com/office/powerpoint/2010/main" val="1741227640"/>
+        <p14:creationId xmlns:p14="http://schemas.microsoft.com/office/powerpoint/2010/main" val="204271145"/>
       </p:ext>
     </p:extLst>
   </p:cSld>

--- a/meeting_docs/PRDC/ppt.pptx
+++ b/meeting_docs/PRDC/ppt.pptx
@@ -5,28 +5,29 @@
     <p:sldMasterId id="2147483660" r:id="rId1"/>
   </p:sldMasterIdLst>
   <p:notesMasterIdLst>
-    <p:notesMasterId r:id="rId21"/>
+    <p:notesMasterId r:id="rId22"/>
   </p:notesMasterIdLst>
   <p:sldIdLst>
     <p:sldId id="2242" r:id="rId2"/>
-    <p:sldId id="1495" r:id="rId3"/>
-    <p:sldId id="2255" r:id="rId4"/>
-    <p:sldId id="2243" r:id="rId5"/>
-    <p:sldId id="2244" r:id="rId6"/>
-    <p:sldId id="2245" r:id="rId7"/>
-    <p:sldId id="2246" r:id="rId8"/>
-    <p:sldId id="2247" r:id="rId9"/>
-    <p:sldId id="2260" r:id="rId10"/>
-    <p:sldId id="2261" r:id="rId11"/>
-    <p:sldId id="2249" r:id="rId12"/>
-    <p:sldId id="2250" r:id="rId13"/>
-    <p:sldId id="2252" r:id="rId14"/>
-    <p:sldId id="2253" r:id="rId15"/>
-    <p:sldId id="1459" r:id="rId16"/>
-    <p:sldId id="2254" r:id="rId17"/>
-    <p:sldId id="2257" r:id="rId18"/>
-    <p:sldId id="2258" r:id="rId19"/>
-    <p:sldId id="2256" r:id="rId20"/>
+    <p:sldId id="2240" r:id="rId3"/>
+    <p:sldId id="1495" r:id="rId4"/>
+    <p:sldId id="2255" r:id="rId5"/>
+    <p:sldId id="2243" r:id="rId6"/>
+    <p:sldId id="2244" r:id="rId7"/>
+    <p:sldId id="2245" r:id="rId8"/>
+    <p:sldId id="2246" r:id="rId9"/>
+    <p:sldId id="2247" r:id="rId10"/>
+    <p:sldId id="2260" r:id="rId11"/>
+    <p:sldId id="2261" r:id="rId12"/>
+    <p:sldId id="2249" r:id="rId13"/>
+    <p:sldId id="2250" r:id="rId14"/>
+    <p:sldId id="2252" r:id="rId15"/>
+    <p:sldId id="2253" r:id="rId16"/>
+    <p:sldId id="1459" r:id="rId17"/>
+    <p:sldId id="2254" r:id="rId18"/>
+    <p:sldId id="2257" r:id="rId19"/>
+    <p:sldId id="2258" r:id="rId20"/>
+    <p:sldId id="2256" r:id="rId21"/>
   </p:sldIdLst>
   <p:sldSz cx="12192000" cy="6858000"/>
   <p:notesSz cx="6858000" cy="9144000"/>
@@ -215,7 +216,7 @@
           <a:p>
             <a:fld id="{24B8176E-6605-4323-B383-CD5FAEE5FE97}" type="datetimeFigureOut">
               <a:rPr lang="zh-CN" altLang="en-US" smtClean="0"/>
-              <a:t>2023/10/9</a:t>
+              <a:t>2023/10/13</a:t>
             </a:fld>
             <a:endParaRPr lang="zh-CN" altLang="en-US"/>
           </a:p>
@@ -696,7 +697,7 @@
           <a:p>
             <a:fld id="{53AC6867-F9A3-4394-AB90-4DA95E932B84}" type="slidenum">
               <a:rPr lang="zh-CN" altLang="en-US" smtClean="0"/>
-              <a:t>12</a:t>
+              <a:t>13</a:t>
             </a:fld>
             <a:endParaRPr lang="zh-CN" altLang="en-US"/>
           </a:p>
@@ -780,7 +781,7 @@
           <a:p>
             <a:fld id="{53AC6867-F9A3-4394-AB90-4DA95E932B84}" type="slidenum">
               <a:rPr lang="zh-CN" altLang="en-US" smtClean="0"/>
-              <a:t>13</a:t>
+              <a:t>14</a:t>
             </a:fld>
             <a:endParaRPr lang="zh-CN" altLang="en-US"/>
           </a:p>
@@ -864,7 +865,7 @@
           <a:p>
             <a:fld id="{53AC6867-F9A3-4394-AB90-4DA95E932B84}" type="slidenum">
               <a:rPr lang="zh-CN" altLang="en-US" smtClean="0"/>
-              <a:t>15</a:t>
+              <a:t>16</a:t>
             </a:fld>
             <a:endParaRPr lang="zh-CN" altLang="en-US"/>
           </a:p>
@@ -948,7 +949,7 @@
           <a:p>
             <a:fld id="{53AC6867-F9A3-4394-AB90-4DA95E932B84}" type="slidenum">
               <a:rPr lang="zh-CN" altLang="en-US" smtClean="0"/>
-              <a:t>17</a:t>
+              <a:t>18</a:t>
             </a:fld>
             <a:endParaRPr lang="zh-CN" altLang="en-US"/>
           </a:p>
@@ -1032,7 +1033,7 @@
           <a:p>
             <a:fld id="{53AC6867-F9A3-4394-AB90-4DA95E932B84}" type="slidenum">
               <a:rPr lang="zh-CN" altLang="en-US" smtClean="0"/>
-              <a:t>18</a:t>
+              <a:t>19</a:t>
             </a:fld>
             <a:endParaRPr lang="zh-CN" altLang="en-US"/>
           </a:p>
@@ -1116,7 +1117,7 @@
           <a:p>
             <a:fld id="{53AC6867-F9A3-4394-AB90-4DA95E932B84}" type="slidenum">
               <a:rPr lang="zh-CN" altLang="en-US" smtClean="0"/>
-              <a:t>3</a:t>
+              <a:t>4</a:t>
             </a:fld>
             <a:endParaRPr lang="zh-CN" altLang="en-US"/>
           </a:p>
@@ -1200,7 +1201,7 @@
           <a:p>
             <a:fld id="{53AC6867-F9A3-4394-AB90-4DA95E932B84}" type="slidenum">
               <a:rPr lang="zh-CN" altLang="en-US" smtClean="0"/>
-              <a:t>4</a:t>
+              <a:t>5</a:t>
             </a:fld>
             <a:endParaRPr lang="zh-CN" altLang="en-US"/>
           </a:p>
@@ -1284,7 +1285,7 @@
           <a:p>
             <a:fld id="{53AC6867-F9A3-4394-AB90-4DA95E932B84}" type="slidenum">
               <a:rPr lang="zh-CN" altLang="en-US" smtClean="0"/>
-              <a:t>6</a:t>
+              <a:t>7</a:t>
             </a:fld>
             <a:endParaRPr lang="zh-CN" altLang="en-US"/>
           </a:p>
@@ -1368,7 +1369,7 @@
           <a:p>
             <a:fld id="{53AC6867-F9A3-4394-AB90-4DA95E932B84}" type="slidenum">
               <a:rPr lang="zh-CN" altLang="en-US" smtClean="0"/>
-              <a:t>7</a:t>
+              <a:t>8</a:t>
             </a:fld>
             <a:endParaRPr lang="zh-CN" altLang="en-US"/>
           </a:p>
@@ -1452,7 +1453,7 @@
           <a:p>
             <a:fld id="{53AC6867-F9A3-4394-AB90-4DA95E932B84}" type="slidenum">
               <a:rPr lang="zh-CN" altLang="en-US" smtClean="0"/>
-              <a:t>8</a:t>
+              <a:t>9</a:t>
             </a:fld>
             <a:endParaRPr lang="zh-CN" altLang="en-US"/>
           </a:p>
@@ -1536,7 +1537,7 @@
           <a:p>
             <a:fld id="{53AC6867-F9A3-4394-AB90-4DA95E932B84}" type="slidenum">
               <a:rPr lang="zh-CN" altLang="en-US" smtClean="0"/>
-              <a:t>9</a:t>
+              <a:t>10</a:t>
             </a:fld>
             <a:endParaRPr lang="zh-CN" altLang="en-US"/>
           </a:p>
@@ -1620,7 +1621,7 @@
           <a:p>
             <a:fld id="{53AC6867-F9A3-4394-AB90-4DA95E932B84}" type="slidenum">
               <a:rPr lang="zh-CN" altLang="en-US" smtClean="0"/>
-              <a:t>10</a:t>
+              <a:t>11</a:t>
             </a:fld>
             <a:endParaRPr lang="zh-CN" altLang="en-US"/>
           </a:p>
@@ -1704,7 +1705,7 @@
           <a:p>
             <a:fld id="{53AC6867-F9A3-4394-AB90-4DA95E932B84}" type="slidenum">
               <a:rPr lang="zh-CN" altLang="en-US" smtClean="0"/>
-              <a:t>11</a:t>
+              <a:t>12</a:t>
             </a:fld>
             <a:endParaRPr lang="zh-CN" altLang="en-US"/>
           </a:p>
@@ -3509,7 +3510,7 @@
         </p:spPr>
         <p:txBody>
           <a:bodyPr>
-            <a:normAutofit/>
+            <a:normAutofit fontScale="85000" lnSpcReduction="10000"/>
           </a:bodyPr>
           <a:lstStyle/>
           <a:p>
@@ -3518,12 +3519,108 @@
                 <a:latin typeface="Times New Roman" panose="02020603050405020304" pitchFamily="18" charset="0"/>
                 <a:cs typeface="Times New Roman" panose="02020603050405020304" pitchFamily="18" charset="0"/>
               </a:rPr>
-              <a:t>The procedure of tile selection:</a:t>
+              <a:t>Main Steps: </a:t>
+            </a:r>
+            <a:r>
+              <a:rPr lang="en-US" altLang="zh-CN" sz="2000" i="1" dirty="0">
+                <a:solidFill>
+                  <a:schemeClr val="tx1">
+                    <a:lumMod val="65000"/>
+                    <a:lumOff val="35000"/>
+                  </a:schemeClr>
+                </a:solidFill>
+                <a:latin typeface="Times New Roman" panose="02020603050405020304" pitchFamily="18" charset="0"/>
+                <a:ea typeface="+mn-ea"/>
+                <a:cs typeface="Times New Roman" panose="02020603050405020304" pitchFamily="18" charset="0"/>
+              </a:rPr>
+              <a:t>Partitioning data flow graphs using customized tile types</a:t>
+            </a:r>
+          </a:p>
+          <a:p>
+            <a:r>
+              <a:rPr kumimoji="1" lang="en-US" altLang="zh-CN" sz="2880" dirty="0">
+                <a:latin typeface="Times New Roman" panose="02020603050405020304" pitchFamily="18" charset="0"/>
+                <a:cs typeface="Times New Roman" panose="02020603050405020304" pitchFamily="18" charset="0"/>
+              </a:rPr>
+              <a:t>Customized Tile Types:</a:t>
+            </a:r>
+          </a:p>
+          <a:p>
+            <a:pPr lvl="1"/>
+            <a:r>
+              <a:rPr kumimoji="1" lang="en-US" altLang="zh-CN" sz="2640" dirty="0">
+                <a:latin typeface="Times New Roman" panose="02020603050405020304" pitchFamily="18" charset="0"/>
+                <a:cs typeface="Times New Roman" panose="02020603050405020304" pitchFamily="18" charset="0"/>
+              </a:rPr>
+              <a:t>Quadratic</a:t>
+            </a:r>
+          </a:p>
+          <a:p>
+            <a:pPr lvl="1"/>
+            <a:r>
+              <a:rPr kumimoji="1" lang="en-US" altLang="zh-CN" sz="2640" dirty="0" err="1">
+                <a:latin typeface="Times New Roman" panose="02020603050405020304" pitchFamily="18" charset="0"/>
+                <a:cs typeface="Times New Roman" panose="02020603050405020304" pitchFamily="18" charset="0"/>
+              </a:rPr>
+              <a:t>MulLinear</a:t>
             </a:r>
             <a:endParaRPr kumimoji="1" lang="en-US" altLang="zh-CN" sz="2640" dirty="0">
               <a:latin typeface="Times New Roman" panose="02020603050405020304" pitchFamily="18" charset="0"/>
               <a:cs typeface="Times New Roman" panose="02020603050405020304" pitchFamily="18" charset="0"/>
             </a:endParaRPr>
+          </a:p>
+          <a:p>
+            <a:pPr lvl="1"/>
+            <a:r>
+              <a:rPr kumimoji="1" lang="en-US" altLang="zh-CN" sz="2640" dirty="0" err="1">
+                <a:latin typeface="Times New Roman" panose="02020603050405020304" pitchFamily="18" charset="0"/>
+                <a:cs typeface="Times New Roman" panose="02020603050405020304" pitchFamily="18" charset="0"/>
+              </a:rPr>
+              <a:t>AddLinear</a:t>
+            </a:r>
+            <a:endParaRPr kumimoji="1" lang="en-US" altLang="zh-CN" sz="2640" dirty="0">
+              <a:latin typeface="Times New Roman" panose="02020603050405020304" pitchFamily="18" charset="0"/>
+              <a:cs typeface="Times New Roman" panose="02020603050405020304" pitchFamily="18" charset="0"/>
+            </a:endParaRPr>
+          </a:p>
+          <a:p>
+            <a:r>
+              <a:rPr kumimoji="1" lang="en-US" altLang="zh-CN" sz="2880" dirty="0">
+                <a:latin typeface="Times New Roman" panose="02020603050405020304" pitchFamily="18" charset="0"/>
+                <a:cs typeface="Times New Roman" panose="02020603050405020304" pitchFamily="18" charset="0"/>
+              </a:rPr>
+              <a:t>Three Considerations:</a:t>
+            </a:r>
+          </a:p>
+          <a:p>
+            <a:pPr lvl="1"/>
+            <a:r>
+              <a:rPr kumimoji="1" lang="en-US" altLang="zh-CN" sz="2640" dirty="0">
+                <a:latin typeface="Times New Roman" panose="02020603050405020304" pitchFamily="18" charset="0"/>
+                <a:cs typeface="Times New Roman" panose="02020603050405020304" pitchFamily="18" charset="0"/>
+              </a:rPr>
+              <a:t>Temporarily deferring the constraint merging step.</a:t>
+            </a:r>
+          </a:p>
+          <a:p>
+            <a:pPr lvl="1"/>
+            <a:r>
+              <a:rPr kumimoji="1" lang="en-US" altLang="zh-CN" sz="2640" dirty="0">
+                <a:latin typeface="Times New Roman" panose="02020603050405020304" pitchFamily="18" charset="0"/>
+                <a:cs typeface="Times New Roman" panose="02020603050405020304" pitchFamily="18" charset="0"/>
+              </a:rPr>
+              <a:t>Utilizing the paradigm based on unmerged constraints as the fundamental approach.</a:t>
+            </a:r>
+          </a:p>
+          <a:p>
+            <a:pPr lvl="1"/>
+            <a:r>
+              <a:rPr kumimoji="1" lang="en-US" altLang="zh-CN" sz="2640" dirty="0">
+                <a:latin typeface="Times New Roman" panose="02020603050405020304" pitchFamily="18" charset="0"/>
+                <a:cs typeface="Times New Roman" panose="02020603050405020304" pitchFamily="18" charset="0"/>
+              </a:rPr>
+              <a:t>Implementing a relatively straightforward algorithm for tile selection.</a:t>
+            </a:r>
           </a:p>
           <a:p>
             <a:endParaRPr kumimoji="1" lang="en-US" altLang="zh-CN" sz="2880" dirty="0">
@@ -3557,6 +3654,191 @@
             <a:fld id="{ADE361C3-C043-4A6E-BDCE-8DA1E7D90A3B}" type="slidenum">
               <a:rPr lang="zh-CN" altLang="en-US" smtClean="0"/>
               <a:t>10</a:t>
+            </a:fld>
+            <a:endParaRPr lang="zh-CN" altLang="en-US"/>
+          </a:p>
+        </p:txBody>
+      </p:sp>
+      <p:pic>
+        <p:nvPicPr>
+          <p:cNvPr id="6" name="图片 5">
+            <a:extLst>
+              <a:ext uri="{FF2B5EF4-FFF2-40B4-BE49-F238E27FC236}">
+                <a16:creationId xmlns:a16="http://schemas.microsoft.com/office/drawing/2014/main" id="{76064CC9-2EEB-7CA2-55B6-B62631865640}"/>
+              </a:ext>
+            </a:extLst>
+          </p:cNvPr>
+          <p:cNvPicPr>
+            <a:picLocks noChangeAspect="1"/>
+          </p:cNvPicPr>
+          <p:nvPr/>
+        </p:nvPicPr>
+        <p:blipFill>
+          <a:blip r:embed="rId3">
+            <a:extLst>
+              <a:ext uri="{28A0092B-C50C-407E-A947-70E740481C1C}">
+                <a14:useLocalDpi xmlns:a14="http://schemas.microsoft.com/office/drawing/2010/main" val="0"/>
+              </a:ext>
+            </a:extLst>
+          </a:blip>
+          <a:stretch>
+            <a:fillRect/>
+          </a:stretch>
+        </p:blipFill>
+        <p:spPr>
+          <a:xfrm>
+            <a:off x="4548578" y="2538938"/>
+            <a:ext cx="4189022" cy="1457051"/>
+          </a:xfrm>
+          <a:prstGeom prst="rect">
+            <a:avLst/>
+          </a:prstGeom>
+        </p:spPr>
+      </p:pic>
+    </p:spTree>
+    <p:extLst>
+      <p:ext uri="{BB962C8B-B14F-4D97-AF65-F5344CB8AC3E}">
+        <p14:creationId xmlns:p14="http://schemas.microsoft.com/office/powerpoint/2010/main" val="204271145"/>
+      </p:ext>
+    </p:extLst>
+  </p:cSld>
+  <p:clrMapOvr>
+    <a:masterClrMapping/>
+  </p:clrMapOvr>
+</p:sld>
+</file>
+
+<file path=ppt/slides/slide11.xml><?xml version="1.0" encoding="utf-8"?>
+<p:sld xmlns:a="http://schemas.openxmlformats.org/drawingml/2006/main" xmlns:r="http://schemas.openxmlformats.org/officeDocument/2006/relationships" xmlns:p="http://schemas.openxmlformats.org/presentationml/2006/main">
+  <p:cSld>
+    <p:spTree>
+      <p:nvGrpSpPr>
+        <p:cNvPr id="1" name=""/>
+        <p:cNvGrpSpPr/>
+        <p:nvPr/>
+      </p:nvGrpSpPr>
+      <p:grpSpPr>
+        <a:xfrm>
+          <a:off x="0" y="0"/>
+          <a:ext cx="0" cy="0"/>
+          <a:chOff x="0" y="0"/>
+          <a:chExt cx="0" cy="0"/>
+        </a:xfrm>
+      </p:grpSpPr>
+      <p:sp>
+        <p:nvSpPr>
+          <p:cNvPr id="2" name="标题 1">
+            <a:extLst>
+              <a:ext uri="{FF2B5EF4-FFF2-40B4-BE49-F238E27FC236}">
+                <a16:creationId xmlns:a16="http://schemas.microsoft.com/office/drawing/2014/main" id="{8A4E491A-F27D-6643-80E0-06F48660FA21}"/>
+              </a:ext>
+            </a:extLst>
+          </p:cNvPr>
+          <p:cNvSpPr>
+            <a:spLocks noGrp="1"/>
+          </p:cNvSpPr>
+          <p:nvPr>
+            <p:ph type="title"/>
+          </p:nvPr>
+        </p:nvSpPr>
+        <p:spPr>
+          <a:xfrm>
+            <a:off x="729615" y="274639"/>
+            <a:ext cx="10122336" cy="1080530"/>
+          </a:xfrm>
+        </p:spPr>
+        <p:txBody>
+          <a:bodyPr>
+            <a:normAutofit/>
+          </a:bodyPr>
+          <a:lstStyle/>
+          <a:p>
+            <a:r>
+              <a:rPr kumimoji="1" lang="en-US" altLang="zh-CN" sz="3600" dirty="0">
+                <a:latin typeface="Times New Roman" panose="02020603050405020304" pitchFamily="18" charset="0"/>
+                <a:cs typeface="Times New Roman" panose="02020603050405020304" pitchFamily="18" charset="0"/>
+              </a:rPr>
+              <a:t>Algorithm Design: Tile Selection</a:t>
+            </a:r>
+            <a:endParaRPr kumimoji="1" lang="zh-CN" altLang="en-US" sz="3600" dirty="0">
+              <a:latin typeface="Times New Roman" panose="02020603050405020304" pitchFamily="18" charset="0"/>
+              <a:cs typeface="Times New Roman" panose="02020603050405020304" pitchFamily="18" charset="0"/>
+            </a:endParaRPr>
+          </a:p>
+        </p:txBody>
+      </p:sp>
+      <p:sp>
+        <p:nvSpPr>
+          <p:cNvPr id="3" name="内容占位符 2">
+            <a:extLst>
+              <a:ext uri="{FF2B5EF4-FFF2-40B4-BE49-F238E27FC236}">
+                <a16:creationId xmlns:a16="http://schemas.microsoft.com/office/drawing/2014/main" id="{F70074B0-7D54-CB43-A2C4-E8723E631238}"/>
+              </a:ext>
+            </a:extLst>
+          </p:cNvPr>
+          <p:cNvSpPr>
+            <a:spLocks noGrp="1"/>
+          </p:cNvSpPr>
+          <p:nvPr>
+            <p:ph idx="1"/>
+          </p:nvPr>
+        </p:nvSpPr>
+        <p:spPr>
+          <a:xfrm>
+            <a:off x="639156" y="1635624"/>
+            <a:ext cx="10913687" cy="4486879"/>
+          </a:xfrm>
+        </p:spPr>
+        <p:txBody>
+          <a:bodyPr>
+            <a:normAutofit/>
+          </a:bodyPr>
+          <a:lstStyle/>
+          <a:p>
+            <a:r>
+              <a:rPr kumimoji="1" lang="en-US" altLang="zh-CN" sz="2880" dirty="0">
+                <a:latin typeface="Times New Roman" panose="02020603050405020304" pitchFamily="18" charset="0"/>
+                <a:cs typeface="Times New Roman" panose="02020603050405020304" pitchFamily="18" charset="0"/>
+              </a:rPr>
+              <a:t>The procedure of tile selection:</a:t>
+            </a:r>
+            <a:endParaRPr kumimoji="1" lang="en-US" altLang="zh-CN" sz="2640" dirty="0">
+              <a:latin typeface="Times New Roman" panose="02020603050405020304" pitchFamily="18" charset="0"/>
+              <a:cs typeface="Times New Roman" panose="02020603050405020304" pitchFamily="18" charset="0"/>
+            </a:endParaRPr>
+          </a:p>
+          <a:p>
+            <a:endParaRPr kumimoji="1" lang="en-US" altLang="zh-CN" sz="2880" dirty="0">
+              <a:latin typeface="Times New Roman" panose="02020603050405020304" pitchFamily="18" charset="0"/>
+              <a:cs typeface="Times New Roman" panose="02020603050405020304" pitchFamily="18" charset="0"/>
+            </a:endParaRPr>
+          </a:p>
+        </p:txBody>
+      </p:sp>
+      <p:sp>
+        <p:nvSpPr>
+          <p:cNvPr id="4" name="灯片编号占位符 3">
+            <a:extLst>
+              <a:ext uri="{FF2B5EF4-FFF2-40B4-BE49-F238E27FC236}">
+                <a16:creationId xmlns:a16="http://schemas.microsoft.com/office/drawing/2014/main" id="{B268D50E-8107-3C4D-94F0-BEB8FEB2CD0A}"/>
+              </a:ext>
+            </a:extLst>
+          </p:cNvPr>
+          <p:cNvSpPr>
+            <a:spLocks noGrp="1"/>
+          </p:cNvSpPr>
+          <p:nvPr>
+            <p:ph type="sldNum" sz="quarter" idx="12"/>
+          </p:nvPr>
+        </p:nvSpPr>
+        <p:spPr/>
+        <p:txBody>
+          <a:bodyPr/>
+          <a:lstStyle/>
+          <a:p>
+            <a:fld id="{ADE361C3-C043-4A6E-BDCE-8DA1E7D90A3B}" type="slidenum">
+              <a:rPr lang="zh-CN" altLang="en-US" smtClean="0"/>
+              <a:t>11</a:t>
             </a:fld>
             <a:endParaRPr lang="zh-CN" altLang="en-US"/>
           </a:p>
@@ -3611,7 +3893,7 @@
 </p:sld>
 </file>
 
-<file path=ppt/slides/slide11.xml><?xml version="1.0" encoding="utf-8"?>
+<file path=ppt/slides/slide12.xml><?xml version="1.0" encoding="utf-8"?>
 <p:sld xmlns:a="http://schemas.openxmlformats.org/drawingml/2006/main" xmlns:r="http://schemas.openxmlformats.org/officeDocument/2006/relationships" xmlns:p="http://schemas.openxmlformats.org/presentationml/2006/main">
   <p:cSld>
     <p:spTree>
@@ -4058,7 +4340,7 @@
           <a:p>
             <a:fld id="{ADE361C3-C043-4A6E-BDCE-8DA1E7D90A3B}" type="slidenum">
               <a:rPr lang="zh-CN" altLang="en-US" smtClean="0"/>
-              <a:t>11</a:t>
+              <a:t>12</a:t>
             </a:fld>
             <a:endParaRPr lang="zh-CN" altLang="en-US"/>
           </a:p>
@@ -4113,7 +4395,7 @@
 </p:sld>
 </file>
 
-<file path=ppt/slides/slide12.xml><?xml version="1.0" encoding="utf-8"?>
+<file path=ppt/slides/slide13.xml><?xml version="1.0" encoding="utf-8"?>
 <p:sld xmlns:a="http://schemas.openxmlformats.org/drawingml/2006/main" xmlns:r="http://schemas.openxmlformats.org/officeDocument/2006/relationships" xmlns:p="http://schemas.openxmlformats.org/presentationml/2006/main">
   <p:cSld>
     <p:spTree>
@@ -4172,8 +4454,8 @@
           </a:p>
         </p:txBody>
       </p:sp>
-      <mc:AlternateContent xmlns:mc="http://schemas.openxmlformats.org/markup-compatibility/2006">
-        <mc:Choice xmlns:a14="http://schemas.microsoft.com/office/drawing/2010/main" Requires="a14">
+      <mc:AlternateContent xmlns:mc="http://schemas.openxmlformats.org/markup-compatibility/2006" xmlns:a14="http://schemas.microsoft.com/office/drawing/2010/main">
+        <mc:Choice Requires="a14">
           <p:sp>
             <p:nvSpPr>
               <p:cNvPr id="3" name="内容占位符 2">
@@ -4546,8 +4828,8 @@
                     <m:sSubSup>
                       <m:sSubSupPr>
                         <m:ctrlPr>
-                          <a:rPr kumimoji="1" lang="zh-CN" altLang="zh-CN" sz="2640">
-                            <a:latin typeface="Times New Roman" panose="02020603050405020304" pitchFamily="18" charset="0"/>
+                          <a:rPr kumimoji="1" lang="zh-CN" altLang="zh-CN" sz="2640" i="1">
+                            <a:latin typeface="Cambria Math" panose="02040503050406030204" pitchFamily="18" charset="0"/>
                             <a:cs typeface="Times New Roman" panose="02020603050405020304" pitchFamily="18" charset="0"/>
                           </a:rPr>
                         </m:ctrlPr>
@@ -4555,7 +4837,7 @@
                       <m:e>
                         <m:r>
                           <a:rPr kumimoji="1" lang="en-US" altLang="zh-CN" sz="2640">
-                            <a:latin typeface="Times New Roman" panose="02020603050405020304" pitchFamily="18" charset="0"/>
+                            <a:latin typeface="Cambria Math" panose="02040503050406030204" pitchFamily="18" charset="0"/>
                             <a:cs typeface="Times New Roman" panose="02020603050405020304" pitchFamily="18" charset="0"/>
                           </a:rPr>
                           <m:t>𝑊</m:t>
@@ -4564,35 +4846,35 @@
                       <m:sub>
                         <m:r>
                           <a:rPr kumimoji="1" lang="en-US" altLang="zh-CN" sz="2640">
-                            <a:latin typeface="Times New Roman" panose="02020603050405020304" pitchFamily="18" charset="0"/>
+                            <a:latin typeface="Cambria Math" panose="02040503050406030204" pitchFamily="18" charset="0"/>
                             <a:cs typeface="Times New Roman" panose="02020603050405020304" pitchFamily="18" charset="0"/>
                           </a:rPr>
                           <m:t>(</m:t>
                         </m:r>
                         <m:r>
                           <a:rPr kumimoji="1" lang="en-US" altLang="zh-CN" sz="2640">
-                            <a:latin typeface="Times New Roman" panose="02020603050405020304" pitchFamily="18" charset="0"/>
+                            <a:latin typeface="Cambria Math" panose="02040503050406030204" pitchFamily="18" charset="0"/>
                             <a:cs typeface="Times New Roman" panose="02020603050405020304" pitchFamily="18" charset="0"/>
                           </a:rPr>
                           <m:t>𝑣</m:t>
                         </m:r>
                         <m:r>
                           <a:rPr kumimoji="1" lang="en-US" altLang="zh-CN" sz="2640">
-                            <a:latin typeface="Times New Roman" panose="02020603050405020304" pitchFamily="18" charset="0"/>
+                            <a:latin typeface="Cambria Math" panose="02040503050406030204" pitchFamily="18" charset="0"/>
                             <a:cs typeface="Times New Roman" panose="02020603050405020304" pitchFamily="18" charset="0"/>
                           </a:rPr>
                           <m:t>,</m:t>
                         </m:r>
                         <m:r>
                           <a:rPr kumimoji="1" lang="en-US" altLang="zh-CN" sz="2640">
-                            <a:latin typeface="Times New Roman" panose="02020603050405020304" pitchFamily="18" charset="0"/>
+                            <a:latin typeface="Cambria Math" panose="02040503050406030204" pitchFamily="18" charset="0"/>
                             <a:cs typeface="Times New Roman" panose="02020603050405020304" pitchFamily="18" charset="0"/>
                           </a:rPr>
                           <m:t>𝑢</m:t>
                         </m:r>
                         <m:r>
                           <a:rPr kumimoji="1" lang="en-US" altLang="zh-CN" sz="2640">
-                            <a:latin typeface="Times New Roman" panose="02020603050405020304" pitchFamily="18" charset="0"/>
+                            <a:latin typeface="Cambria Math" panose="02040503050406030204" pitchFamily="18" charset="0"/>
                             <a:cs typeface="Times New Roman" panose="02020603050405020304" pitchFamily="18" charset="0"/>
                           </a:rPr>
                           <m:t>)</m:t>
@@ -4601,7 +4883,7 @@
                       <m:sup>
                         <m:r>
                           <a:rPr kumimoji="1" lang="en-US" altLang="zh-CN" sz="2640">
-                            <a:latin typeface="Times New Roman" panose="02020603050405020304" pitchFamily="18" charset="0"/>
+                            <a:latin typeface="Cambria Math" panose="02040503050406030204" pitchFamily="18" charset="0"/>
                             <a:cs typeface="Times New Roman" panose="02020603050405020304" pitchFamily="18" charset="0"/>
                           </a:rPr>
                           <m:t>𝑖𝑛</m:t>
@@ -4611,8 +4893,8 @@
                     <m:sSubSup>
                       <m:sSubSupPr>
                         <m:ctrlPr>
-                          <a:rPr kumimoji="1" lang="zh-CN" altLang="zh-CN" sz="2640">
-                            <a:latin typeface="Times New Roman" panose="02020603050405020304" pitchFamily="18" charset="0"/>
+                          <a:rPr kumimoji="1" lang="zh-CN" altLang="zh-CN" sz="2640" i="1">
+                            <a:latin typeface="Cambria Math" panose="02040503050406030204" pitchFamily="18" charset="0"/>
                             <a:cs typeface="Times New Roman" panose="02020603050405020304" pitchFamily="18" charset="0"/>
                           </a:rPr>
                         </m:ctrlPr>
@@ -4620,7 +4902,7 @@
                       <m:e>
                         <m:r>
                           <a:rPr kumimoji="1" lang="en-US" altLang="zh-CN" sz="2640">
-                            <a:latin typeface="Times New Roman" panose="02020603050405020304" pitchFamily="18" charset="0"/>
+                            <a:latin typeface="Cambria Math" panose="02040503050406030204" pitchFamily="18" charset="0"/>
                             <a:cs typeface="Times New Roman" panose="02020603050405020304" pitchFamily="18" charset="0"/>
                           </a:rPr>
                           <m:t>𝑊</m:t>
@@ -4629,35 +4911,35 @@
                       <m:sub>
                         <m:r>
                           <a:rPr kumimoji="1" lang="en-US" altLang="zh-CN" sz="2640">
-                            <a:latin typeface="Times New Roman" panose="02020603050405020304" pitchFamily="18" charset="0"/>
+                            <a:latin typeface="Cambria Math" panose="02040503050406030204" pitchFamily="18" charset="0"/>
                             <a:cs typeface="Times New Roman" panose="02020603050405020304" pitchFamily="18" charset="0"/>
                           </a:rPr>
                           <m:t>(</m:t>
                         </m:r>
                         <m:r>
                           <a:rPr kumimoji="1" lang="en-US" altLang="zh-CN" sz="2640">
-                            <a:latin typeface="Times New Roman" panose="02020603050405020304" pitchFamily="18" charset="0"/>
+                            <a:latin typeface="Cambria Math" panose="02040503050406030204" pitchFamily="18" charset="0"/>
                             <a:cs typeface="Times New Roman" panose="02020603050405020304" pitchFamily="18" charset="0"/>
                           </a:rPr>
                           <m:t>𝑣</m:t>
                         </m:r>
                         <m:r>
                           <a:rPr kumimoji="1" lang="en-US" altLang="zh-CN" sz="2640">
-                            <a:latin typeface="Times New Roman" panose="02020603050405020304" pitchFamily="18" charset="0"/>
+                            <a:latin typeface="Cambria Math" panose="02040503050406030204" pitchFamily="18" charset="0"/>
                             <a:cs typeface="Times New Roman" panose="02020603050405020304" pitchFamily="18" charset="0"/>
                           </a:rPr>
                           <m:t>,</m:t>
                         </m:r>
                         <m:r>
                           <a:rPr kumimoji="1" lang="en-US" altLang="zh-CN" sz="2640">
-                            <a:latin typeface="Times New Roman" panose="02020603050405020304" pitchFamily="18" charset="0"/>
+                            <a:latin typeface="Cambria Math" panose="02040503050406030204" pitchFamily="18" charset="0"/>
                             <a:cs typeface="Times New Roman" panose="02020603050405020304" pitchFamily="18" charset="0"/>
                           </a:rPr>
                           <m:t>𝑢</m:t>
                         </m:r>
                         <m:r>
                           <a:rPr kumimoji="1" lang="en-US" altLang="zh-CN" sz="2640">
-                            <a:latin typeface="Times New Roman" panose="02020603050405020304" pitchFamily="18" charset="0"/>
+                            <a:latin typeface="Cambria Math" panose="02040503050406030204" pitchFamily="18" charset="0"/>
                             <a:cs typeface="Times New Roman" panose="02020603050405020304" pitchFamily="18" charset="0"/>
                           </a:rPr>
                           <m:t>)</m:t>
@@ -4666,7 +4948,7 @@
                       <m:sup>
                         <m:r>
                           <a:rPr kumimoji="1" lang="en-US" altLang="zh-CN" sz="2640">
-                            <a:latin typeface="Times New Roman" panose="02020603050405020304" pitchFamily="18" charset="0"/>
+                            <a:latin typeface="Cambria Math" panose="02040503050406030204" pitchFamily="18" charset="0"/>
                             <a:cs typeface="Times New Roman" panose="02020603050405020304" pitchFamily="18" charset="0"/>
                           </a:rPr>
                           <m:t>𝑜𝑢𝑡</m:t>
@@ -5075,7 +5357,7 @@
             </p:txBody>
           </p:sp>
         </mc:Choice>
-        <mc:Fallback>
+        <mc:Fallback xmlns="">
           <p:sp>
             <p:nvSpPr>
               <p:cNvPr id="3" name="内容占位符 2">
@@ -5142,7 +5424,7 @@
           <a:p>
             <a:fld id="{ADE361C3-C043-4A6E-BDCE-8DA1E7D90A3B}" type="slidenum">
               <a:rPr lang="zh-CN" altLang="en-US" smtClean="0"/>
-              <a:t>12</a:t>
+              <a:t>13</a:t>
             </a:fld>
             <a:endParaRPr lang="zh-CN" altLang="en-US"/>
           </a:p>
@@ -5161,7 +5443,7 @@
 </p:sld>
 </file>
 
-<file path=ppt/slides/slide13.xml><?xml version="1.0" encoding="utf-8"?>
+<file path=ppt/slides/slide14.xml><?xml version="1.0" encoding="utf-8"?>
 <p:sld xmlns:a="http://schemas.openxmlformats.org/drawingml/2006/main" xmlns:r="http://schemas.openxmlformats.org/officeDocument/2006/relationships" xmlns:p="http://schemas.openxmlformats.org/presentationml/2006/main">
   <p:cSld>
     <p:spTree>
@@ -5251,11 +5533,18 @@
               <a:lstStyle/>
               <a:p>
                 <a:r>
+                  <a:rPr kumimoji="1" lang="en-US" altLang="zh-CN" sz="2880">
+                    <a:latin typeface="Times New Roman" panose="02020603050405020304" pitchFamily="18" charset="0"/>
+                    <a:cs typeface="Times New Roman" panose="02020603050405020304" pitchFamily="18" charset="0"/>
+                  </a:rPr>
+                  <a:t>Scope of  Adjustment </a:t>
+                </a:r>
+                <a:r>
                   <a:rPr kumimoji="1" lang="en-US" altLang="zh-CN" sz="2880" dirty="0">
                     <a:latin typeface="Times New Roman" panose="02020603050405020304" pitchFamily="18" charset="0"/>
                     <a:cs typeface="Times New Roman" panose="02020603050405020304" pitchFamily="18" charset="0"/>
                   </a:rPr>
-                  <a:t>Adjustment of Scope: </a:t>
+                  <a:t>: </a:t>
                 </a:r>
                 <a:r>
                   <a:rPr lang="en-US" altLang="zh-CN" sz="1400" i="1" dirty="0">
@@ -5566,7 +5855,7 @@
           <a:p>
             <a:fld id="{ADE361C3-C043-4A6E-BDCE-8DA1E7D90A3B}" type="slidenum">
               <a:rPr lang="zh-CN" altLang="en-US" smtClean="0"/>
-              <a:t>13</a:t>
+              <a:t>14</a:t>
             </a:fld>
             <a:endParaRPr lang="zh-CN" altLang="en-US"/>
           </a:p>
@@ -5576,132 +5865,6 @@
     <p:extLst>
       <p:ext uri="{BB962C8B-B14F-4D97-AF65-F5344CB8AC3E}">
         <p14:creationId xmlns:p14="http://schemas.microsoft.com/office/powerpoint/2010/main" val="1646806680"/>
-      </p:ext>
-    </p:extLst>
-  </p:cSld>
-  <p:clrMapOvr>
-    <a:masterClrMapping/>
-  </p:clrMapOvr>
-</p:sld>
-</file>
-
-<file path=ppt/slides/slide14.xml><?xml version="1.0" encoding="utf-8"?>
-<p:sld xmlns:a="http://schemas.openxmlformats.org/drawingml/2006/main" xmlns:r="http://schemas.openxmlformats.org/officeDocument/2006/relationships" xmlns:p="http://schemas.openxmlformats.org/presentationml/2006/main">
-  <p:cSld>
-    <p:spTree>
-      <p:nvGrpSpPr>
-        <p:cNvPr id="1" name=""/>
-        <p:cNvGrpSpPr/>
-        <p:nvPr/>
-      </p:nvGrpSpPr>
-      <p:grpSpPr>
-        <a:xfrm>
-          <a:off x="0" y="0"/>
-          <a:ext cx="0" cy="0"/>
-          <a:chOff x="0" y="0"/>
-          <a:chExt cx="0" cy="0"/>
-        </a:xfrm>
-      </p:grpSpPr>
-      <p:sp>
-        <p:nvSpPr>
-          <p:cNvPr id="5" name="标题 4">
-            <a:extLst>
-              <a:ext uri="{FF2B5EF4-FFF2-40B4-BE49-F238E27FC236}">
-                <a16:creationId xmlns:a16="http://schemas.microsoft.com/office/drawing/2014/main" id="{D370667C-ACD4-1A4A-BBEB-B8DA37D7F4F7}"/>
-              </a:ext>
-            </a:extLst>
-          </p:cNvPr>
-          <p:cNvSpPr>
-            <a:spLocks noGrp="1"/>
-          </p:cNvSpPr>
-          <p:nvPr>
-            <p:ph type="title"/>
-          </p:nvPr>
-        </p:nvSpPr>
-        <p:spPr>
-          <a:xfrm>
-            <a:off x="1476375" y="4406902"/>
-            <a:ext cx="10322658" cy="1362074"/>
-          </a:xfrm>
-        </p:spPr>
-        <p:txBody>
-          <a:bodyPr>
-            <a:normAutofit/>
-          </a:bodyPr>
-          <a:lstStyle/>
-          <a:p>
-            <a:r>
-              <a:rPr lang="en-US" altLang="zh-CN" sz="4080" dirty="0">
-                <a:latin typeface="Times New Roman" panose="02020603050405020304" pitchFamily="18" charset="0"/>
-                <a:cs typeface="Times New Roman" panose="02020603050405020304" pitchFamily="18" charset="0"/>
-              </a:rPr>
-              <a:t>evaluation</a:t>
-            </a:r>
-            <a:endParaRPr lang="zh-CN" altLang="en-US" sz="4080" dirty="0">
-              <a:latin typeface="Times New Roman" panose="02020603050405020304" pitchFamily="18" charset="0"/>
-              <a:cs typeface="Times New Roman" panose="02020603050405020304" pitchFamily="18" charset="0"/>
-            </a:endParaRPr>
-          </a:p>
-        </p:txBody>
-      </p:sp>
-      <p:sp>
-        <p:nvSpPr>
-          <p:cNvPr id="6" name="文本占位符 5">
-            <a:extLst>
-              <a:ext uri="{FF2B5EF4-FFF2-40B4-BE49-F238E27FC236}">
-                <a16:creationId xmlns:a16="http://schemas.microsoft.com/office/drawing/2014/main" id="{95D922DA-9970-1F47-93C9-3E49CD51FD1F}"/>
-              </a:ext>
-            </a:extLst>
-          </p:cNvPr>
-          <p:cNvSpPr>
-            <a:spLocks noGrp="1"/>
-          </p:cNvSpPr>
-          <p:nvPr>
-            <p:ph type="body" idx="1"/>
-          </p:nvPr>
-        </p:nvSpPr>
-        <p:spPr/>
-        <p:txBody>
-          <a:bodyPr/>
-          <a:lstStyle/>
-          <a:p>
-            <a:endParaRPr lang="zh-CN" altLang="en-US" dirty="0"/>
-          </a:p>
-        </p:txBody>
-      </p:sp>
-      <p:sp>
-        <p:nvSpPr>
-          <p:cNvPr id="4" name="灯片编号占位符 3">
-            <a:extLst>
-              <a:ext uri="{FF2B5EF4-FFF2-40B4-BE49-F238E27FC236}">
-                <a16:creationId xmlns:a16="http://schemas.microsoft.com/office/drawing/2014/main" id="{02385E9B-8D63-E84B-BA7F-0C5423F995D4}"/>
-              </a:ext>
-            </a:extLst>
-          </p:cNvPr>
-          <p:cNvSpPr>
-            <a:spLocks noGrp="1"/>
-          </p:cNvSpPr>
-          <p:nvPr>
-            <p:ph type="sldNum" sz="quarter" idx="12"/>
-          </p:nvPr>
-        </p:nvSpPr>
-        <p:spPr/>
-        <p:txBody>
-          <a:bodyPr/>
-          <a:lstStyle/>
-          <a:p>
-            <a:fld id="{ADE361C3-C043-4A6E-BDCE-8DA1E7D90A3B}" type="slidenum">
-              <a:rPr lang="zh-CN" altLang="en-US" smtClean="0"/>
-              <a:t>14</a:t>
-            </a:fld>
-            <a:endParaRPr lang="zh-CN" altLang="en-US"/>
-          </a:p>
-        </p:txBody>
-      </p:sp>
-    </p:spTree>
-    <p:extLst>
-      <p:ext uri="{BB962C8B-B14F-4D97-AF65-F5344CB8AC3E}">
-        <p14:creationId xmlns:p14="http://schemas.microsoft.com/office/powerpoint/2010/main" val="4185931235"/>
       </p:ext>
     </p:extLst>
   </p:cSld>
@@ -5730,6 +5893,132 @@
       </p:grpSpPr>
       <p:sp>
         <p:nvSpPr>
+          <p:cNvPr id="5" name="标题 4">
+            <a:extLst>
+              <a:ext uri="{FF2B5EF4-FFF2-40B4-BE49-F238E27FC236}">
+                <a16:creationId xmlns:a16="http://schemas.microsoft.com/office/drawing/2014/main" id="{D370667C-ACD4-1A4A-BBEB-B8DA37D7F4F7}"/>
+              </a:ext>
+            </a:extLst>
+          </p:cNvPr>
+          <p:cNvSpPr>
+            <a:spLocks noGrp="1"/>
+          </p:cNvSpPr>
+          <p:nvPr>
+            <p:ph type="title"/>
+          </p:nvPr>
+        </p:nvSpPr>
+        <p:spPr>
+          <a:xfrm>
+            <a:off x="1476375" y="4406902"/>
+            <a:ext cx="10322658" cy="1362074"/>
+          </a:xfrm>
+        </p:spPr>
+        <p:txBody>
+          <a:bodyPr>
+            <a:normAutofit/>
+          </a:bodyPr>
+          <a:lstStyle/>
+          <a:p>
+            <a:r>
+              <a:rPr lang="en-US" altLang="zh-CN" sz="4080" dirty="0">
+                <a:latin typeface="Times New Roman" panose="02020603050405020304" pitchFamily="18" charset="0"/>
+                <a:cs typeface="Times New Roman" panose="02020603050405020304" pitchFamily="18" charset="0"/>
+              </a:rPr>
+              <a:t>evaluation</a:t>
+            </a:r>
+            <a:endParaRPr lang="zh-CN" altLang="en-US" sz="4080" dirty="0">
+              <a:latin typeface="Times New Roman" panose="02020603050405020304" pitchFamily="18" charset="0"/>
+              <a:cs typeface="Times New Roman" panose="02020603050405020304" pitchFamily="18" charset="0"/>
+            </a:endParaRPr>
+          </a:p>
+        </p:txBody>
+      </p:sp>
+      <p:sp>
+        <p:nvSpPr>
+          <p:cNvPr id="6" name="文本占位符 5">
+            <a:extLst>
+              <a:ext uri="{FF2B5EF4-FFF2-40B4-BE49-F238E27FC236}">
+                <a16:creationId xmlns:a16="http://schemas.microsoft.com/office/drawing/2014/main" id="{95D922DA-9970-1F47-93C9-3E49CD51FD1F}"/>
+              </a:ext>
+            </a:extLst>
+          </p:cNvPr>
+          <p:cNvSpPr>
+            <a:spLocks noGrp="1"/>
+          </p:cNvSpPr>
+          <p:nvPr>
+            <p:ph type="body" idx="1"/>
+          </p:nvPr>
+        </p:nvSpPr>
+        <p:spPr/>
+        <p:txBody>
+          <a:bodyPr/>
+          <a:lstStyle/>
+          <a:p>
+            <a:endParaRPr lang="zh-CN" altLang="en-US" dirty="0"/>
+          </a:p>
+        </p:txBody>
+      </p:sp>
+      <p:sp>
+        <p:nvSpPr>
+          <p:cNvPr id="4" name="灯片编号占位符 3">
+            <a:extLst>
+              <a:ext uri="{FF2B5EF4-FFF2-40B4-BE49-F238E27FC236}">
+                <a16:creationId xmlns:a16="http://schemas.microsoft.com/office/drawing/2014/main" id="{02385E9B-8D63-E84B-BA7F-0C5423F995D4}"/>
+              </a:ext>
+            </a:extLst>
+          </p:cNvPr>
+          <p:cNvSpPr>
+            <a:spLocks noGrp="1"/>
+          </p:cNvSpPr>
+          <p:nvPr>
+            <p:ph type="sldNum" sz="quarter" idx="12"/>
+          </p:nvPr>
+        </p:nvSpPr>
+        <p:spPr/>
+        <p:txBody>
+          <a:bodyPr/>
+          <a:lstStyle/>
+          <a:p>
+            <a:fld id="{ADE361C3-C043-4A6E-BDCE-8DA1E7D90A3B}" type="slidenum">
+              <a:rPr lang="zh-CN" altLang="en-US" smtClean="0"/>
+              <a:t>15</a:t>
+            </a:fld>
+            <a:endParaRPr lang="zh-CN" altLang="en-US"/>
+          </a:p>
+        </p:txBody>
+      </p:sp>
+    </p:spTree>
+    <p:extLst>
+      <p:ext uri="{BB962C8B-B14F-4D97-AF65-F5344CB8AC3E}">
+        <p14:creationId xmlns:p14="http://schemas.microsoft.com/office/powerpoint/2010/main" val="4185931235"/>
+      </p:ext>
+    </p:extLst>
+  </p:cSld>
+  <p:clrMapOvr>
+    <a:masterClrMapping/>
+  </p:clrMapOvr>
+</p:sld>
+</file>
+
+<file path=ppt/slides/slide16.xml><?xml version="1.0" encoding="utf-8"?>
+<p:sld xmlns:a="http://schemas.openxmlformats.org/drawingml/2006/main" xmlns:r="http://schemas.openxmlformats.org/officeDocument/2006/relationships" xmlns:p="http://schemas.openxmlformats.org/presentationml/2006/main">
+  <p:cSld>
+    <p:spTree>
+      <p:nvGrpSpPr>
+        <p:cNvPr id="1" name=""/>
+        <p:cNvGrpSpPr/>
+        <p:nvPr/>
+      </p:nvGrpSpPr>
+      <p:grpSpPr>
+        <a:xfrm>
+          <a:off x="0" y="0"/>
+          <a:ext cx="0" cy="0"/>
+          <a:chOff x="0" y="0"/>
+          <a:chExt cx="0" cy="0"/>
+        </a:xfrm>
+      </p:grpSpPr>
+      <p:sp>
+        <p:nvSpPr>
           <p:cNvPr id="2" name="标题 1">
             <a:extLst>
               <a:ext uri="{FF2B5EF4-FFF2-40B4-BE49-F238E27FC236}">
@@ -5940,7 +6229,7 @@
           <a:p>
             <a:fld id="{ADE361C3-C043-4A6E-BDCE-8DA1E7D90A3B}" type="slidenum">
               <a:rPr lang="zh-CN" altLang="en-US" smtClean="0"/>
-              <a:t>15</a:t>
+              <a:t>16</a:t>
             </a:fld>
             <a:endParaRPr lang="zh-CN" altLang="en-US"/>
           </a:p>
@@ -7166,132 +7455,6 @@
 </p:sld>
 </file>
 
-<file path=ppt/slides/slide16.xml><?xml version="1.0" encoding="utf-8"?>
-<p:sld xmlns:a="http://schemas.openxmlformats.org/drawingml/2006/main" xmlns:r="http://schemas.openxmlformats.org/officeDocument/2006/relationships" xmlns:p="http://schemas.openxmlformats.org/presentationml/2006/main">
-  <p:cSld>
-    <p:spTree>
-      <p:nvGrpSpPr>
-        <p:cNvPr id="1" name=""/>
-        <p:cNvGrpSpPr/>
-        <p:nvPr/>
-      </p:nvGrpSpPr>
-      <p:grpSpPr>
-        <a:xfrm>
-          <a:off x="0" y="0"/>
-          <a:ext cx="0" cy="0"/>
-          <a:chOff x="0" y="0"/>
-          <a:chExt cx="0" cy="0"/>
-        </a:xfrm>
-      </p:grpSpPr>
-      <p:sp>
-        <p:nvSpPr>
-          <p:cNvPr id="5" name="标题 4">
-            <a:extLst>
-              <a:ext uri="{FF2B5EF4-FFF2-40B4-BE49-F238E27FC236}">
-                <a16:creationId xmlns:a16="http://schemas.microsoft.com/office/drawing/2014/main" id="{D370667C-ACD4-1A4A-BBEB-B8DA37D7F4F7}"/>
-              </a:ext>
-            </a:extLst>
-          </p:cNvPr>
-          <p:cNvSpPr>
-            <a:spLocks noGrp="1"/>
-          </p:cNvSpPr>
-          <p:nvPr>
-            <p:ph type="title"/>
-          </p:nvPr>
-        </p:nvSpPr>
-        <p:spPr>
-          <a:xfrm>
-            <a:off x="1476375" y="4406902"/>
-            <a:ext cx="10322658" cy="1362074"/>
-          </a:xfrm>
-        </p:spPr>
-        <p:txBody>
-          <a:bodyPr>
-            <a:normAutofit/>
-          </a:bodyPr>
-          <a:lstStyle/>
-          <a:p>
-            <a:r>
-              <a:rPr lang="en-US" altLang="zh-CN" sz="4080" dirty="0">
-                <a:latin typeface="Times New Roman" panose="02020603050405020304" pitchFamily="18" charset="0"/>
-                <a:cs typeface="Times New Roman" panose="02020603050405020304" pitchFamily="18" charset="0"/>
-              </a:rPr>
-              <a:t>Conclusion</a:t>
-            </a:r>
-            <a:endParaRPr lang="zh-CN" altLang="en-US" sz="4080" dirty="0">
-              <a:latin typeface="Times New Roman" panose="02020603050405020304" pitchFamily="18" charset="0"/>
-              <a:cs typeface="Times New Roman" panose="02020603050405020304" pitchFamily="18" charset="0"/>
-            </a:endParaRPr>
-          </a:p>
-        </p:txBody>
-      </p:sp>
-      <p:sp>
-        <p:nvSpPr>
-          <p:cNvPr id="6" name="文本占位符 5">
-            <a:extLst>
-              <a:ext uri="{FF2B5EF4-FFF2-40B4-BE49-F238E27FC236}">
-                <a16:creationId xmlns:a16="http://schemas.microsoft.com/office/drawing/2014/main" id="{95D922DA-9970-1F47-93C9-3E49CD51FD1F}"/>
-              </a:ext>
-            </a:extLst>
-          </p:cNvPr>
-          <p:cNvSpPr>
-            <a:spLocks noGrp="1"/>
-          </p:cNvSpPr>
-          <p:nvPr>
-            <p:ph type="body" idx="1"/>
-          </p:nvPr>
-        </p:nvSpPr>
-        <p:spPr/>
-        <p:txBody>
-          <a:bodyPr/>
-          <a:lstStyle/>
-          <a:p>
-            <a:endParaRPr lang="zh-CN" altLang="en-US" dirty="0"/>
-          </a:p>
-        </p:txBody>
-      </p:sp>
-      <p:sp>
-        <p:nvSpPr>
-          <p:cNvPr id="4" name="灯片编号占位符 3">
-            <a:extLst>
-              <a:ext uri="{FF2B5EF4-FFF2-40B4-BE49-F238E27FC236}">
-                <a16:creationId xmlns:a16="http://schemas.microsoft.com/office/drawing/2014/main" id="{02385E9B-8D63-E84B-BA7F-0C5423F995D4}"/>
-              </a:ext>
-            </a:extLst>
-          </p:cNvPr>
-          <p:cNvSpPr>
-            <a:spLocks noGrp="1"/>
-          </p:cNvSpPr>
-          <p:nvPr>
-            <p:ph type="sldNum" sz="quarter" idx="12"/>
-          </p:nvPr>
-        </p:nvSpPr>
-        <p:spPr/>
-        <p:txBody>
-          <a:bodyPr/>
-          <a:lstStyle/>
-          <a:p>
-            <a:fld id="{ADE361C3-C043-4A6E-BDCE-8DA1E7D90A3B}" type="slidenum">
-              <a:rPr lang="zh-CN" altLang="en-US" smtClean="0"/>
-              <a:t>16</a:t>
-            </a:fld>
-            <a:endParaRPr lang="zh-CN" altLang="en-US"/>
-          </a:p>
-        </p:txBody>
-      </p:sp>
-    </p:spTree>
-    <p:extLst>
-      <p:ext uri="{BB962C8B-B14F-4D97-AF65-F5344CB8AC3E}">
-        <p14:creationId xmlns:p14="http://schemas.microsoft.com/office/powerpoint/2010/main" val="87178505"/>
-      </p:ext>
-    </p:extLst>
-  </p:cSld>
-  <p:clrMapOvr>
-    <a:masterClrMapping/>
-  </p:clrMapOvr>
-</p:sld>
-</file>
-
 <file path=ppt/slides/slide17.xml><?xml version="1.0" encoding="utf-8"?>
 <p:sld xmlns:a="http://schemas.openxmlformats.org/drawingml/2006/main" xmlns:r="http://schemas.openxmlformats.org/officeDocument/2006/relationships" xmlns:p="http://schemas.openxmlformats.org/presentationml/2006/main">
   <p:cSld>
@@ -7311,6 +7474,132 @@
       </p:grpSpPr>
       <p:sp>
         <p:nvSpPr>
+          <p:cNvPr id="5" name="标题 4">
+            <a:extLst>
+              <a:ext uri="{FF2B5EF4-FFF2-40B4-BE49-F238E27FC236}">
+                <a16:creationId xmlns:a16="http://schemas.microsoft.com/office/drawing/2014/main" id="{D370667C-ACD4-1A4A-BBEB-B8DA37D7F4F7}"/>
+              </a:ext>
+            </a:extLst>
+          </p:cNvPr>
+          <p:cNvSpPr>
+            <a:spLocks noGrp="1"/>
+          </p:cNvSpPr>
+          <p:nvPr>
+            <p:ph type="title"/>
+          </p:nvPr>
+        </p:nvSpPr>
+        <p:spPr>
+          <a:xfrm>
+            <a:off x="1476375" y="4406902"/>
+            <a:ext cx="10322658" cy="1362074"/>
+          </a:xfrm>
+        </p:spPr>
+        <p:txBody>
+          <a:bodyPr>
+            <a:normAutofit/>
+          </a:bodyPr>
+          <a:lstStyle/>
+          <a:p>
+            <a:r>
+              <a:rPr lang="en-US" altLang="zh-CN" sz="4080" dirty="0">
+                <a:latin typeface="Times New Roman" panose="02020603050405020304" pitchFamily="18" charset="0"/>
+                <a:cs typeface="Times New Roman" panose="02020603050405020304" pitchFamily="18" charset="0"/>
+              </a:rPr>
+              <a:t>Conclusion</a:t>
+            </a:r>
+            <a:endParaRPr lang="zh-CN" altLang="en-US" sz="4080" dirty="0">
+              <a:latin typeface="Times New Roman" panose="02020603050405020304" pitchFamily="18" charset="0"/>
+              <a:cs typeface="Times New Roman" panose="02020603050405020304" pitchFamily="18" charset="0"/>
+            </a:endParaRPr>
+          </a:p>
+        </p:txBody>
+      </p:sp>
+      <p:sp>
+        <p:nvSpPr>
+          <p:cNvPr id="6" name="文本占位符 5">
+            <a:extLst>
+              <a:ext uri="{FF2B5EF4-FFF2-40B4-BE49-F238E27FC236}">
+                <a16:creationId xmlns:a16="http://schemas.microsoft.com/office/drawing/2014/main" id="{95D922DA-9970-1F47-93C9-3E49CD51FD1F}"/>
+              </a:ext>
+            </a:extLst>
+          </p:cNvPr>
+          <p:cNvSpPr>
+            <a:spLocks noGrp="1"/>
+          </p:cNvSpPr>
+          <p:nvPr>
+            <p:ph type="body" idx="1"/>
+          </p:nvPr>
+        </p:nvSpPr>
+        <p:spPr/>
+        <p:txBody>
+          <a:bodyPr/>
+          <a:lstStyle/>
+          <a:p>
+            <a:endParaRPr lang="zh-CN" altLang="en-US" dirty="0"/>
+          </a:p>
+        </p:txBody>
+      </p:sp>
+      <p:sp>
+        <p:nvSpPr>
+          <p:cNvPr id="4" name="灯片编号占位符 3">
+            <a:extLst>
+              <a:ext uri="{FF2B5EF4-FFF2-40B4-BE49-F238E27FC236}">
+                <a16:creationId xmlns:a16="http://schemas.microsoft.com/office/drawing/2014/main" id="{02385E9B-8D63-E84B-BA7F-0C5423F995D4}"/>
+              </a:ext>
+            </a:extLst>
+          </p:cNvPr>
+          <p:cNvSpPr>
+            <a:spLocks noGrp="1"/>
+          </p:cNvSpPr>
+          <p:nvPr>
+            <p:ph type="sldNum" sz="quarter" idx="12"/>
+          </p:nvPr>
+        </p:nvSpPr>
+        <p:spPr/>
+        <p:txBody>
+          <a:bodyPr/>
+          <a:lstStyle/>
+          <a:p>
+            <a:fld id="{ADE361C3-C043-4A6E-BDCE-8DA1E7D90A3B}" type="slidenum">
+              <a:rPr lang="zh-CN" altLang="en-US" smtClean="0"/>
+              <a:t>17</a:t>
+            </a:fld>
+            <a:endParaRPr lang="zh-CN" altLang="en-US"/>
+          </a:p>
+        </p:txBody>
+      </p:sp>
+    </p:spTree>
+    <p:extLst>
+      <p:ext uri="{BB962C8B-B14F-4D97-AF65-F5344CB8AC3E}">
+        <p14:creationId xmlns:p14="http://schemas.microsoft.com/office/powerpoint/2010/main" val="87178505"/>
+      </p:ext>
+    </p:extLst>
+  </p:cSld>
+  <p:clrMapOvr>
+    <a:masterClrMapping/>
+  </p:clrMapOvr>
+</p:sld>
+</file>
+
+<file path=ppt/slides/slide18.xml><?xml version="1.0" encoding="utf-8"?>
+<p:sld xmlns:a="http://schemas.openxmlformats.org/drawingml/2006/main" xmlns:r="http://schemas.openxmlformats.org/officeDocument/2006/relationships" xmlns:p="http://schemas.openxmlformats.org/presentationml/2006/main">
+  <p:cSld>
+    <p:spTree>
+      <p:nvGrpSpPr>
+        <p:cNvPr id="1" name=""/>
+        <p:cNvGrpSpPr/>
+        <p:nvPr/>
+      </p:nvGrpSpPr>
+      <p:grpSpPr>
+        <a:xfrm>
+          <a:off x="0" y="0"/>
+          <a:ext cx="0" cy="0"/>
+          <a:chOff x="0" y="0"/>
+          <a:chExt cx="0" cy="0"/>
+        </a:xfrm>
+      </p:grpSpPr>
+      <p:sp>
+        <p:nvSpPr>
           <p:cNvPr id="2" name="标题 1">
             <a:extLst>
               <a:ext uri="{FF2B5EF4-FFF2-40B4-BE49-F238E27FC236}">
@@ -7463,7 +7752,7 @@
           <a:p>
             <a:fld id="{ADE361C3-C043-4A6E-BDCE-8DA1E7D90A3B}" type="slidenum">
               <a:rPr lang="zh-CN" altLang="en-US" smtClean="0"/>
-              <a:t>17</a:t>
+              <a:t>18</a:t>
             </a:fld>
             <a:endParaRPr lang="zh-CN" altLang="en-US"/>
           </a:p>
@@ -8222,223 +8511,6 @@
 </p:sld>
 </file>
 
-<file path=ppt/slides/slide18.xml><?xml version="1.0" encoding="utf-8"?>
-<p:sld xmlns:a="http://schemas.openxmlformats.org/drawingml/2006/main" xmlns:r="http://schemas.openxmlformats.org/officeDocument/2006/relationships" xmlns:p="http://schemas.openxmlformats.org/presentationml/2006/main">
-  <p:cSld>
-    <p:spTree>
-      <p:nvGrpSpPr>
-        <p:cNvPr id="1" name=""/>
-        <p:cNvGrpSpPr/>
-        <p:nvPr/>
-      </p:nvGrpSpPr>
-      <p:grpSpPr>
-        <a:xfrm>
-          <a:off x="0" y="0"/>
-          <a:ext cx="0" cy="0"/>
-          <a:chOff x="0" y="0"/>
-          <a:chExt cx="0" cy="0"/>
-        </a:xfrm>
-      </p:grpSpPr>
-      <p:sp>
-        <p:nvSpPr>
-          <p:cNvPr id="2" name="标题 1">
-            <a:extLst>
-              <a:ext uri="{FF2B5EF4-FFF2-40B4-BE49-F238E27FC236}">
-                <a16:creationId xmlns:a16="http://schemas.microsoft.com/office/drawing/2014/main" id="{8A4E491A-F27D-6643-80E0-06F48660FA21}"/>
-              </a:ext>
-            </a:extLst>
-          </p:cNvPr>
-          <p:cNvSpPr>
-            <a:spLocks noGrp="1"/>
-          </p:cNvSpPr>
-          <p:nvPr>
-            <p:ph type="title"/>
-          </p:nvPr>
-        </p:nvSpPr>
-        <p:spPr>
-          <a:xfrm>
-            <a:off x="730800" y="274639"/>
-            <a:ext cx="10122336" cy="1080530"/>
-          </a:xfrm>
-        </p:spPr>
-        <p:txBody>
-          <a:bodyPr>
-            <a:normAutofit/>
-          </a:bodyPr>
-          <a:lstStyle/>
-          <a:p>
-            <a:r>
-              <a:rPr kumimoji="1" lang="en-US" altLang="zh-CN" sz="3600" dirty="0">
-                <a:latin typeface="Times New Roman" panose="02020603050405020304" pitchFamily="18" charset="0"/>
-                <a:cs typeface="Times New Roman" panose="02020603050405020304" pitchFamily="18" charset="0"/>
-              </a:rPr>
-              <a:t>Conclusion: Future Work</a:t>
-            </a:r>
-            <a:endParaRPr kumimoji="1" lang="zh-CN" altLang="en-US" sz="3600" dirty="0">
-              <a:latin typeface="Times New Roman" panose="02020603050405020304" pitchFamily="18" charset="0"/>
-              <a:cs typeface="Times New Roman" panose="02020603050405020304" pitchFamily="18" charset="0"/>
-            </a:endParaRPr>
-          </a:p>
-        </p:txBody>
-      </p:sp>
-      <p:sp>
-        <p:nvSpPr>
-          <p:cNvPr id="3" name="内容占位符 2">
-            <a:extLst>
-              <a:ext uri="{FF2B5EF4-FFF2-40B4-BE49-F238E27FC236}">
-                <a16:creationId xmlns:a16="http://schemas.microsoft.com/office/drawing/2014/main" id="{F70074B0-7D54-CB43-A2C4-E8723E631238}"/>
-              </a:ext>
-            </a:extLst>
-          </p:cNvPr>
-          <p:cNvSpPr>
-            <a:spLocks noGrp="1"/>
-          </p:cNvSpPr>
-          <p:nvPr>
-            <p:ph idx="1"/>
-          </p:nvPr>
-        </p:nvSpPr>
-        <p:spPr>
-          <a:xfrm>
-            <a:off x="639156" y="1635624"/>
-            <a:ext cx="10913687" cy="4756153"/>
-          </a:xfrm>
-        </p:spPr>
-        <p:txBody>
-          <a:bodyPr>
-            <a:normAutofit/>
-          </a:bodyPr>
-          <a:lstStyle/>
-          <a:p>
-            <a:r>
-              <a:rPr kumimoji="1" lang="en-US" altLang="zh-CN" sz="2400" dirty="0">
-                <a:latin typeface="Times New Roman" panose="02020603050405020304" pitchFamily="18" charset="0"/>
-                <a:cs typeface="Times New Roman" panose="02020603050405020304" pitchFamily="18" charset="0"/>
-              </a:rPr>
-              <a:t>Merging Rules for Constraints</a:t>
-            </a:r>
-          </a:p>
-          <a:p>
-            <a:pPr lvl="1"/>
-            <a:r>
-              <a:rPr kumimoji="1" lang="en-US" altLang="zh-CN" sz="2160" dirty="0">
-                <a:latin typeface="Times New Roman" panose="02020603050405020304" pitchFamily="18" charset="0"/>
-                <a:cs typeface="Times New Roman" panose="02020603050405020304" pitchFamily="18" charset="0"/>
-              </a:rPr>
-              <a:t>More Complex Tile Forms</a:t>
-            </a:r>
-          </a:p>
-          <a:p>
-            <a:pPr lvl="1"/>
-            <a:r>
-              <a:rPr kumimoji="1" lang="en-US" altLang="zh-CN" sz="2160" dirty="0">
-                <a:latin typeface="Times New Roman" panose="02020603050405020304" pitchFamily="18" charset="0"/>
-                <a:cs typeface="Times New Roman" panose="02020603050405020304" pitchFamily="18" charset="0"/>
-              </a:rPr>
-              <a:t>Matrices with a Higher Degree of Density</a:t>
-            </a:r>
-          </a:p>
-          <a:p>
-            <a:r>
-              <a:rPr kumimoji="1" lang="en-US" altLang="zh-CN" sz="2400" dirty="0">
-                <a:latin typeface="Times New Roman" panose="02020603050405020304" pitchFamily="18" charset="0"/>
-                <a:cs typeface="Times New Roman" panose="02020603050405020304" pitchFamily="18" charset="0"/>
-              </a:rPr>
-              <a:t>More comprehensive test sets</a:t>
-            </a:r>
-          </a:p>
-          <a:p>
-            <a:pPr lvl="1"/>
-            <a:r>
-              <a:rPr kumimoji="1" lang="en-US" altLang="zh-CN" sz="2160" dirty="0">
-                <a:latin typeface="Times New Roman" panose="02020603050405020304" pitchFamily="18" charset="0"/>
-                <a:cs typeface="Times New Roman" panose="02020603050405020304" pitchFamily="18" charset="0"/>
-              </a:rPr>
-              <a:t>More Comprehensive Categorization</a:t>
-            </a:r>
-          </a:p>
-          <a:p>
-            <a:pPr lvl="1"/>
-            <a:r>
-              <a:rPr kumimoji="1" lang="en-US" altLang="zh-CN" sz="2160" dirty="0">
-                <a:latin typeface="Times New Roman" panose="02020603050405020304" pitchFamily="18" charset="0"/>
-                <a:cs typeface="Times New Roman" panose="02020603050405020304" pitchFamily="18" charset="0"/>
-              </a:rPr>
-              <a:t>Additional and Larger-scale Illustrations.</a:t>
-            </a:r>
-          </a:p>
-          <a:p>
-            <a:r>
-              <a:rPr kumimoji="1" lang="en-US" altLang="zh-CN" sz="2400" dirty="0">
-                <a:latin typeface="Times New Roman" panose="02020603050405020304" pitchFamily="18" charset="0"/>
-                <a:cs typeface="Times New Roman" panose="02020603050405020304" pitchFamily="18" charset="0"/>
-              </a:rPr>
-              <a:t>More efficient algorithmic workflow</a:t>
-            </a:r>
-          </a:p>
-          <a:p>
-            <a:pPr lvl="1"/>
-            <a:r>
-              <a:rPr kumimoji="1" lang="en-US" altLang="zh-CN" sz="2160" dirty="0">
-                <a:latin typeface="Times New Roman" panose="02020603050405020304" pitchFamily="18" charset="0"/>
-                <a:cs typeface="Times New Roman" panose="02020603050405020304" pitchFamily="18" charset="0"/>
-              </a:rPr>
-              <a:t>Improving the Parallelism of the Algorithm.</a:t>
-            </a:r>
-          </a:p>
-          <a:p>
-            <a:pPr lvl="1"/>
-            <a:r>
-              <a:rPr kumimoji="1" lang="en-US" altLang="zh-CN" sz="2160" dirty="0">
-                <a:latin typeface="Times New Roman" panose="02020603050405020304" pitchFamily="18" charset="0"/>
-                <a:cs typeface="Times New Roman" panose="02020603050405020304" pitchFamily="18" charset="0"/>
-              </a:rPr>
-              <a:t>Reducing Algorithm Memory Consumption.</a:t>
-            </a:r>
-          </a:p>
-        </p:txBody>
-      </p:sp>
-      <p:sp>
-        <p:nvSpPr>
-          <p:cNvPr id="4" name="灯片编号占位符 3">
-            <a:extLst>
-              <a:ext uri="{FF2B5EF4-FFF2-40B4-BE49-F238E27FC236}">
-                <a16:creationId xmlns:a16="http://schemas.microsoft.com/office/drawing/2014/main" id="{B268D50E-8107-3C4D-94F0-BEB8FEB2CD0A}"/>
-              </a:ext>
-            </a:extLst>
-          </p:cNvPr>
-          <p:cNvSpPr>
-            <a:spLocks noGrp="1"/>
-          </p:cNvSpPr>
-          <p:nvPr>
-            <p:ph type="sldNum" sz="quarter" idx="12"/>
-          </p:nvPr>
-        </p:nvSpPr>
-        <p:spPr/>
-        <p:txBody>
-          <a:bodyPr/>
-          <a:lstStyle/>
-          <a:p>
-            <a:fld id="{ADE361C3-C043-4A6E-BDCE-8DA1E7D90A3B}" type="slidenum">
-              <a:rPr lang="zh-CN" altLang="en-US" smtClean="0"/>
-              <a:t>18</a:t>
-            </a:fld>
-            <a:endParaRPr lang="zh-CN" altLang="en-US"/>
-          </a:p>
-        </p:txBody>
-      </p:sp>
-    </p:spTree>
-    <p:extLst>
-      <p:ext uri="{BB962C8B-B14F-4D97-AF65-F5344CB8AC3E}">
-        <p14:creationId xmlns:p14="http://schemas.microsoft.com/office/powerpoint/2010/main" val="2054815245"/>
-      </p:ext>
-    </p:extLst>
-  </p:cSld>
-  <p:clrMapOvr>
-    <a:masterClrMapping/>
-  </p:clrMapOvr>
-</p:sld>
-</file>
-
 <file path=ppt/slides/slide19.xml><?xml version="1.0" encoding="utf-8"?>
 <p:sld xmlns:a="http://schemas.openxmlformats.org/drawingml/2006/main" xmlns:r="http://schemas.openxmlformats.org/officeDocument/2006/relationships" xmlns:p="http://schemas.openxmlformats.org/presentationml/2006/main">
   <p:cSld>
@@ -8458,10 +8530,10 @@
       </p:grpSpPr>
       <p:sp>
         <p:nvSpPr>
-          <p:cNvPr id="5" name="标题 4">
+          <p:cNvPr id="2" name="标题 1">
             <a:extLst>
               <a:ext uri="{FF2B5EF4-FFF2-40B4-BE49-F238E27FC236}">
-                <a16:creationId xmlns:a16="http://schemas.microsoft.com/office/drawing/2014/main" id="{D370667C-ACD4-1A4A-BBEB-B8DA37D7F4F7}"/>
+                <a16:creationId xmlns:a16="http://schemas.microsoft.com/office/drawing/2014/main" id="{8A4E491A-F27D-6643-80E0-06F48660FA21}"/>
               </a:ext>
             </a:extLst>
           </p:cNvPr>
@@ -8474,8 +8546,8 @@
         </p:nvSpPr>
         <p:spPr>
           <a:xfrm>
-            <a:off x="1476375" y="4406902"/>
-            <a:ext cx="10322658" cy="1362074"/>
+            <a:off x="730800" y="274639"/>
+            <a:ext cx="10122336" cy="1080530"/>
           </a:xfrm>
         </p:spPr>
         <p:txBody>
@@ -8485,13 +8557,13 @@
           <a:lstStyle/>
           <a:p>
             <a:r>
-              <a:rPr lang="en-US" altLang="zh-CN" sz="4080" dirty="0">
+              <a:rPr kumimoji="1" lang="en-US" altLang="zh-CN" sz="3600" dirty="0">
                 <a:latin typeface="Times New Roman" panose="02020603050405020304" pitchFamily="18" charset="0"/>
                 <a:cs typeface="Times New Roman" panose="02020603050405020304" pitchFamily="18" charset="0"/>
               </a:rPr>
-              <a:t>Thank You</a:t>
+              <a:t>Conclusion: Future Work</a:t>
             </a:r>
-            <a:endParaRPr lang="zh-CN" altLang="en-US" sz="4080" dirty="0">
+            <a:endParaRPr kumimoji="1" lang="zh-CN" altLang="en-US" sz="3600" dirty="0">
               <a:latin typeface="Times New Roman" panose="02020603050405020304" pitchFamily="18" charset="0"/>
               <a:cs typeface="Times New Roman" panose="02020603050405020304" pitchFamily="18" charset="0"/>
             </a:endParaRPr>
@@ -8500,10 +8572,10 @@
       </p:sp>
       <p:sp>
         <p:nvSpPr>
-          <p:cNvPr id="6" name="文本占位符 5">
+          <p:cNvPr id="3" name="内容占位符 2">
             <a:extLst>
               <a:ext uri="{FF2B5EF4-FFF2-40B4-BE49-F238E27FC236}">
-                <a16:creationId xmlns:a16="http://schemas.microsoft.com/office/drawing/2014/main" id="{95D922DA-9970-1F47-93C9-3E49CD51FD1F}"/>
+                <a16:creationId xmlns:a16="http://schemas.microsoft.com/office/drawing/2014/main" id="{F70074B0-7D54-CB43-A2C4-E8723E631238}"/>
               </a:ext>
             </a:extLst>
           </p:cNvPr>
@@ -8511,15 +8583,106 @@
             <a:spLocks noGrp="1"/>
           </p:cNvSpPr>
           <p:nvPr>
-            <p:ph type="body" idx="1"/>
+            <p:ph idx="1"/>
           </p:nvPr>
         </p:nvSpPr>
-        <p:spPr/>
+        <p:spPr>
+          <a:xfrm>
+            <a:off x="639156" y="1635624"/>
+            <a:ext cx="10913687" cy="4756153"/>
+          </a:xfrm>
+        </p:spPr>
         <p:txBody>
-          <a:bodyPr/>
+          <a:bodyPr>
+            <a:normAutofit/>
+          </a:bodyPr>
           <a:lstStyle/>
           <a:p>
-            <a:endParaRPr lang="zh-CN" altLang="en-US" dirty="0"/>
+            <a:r>
+              <a:rPr kumimoji="1" lang="en-US" altLang="zh-CN" sz="2400" dirty="0">
+                <a:latin typeface="Times New Roman" panose="02020603050405020304" pitchFamily="18" charset="0"/>
+                <a:cs typeface="Times New Roman" panose="02020603050405020304" pitchFamily="18" charset="0"/>
+              </a:rPr>
+              <a:t>Merging Rules for Constraints</a:t>
+            </a:r>
+          </a:p>
+          <a:p>
+            <a:pPr lvl="1"/>
+            <a:r>
+              <a:rPr kumimoji="1" lang="en-US" altLang="zh-CN" sz="2160" dirty="0">
+                <a:latin typeface="Times New Roman" panose="02020603050405020304" pitchFamily="18" charset="0"/>
+                <a:cs typeface="Times New Roman" panose="02020603050405020304" pitchFamily="18" charset="0"/>
+              </a:rPr>
+              <a:t>More Complex Tile Forms</a:t>
+            </a:r>
+          </a:p>
+          <a:p>
+            <a:pPr lvl="1"/>
+            <a:r>
+              <a:rPr kumimoji="1" lang="en-US" altLang="zh-CN" sz="2160" dirty="0">
+                <a:latin typeface="Times New Roman" panose="02020603050405020304" pitchFamily="18" charset="0"/>
+                <a:cs typeface="Times New Roman" panose="02020603050405020304" pitchFamily="18" charset="0"/>
+              </a:rPr>
+              <a:t>Matrices with a Higher Degree of Density</a:t>
+            </a:r>
+          </a:p>
+          <a:p>
+            <a:r>
+              <a:rPr kumimoji="1" lang="en-US" altLang="zh-CN" sz="2400" dirty="0">
+                <a:latin typeface="Times New Roman" panose="02020603050405020304" pitchFamily="18" charset="0"/>
+                <a:cs typeface="Times New Roman" panose="02020603050405020304" pitchFamily="18" charset="0"/>
+              </a:rPr>
+              <a:t>More comprehensive test sets</a:t>
+            </a:r>
+          </a:p>
+          <a:p>
+            <a:pPr lvl="1"/>
+            <a:r>
+              <a:rPr kumimoji="1" lang="en-US" altLang="zh-CN" sz="2160" dirty="0">
+                <a:latin typeface="Times New Roman" panose="02020603050405020304" pitchFamily="18" charset="0"/>
+                <a:cs typeface="Times New Roman" panose="02020603050405020304" pitchFamily="18" charset="0"/>
+              </a:rPr>
+              <a:t>More Comprehensive Categorization</a:t>
+            </a:r>
+          </a:p>
+          <a:p>
+            <a:pPr lvl="1"/>
+            <a:r>
+              <a:rPr kumimoji="1" lang="en-US" altLang="zh-CN" sz="2160" dirty="0">
+                <a:latin typeface="Times New Roman" panose="02020603050405020304" pitchFamily="18" charset="0"/>
+                <a:cs typeface="Times New Roman" panose="02020603050405020304" pitchFamily="18" charset="0"/>
+              </a:rPr>
+              <a:t>Additional and Larger-scale Illustrations.</a:t>
+            </a:r>
+          </a:p>
+          <a:p>
+            <a:r>
+              <a:rPr kumimoji="1" lang="en-US" altLang="zh-CN" sz="2400" dirty="0">
+                <a:latin typeface="Times New Roman" panose="02020603050405020304" pitchFamily="18" charset="0"/>
+                <a:cs typeface="Times New Roman" panose="02020603050405020304" pitchFamily="18" charset="0"/>
+              </a:rPr>
+              <a:t>More efficient algorithmic workflow</a:t>
+            </a:r>
+          </a:p>
+          <a:p>
+            <a:pPr lvl="1"/>
+            <a:r>
+              <a:rPr kumimoji="1" lang="en-US" altLang="zh-CN" sz="2160" dirty="0">
+                <a:latin typeface="Times New Roman" panose="02020603050405020304" pitchFamily="18" charset="0"/>
+                <a:cs typeface="Times New Roman" panose="02020603050405020304" pitchFamily="18" charset="0"/>
+              </a:rPr>
+              <a:t>Improving the Parallelism of the Algorithm.</a:t>
+            </a:r>
+          </a:p>
+          <a:p>
+            <a:pPr lvl="1"/>
+            <a:r>
+              <a:rPr kumimoji="1" lang="en-US" altLang="zh-CN" sz="2160" dirty="0">
+                <a:latin typeface="Times New Roman" panose="02020603050405020304" pitchFamily="18" charset="0"/>
+                <a:cs typeface="Times New Roman" panose="02020603050405020304" pitchFamily="18" charset="0"/>
+              </a:rPr>
+              <a:t>Reducing Algorithm Memory Consumption.</a:t>
+            </a:r>
           </a:p>
         </p:txBody>
       </p:sp>
@@ -8528,7 +8691,7 @@
           <p:cNvPr id="4" name="灯片编号占位符 3">
             <a:extLst>
               <a:ext uri="{FF2B5EF4-FFF2-40B4-BE49-F238E27FC236}">
-                <a16:creationId xmlns:a16="http://schemas.microsoft.com/office/drawing/2014/main" id="{02385E9B-8D63-E84B-BA7F-0C5423F995D4}"/>
+                <a16:creationId xmlns:a16="http://schemas.microsoft.com/office/drawing/2014/main" id="{B268D50E-8107-3C4D-94F0-BEB8FEB2CD0A}"/>
               </a:ext>
             </a:extLst>
           </p:cNvPr>
@@ -8555,7 +8718,7 @@
     </p:spTree>
     <p:extLst>
       <p:ext uri="{BB962C8B-B14F-4D97-AF65-F5344CB8AC3E}">
-        <p14:creationId xmlns:p14="http://schemas.microsoft.com/office/powerpoint/2010/main" val="3302529867"/>
+        <p14:creationId xmlns:p14="http://schemas.microsoft.com/office/powerpoint/2010/main" val="2054815245"/>
       </p:ext>
     </p:extLst>
   </p:cSld>
@@ -8584,6 +8747,153 @@
       </p:grpSpPr>
       <p:sp>
         <p:nvSpPr>
+          <p:cNvPr id="5" name="内容占位符 4">
+            <a:extLst>
+              <a:ext uri="{FF2B5EF4-FFF2-40B4-BE49-F238E27FC236}">
+                <a16:creationId xmlns:a16="http://schemas.microsoft.com/office/drawing/2014/main" id="{48D149A8-9973-8543-A77F-3AE34E740C73}"/>
+              </a:ext>
+            </a:extLst>
+          </p:cNvPr>
+          <p:cNvSpPr>
+            <a:spLocks noGrp="1"/>
+          </p:cNvSpPr>
+          <p:nvPr>
+            <p:ph idx="1"/>
+          </p:nvPr>
+        </p:nvSpPr>
+        <p:spPr/>
+        <p:txBody>
+          <a:bodyPr>
+            <a:normAutofit/>
+          </a:bodyPr>
+          <a:lstStyle/>
+          <a:p>
+            <a:r>
+              <a:rPr kumimoji="1" lang="en-US" altLang="zh-CN" sz="2880" dirty="0">
+                <a:latin typeface="Times New Roman" panose="02020603050405020304" pitchFamily="18" charset="0"/>
+                <a:cs typeface="Times New Roman" panose="02020603050405020304" pitchFamily="18" charset="0"/>
+              </a:rPr>
+              <a:t>Research</a:t>
+            </a:r>
+            <a:r>
+              <a:rPr kumimoji="1" lang="zh-CN" altLang="en-US" sz="2880" dirty="0">
+                <a:latin typeface="Times New Roman" panose="02020603050405020304" pitchFamily="18" charset="0"/>
+                <a:cs typeface="Times New Roman" panose="02020603050405020304" pitchFamily="18" charset="0"/>
+              </a:rPr>
+              <a:t> </a:t>
+            </a:r>
+            <a:r>
+              <a:rPr kumimoji="1" lang="en-US" altLang="zh-CN" sz="2880" dirty="0">
+                <a:latin typeface="Times New Roman" panose="02020603050405020304" pitchFamily="18" charset="0"/>
+                <a:cs typeface="Times New Roman" panose="02020603050405020304" pitchFamily="18" charset="0"/>
+              </a:rPr>
+              <a:t>Background</a:t>
+            </a:r>
+          </a:p>
+          <a:p>
+            <a:r>
+              <a:rPr kumimoji="1" lang="en-US" altLang="zh-CN" sz="2880" dirty="0">
+                <a:latin typeface="Times New Roman" panose="02020603050405020304" pitchFamily="18" charset="0"/>
+                <a:cs typeface="Times New Roman" panose="02020603050405020304" pitchFamily="18" charset="0"/>
+              </a:rPr>
+              <a:t>Algorithm Design</a:t>
+            </a:r>
+          </a:p>
+          <a:p>
+            <a:r>
+              <a:rPr kumimoji="1" lang="en-US" altLang="zh-CN" sz="2880" dirty="0">
+                <a:latin typeface="Times New Roman" panose="02020603050405020304" pitchFamily="18" charset="0"/>
+                <a:cs typeface="Times New Roman" panose="02020603050405020304" pitchFamily="18" charset="0"/>
+              </a:rPr>
+              <a:t>Evaluation</a:t>
+            </a:r>
+          </a:p>
+          <a:p>
+            <a:r>
+              <a:rPr kumimoji="1" lang="en-US" altLang="zh-CN" sz="2880" dirty="0">
+                <a:latin typeface="Times New Roman" panose="02020603050405020304" pitchFamily="18" charset="0"/>
+                <a:cs typeface="Times New Roman" panose="02020603050405020304" pitchFamily="18" charset="0"/>
+              </a:rPr>
+              <a:t>Conclusion</a:t>
+            </a:r>
+            <a:endParaRPr kumimoji="1" lang="en-US" altLang="zh-CN" sz="2880" dirty="0"/>
+          </a:p>
+        </p:txBody>
+      </p:sp>
+      <p:sp>
+        <p:nvSpPr>
+          <p:cNvPr id="6" name="标题 1">
+            <a:extLst>
+              <a:ext uri="{FF2B5EF4-FFF2-40B4-BE49-F238E27FC236}">
+                <a16:creationId xmlns:a16="http://schemas.microsoft.com/office/drawing/2014/main" id="{B0365F36-FD03-5021-C85B-2165C753C952}"/>
+              </a:ext>
+            </a:extLst>
+          </p:cNvPr>
+          <p:cNvSpPr>
+            <a:spLocks noGrp="1"/>
+          </p:cNvSpPr>
+          <p:nvPr>
+            <p:ph type="title"/>
+          </p:nvPr>
+        </p:nvSpPr>
+        <p:spPr>
+          <a:xfrm>
+            <a:off x="665398" y="283788"/>
+            <a:ext cx="10122336" cy="1080530"/>
+          </a:xfrm>
+        </p:spPr>
+        <p:txBody>
+          <a:bodyPr>
+            <a:normAutofit/>
+          </a:bodyPr>
+          <a:lstStyle/>
+          <a:p>
+            <a:r>
+              <a:rPr kumimoji="1" lang="en-US" altLang="zh-CN" sz="3600" dirty="0">
+                <a:latin typeface="Times New Roman" panose="02020603050405020304" pitchFamily="18" charset="0"/>
+                <a:cs typeface="Times New Roman" panose="02020603050405020304" pitchFamily="18" charset="0"/>
+              </a:rPr>
+              <a:t>Contents</a:t>
+            </a:r>
+            <a:endParaRPr kumimoji="1" lang="zh-CN" altLang="en-US" sz="3600" dirty="0">
+              <a:latin typeface="Times New Roman" panose="02020603050405020304" pitchFamily="18" charset="0"/>
+              <a:cs typeface="Times New Roman" panose="02020603050405020304" pitchFamily="18" charset="0"/>
+            </a:endParaRPr>
+          </a:p>
+        </p:txBody>
+      </p:sp>
+    </p:spTree>
+    <p:extLst>
+      <p:ext uri="{BB962C8B-B14F-4D97-AF65-F5344CB8AC3E}">
+        <p14:creationId xmlns:p14="http://schemas.microsoft.com/office/powerpoint/2010/main" val="586592987"/>
+      </p:ext>
+    </p:extLst>
+  </p:cSld>
+  <p:clrMapOvr>
+    <a:masterClrMapping/>
+  </p:clrMapOvr>
+</p:sld>
+</file>
+
+<file path=ppt/slides/slide20.xml><?xml version="1.0" encoding="utf-8"?>
+<p:sld xmlns:a="http://schemas.openxmlformats.org/drawingml/2006/main" xmlns:r="http://schemas.openxmlformats.org/officeDocument/2006/relationships" xmlns:p="http://schemas.openxmlformats.org/presentationml/2006/main">
+  <p:cSld>
+    <p:spTree>
+      <p:nvGrpSpPr>
+        <p:cNvPr id="1" name=""/>
+        <p:cNvGrpSpPr/>
+        <p:nvPr/>
+      </p:nvGrpSpPr>
+      <p:grpSpPr>
+        <a:xfrm>
+          <a:off x="0" y="0"/>
+          <a:ext cx="0" cy="0"/>
+          <a:chOff x="0" y="0"/>
+          <a:chExt cx="0" cy="0"/>
+        </a:xfrm>
+      </p:grpSpPr>
+      <p:sp>
+        <p:nvSpPr>
           <p:cNvPr id="5" name="标题 4">
             <a:extLst>
               <a:ext uri="{FF2B5EF4-FFF2-40B4-BE49-F238E27FC236}">
@@ -8615,7 +8925,7 @@
                 <a:latin typeface="Times New Roman" panose="02020603050405020304" pitchFamily="18" charset="0"/>
                 <a:cs typeface="Times New Roman" panose="02020603050405020304" pitchFamily="18" charset="0"/>
               </a:rPr>
-              <a:t>Research BACKGROUND</a:t>
+              <a:t>Thank You</a:t>
             </a:r>
             <a:endParaRPr lang="zh-CN" altLang="en-US" sz="4080" dirty="0">
               <a:latin typeface="Times New Roman" panose="02020603050405020304" pitchFamily="18" charset="0"/>
@@ -8672,7 +8982,7 @@
           <a:p>
             <a:fld id="{ADE361C3-C043-4A6E-BDCE-8DA1E7D90A3B}" type="slidenum">
               <a:rPr lang="zh-CN" altLang="en-US" smtClean="0"/>
-              <a:t>2</a:t>
+              <a:t>20</a:t>
             </a:fld>
             <a:endParaRPr lang="zh-CN" altLang="en-US"/>
           </a:p>
@@ -8681,7 +8991,7 @@
     </p:spTree>
     <p:extLst>
       <p:ext uri="{BB962C8B-B14F-4D97-AF65-F5344CB8AC3E}">
-        <p14:creationId xmlns:p14="http://schemas.microsoft.com/office/powerpoint/2010/main" val="2325455241"/>
+        <p14:creationId xmlns:p14="http://schemas.microsoft.com/office/powerpoint/2010/main" val="3302529867"/>
       </p:ext>
     </p:extLst>
   </p:cSld>
@@ -8710,6 +9020,132 @@
       </p:grpSpPr>
       <p:sp>
         <p:nvSpPr>
+          <p:cNvPr id="5" name="标题 4">
+            <a:extLst>
+              <a:ext uri="{FF2B5EF4-FFF2-40B4-BE49-F238E27FC236}">
+                <a16:creationId xmlns:a16="http://schemas.microsoft.com/office/drawing/2014/main" id="{D370667C-ACD4-1A4A-BBEB-B8DA37D7F4F7}"/>
+              </a:ext>
+            </a:extLst>
+          </p:cNvPr>
+          <p:cNvSpPr>
+            <a:spLocks noGrp="1"/>
+          </p:cNvSpPr>
+          <p:nvPr>
+            <p:ph type="title"/>
+          </p:nvPr>
+        </p:nvSpPr>
+        <p:spPr>
+          <a:xfrm>
+            <a:off x="1476375" y="4406902"/>
+            <a:ext cx="10322658" cy="1362074"/>
+          </a:xfrm>
+        </p:spPr>
+        <p:txBody>
+          <a:bodyPr>
+            <a:normAutofit/>
+          </a:bodyPr>
+          <a:lstStyle/>
+          <a:p>
+            <a:r>
+              <a:rPr lang="en-US" altLang="zh-CN" sz="4080" dirty="0">
+                <a:latin typeface="Times New Roman" panose="02020603050405020304" pitchFamily="18" charset="0"/>
+                <a:cs typeface="Times New Roman" panose="02020603050405020304" pitchFamily="18" charset="0"/>
+              </a:rPr>
+              <a:t>Research BACKGROUND</a:t>
+            </a:r>
+            <a:endParaRPr lang="zh-CN" altLang="en-US" sz="4080" dirty="0">
+              <a:latin typeface="Times New Roman" panose="02020603050405020304" pitchFamily="18" charset="0"/>
+              <a:cs typeface="Times New Roman" panose="02020603050405020304" pitchFamily="18" charset="0"/>
+            </a:endParaRPr>
+          </a:p>
+        </p:txBody>
+      </p:sp>
+      <p:sp>
+        <p:nvSpPr>
+          <p:cNvPr id="6" name="文本占位符 5">
+            <a:extLst>
+              <a:ext uri="{FF2B5EF4-FFF2-40B4-BE49-F238E27FC236}">
+                <a16:creationId xmlns:a16="http://schemas.microsoft.com/office/drawing/2014/main" id="{95D922DA-9970-1F47-93C9-3E49CD51FD1F}"/>
+              </a:ext>
+            </a:extLst>
+          </p:cNvPr>
+          <p:cNvSpPr>
+            <a:spLocks noGrp="1"/>
+          </p:cNvSpPr>
+          <p:nvPr>
+            <p:ph type="body" idx="1"/>
+          </p:nvPr>
+        </p:nvSpPr>
+        <p:spPr/>
+        <p:txBody>
+          <a:bodyPr/>
+          <a:lstStyle/>
+          <a:p>
+            <a:endParaRPr lang="zh-CN" altLang="en-US" dirty="0"/>
+          </a:p>
+        </p:txBody>
+      </p:sp>
+      <p:sp>
+        <p:nvSpPr>
+          <p:cNvPr id="4" name="灯片编号占位符 3">
+            <a:extLst>
+              <a:ext uri="{FF2B5EF4-FFF2-40B4-BE49-F238E27FC236}">
+                <a16:creationId xmlns:a16="http://schemas.microsoft.com/office/drawing/2014/main" id="{02385E9B-8D63-E84B-BA7F-0C5423F995D4}"/>
+              </a:ext>
+            </a:extLst>
+          </p:cNvPr>
+          <p:cNvSpPr>
+            <a:spLocks noGrp="1"/>
+          </p:cNvSpPr>
+          <p:nvPr>
+            <p:ph type="sldNum" sz="quarter" idx="12"/>
+          </p:nvPr>
+        </p:nvSpPr>
+        <p:spPr/>
+        <p:txBody>
+          <a:bodyPr/>
+          <a:lstStyle/>
+          <a:p>
+            <a:fld id="{ADE361C3-C043-4A6E-BDCE-8DA1E7D90A3B}" type="slidenum">
+              <a:rPr lang="zh-CN" altLang="en-US" smtClean="0"/>
+              <a:t>3</a:t>
+            </a:fld>
+            <a:endParaRPr lang="zh-CN" altLang="en-US"/>
+          </a:p>
+        </p:txBody>
+      </p:sp>
+    </p:spTree>
+    <p:extLst>
+      <p:ext uri="{BB962C8B-B14F-4D97-AF65-F5344CB8AC3E}">
+        <p14:creationId xmlns:p14="http://schemas.microsoft.com/office/powerpoint/2010/main" val="2325455241"/>
+      </p:ext>
+    </p:extLst>
+  </p:cSld>
+  <p:clrMapOvr>
+    <a:masterClrMapping/>
+  </p:clrMapOvr>
+</p:sld>
+</file>
+
+<file path=ppt/slides/slide4.xml><?xml version="1.0" encoding="utf-8"?>
+<p:sld xmlns:a="http://schemas.openxmlformats.org/drawingml/2006/main" xmlns:r="http://schemas.openxmlformats.org/officeDocument/2006/relationships" xmlns:p="http://schemas.openxmlformats.org/presentationml/2006/main">
+  <p:cSld>
+    <p:spTree>
+      <p:nvGrpSpPr>
+        <p:cNvPr id="1" name=""/>
+        <p:cNvGrpSpPr/>
+        <p:nvPr/>
+      </p:nvGrpSpPr>
+      <p:grpSpPr>
+        <a:xfrm>
+          <a:off x="0" y="0"/>
+          <a:ext cx="0" cy="0"/>
+          <a:chOff x="0" y="0"/>
+          <a:chExt cx="0" cy="0"/>
+        </a:xfrm>
+      </p:grpSpPr>
+      <p:sp>
+        <p:nvSpPr>
           <p:cNvPr id="3" name="内容占位符 2">
             <a:extLst>
               <a:ext uri="{FF2B5EF4-FFF2-40B4-BE49-F238E27FC236}">
@@ -8795,7 +9231,7 @@
                 <a:ea typeface="+mn-ea"/>
                 <a:cs typeface="Times New Roman" panose="02020603050405020304" pitchFamily="18" charset="0"/>
               </a:rPr>
-              <a:t>Web3, Cryptocurrency, Financial Industry, Privacy Protection</a:t>
+              <a:t>Web3, Cryptocurrency, Financial Industry</a:t>
             </a:r>
           </a:p>
           <a:p>
@@ -8838,7 +9274,7 @@
           <a:p>
             <a:fld id="{ADE361C3-C043-4A6E-BDCE-8DA1E7D90A3B}" type="slidenum">
               <a:rPr lang="zh-CN" altLang="en-US" smtClean="0"/>
-              <a:t>3</a:t>
+              <a:t>4</a:t>
             </a:fld>
             <a:endParaRPr lang="zh-CN" altLang="en-US"/>
           </a:p>
@@ -9532,7 +9968,7 @@
 </p:sld>
 </file>
 
-<file path=ppt/slides/slide4.xml><?xml version="1.0" encoding="utf-8"?>
+<file path=ppt/slides/slide5.xml><?xml version="1.0" encoding="utf-8"?>
 <p:sld xmlns:a="http://schemas.openxmlformats.org/drawingml/2006/main" xmlns:r="http://schemas.openxmlformats.org/officeDocument/2006/relationships" xmlns:p="http://schemas.openxmlformats.org/presentationml/2006/main">
   <p:cSld>
     <p:spTree>
@@ -9734,7 +10170,7 @@
                 <a:latin typeface="Times New Roman" panose="02020603050405020304" pitchFamily="18" charset="0"/>
                 <a:cs typeface="Times New Roman" panose="02020603050405020304" pitchFamily="18" charset="0"/>
               </a:rPr>
-              <a:t>4</a:t>
+              <a:t>5</a:t>
             </a:fld>
             <a:endParaRPr lang="zh-CN" altLang="en-US">
               <a:latin typeface="Times New Roman" panose="02020603050405020304" pitchFamily="18" charset="0"/>
@@ -9828,132 +10264,6 @@
 </p:sld>
 </file>
 
-<file path=ppt/slides/slide5.xml><?xml version="1.0" encoding="utf-8"?>
-<p:sld xmlns:a="http://schemas.openxmlformats.org/drawingml/2006/main" xmlns:r="http://schemas.openxmlformats.org/officeDocument/2006/relationships" xmlns:p="http://schemas.openxmlformats.org/presentationml/2006/main">
-  <p:cSld>
-    <p:spTree>
-      <p:nvGrpSpPr>
-        <p:cNvPr id="1" name=""/>
-        <p:cNvGrpSpPr/>
-        <p:nvPr/>
-      </p:nvGrpSpPr>
-      <p:grpSpPr>
-        <a:xfrm>
-          <a:off x="0" y="0"/>
-          <a:ext cx="0" cy="0"/>
-          <a:chOff x="0" y="0"/>
-          <a:chExt cx="0" cy="0"/>
-        </a:xfrm>
-      </p:grpSpPr>
-      <p:sp>
-        <p:nvSpPr>
-          <p:cNvPr id="5" name="标题 4">
-            <a:extLst>
-              <a:ext uri="{FF2B5EF4-FFF2-40B4-BE49-F238E27FC236}">
-                <a16:creationId xmlns:a16="http://schemas.microsoft.com/office/drawing/2014/main" id="{D370667C-ACD4-1A4A-BBEB-B8DA37D7F4F7}"/>
-              </a:ext>
-            </a:extLst>
-          </p:cNvPr>
-          <p:cNvSpPr>
-            <a:spLocks noGrp="1"/>
-          </p:cNvSpPr>
-          <p:nvPr>
-            <p:ph type="title"/>
-          </p:nvPr>
-        </p:nvSpPr>
-        <p:spPr>
-          <a:xfrm>
-            <a:off x="1476375" y="4406902"/>
-            <a:ext cx="10322658" cy="1362074"/>
-          </a:xfrm>
-        </p:spPr>
-        <p:txBody>
-          <a:bodyPr>
-            <a:normAutofit/>
-          </a:bodyPr>
-          <a:lstStyle/>
-          <a:p>
-            <a:r>
-              <a:rPr lang="en-US" altLang="zh-CN" sz="4080" dirty="0">
-                <a:latin typeface="Times New Roman" panose="02020603050405020304" pitchFamily="18" charset="0"/>
-                <a:cs typeface="Times New Roman" panose="02020603050405020304" pitchFamily="18" charset="0"/>
-              </a:rPr>
-              <a:t>Algorithm DESIGN</a:t>
-            </a:r>
-            <a:endParaRPr lang="zh-CN" altLang="en-US" sz="4080" dirty="0">
-              <a:latin typeface="Times New Roman" panose="02020603050405020304" pitchFamily="18" charset="0"/>
-              <a:cs typeface="Times New Roman" panose="02020603050405020304" pitchFamily="18" charset="0"/>
-            </a:endParaRPr>
-          </a:p>
-        </p:txBody>
-      </p:sp>
-      <p:sp>
-        <p:nvSpPr>
-          <p:cNvPr id="6" name="文本占位符 5">
-            <a:extLst>
-              <a:ext uri="{FF2B5EF4-FFF2-40B4-BE49-F238E27FC236}">
-                <a16:creationId xmlns:a16="http://schemas.microsoft.com/office/drawing/2014/main" id="{95D922DA-9970-1F47-93C9-3E49CD51FD1F}"/>
-              </a:ext>
-            </a:extLst>
-          </p:cNvPr>
-          <p:cNvSpPr>
-            <a:spLocks noGrp="1"/>
-          </p:cNvSpPr>
-          <p:nvPr>
-            <p:ph type="body" idx="1"/>
-          </p:nvPr>
-        </p:nvSpPr>
-        <p:spPr/>
-        <p:txBody>
-          <a:bodyPr/>
-          <a:lstStyle/>
-          <a:p>
-            <a:endParaRPr lang="zh-CN" altLang="en-US" dirty="0"/>
-          </a:p>
-        </p:txBody>
-      </p:sp>
-      <p:sp>
-        <p:nvSpPr>
-          <p:cNvPr id="4" name="灯片编号占位符 3">
-            <a:extLst>
-              <a:ext uri="{FF2B5EF4-FFF2-40B4-BE49-F238E27FC236}">
-                <a16:creationId xmlns:a16="http://schemas.microsoft.com/office/drawing/2014/main" id="{02385E9B-8D63-E84B-BA7F-0C5423F995D4}"/>
-              </a:ext>
-            </a:extLst>
-          </p:cNvPr>
-          <p:cNvSpPr>
-            <a:spLocks noGrp="1"/>
-          </p:cNvSpPr>
-          <p:nvPr>
-            <p:ph type="sldNum" sz="quarter" idx="12"/>
-          </p:nvPr>
-        </p:nvSpPr>
-        <p:spPr/>
-        <p:txBody>
-          <a:bodyPr/>
-          <a:lstStyle/>
-          <a:p>
-            <a:fld id="{ADE361C3-C043-4A6E-BDCE-8DA1E7D90A3B}" type="slidenum">
-              <a:rPr lang="zh-CN" altLang="en-US" smtClean="0"/>
-              <a:t>5</a:t>
-            </a:fld>
-            <a:endParaRPr lang="zh-CN" altLang="en-US"/>
-          </a:p>
-        </p:txBody>
-      </p:sp>
-    </p:spTree>
-    <p:extLst>
-      <p:ext uri="{BB962C8B-B14F-4D97-AF65-F5344CB8AC3E}">
-        <p14:creationId xmlns:p14="http://schemas.microsoft.com/office/powerpoint/2010/main" val="411210185"/>
-      </p:ext>
-    </p:extLst>
-  </p:cSld>
-  <p:clrMapOvr>
-    <a:masterClrMapping/>
-  </p:clrMapOvr>
-</p:sld>
-</file>
-
 <file path=ppt/slides/slide6.xml><?xml version="1.0" encoding="utf-8"?>
 <p:sld xmlns:a="http://schemas.openxmlformats.org/drawingml/2006/main" xmlns:r="http://schemas.openxmlformats.org/officeDocument/2006/relationships" xmlns:p="http://schemas.openxmlformats.org/presentationml/2006/main">
   <p:cSld>
@@ -9973,6 +10283,132 @@
       </p:grpSpPr>
       <p:sp>
         <p:nvSpPr>
+          <p:cNvPr id="5" name="标题 4">
+            <a:extLst>
+              <a:ext uri="{FF2B5EF4-FFF2-40B4-BE49-F238E27FC236}">
+                <a16:creationId xmlns:a16="http://schemas.microsoft.com/office/drawing/2014/main" id="{D370667C-ACD4-1A4A-BBEB-B8DA37D7F4F7}"/>
+              </a:ext>
+            </a:extLst>
+          </p:cNvPr>
+          <p:cNvSpPr>
+            <a:spLocks noGrp="1"/>
+          </p:cNvSpPr>
+          <p:nvPr>
+            <p:ph type="title"/>
+          </p:nvPr>
+        </p:nvSpPr>
+        <p:spPr>
+          <a:xfrm>
+            <a:off x="1476375" y="4406902"/>
+            <a:ext cx="10322658" cy="1362074"/>
+          </a:xfrm>
+        </p:spPr>
+        <p:txBody>
+          <a:bodyPr>
+            <a:normAutofit/>
+          </a:bodyPr>
+          <a:lstStyle/>
+          <a:p>
+            <a:r>
+              <a:rPr lang="en-US" altLang="zh-CN" sz="4080" dirty="0">
+                <a:latin typeface="Times New Roman" panose="02020603050405020304" pitchFamily="18" charset="0"/>
+                <a:cs typeface="Times New Roman" panose="02020603050405020304" pitchFamily="18" charset="0"/>
+              </a:rPr>
+              <a:t>Algorithm DESIGN</a:t>
+            </a:r>
+            <a:endParaRPr lang="zh-CN" altLang="en-US" sz="4080" dirty="0">
+              <a:latin typeface="Times New Roman" panose="02020603050405020304" pitchFamily="18" charset="0"/>
+              <a:cs typeface="Times New Roman" panose="02020603050405020304" pitchFamily="18" charset="0"/>
+            </a:endParaRPr>
+          </a:p>
+        </p:txBody>
+      </p:sp>
+      <p:sp>
+        <p:nvSpPr>
+          <p:cNvPr id="6" name="文本占位符 5">
+            <a:extLst>
+              <a:ext uri="{FF2B5EF4-FFF2-40B4-BE49-F238E27FC236}">
+                <a16:creationId xmlns:a16="http://schemas.microsoft.com/office/drawing/2014/main" id="{95D922DA-9970-1F47-93C9-3E49CD51FD1F}"/>
+              </a:ext>
+            </a:extLst>
+          </p:cNvPr>
+          <p:cNvSpPr>
+            <a:spLocks noGrp="1"/>
+          </p:cNvSpPr>
+          <p:nvPr>
+            <p:ph type="body" idx="1"/>
+          </p:nvPr>
+        </p:nvSpPr>
+        <p:spPr/>
+        <p:txBody>
+          <a:bodyPr/>
+          <a:lstStyle/>
+          <a:p>
+            <a:endParaRPr lang="zh-CN" altLang="en-US" dirty="0"/>
+          </a:p>
+        </p:txBody>
+      </p:sp>
+      <p:sp>
+        <p:nvSpPr>
+          <p:cNvPr id="4" name="灯片编号占位符 3">
+            <a:extLst>
+              <a:ext uri="{FF2B5EF4-FFF2-40B4-BE49-F238E27FC236}">
+                <a16:creationId xmlns:a16="http://schemas.microsoft.com/office/drawing/2014/main" id="{02385E9B-8D63-E84B-BA7F-0C5423F995D4}"/>
+              </a:ext>
+            </a:extLst>
+          </p:cNvPr>
+          <p:cNvSpPr>
+            <a:spLocks noGrp="1"/>
+          </p:cNvSpPr>
+          <p:nvPr>
+            <p:ph type="sldNum" sz="quarter" idx="12"/>
+          </p:nvPr>
+        </p:nvSpPr>
+        <p:spPr/>
+        <p:txBody>
+          <a:bodyPr/>
+          <a:lstStyle/>
+          <a:p>
+            <a:fld id="{ADE361C3-C043-4A6E-BDCE-8DA1E7D90A3B}" type="slidenum">
+              <a:rPr lang="zh-CN" altLang="en-US" smtClean="0"/>
+              <a:t>6</a:t>
+            </a:fld>
+            <a:endParaRPr lang="zh-CN" altLang="en-US"/>
+          </a:p>
+        </p:txBody>
+      </p:sp>
+    </p:spTree>
+    <p:extLst>
+      <p:ext uri="{BB962C8B-B14F-4D97-AF65-F5344CB8AC3E}">
+        <p14:creationId xmlns:p14="http://schemas.microsoft.com/office/powerpoint/2010/main" val="411210185"/>
+      </p:ext>
+    </p:extLst>
+  </p:cSld>
+  <p:clrMapOvr>
+    <a:masterClrMapping/>
+  </p:clrMapOvr>
+</p:sld>
+</file>
+
+<file path=ppt/slides/slide7.xml><?xml version="1.0" encoding="utf-8"?>
+<p:sld xmlns:a="http://schemas.openxmlformats.org/drawingml/2006/main" xmlns:r="http://schemas.openxmlformats.org/officeDocument/2006/relationships" xmlns:p="http://schemas.openxmlformats.org/presentationml/2006/main">
+  <p:cSld>
+    <p:spTree>
+      <p:nvGrpSpPr>
+        <p:cNvPr id="1" name=""/>
+        <p:cNvGrpSpPr/>
+        <p:nvPr/>
+      </p:nvGrpSpPr>
+      <p:grpSpPr>
+        <a:xfrm>
+          <a:off x="0" y="0"/>
+          <a:ext cx="0" cy="0"/>
+          <a:chOff x="0" y="0"/>
+          <a:chExt cx="0" cy="0"/>
+        </a:xfrm>
+      </p:grpSpPr>
+      <p:sp>
+        <p:nvSpPr>
           <p:cNvPr id="2" name="标题 1">
             <a:extLst>
               <a:ext uri="{FF2B5EF4-FFF2-40B4-BE49-F238E27FC236}">
@@ -10013,8 +10449,8 @@
           </a:p>
         </p:txBody>
       </p:sp>
-      <mc:AlternateContent xmlns:mc="http://schemas.openxmlformats.org/markup-compatibility/2006" xmlns:a14="http://schemas.microsoft.com/office/drawing/2010/main">
-        <mc:Choice Requires="a14">
+      <mc:AlternateContent xmlns:mc="http://schemas.openxmlformats.org/markup-compatibility/2006">
+        <mc:Choice xmlns:a14="http://schemas.microsoft.com/office/drawing/2010/main" Requires="a14">
           <p:sp>
             <p:nvSpPr>
               <p:cNvPr id="3" name="内容占位符 2">
@@ -10048,7 +10484,7 @@
                     <a:latin typeface="Times New Roman" panose="02020603050405020304" pitchFamily="18" charset="0"/>
                     <a:cs typeface="Times New Roman" panose="02020603050405020304" pitchFamily="18" charset="0"/>
                   </a:rPr>
-                  <a:t>Example R1CS</a:t>
+                  <a:t>Example Equivalent R1CS</a:t>
                 </a:r>
               </a:p>
               <a:p>
@@ -10896,22 +11332,6 @@
                     </m:d>
                   </m:oMath>
                 </a14:m>
-                <a:endParaRPr kumimoji="1" lang="en-US" altLang="zh-CN" sz="1800" dirty="0">
-                  <a:latin typeface="Times New Roman" panose="02020603050405020304" pitchFamily="18" charset="0"/>
-                  <a:cs typeface="Times New Roman" panose="02020603050405020304" pitchFamily="18" charset="0"/>
-                </a:endParaRPr>
-              </a:p>
-              <a:p>
-                <a:pPr marL="548640" lvl="1" indent="0" algn="ctr">
-                  <a:buNone/>
-                </a:pPr>
-                <a:r>
-                  <a:rPr kumimoji="1" lang="en-US" altLang="zh-CN" sz="1800" dirty="0">
-                    <a:latin typeface="Times New Roman" panose="02020603050405020304" pitchFamily="18" charset="0"/>
-                    <a:cs typeface="Times New Roman" panose="02020603050405020304" pitchFamily="18" charset="0"/>
-                  </a:rPr>
-                  <a:t>	</a:t>
-                </a:r>
                 <a:endParaRPr lang="en-US" altLang="zh-CN" sz="1800" i="1" dirty="0">
                   <a:latin typeface="Cambria Math" panose="02040503050406030204" pitchFamily="18" charset="0"/>
                 </a:endParaRPr>
@@ -11084,16 +11504,561 @@
                 </a:endParaRPr>
               </a:p>
               <a:p>
-                <a:pPr marL="0" indent="0">
+                <a:pPr lvl="1"/>
+                <a14:m>
+                  <m:oMath xmlns:m="http://schemas.openxmlformats.org/officeDocument/2006/math">
+                    <m:r>
+                      <a:rPr kumimoji="1" lang="en-US" altLang="zh-CN" sz="1800" i="1" smtClean="0">
+                        <a:latin typeface="Cambria Math" panose="02040503050406030204" pitchFamily="18" charset="0"/>
+                        <a:cs typeface="Times New Roman" panose="02020603050405020304" pitchFamily="18" charset="0"/>
+                      </a:rPr>
+                      <m:t>𝐴</m:t>
+                    </m:r>
+                    <m:r>
+                      <a:rPr kumimoji="1" lang="en-US" altLang="zh-CN" sz="1800" i="1" smtClean="0">
+                        <a:latin typeface="Cambria Math" panose="02040503050406030204" pitchFamily="18" charset="0"/>
+                        <a:cs typeface="Times New Roman" panose="02020603050405020304" pitchFamily="18" charset="0"/>
+                      </a:rPr>
+                      <m:t>=</m:t>
+                    </m:r>
+                    <m:d>
+                      <m:dPr>
+                        <m:ctrlPr>
+                          <a:rPr kumimoji="1" lang="en-US" altLang="zh-CN" sz="1800" i="1">
+                            <a:latin typeface="Cambria Math" panose="02040503050406030204" pitchFamily="18" charset="0"/>
+                            <a:cs typeface="Times New Roman" panose="02020603050405020304" pitchFamily="18" charset="0"/>
+                          </a:rPr>
+                        </m:ctrlPr>
+                      </m:dPr>
+                      <m:e>
+                        <m:m>
+                          <m:mPr>
+                            <m:mcs>
+                              <m:mc>
+                                <m:mcPr>
+                                  <m:count m:val="4"/>
+                                  <m:mcJc m:val="center"/>
+                                </m:mcPr>
+                              </m:mc>
+                            </m:mcs>
+                            <m:ctrlPr>
+                              <a:rPr kumimoji="1" lang="en-US" altLang="zh-CN" sz="1800" i="1">
+                                <a:latin typeface="Cambria Math" panose="02040503050406030204" pitchFamily="18" charset="0"/>
+                                <a:cs typeface="Times New Roman" panose="02020603050405020304" pitchFamily="18" charset="0"/>
+                              </a:rPr>
+                            </m:ctrlPr>
+                          </m:mPr>
+                          <m:mr>
+                            <m:e>
+                              <m:r>
+                                <m:rPr>
+                                  <m:brk m:alnAt="7"/>
+                                </m:rPr>
+                                <a:rPr kumimoji="1" lang="en-US" altLang="zh-CN" sz="1800" b="0" i="1" smtClean="0">
+                                  <a:latin typeface="Cambria Math" panose="02040503050406030204" pitchFamily="18" charset="0"/>
+                                  <a:cs typeface="Times New Roman" panose="02020603050405020304" pitchFamily="18" charset="0"/>
+                                </a:rPr>
+                                <m:t>0</m:t>
+                              </m:r>
+                            </m:e>
+                            <m:e>
+                              <m:r>
+                                <a:rPr kumimoji="1" lang="en-US" altLang="zh-CN" sz="1800" b="0" i="1" smtClean="0">
+                                  <a:latin typeface="Cambria Math" panose="02040503050406030204" pitchFamily="18" charset="0"/>
+                                  <a:cs typeface="Times New Roman" panose="02020603050405020304" pitchFamily="18" charset="0"/>
+                                </a:rPr>
+                                <m:t>1</m:t>
+                              </m:r>
+                            </m:e>
+                            <m:e>
+                              <m:r>
+                                <a:rPr kumimoji="1" lang="en-US" altLang="zh-CN" sz="1800" b="0" i="1" smtClean="0">
+                                  <a:latin typeface="Cambria Math" panose="02040503050406030204" pitchFamily="18" charset="0"/>
+                                  <a:cs typeface="Times New Roman" panose="02020603050405020304" pitchFamily="18" charset="0"/>
+                                </a:rPr>
+                                <m:t>0</m:t>
+                              </m:r>
+                            </m:e>
+                            <m:e>
+                              <m:r>
+                                <a:rPr kumimoji="1" lang="en-US" altLang="zh-CN" sz="1800" b="0" i="1" smtClean="0">
+                                  <a:latin typeface="Cambria Math" panose="02040503050406030204" pitchFamily="18" charset="0"/>
+                                  <a:cs typeface="Times New Roman" panose="02020603050405020304" pitchFamily="18" charset="0"/>
+                                </a:rPr>
+                                <m:t>0</m:t>
+                              </m:r>
+                            </m:e>
+                          </m:mr>
+                          <m:mr>
+                            <m:e>
+                              <m:r>
+                                <a:rPr kumimoji="1" lang="en-US" altLang="zh-CN" sz="1800" b="0" i="1" smtClean="0">
+                                  <a:latin typeface="Cambria Math" panose="02040503050406030204" pitchFamily="18" charset="0"/>
+                                  <a:cs typeface="Times New Roman" panose="02020603050405020304" pitchFamily="18" charset="0"/>
+                                </a:rPr>
+                                <m:t>0</m:t>
+                              </m:r>
+                            </m:e>
+                            <m:e>
+                              <m:r>
+                                <a:rPr kumimoji="1" lang="en-US" altLang="zh-CN" sz="1800" b="0" i="1" smtClean="0">
+                                  <a:latin typeface="Cambria Math" panose="02040503050406030204" pitchFamily="18" charset="0"/>
+                                  <a:cs typeface="Times New Roman" panose="02020603050405020304" pitchFamily="18" charset="0"/>
+                                </a:rPr>
+                                <m:t>0</m:t>
+                              </m:r>
+                            </m:e>
+                            <m:e>
+                              <m:r>
+                                <a:rPr kumimoji="1" lang="en-US" altLang="zh-CN" sz="1800" b="0" i="1" smtClean="0">
+                                  <a:latin typeface="Cambria Math" panose="02040503050406030204" pitchFamily="18" charset="0"/>
+                                  <a:cs typeface="Times New Roman" panose="02020603050405020304" pitchFamily="18" charset="0"/>
+                                </a:rPr>
+                                <m:t>0</m:t>
+                              </m:r>
+                            </m:e>
+                            <m:e>
+                              <m:r>
+                                <a:rPr kumimoji="1" lang="en-US" altLang="zh-CN" sz="1800" b="0" i="1" smtClean="0">
+                                  <a:latin typeface="Cambria Math" panose="02040503050406030204" pitchFamily="18" charset="0"/>
+                                  <a:cs typeface="Times New Roman" panose="02020603050405020304" pitchFamily="18" charset="0"/>
+                                </a:rPr>
+                                <m:t>1</m:t>
+                              </m:r>
+                            </m:e>
+                          </m:mr>
+                        </m:m>
+                      </m:e>
+                    </m:d>
+                    <m:r>
+                      <a:rPr kumimoji="1" lang="en-US" altLang="zh-CN" sz="1800" i="1">
+                        <a:latin typeface="Cambria Math" panose="02040503050406030204" pitchFamily="18" charset="0"/>
+                        <a:cs typeface="Times New Roman" panose="02020603050405020304" pitchFamily="18" charset="0"/>
+                      </a:rPr>
+                      <m:t>𝐴</m:t>
+                    </m:r>
+                    <m:r>
+                      <a:rPr kumimoji="1" lang="en-US" altLang="zh-CN" sz="1800" i="1">
+                        <a:latin typeface="Cambria Math" panose="02040503050406030204" pitchFamily="18" charset="0"/>
+                        <a:cs typeface="Times New Roman" panose="02020603050405020304" pitchFamily="18" charset="0"/>
+                      </a:rPr>
+                      <m:t>=</m:t>
+                    </m:r>
+                    <m:d>
+                      <m:dPr>
+                        <m:ctrlPr>
+                          <a:rPr kumimoji="1" lang="en-US" altLang="zh-CN" sz="1800" i="1">
+                            <a:latin typeface="Cambria Math" panose="02040503050406030204" pitchFamily="18" charset="0"/>
+                            <a:cs typeface="Times New Roman" panose="02020603050405020304" pitchFamily="18" charset="0"/>
+                          </a:rPr>
+                        </m:ctrlPr>
+                      </m:dPr>
+                      <m:e>
+                        <m:m>
+                          <m:mPr>
+                            <m:mcs>
+                              <m:mc>
+                                <m:mcPr>
+                                  <m:count m:val="4"/>
+                                  <m:mcJc m:val="center"/>
+                                </m:mcPr>
+                              </m:mc>
+                            </m:mcs>
+                            <m:ctrlPr>
+                              <a:rPr kumimoji="1" lang="en-US" altLang="zh-CN" sz="1800" i="1">
+                                <a:latin typeface="Cambria Math" panose="02040503050406030204" pitchFamily="18" charset="0"/>
+                                <a:cs typeface="Times New Roman" panose="02020603050405020304" pitchFamily="18" charset="0"/>
+                              </a:rPr>
+                            </m:ctrlPr>
+                          </m:mPr>
+                          <m:mr>
+                            <m:e>
+                              <m:r>
+                                <m:rPr>
+                                  <m:brk m:alnAt="7"/>
+                                </m:rPr>
+                                <a:rPr kumimoji="1" lang="en-US" altLang="zh-CN" sz="1800" b="0" i="1" smtClean="0">
+                                  <a:latin typeface="Cambria Math" panose="02040503050406030204" pitchFamily="18" charset="0"/>
+                                  <a:cs typeface="Times New Roman" panose="02020603050405020304" pitchFamily="18" charset="0"/>
+                                </a:rPr>
+                                <m:t>0</m:t>
+                              </m:r>
+                            </m:e>
+                            <m:e>
+                              <m:r>
+                                <a:rPr kumimoji="1" lang="en-US" altLang="zh-CN" sz="1800" b="0" i="1" smtClean="0">
+                                  <a:latin typeface="Cambria Math" panose="02040503050406030204" pitchFamily="18" charset="0"/>
+                                  <a:cs typeface="Times New Roman" panose="02020603050405020304" pitchFamily="18" charset="0"/>
+                                </a:rPr>
+                                <m:t>1</m:t>
+                              </m:r>
+                            </m:e>
+                            <m:e>
+                              <m:r>
+                                <a:rPr kumimoji="1" lang="en-US" altLang="zh-CN" sz="1800" b="0" i="1" smtClean="0">
+                                  <a:latin typeface="Cambria Math" panose="02040503050406030204" pitchFamily="18" charset="0"/>
+                                  <a:cs typeface="Times New Roman" panose="02020603050405020304" pitchFamily="18" charset="0"/>
+                                </a:rPr>
+                                <m:t>0</m:t>
+                              </m:r>
+                            </m:e>
+                            <m:e>
+                              <m:r>
+                                <a:rPr kumimoji="1" lang="en-US" altLang="zh-CN" sz="1800" b="0" i="1" smtClean="0">
+                                  <a:latin typeface="Cambria Math" panose="02040503050406030204" pitchFamily="18" charset="0"/>
+                                  <a:cs typeface="Times New Roman" panose="02020603050405020304" pitchFamily="18" charset="0"/>
+                                </a:rPr>
+                                <m:t>0</m:t>
+                              </m:r>
+                            </m:e>
+                          </m:mr>
+                          <m:mr>
+                            <m:e>
+                              <m:r>
+                                <a:rPr kumimoji="1" lang="en-US" altLang="zh-CN" sz="1800" b="0" i="1" smtClean="0">
+                                  <a:latin typeface="Cambria Math" panose="02040503050406030204" pitchFamily="18" charset="0"/>
+                                  <a:cs typeface="Times New Roman" panose="02020603050405020304" pitchFamily="18" charset="0"/>
+                                </a:rPr>
+                                <m:t>0</m:t>
+                              </m:r>
+                            </m:e>
+                            <m:e>
+                              <m:r>
+                                <a:rPr kumimoji="1" lang="en-US" altLang="zh-CN" sz="1800" b="0" i="1" smtClean="0">
+                                  <a:latin typeface="Cambria Math" panose="02040503050406030204" pitchFamily="18" charset="0"/>
+                                  <a:cs typeface="Times New Roman" panose="02020603050405020304" pitchFamily="18" charset="0"/>
+                                </a:rPr>
+                                <m:t>1</m:t>
+                              </m:r>
+                            </m:e>
+                            <m:e>
+                              <m:r>
+                                <a:rPr kumimoji="1" lang="en-US" altLang="zh-CN" sz="1800" b="0" i="1" smtClean="0">
+                                  <a:latin typeface="Cambria Math" panose="02040503050406030204" pitchFamily="18" charset="0"/>
+                                  <a:cs typeface="Times New Roman" panose="02020603050405020304" pitchFamily="18" charset="0"/>
+                                </a:rPr>
+                                <m:t>0</m:t>
+                              </m:r>
+                            </m:e>
+                            <m:e>
+                              <m:r>
+                                <a:rPr kumimoji="1" lang="en-US" altLang="zh-CN" sz="1800" b="0" i="1" smtClean="0">
+                                  <a:latin typeface="Cambria Math" panose="02040503050406030204" pitchFamily="18" charset="0"/>
+                                  <a:cs typeface="Times New Roman" panose="02020603050405020304" pitchFamily="18" charset="0"/>
+                                </a:rPr>
+                                <m:t>0</m:t>
+                              </m:r>
+                            </m:e>
+                          </m:mr>
+                        </m:m>
+                      </m:e>
+                    </m:d>
+                    <m:r>
+                      <a:rPr kumimoji="1" lang="en-US" altLang="zh-CN" sz="1800" i="1">
+                        <a:latin typeface="Cambria Math" panose="02040503050406030204" pitchFamily="18" charset="0"/>
+                        <a:cs typeface="Times New Roman" panose="02020603050405020304" pitchFamily="18" charset="0"/>
+                      </a:rPr>
+                      <m:t>𝐴</m:t>
+                    </m:r>
+                    <m:r>
+                      <a:rPr kumimoji="1" lang="en-US" altLang="zh-CN" sz="1800" i="1">
+                        <a:latin typeface="Cambria Math" panose="02040503050406030204" pitchFamily="18" charset="0"/>
+                        <a:cs typeface="Times New Roman" panose="02020603050405020304" pitchFamily="18" charset="0"/>
+                      </a:rPr>
+                      <m:t>=</m:t>
+                    </m:r>
+                    <m:d>
+                      <m:dPr>
+                        <m:ctrlPr>
+                          <a:rPr kumimoji="1" lang="en-US" altLang="zh-CN" sz="1800" i="1">
+                            <a:latin typeface="Cambria Math" panose="02040503050406030204" pitchFamily="18" charset="0"/>
+                            <a:cs typeface="Times New Roman" panose="02020603050405020304" pitchFamily="18" charset="0"/>
+                          </a:rPr>
+                        </m:ctrlPr>
+                      </m:dPr>
+                      <m:e>
+                        <m:m>
+                          <m:mPr>
+                            <m:mcs>
+                              <m:mc>
+                                <m:mcPr>
+                                  <m:count m:val="4"/>
+                                  <m:mcJc m:val="center"/>
+                                </m:mcPr>
+                              </m:mc>
+                            </m:mcs>
+                            <m:ctrlPr>
+                              <a:rPr kumimoji="1" lang="en-US" altLang="zh-CN" sz="1800" i="1">
+                                <a:latin typeface="Cambria Math" panose="02040503050406030204" pitchFamily="18" charset="0"/>
+                                <a:cs typeface="Times New Roman" panose="02020603050405020304" pitchFamily="18" charset="0"/>
+                              </a:rPr>
+                            </m:ctrlPr>
+                          </m:mPr>
+                          <m:mr>
+                            <m:e>
+                              <m:r>
+                                <m:rPr>
+                                  <m:brk m:alnAt="7"/>
+                                </m:rPr>
+                                <a:rPr kumimoji="1" lang="en-US" altLang="zh-CN" sz="1800" b="0" i="1" smtClean="0">
+                                  <a:latin typeface="Cambria Math" panose="02040503050406030204" pitchFamily="18" charset="0"/>
+                                  <a:cs typeface="Times New Roman" panose="02020603050405020304" pitchFamily="18" charset="0"/>
+                                </a:rPr>
+                                <m:t>0</m:t>
+                              </m:r>
+                            </m:e>
+                            <m:e>
+                              <m:r>
+                                <a:rPr kumimoji="1" lang="en-US" altLang="zh-CN" sz="1800" b="0" i="1" smtClean="0">
+                                  <a:latin typeface="Cambria Math" panose="02040503050406030204" pitchFamily="18" charset="0"/>
+                                  <a:cs typeface="Times New Roman" panose="02020603050405020304" pitchFamily="18" charset="0"/>
+                                </a:rPr>
+                                <m:t>0</m:t>
+                              </m:r>
+                            </m:e>
+                            <m:e>
+                              <m:r>
+                                <a:rPr kumimoji="1" lang="en-US" altLang="zh-CN" sz="1800" b="0" i="1" smtClean="0">
+                                  <a:latin typeface="Cambria Math" panose="02040503050406030204" pitchFamily="18" charset="0"/>
+                                  <a:cs typeface="Times New Roman" panose="02020603050405020304" pitchFamily="18" charset="0"/>
+                                </a:rPr>
+                                <m:t>0</m:t>
+                              </m:r>
+                            </m:e>
+                            <m:e>
+                              <m:r>
+                                <a:rPr kumimoji="1" lang="en-US" altLang="zh-CN" sz="1800" b="0" i="1" smtClean="0">
+                                  <a:latin typeface="Cambria Math" panose="02040503050406030204" pitchFamily="18" charset="0"/>
+                                  <a:cs typeface="Times New Roman" panose="02020603050405020304" pitchFamily="18" charset="0"/>
+                                </a:rPr>
+                                <m:t>1</m:t>
+                              </m:r>
+                            </m:e>
+                          </m:mr>
+                          <m:mr>
+                            <m:e>
+                              <m:r>
+                                <a:rPr kumimoji="1" lang="en-US" altLang="zh-CN" sz="1800" b="0" i="1" smtClean="0">
+                                  <a:latin typeface="Cambria Math" panose="02040503050406030204" pitchFamily="18" charset="0"/>
+                                  <a:cs typeface="Times New Roman" panose="02020603050405020304" pitchFamily="18" charset="0"/>
+                                </a:rPr>
+                                <m:t>−5</m:t>
+                              </m:r>
+                            </m:e>
+                            <m:e>
+                              <m:r>
+                                <a:rPr kumimoji="1" lang="en-US" altLang="zh-CN" sz="1800" b="0" i="1" smtClean="0">
+                                  <a:latin typeface="Cambria Math" panose="02040503050406030204" pitchFamily="18" charset="0"/>
+                                  <a:cs typeface="Times New Roman" panose="02020603050405020304" pitchFamily="18" charset="0"/>
+                                </a:rPr>
+                                <m:t>−1</m:t>
+                              </m:r>
+                            </m:e>
+                            <m:e>
+                              <m:r>
+                                <a:rPr kumimoji="1" lang="en-US" altLang="zh-CN" sz="1800" b="0" i="1" smtClean="0">
+                                  <a:latin typeface="Cambria Math" panose="02040503050406030204" pitchFamily="18" charset="0"/>
+                                  <a:cs typeface="Times New Roman" panose="02020603050405020304" pitchFamily="18" charset="0"/>
+                                </a:rPr>
+                                <m:t>1</m:t>
+                              </m:r>
+                            </m:e>
+                            <m:e>
+                              <m:r>
+                                <a:rPr kumimoji="1" lang="en-US" altLang="zh-CN" sz="1800" b="0" i="1" smtClean="0">
+                                  <a:latin typeface="Cambria Math" panose="02040503050406030204" pitchFamily="18" charset="0"/>
+                                  <a:cs typeface="Times New Roman" panose="02020603050405020304" pitchFamily="18" charset="0"/>
+                                </a:rPr>
+                                <m:t>0</m:t>
+                              </m:r>
+                            </m:e>
+                          </m:mr>
+                        </m:m>
+                      </m:e>
+                    </m:d>
+                  </m:oMath>
+                </a14:m>
+                <a:endParaRPr kumimoji="1" lang="en-US" altLang="zh-CN" sz="1800" dirty="0">
+                  <a:latin typeface="Times New Roman" panose="02020603050405020304" pitchFamily="18" charset="0"/>
+                  <a:cs typeface="Times New Roman" panose="02020603050405020304" pitchFamily="18" charset="0"/>
+                </a:endParaRPr>
+              </a:p>
+              <a:p>
+                <a:pPr marL="548640" lvl="1" indent="0">
                   <a:buNone/>
                 </a:pPr>
-                <a:endParaRPr kumimoji="1" lang="en-US" altLang="zh-CN" sz="2640" dirty="0">
-                  <a:solidFill>
-                    <a:srgbClr val="000000">
-                      <a:lumMod val="75000"/>
-                      <a:lumOff val="25000"/>
-                    </a:srgbClr>
-                  </a:solidFill>
+                <a14:m>
+                  <m:oMathPara xmlns:m="http://schemas.openxmlformats.org/officeDocument/2006/math">
+                    <m:oMathParaPr>
+                      <m:jc m:val="center"/>
+                    </m:oMathParaPr>
+                    <m:oMath xmlns:m="http://schemas.openxmlformats.org/officeDocument/2006/math">
+                      <m:r>
+                        <m:rPr>
+                          <m:sty m:val="p"/>
+                        </m:rPr>
+                        <a:rPr lang="en-US" altLang="zh-CN" sz="1800" b="0" i="0" dirty="0" smtClean="0">
+                          <a:latin typeface="Cambria Math" panose="02040503050406030204" pitchFamily="18" charset="0"/>
+                        </a:rPr>
+                        <m:t>Variable</m:t>
+                      </m:r>
+                      <m:r>
+                        <a:rPr lang="en-US" altLang="zh-CN" sz="1800" b="0" i="0" dirty="0" smtClean="0">
+                          <a:latin typeface="Cambria Math" panose="02040503050406030204" pitchFamily="18" charset="0"/>
+                        </a:rPr>
+                        <m:t> </m:t>
+                      </m:r>
+                      <m:r>
+                        <m:rPr>
+                          <m:sty m:val="p"/>
+                        </m:rPr>
+                        <a:rPr lang="en-US" altLang="zh-CN" sz="1800" b="0" i="0" dirty="0" smtClean="0">
+                          <a:latin typeface="Cambria Math" panose="02040503050406030204" pitchFamily="18" charset="0"/>
+                        </a:rPr>
+                        <m:t>mapping</m:t>
+                      </m:r>
+                      <m:r>
+                        <a:rPr lang="en-US" altLang="zh-CN" sz="1800" b="0" i="0" dirty="0" smtClean="0">
+                          <a:latin typeface="Cambria Math" panose="02040503050406030204" pitchFamily="18" charset="0"/>
+                        </a:rPr>
+                        <m:t>=</m:t>
+                      </m:r>
+                      <m:d>
+                        <m:dPr>
+                          <m:ctrlPr>
+                            <a:rPr lang="en-US" altLang="zh-CN" sz="1800" i="1" dirty="0">
+                              <a:latin typeface="Cambria Math" panose="02040503050406030204" pitchFamily="18" charset="0"/>
+                            </a:rPr>
+                          </m:ctrlPr>
+                        </m:dPr>
+                        <m:e>
+                          <m:r>
+                            <a:rPr lang="en-US" altLang="zh-CN" sz="1800" b="0" i="0" dirty="0">
+                              <a:latin typeface="Cambria Math" panose="02040503050406030204" pitchFamily="18" charset="0"/>
+                            </a:rPr>
+                            <m:t>~</m:t>
+                          </m:r>
+                          <m:r>
+                            <m:rPr>
+                              <m:sty m:val="p"/>
+                            </m:rPr>
+                            <a:rPr lang="en-US" altLang="zh-CN" sz="1800" b="0" i="0" dirty="0">
+                              <a:latin typeface="Cambria Math" panose="02040503050406030204" pitchFamily="18" charset="0"/>
+                            </a:rPr>
+                            <m:t>one</m:t>
+                          </m:r>
+                          <m:r>
+                            <a:rPr lang="en-US" altLang="zh-CN" sz="1800" b="0" i="0" dirty="0">
+                              <a:latin typeface="Cambria Math" panose="02040503050406030204" pitchFamily="18" charset="0"/>
+                            </a:rPr>
+                            <m:t>, </m:t>
+                          </m:r>
+                          <m:r>
+                            <m:rPr>
+                              <m:sty m:val="p"/>
+                            </m:rPr>
+                            <a:rPr lang="en-US" altLang="zh-CN" sz="1800" b="0" i="0" dirty="0">
+                              <a:latin typeface="Cambria Math" panose="02040503050406030204" pitchFamily="18" charset="0"/>
+                            </a:rPr>
+                            <m:t>x</m:t>
+                          </m:r>
+                          <m:r>
+                            <a:rPr lang="en-US" altLang="zh-CN" sz="1800" b="0" i="0" dirty="0">
+                              <a:latin typeface="Cambria Math" panose="02040503050406030204" pitchFamily="18" charset="0"/>
+                            </a:rPr>
+                            <m:t>,,~</m:t>
+                          </m:r>
+                          <m:r>
+                            <m:rPr>
+                              <m:sty m:val="p"/>
+                            </m:rPr>
+                            <a:rPr lang="en-US" altLang="zh-CN" sz="1800" b="0" i="0" dirty="0">
+                              <a:latin typeface="Cambria Math" panose="02040503050406030204" pitchFamily="18" charset="0"/>
+                            </a:rPr>
+                            <m:t>out</m:t>
+                          </m:r>
+                          <m:r>
+                            <a:rPr lang="en-US" altLang="zh-CN" sz="1800" b="0" i="0" dirty="0">
+                              <a:latin typeface="Cambria Math" panose="02040503050406030204" pitchFamily="18" charset="0"/>
+                            </a:rPr>
+                            <m:t>,</m:t>
+                          </m:r>
+                          <m:r>
+                            <m:rPr>
+                              <m:sty m:val="p"/>
+                            </m:rPr>
+                            <a:rPr lang="en-US" altLang="zh-CN" sz="1800" b="0" i="0" dirty="0">
+                              <a:latin typeface="Cambria Math" panose="02040503050406030204" pitchFamily="18" charset="0"/>
+                            </a:rPr>
+                            <m:t>x</m:t>
+                          </m:r>
+                          <m:r>
+                            <a:rPr lang="en-US" altLang="zh-CN" sz="1800" b="0" i="0" baseline="30000" dirty="0">
+                              <a:latin typeface="Cambria Math" panose="02040503050406030204" pitchFamily="18" charset="0"/>
+                            </a:rPr>
+                            <m:t>2</m:t>
+                          </m:r>
+                          <m:r>
+                            <a:rPr lang="en-US" altLang="zh-CN" sz="1800" b="0" i="1" dirty="0" smtClean="0">
+                              <a:latin typeface="Cambria Math" panose="02040503050406030204" pitchFamily="18" charset="0"/>
+                            </a:rPr>
+                            <m:t> </m:t>
+                          </m:r>
+                        </m:e>
+                      </m:d>
+                    </m:oMath>
+                  </m:oMathPara>
+                </a14:m>
+                <a:endParaRPr kumimoji="1" lang="en-US" altLang="zh-CN" sz="1800" dirty="0">
+                  <a:latin typeface="Times New Roman" panose="02020603050405020304" pitchFamily="18" charset="0"/>
+                  <a:cs typeface="Times New Roman" panose="02020603050405020304" pitchFamily="18" charset="0"/>
+                </a:endParaRPr>
+              </a:p>
+              <a:p>
+                <a:pPr lvl="1"/>
+                <a:endParaRPr kumimoji="1" lang="en-US" altLang="zh-CN" sz="1800" dirty="0">
+                  <a:latin typeface="Times New Roman" panose="02020603050405020304" pitchFamily="18" charset="0"/>
+                  <a:cs typeface="Times New Roman" panose="02020603050405020304" pitchFamily="18" charset="0"/>
+                </a:endParaRPr>
+              </a:p>
+              <a:p>
+                <a:pPr lvl="1"/>
+                <a:endParaRPr kumimoji="1" lang="en-US" altLang="zh-CN" sz="1800" dirty="0">
+                  <a:latin typeface="Times New Roman" panose="02020603050405020304" pitchFamily="18" charset="0"/>
+                  <a:cs typeface="Times New Roman" panose="02020603050405020304" pitchFamily="18" charset="0"/>
+                </a:endParaRPr>
+              </a:p>
+              <a:p>
+                <a:pPr lvl="1"/>
+                <a:endParaRPr kumimoji="1" lang="en-US" altLang="zh-CN" sz="1800" dirty="0">
+                  <a:latin typeface="Times New Roman" panose="02020603050405020304" pitchFamily="18" charset="0"/>
+                  <a:cs typeface="Times New Roman" panose="02020603050405020304" pitchFamily="18" charset="0"/>
+                </a:endParaRPr>
+              </a:p>
+              <a:p>
+                <a:pPr lvl="1"/>
+                <a:endParaRPr kumimoji="1" lang="en-US" altLang="zh-CN" sz="1800" dirty="0">
+                  <a:latin typeface="Times New Roman" panose="02020603050405020304" pitchFamily="18" charset="0"/>
+                  <a:cs typeface="Times New Roman" panose="02020603050405020304" pitchFamily="18" charset="0"/>
+                </a:endParaRPr>
+              </a:p>
+              <a:p>
+                <a:pPr lvl="1"/>
+                <a:endParaRPr kumimoji="1" lang="en-US" altLang="zh-CN" sz="1800" dirty="0">
+                  <a:latin typeface="Times New Roman" panose="02020603050405020304" pitchFamily="18" charset="0"/>
+                  <a:cs typeface="Times New Roman" panose="02020603050405020304" pitchFamily="18" charset="0"/>
+                </a:endParaRPr>
+              </a:p>
+              <a:p>
+                <a:pPr lvl="1"/>
+                <a:endParaRPr kumimoji="1" lang="en-US" altLang="zh-CN" sz="1800" dirty="0">
+                  <a:latin typeface="Times New Roman" panose="02020603050405020304" pitchFamily="18" charset="0"/>
+                  <a:cs typeface="Times New Roman" panose="02020603050405020304" pitchFamily="18" charset="0"/>
+                </a:endParaRPr>
+              </a:p>
+              <a:p>
+                <a:pPr lvl="1"/>
+                <a:endParaRPr kumimoji="1" lang="en-US" altLang="zh-CN" sz="1800" dirty="0">
                   <a:latin typeface="Times New Roman" panose="02020603050405020304" pitchFamily="18" charset="0"/>
                   <a:cs typeface="Times New Roman" panose="02020603050405020304" pitchFamily="18" charset="0"/>
                 </a:endParaRPr>
@@ -11101,7 +12066,7 @@
             </p:txBody>
           </p:sp>
         </mc:Choice>
-        <mc:Fallback xmlns="">
+        <mc:Fallback>
           <p:sp>
             <p:nvSpPr>
               <p:cNvPr id="3" name="内容占位符 2">
@@ -11168,7 +12133,7 @@
           <a:p>
             <a:fld id="{ADE361C3-C043-4A6E-BDCE-8DA1E7D90A3B}" type="slidenum">
               <a:rPr lang="zh-CN" altLang="en-US" smtClean="0"/>
-              <a:t>6</a:t>
+              <a:t>7</a:t>
             </a:fld>
             <a:endParaRPr lang="zh-CN" altLang="en-US"/>
           </a:p>
@@ -11187,7 +12152,7 @@
 </p:sld>
 </file>
 
-<file path=ppt/slides/slide7.xml><?xml version="1.0" encoding="utf-8"?>
+<file path=ppt/slides/slide8.xml><?xml version="1.0" encoding="utf-8"?>
 <p:sld xmlns:a="http://schemas.openxmlformats.org/drawingml/2006/main" xmlns:r="http://schemas.openxmlformats.org/officeDocument/2006/relationships" xmlns:p="http://schemas.openxmlformats.org/presentationml/2006/main">
   <p:cSld>
     <p:spTree>
@@ -11327,7 +12292,7 @@
           <a:p>
             <a:fld id="{ADE361C3-C043-4A6E-BDCE-8DA1E7D90A3B}" type="slidenum">
               <a:rPr lang="zh-CN" altLang="en-US" smtClean="0"/>
-              <a:t>7</a:t>
+              <a:t>8</a:t>
             </a:fld>
             <a:endParaRPr lang="zh-CN" altLang="en-US"/>
           </a:p>
@@ -11382,7 +12347,7 @@
 </p:sld>
 </file>
 
-<file path=ppt/slides/slide8.xml><?xml version="1.0" encoding="utf-8"?>
+<file path=ppt/slides/slide9.xml><?xml version="1.0" encoding="utf-8"?>
 <p:sld xmlns:a="http://schemas.openxmlformats.org/drawingml/2006/main" xmlns:r="http://schemas.openxmlformats.org/officeDocument/2006/relationships" xmlns:p="http://schemas.openxmlformats.org/presentationml/2006/main">
   <p:cSld>
     <p:spTree>
@@ -11459,7 +12424,7 @@
         </p:nvSpPr>
         <p:spPr>
           <a:xfrm>
-            <a:off x="1158241" y="1600202"/>
+            <a:off x="730800" y="1600202"/>
             <a:ext cx="5202438" cy="4756153"/>
           </a:xfrm>
         </p:spPr>
@@ -11590,7 +12555,7 @@
           <a:p>
             <a:fld id="{ADE361C3-C043-4A6E-BDCE-8DA1E7D90A3B}" type="slidenum">
               <a:rPr lang="zh-CN" altLang="en-US" smtClean="0"/>
-              <a:t>8</a:t>
+              <a:t>9</a:t>
             </a:fld>
             <a:endParaRPr lang="zh-CN" altLang="en-US" dirty="0"/>
           </a:p>
@@ -11824,7 +12789,7 @@
         </p:nvCxnSpPr>
         <p:spPr>
           <a:xfrm>
-            <a:off x="6615084" y="2227487"/>
+            <a:off x="5905798" y="2101766"/>
             <a:ext cx="0" cy="2475345"/>
           </a:xfrm>
           <a:prstGeom prst="line">
@@ -11903,7 +12868,7 @@
         </p:blipFill>
         <p:spPr>
           <a:xfrm>
-            <a:off x="1250602" y="2702660"/>
+            <a:off x="823161" y="2702660"/>
             <a:ext cx="3057953" cy="2295846"/>
           </a:xfrm>
           <a:prstGeom prst="rect">
@@ -11925,7 +12890,7 @@
         </p:nvSpPr>
         <p:spPr>
           <a:xfrm>
-            <a:off x="4308552" y="4267497"/>
+            <a:off x="3534281" y="4267497"/>
             <a:ext cx="2214164" cy="769441"/>
           </a:xfrm>
           <a:prstGeom prst="rect">
@@ -12061,7 +13026,7 @@
         </p:nvSpPr>
         <p:spPr>
           <a:xfrm>
-            <a:off x="6869490" y="1644079"/>
+            <a:off x="6252927" y="1600202"/>
             <a:ext cx="5110070" cy="4524315"/>
           </a:xfrm>
           <a:prstGeom prst="rect">
@@ -12266,7 +13231,7 @@
         </p:blipFill>
         <p:spPr>
           <a:xfrm>
-            <a:off x="6869489" y="2697172"/>
+            <a:off x="6344056" y="2702660"/>
             <a:ext cx="2398890" cy="1923816"/>
           </a:xfrm>
           <a:prstGeom prst="rect">
@@ -12290,7 +13255,7 @@
             </p:nvSpPr>
             <p:spPr>
               <a:xfrm>
-                <a:off x="9268379" y="4267497"/>
+                <a:off x="8736719" y="4267497"/>
                 <a:ext cx="2398890" cy="604012"/>
               </a:xfrm>
               <a:prstGeom prst="rect">
@@ -12315,7 +13280,7 @@
                     <a:latin typeface="Times New Roman" panose="02020603050405020304" pitchFamily="18" charset="0"/>
                     <a:cs typeface="Times New Roman" panose="02020603050405020304" pitchFamily="18" charset="0"/>
                   </a:rPr>
-                  <a:t>Reason: Various consecutive additions</a:t>
+                  <a:t>Reason: Consecutive additions</a:t>
                 </a:r>
               </a:p>
               <a:p>
@@ -12682,7 +13647,7 @@
             </p:nvSpPr>
             <p:spPr>
               <a:xfrm>
-                <a:off x="9268379" y="4267497"/>
+                <a:off x="8736719" y="4267497"/>
                 <a:ext cx="2398890" cy="604012"/>
               </a:xfrm>
               <a:prstGeom prst="rect">
@@ -12724,7 +13689,7 @@
         </p:nvSpPr>
         <p:spPr>
           <a:xfrm>
-            <a:off x="4702298" y="5370389"/>
+            <a:off x="3999220" y="5388540"/>
             <a:ext cx="3825569" cy="429413"/>
           </a:xfrm>
           <a:prstGeom prst="rect">
@@ -12766,287 +13731,6 @@
     <p:extLst>
       <p:ext uri="{BB962C8B-B14F-4D97-AF65-F5344CB8AC3E}">
         <p14:creationId xmlns:p14="http://schemas.microsoft.com/office/powerpoint/2010/main" val="4222484945"/>
-      </p:ext>
-    </p:extLst>
-  </p:cSld>
-  <p:clrMapOvr>
-    <a:masterClrMapping/>
-  </p:clrMapOvr>
-</p:sld>
-</file>
-
-<file path=ppt/slides/slide9.xml><?xml version="1.0" encoding="utf-8"?>
-<p:sld xmlns:a="http://schemas.openxmlformats.org/drawingml/2006/main" xmlns:r="http://schemas.openxmlformats.org/officeDocument/2006/relationships" xmlns:p="http://schemas.openxmlformats.org/presentationml/2006/main">
-  <p:cSld>
-    <p:spTree>
-      <p:nvGrpSpPr>
-        <p:cNvPr id="1" name=""/>
-        <p:cNvGrpSpPr/>
-        <p:nvPr/>
-      </p:nvGrpSpPr>
-      <p:grpSpPr>
-        <a:xfrm>
-          <a:off x="0" y="0"/>
-          <a:ext cx="0" cy="0"/>
-          <a:chOff x="0" y="0"/>
-          <a:chExt cx="0" cy="0"/>
-        </a:xfrm>
-      </p:grpSpPr>
-      <p:sp>
-        <p:nvSpPr>
-          <p:cNvPr id="2" name="标题 1">
-            <a:extLst>
-              <a:ext uri="{FF2B5EF4-FFF2-40B4-BE49-F238E27FC236}">
-                <a16:creationId xmlns:a16="http://schemas.microsoft.com/office/drawing/2014/main" id="{8A4E491A-F27D-6643-80E0-06F48660FA21}"/>
-              </a:ext>
-            </a:extLst>
-          </p:cNvPr>
-          <p:cNvSpPr>
-            <a:spLocks noGrp="1"/>
-          </p:cNvSpPr>
-          <p:nvPr>
-            <p:ph type="title"/>
-          </p:nvPr>
-        </p:nvSpPr>
-        <p:spPr>
-          <a:xfrm>
-            <a:off x="729615" y="274639"/>
-            <a:ext cx="10122336" cy="1080530"/>
-          </a:xfrm>
-        </p:spPr>
-        <p:txBody>
-          <a:bodyPr>
-            <a:normAutofit/>
-          </a:bodyPr>
-          <a:lstStyle/>
-          <a:p>
-            <a:r>
-              <a:rPr kumimoji="1" lang="en-US" altLang="zh-CN" sz="3600" dirty="0">
-                <a:latin typeface="Times New Roman" panose="02020603050405020304" pitchFamily="18" charset="0"/>
-                <a:cs typeface="Times New Roman" panose="02020603050405020304" pitchFamily="18" charset="0"/>
-              </a:rPr>
-              <a:t>Algorithm Design: Tile Selection</a:t>
-            </a:r>
-            <a:endParaRPr kumimoji="1" lang="zh-CN" altLang="en-US" sz="3600" dirty="0">
-              <a:latin typeface="Times New Roman" panose="02020603050405020304" pitchFamily="18" charset="0"/>
-              <a:cs typeface="Times New Roman" panose="02020603050405020304" pitchFamily="18" charset="0"/>
-            </a:endParaRPr>
-          </a:p>
-        </p:txBody>
-      </p:sp>
-      <p:sp>
-        <p:nvSpPr>
-          <p:cNvPr id="3" name="内容占位符 2">
-            <a:extLst>
-              <a:ext uri="{FF2B5EF4-FFF2-40B4-BE49-F238E27FC236}">
-                <a16:creationId xmlns:a16="http://schemas.microsoft.com/office/drawing/2014/main" id="{F70074B0-7D54-CB43-A2C4-E8723E631238}"/>
-              </a:ext>
-            </a:extLst>
-          </p:cNvPr>
-          <p:cNvSpPr>
-            <a:spLocks noGrp="1"/>
-          </p:cNvSpPr>
-          <p:nvPr>
-            <p:ph idx="1"/>
-          </p:nvPr>
-        </p:nvSpPr>
-        <p:spPr>
-          <a:xfrm>
-            <a:off x="639156" y="1635624"/>
-            <a:ext cx="10913687" cy="4486879"/>
-          </a:xfrm>
-        </p:spPr>
-        <p:txBody>
-          <a:bodyPr>
-            <a:normAutofit fontScale="85000" lnSpcReduction="10000"/>
-          </a:bodyPr>
-          <a:lstStyle/>
-          <a:p>
-            <a:r>
-              <a:rPr kumimoji="1" lang="en-US" altLang="zh-CN" sz="2880" dirty="0">
-                <a:latin typeface="Times New Roman" panose="02020603050405020304" pitchFamily="18" charset="0"/>
-                <a:cs typeface="Times New Roman" panose="02020603050405020304" pitchFamily="18" charset="0"/>
-              </a:rPr>
-              <a:t>Main Steps: </a:t>
-            </a:r>
-            <a:r>
-              <a:rPr lang="en-US" altLang="zh-CN" sz="2000" i="1" dirty="0">
-                <a:solidFill>
-                  <a:schemeClr val="tx1">
-                    <a:lumMod val="65000"/>
-                    <a:lumOff val="35000"/>
-                  </a:schemeClr>
-                </a:solidFill>
-                <a:latin typeface="Times New Roman" panose="02020603050405020304" pitchFamily="18" charset="0"/>
-                <a:ea typeface="+mn-ea"/>
-                <a:cs typeface="Times New Roman" panose="02020603050405020304" pitchFamily="18" charset="0"/>
-              </a:rPr>
-              <a:t>Partitioning data flow graphs using customized tile types</a:t>
-            </a:r>
-          </a:p>
-          <a:p>
-            <a:r>
-              <a:rPr kumimoji="1" lang="en-US" altLang="zh-CN" sz="2880" dirty="0">
-                <a:latin typeface="Times New Roman" panose="02020603050405020304" pitchFamily="18" charset="0"/>
-                <a:cs typeface="Times New Roman" panose="02020603050405020304" pitchFamily="18" charset="0"/>
-              </a:rPr>
-              <a:t>Customized Tile Types:</a:t>
-            </a:r>
-          </a:p>
-          <a:p>
-            <a:pPr lvl="1"/>
-            <a:r>
-              <a:rPr kumimoji="1" lang="en-US" altLang="zh-CN" sz="2640" dirty="0">
-                <a:latin typeface="Times New Roman" panose="02020603050405020304" pitchFamily="18" charset="0"/>
-                <a:cs typeface="Times New Roman" panose="02020603050405020304" pitchFamily="18" charset="0"/>
-              </a:rPr>
-              <a:t>Quadratic</a:t>
-            </a:r>
-          </a:p>
-          <a:p>
-            <a:pPr lvl="1"/>
-            <a:r>
-              <a:rPr kumimoji="1" lang="en-US" altLang="zh-CN" sz="2640" dirty="0" err="1">
-                <a:latin typeface="Times New Roman" panose="02020603050405020304" pitchFamily="18" charset="0"/>
-                <a:cs typeface="Times New Roman" panose="02020603050405020304" pitchFamily="18" charset="0"/>
-              </a:rPr>
-              <a:t>MulLinear</a:t>
-            </a:r>
-            <a:endParaRPr kumimoji="1" lang="en-US" altLang="zh-CN" sz="2640" dirty="0">
-              <a:latin typeface="Times New Roman" panose="02020603050405020304" pitchFamily="18" charset="0"/>
-              <a:cs typeface="Times New Roman" panose="02020603050405020304" pitchFamily="18" charset="0"/>
-            </a:endParaRPr>
-          </a:p>
-          <a:p>
-            <a:pPr lvl="1"/>
-            <a:r>
-              <a:rPr kumimoji="1" lang="en-US" altLang="zh-CN" sz="2640" dirty="0" err="1">
-                <a:latin typeface="Times New Roman" panose="02020603050405020304" pitchFamily="18" charset="0"/>
-                <a:cs typeface="Times New Roman" panose="02020603050405020304" pitchFamily="18" charset="0"/>
-              </a:rPr>
-              <a:t>AddLinear</a:t>
-            </a:r>
-            <a:endParaRPr kumimoji="1" lang="en-US" altLang="zh-CN" sz="2640" dirty="0">
-              <a:latin typeface="Times New Roman" panose="02020603050405020304" pitchFamily="18" charset="0"/>
-              <a:cs typeface="Times New Roman" panose="02020603050405020304" pitchFamily="18" charset="0"/>
-            </a:endParaRPr>
-          </a:p>
-          <a:p>
-            <a:r>
-              <a:rPr kumimoji="1" lang="en-US" altLang="zh-CN" sz="2880" dirty="0">
-                <a:latin typeface="Times New Roman" panose="02020603050405020304" pitchFamily="18" charset="0"/>
-                <a:cs typeface="Times New Roman" panose="02020603050405020304" pitchFamily="18" charset="0"/>
-              </a:rPr>
-              <a:t>Three Considerations:</a:t>
-            </a:r>
-          </a:p>
-          <a:p>
-            <a:pPr lvl="1"/>
-            <a:r>
-              <a:rPr kumimoji="1" lang="en-US" altLang="zh-CN" sz="2640" dirty="0">
-                <a:latin typeface="Times New Roman" panose="02020603050405020304" pitchFamily="18" charset="0"/>
-                <a:cs typeface="Times New Roman" panose="02020603050405020304" pitchFamily="18" charset="0"/>
-              </a:rPr>
-              <a:t>Temporarily deferring the constraint merging step.</a:t>
-            </a:r>
-          </a:p>
-          <a:p>
-            <a:pPr lvl="1"/>
-            <a:r>
-              <a:rPr kumimoji="1" lang="en-US" altLang="zh-CN" sz="2640" dirty="0">
-                <a:latin typeface="Times New Roman" panose="02020603050405020304" pitchFamily="18" charset="0"/>
-                <a:cs typeface="Times New Roman" panose="02020603050405020304" pitchFamily="18" charset="0"/>
-              </a:rPr>
-              <a:t>Utilizing the paradigm based on unmerged constraints as the fundamental approach.</a:t>
-            </a:r>
-          </a:p>
-          <a:p>
-            <a:pPr lvl="1"/>
-            <a:r>
-              <a:rPr kumimoji="1" lang="en-US" altLang="zh-CN" sz="2640" dirty="0">
-                <a:latin typeface="Times New Roman" panose="02020603050405020304" pitchFamily="18" charset="0"/>
-                <a:cs typeface="Times New Roman" panose="02020603050405020304" pitchFamily="18" charset="0"/>
-              </a:rPr>
-              <a:t>Implementing a relatively straightforward algorithm for tile selection.</a:t>
-            </a:r>
-          </a:p>
-          <a:p>
-            <a:endParaRPr kumimoji="1" lang="en-US" altLang="zh-CN" sz="2880" dirty="0">
-              <a:latin typeface="Times New Roman" panose="02020603050405020304" pitchFamily="18" charset="0"/>
-              <a:cs typeface="Times New Roman" panose="02020603050405020304" pitchFamily="18" charset="0"/>
-            </a:endParaRPr>
-          </a:p>
-        </p:txBody>
-      </p:sp>
-      <p:sp>
-        <p:nvSpPr>
-          <p:cNvPr id="4" name="灯片编号占位符 3">
-            <a:extLst>
-              <a:ext uri="{FF2B5EF4-FFF2-40B4-BE49-F238E27FC236}">
-                <a16:creationId xmlns:a16="http://schemas.microsoft.com/office/drawing/2014/main" id="{B268D50E-8107-3C4D-94F0-BEB8FEB2CD0A}"/>
-              </a:ext>
-            </a:extLst>
-          </p:cNvPr>
-          <p:cNvSpPr>
-            <a:spLocks noGrp="1"/>
-          </p:cNvSpPr>
-          <p:nvPr>
-            <p:ph type="sldNum" sz="quarter" idx="12"/>
-          </p:nvPr>
-        </p:nvSpPr>
-        <p:spPr/>
-        <p:txBody>
-          <a:bodyPr/>
-          <a:lstStyle/>
-          <a:p>
-            <a:fld id="{ADE361C3-C043-4A6E-BDCE-8DA1E7D90A3B}" type="slidenum">
-              <a:rPr lang="zh-CN" altLang="en-US" smtClean="0"/>
-              <a:t>9</a:t>
-            </a:fld>
-            <a:endParaRPr lang="zh-CN" altLang="en-US"/>
-          </a:p>
-        </p:txBody>
-      </p:sp>
-      <p:pic>
-        <p:nvPicPr>
-          <p:cNvPr id="6" name="图片 5">
-            <a:extLst>
-              <a:ext uri="{FF2B5EF4-FFF2-40B4-BE49-F238E27FC236}">
-                <a16:creationId xmlns:a16="http://schemas.microsoft.com/office/drawing/2014/main" id="{76064CC9-2EEB-7CA2-55B6-B62631865640}"/>
-              </a:ext>
-            </a:extLst>
-          </p:cNvPr>
-          <p:cNvPicPr>
-            <a:picLocks noChangeAspect="1"/>
-          </p:cNvPicPr>
-          <p:nvPr/>
-        </p:nvPicPr>
-        <p:blipFill>
-          <a:blip r:embed="rId3">
-            <a:extLst>
-              <a:ext uri="{28A0092B-C50C-407E-A947-70E740481C1C}">
-                <a14:useLocalDpi xmlns:a14="http://schemas.microsoft.com/office/drawing/2010/main" val="0"/>
-              </a:ext>
-            </a:extLst>
-          </a:blip>
-          <a:stretch>
-            <a:fillRect/>
-          </a:stretch>
-        </p:blipFill>
-        <p:spPr>
-          <a:xfrm>
-            <a:off x="4548578" y="2538938"/>
-            <a:ext cx="4189022" cy="1457051"/>
-          </a:xfrm>
-          <a:prstGeom prst="rect">
-            <a:avLst/>
-          </a:prstGeom>
-        </p:spPr>
-      </p:pic>
-    </p:spTree>
-    <p:extLst>
-      <p:ext uri="{BB962C8B-B14F-4D97-AF65-F5344CB8AC3E}">
-        <p14:creationId xmlns:p14="http://schemas.microsoft.com/office/powerpoint/2010/main" val="204271145"/>
       </p:ext>
     </p:extLst>
   </p:cSld>

--- a/meeting_docs/PRDC/ppt.pptx
+++ b/meeting_docs/PRDC/ppt.pptx
@@ -216,7 +216,7 @@
           <a:p>
             <a:fld id="{24B8176E-6605-4323-B383-CD5FAEE5FE97}" type="datetimeFigureOut">
               <a:rPr lang="zh-CN" altLang="en-US" smtClean="0"/>
-              <a:t>2023/10/13</a:t>
+              <a:t>2023/10/19</a:t>
             </a:fld>
             <a:endParaRPr lang="zh-CN" altLang="en-US"/>
           </a:p>
@@ -3397,7 +3397,7 @@
           <a:noFill/>
           <a:extLst>
             <a:ext uri="{909E8E84-426E-40dd-AFC4-6F175D3DCCD1}">
-              <a14:hiddenFill xmlns:a14="http://schemas.microsoft.com/office/drawing/2010/main" xmlns="">
+              <a14:hiddenFill xmlns="" xmlns:a14="http://schemas.microsoft.com/office/drawing/2010/main">
                 <a:solidFill>
                   <a:srgbClr val="FFFFFF"/>
                 </a:solidFill>
@@ -5502,8 +5502,8 @@
           </a:p>
         </p:txBody>
       </p:sp>
-      <mc:AlternateContent xmlns:mc="http://schemas.openxmlformats.org/markup-compatibility/2006">
-        <mc:Choice xmlns:a14="http://schemas.microsoft.com/office/drawing/2010/main" Requires="a14">
+      <mc:AlternateContent xmlns:mc="http://schemas.openxmlformats.org/markup-compatibility/2006" xmlns:a14="http://schemas.microsoft.com/office/drawing/2010/main">
+        <mc:Choice Requires="a14">
           <p:sp>
             <p:nvSpPr>
               <p:cNvPr id="3" name="内容占位符 2">
@@ -5788,7 +5788,7 @@
             </p:txBody>
           </p:sp>
         </mc:Choice>
-        <mc:Fallback>
+        <mc:Fallback xmlns="">
           <p:sp>
             <p:nvSpPr>
               <p:cNvPr id="3" name="内容占位符 2">
@@ -10449,8 +10449,8 @@
           </a:p>
         </p:txBody>
       </p:sp>
-      <mc:AlternateContent xmlns:mc="http://schemas.openxmlformats.org/markup-compatibility/2006">
-        <mc:Choice xmlns:a14="http://schemas.microsoft.com/office/drawing/2010/main" Requires="a14">
+      <mc:AlternateContent xmlns:mc="http://schemas.openxmlformats.org/markup-compatibility/2006" xmlns:a14="http://schemas.microsoft.com/office/drawing/2010/main">
+        <mc:Choice Requires="a14">
           <p:sp>
             <p:nvSpPr>
               <p:cNvPr id="3" name="内容占位符 2">
@@ -12066,7 +12066,7 @@
             </p:txBody>
           </p:sp>
         </mc:Choice>
-        <mc:Fallback>
+        <mc:Fallback xmlns="">
           <p:sp>
             <p:nvSpPr>
               <p:cNvPr id="3" name="内容占位符 2">
